--- a/02 - Linux 1.pptx
+++ b/02 - Linux 1.pptx
@@ -5,22 +5,12 @@
     <p:sldMasterId id="2147483673" r:id="rId4"/>
   </p:sldMasterIdLst>
   <p:notesMasterIdLst>
-    <p:notesMasterId r:id="rId18"/>
+    <p:notesMasterId r:id="rId8"/>
   </p:notesMasterIdLst>
   <p:sldIdLst>
     <p:sldId id="257" r:id="rId5"/>
     <p:sldId id="269" r:id="rId6"/>
-    <p:sldId id="258" r:id="rId7"/>
-    <p:sldId id="259" r:id="rId8"/>
-    <p:sldId id="260" r:id="rId9"/>
-    <p:sldId id="261" r:id="rId10"/>
-    <p:sldId id="262" r:id="rId11"/>
-    <p:sldId id="263" r:id="rId12"/>
-    <p:sldId id="264" r:id="rId13"/>
-    <p:sldId id="266" r:id="rId14"/>
-    <p:sldId id="267" r:id="rId15"/>
-    <p:sldId id="268" r:id="rId16"/>
-    <p:sldId id="265" r:id="rId17"/>
+    <p:sldId id="265" r:id="rId7"/>
   </p:sldIdLst>
   <p:sldSz cx="9144000" cy="6858000" type="screen4x3"/>
   <p:notesSz cx="6858000" cy="9144000"/>
@@ -475,3129 +465,6 @@
     </a:lvl9pPr>
   </p:notesStyle>
 </p:notesMaster>
-</file>
-
-<file path=ppt/notesSlides/notesSlide1.xml><?xml version="1.0" encoding="utf-8"?>
-<p:notes xmlns:a="http://schemas.openxmlformats.org/drawingml/2006/main" xmlns:r="http://schemas.openxmlformats.org/officeDocument/2006/relationships" xmlns:p="http://schemas.openxmlformats.org/presentationml/2006/main">
-  <p:cSld>
-    <p:spTree>
-      <p:nvGrpSpPr>
-        <p:cNvPr id="1" name=""/>
-        <p:cNvGrpSpPr/>
-        <p:nvPr/>
-      </p:nvGrpSpPr>
-      <p:grpSpPr>
-        <a:xfrm>
-          <a:off x="0" y="0"/>
-          <a:ext cx="0" cy="0"/>
-          <a:chOff x="0" y="0"/>
-          <a:chExt cx="0" cy="0"/>
-        </a:xfrm>
-      </p:grpSpPr>
-      <p:sp>
-        <p:nvSpPr>
-          <p:cNvPr id="2" name="Slide Image Placeholder 1"/>
-          <p:cNvSpPr>
-            <a:spLocks noGrp="1" noRot="1" noChangeAspect="1"/>
-          </p:cNvSpPr>
-          <p:nvPr>
-            <p:ph type="sldImg"/>
-          </p:nvPr>
-        </p:nvSpPr>
-        <p:spPr/>
-      </p:sp>
-      <p:sp>
-        <p:nvSpPr>
-          <p:cNvPr id="3" name="Notes Placeholder 2"/>
-          <p:cNvSpPr>
-            <a:spLocks noGrp="1"/>
-          </p:cNvSpPr>
-          <p:nvPr>
-            <p:ph type="body" idx="1"/>
-          </p:nvPr>
-        </p:nvSpPr>
-        <p:spPr/>
-        <p:txBody>
-          <a:bodyPr/>
-          <a:lstStyle/>
-          <a:p>
-            <a:pPr algn="l"/>
-            <a:r>
-              <a:rPr lang="en-US" b="1" i="0" dirty="0">
-                <a:solidFill>
-                  <a:srgbClr val="000000"/>
-                </a:solidFill>
-                <a:effectLst/>
-                <a:latin typeface="Vazir"/>
-              </a:rPr>
-              <a:t>Local data model</a:t>
-            </a:r>
-          </a:p>
-          <a:p>
-            <a:pPr algn="l"/>
-            <a:r>
-              <a:rPr lang="en-US" b="0" i="0" dirty="0">
-                <a:solidFill>
-                  <a:srgbClr val="202122"/>
-                </a:solidFill>
-                <a:effectLst/>
-                <a:latin typeface="Vazir"/>
-              </a:rPr>
-              <a:t>In the local-only approach, all developers must use the same file system.</a:t>
-            </a:r>
-          </a:p>
-          <a:p>
-            <a:pPr algn="l"/>
-            <a:r>
-              <a:rPr lang="en-US" b="1" i="0" dirty="0">
-                <a:solidFill>
-                  <a:srgbClr val="000000"/>
-                </a:solidFill>
-                <a:effectLst/>
-                <a:latin typeface="Vazir"/>
-              </a:rPr>
-              <a:t>Open source</a:t>
-            </a:r>
-            <a:r>
-              <a:rPr lang="en-US" b="0" i="0" dirty="0">
-                <a:solidFill>
-                  <a:srgbClr val="54595D"/>
-                </a:solidFill>
-                <a:effectLst/>
-                <a:latin typeface="var(--font)"/>
-              </a:rPr>
-              <a:t>[</a:t>
-            </a:r>
-            <a:r>
-              <a:rPr lang="en-US" b="0" i="0" u="none" strike="noStrike" dirty="0">
-                <a:solidFill>
-                  <a:srgbClr val="0B0080"/>
-                </a:solidFill>
-                <a:effectLst/>
-                <a:latin typeface="var(--font)"/>
-                <a:hlinkClick r:id="rId3" tooltip="Edit section: Open source"/>
-              </a:rPr>
-              <a:t>edit</a:t>
-            </a:r>
-            <a:r>
-              <a:rPr lang="en-US" b="0" i="0" dirty="0">
-                <a:solidFill>
-                  <a:srgbClr val="54595D"/>
-                </a:solidFill>
-                <a:effectLst/>
-                <a:latin typeface="var(--font)"/>
-              </a:rPr>
-              <a:t>]</a:t>
-            </a:r>
-            <a:endParaRPr lang="en-US" b="1" i="0" dirty="0">
-              <a:solidFill>
-                <a:srgbClr val="000000"/>
-              </a:solidFill>
-              <a:effectLst/>
-              <a:latin typeface="Vazir"/>
-            </a:endParaRPr>
-          </a:p>
-          <a:p>
-            <a:pPr algn="l">
-              <a:buFont typeface="Arial" panose="020B0604020202020204" pitchFamily="34" charset="0"/>
-              <a:buChar char="•"/>
-            </a:pPr>
-            <a:r>
-              <a:rPr lang="en-US" b="0" i="0" u="none" strike="noStrike" dirty="0">
-                <a:solidFill>
-                  <a:srgbClr val="0B0080"/>
-                </a:solidFill>
-                <a:effectLst/>
-                <a:latin typeface="Vazir"/>
-                <a:hlinkClick r:id="rId4" tooltip="Revision Control System"/>
-              </a:rPr>
-              <a:t>Revision Control System</a:t>
-            </a:r>
-            <a:r>
-              <a:rPr lang="en-US" b="0" i="0" dirty="0">
-                <a:solidFill>
-                  <a:srgbClr val="202122"/>
-                </a:solidFill>
-                <a:effectLst/>
-                <a:latin typeface="Vazir"/>
-              </a:rPr>
-              <a:t> (RCS) – stores the latest version and backward deltas for fastest access to the trunk tip</a:t>
-            </a:r>
-            <a:r>
-              <a:rPr lang="en-US" b="0" i="0" u="none" strike="noStrike" baseline="30000" dirty="0">
-                <a:solidFill>
-                  <a:srgbClr val="0B0080"/>
-                </a:solidFill>
-                <a:effectLst/>
-                <a:latin typeface="Vazir"/>
-                <a:hlinkClick r:id="rId5"/>
-              </a:rPr>
-              <a:t>[1]</a:t>
-            </a:r>
-            <a:r>
-              <a:rPr lang="en-US" b="0" i="0" u="none" strike="noStrike" baseline="30000" dirty="0">
-                <a:solidFill>
-                  <a:srgbClr val="0B0080"/>
-                </a:solidFill>
-                <a:effectLst/>
-                <a:latin typeface="Vazir"/>
-                <a:hlinkClick r:id="rId6"/>
-              </a:rPr>
-              <a:t>[2]</a:t>
-            </a:r>
-            <a:r>
-              <a:rPr lang="en-US" b="0" i="0" dirty="0">
-                <a:solidFill>
-                  <a:srgbClr val="202122"/>
-                </a:solidFill>
-                <a:effectLst/>
-                <a:latin typeface="Vazir"/>
-              </a:rPr>
-              <a:t> compared to SCCS and an improved user interface,</a:t>
-            </a:r>
-            <a:r>
-              <a:rPr lang="en-US" b="0" i="0" u="none" strike="noStrike" baseline="30000" dirty="0">
-                <a:solidFill>
-                  <a:srgbClr val="0B0080"/>
-                </a:solidFill>
-                <a:effectLst/>
-                <a:latin typeface="Vazir"/>
-                <a:hlinkClick r:id="rId7"/>
-              </a:rPr>
-              <a:t>[3]</a:t>
-            </a:r>
-            <a:r>
-              <a:rPr lang="en-US" b="0" i="0" dirty="0">
-                <a:solidFill>
-                  <a:srgbClr val="202122"/>
-                </a:solidFill>
-                <a:effectLst/>
-                <a:latin typeface="Vazir"/>
-              </a:rPr>
-              <a:t> at the cost of slow branch tip access and missing support for included/excluded deltas.</a:t>
-            </a:r>
-          </a:p>
-          <a:p>
-            <a:pPr algn="l">
-              <a:buFont typeface="Arial" panose="020B0604020202020204" pitchFamily="34" charset="0"/>
-              <a:buChar char="•"/>
-            </a:pPr>
-            <a:r>
-              <a:rPr lang="en-US" b="0" i="0" u="none" strike="noStrike" dirty="0">
-                <a:solidFill>
-                  <a:srgbClr val="0B0080"/>
-                </a:solidFill>
-                <a:effectLst/>
-                <a:latin typeface="Vazir"/>
-                <a:hlinkClick r:id="rId8" tooltip="Source Code Control System"/>
-              </a:rPr>
-              <a:t>Source Code Control System</a:t>
-            </a:r>
-            <a:r>
-              <a:rPr lang="en-US" b="0" i="0" dirty="0">
-                <a:solidFill>
-                  <a:srgbClr val="202122"/>
-                </a:solidFill>
-                <a:effectLst/>
-                <a:latin typeface="Vazir"/>
-              </a:rPr>
-              <a:t> (SCCS) – part of </a:t>
-            </a:r>
-            <a:r>
-              <a:rPr lang="en-US" b="0" i="0" u="none" strike="noStrike" dirty="0">
-                <a:solidFill>
-                  <a:srgbClr val="0B0080"/>
-                </a:solidFill>
-                <a:effectLst/>
-                <a:latin typeface="Vazir"/>
-                <a:hlinkClick r:id="rId9"/>
-              </a:rPr>
-              <a:t>UNIX</a:t>
-            </a:r>
-            <a:r>
-              <a:rPr lang="en-US" b="0" i="0" dirty="0">
-                <a:solidFill>
-                  <a:srgbClr val="202122"/>
-                </a:solidFill>
-                <a:effectLst/>
-                <a:latin typeface="Vazir"/>
-              </a:rPr>
-              <a:t>; based on </a:t>
-            </a:r>
-            <a:r>
-              <a:rPr lang="en-US" b="0" i="0" u="none" strike="noStrike" dirty="0">
-                <a:solidFill>
-                  <a:srgbClr val="0B0080"/>
-                </a:solidFill>
-                <a:effectLst/>
-                <a:latin typeface="Vazir"/>
-                <a:hlinkClick r:id="rId10" tooltip="Interleaved deltas"/>
-              </a:rPr>
-              <a:t>interleaved deltas</a:t>
-            </a:r>
-            <a:r>
-              <a:rPr lang="en-US" b="0" i="0" dirty="0">
-                <a:solidFill>
-                  <a:srgbClr val="202122"/>
-                </a:solidFill>
-                <a:effectLst/>
-                <a:latin typeface="Vazir"/>
-              </a:rPr>
-              <a:t>, can construct versions as arbitrary sets of revisions. Extracting an arbitrary version takes essentially the same time and is thus more useful in environments that rely heavily on </a:t>
-            </a:r>
-            <a:r>
-              <a:rPr lang="en-US" b="0" i="0" u="none" strike="noStrike" dirty="0">
-                <a:solidFill>
-                  <a:srgbClr val="0B0080"/>
-                </a:solidFill>
-                <a:effectLst/>
-                <a:latin typeface="Vazir"/>
-                <a:hlinkClick r:id="rId11" tooltip="Branching (software)"/>
-              </a:rPr>
-              <a:t>branching</a:t>
-            </a:r>
-            <a:r>
-              <a:rPr lang="en-US" b="0" i="0" dirty="0">
-                <a:solidFill>
-                  <a:srgbClr val="202122"/>
-                </a:solidFill>
-                <a:effectLst/>
-                <a:latin typeface="Vazir"/>
-              </a:rPr>
-              <a:t> and </a:t>
-            </a:r>
-            <a:r>
-              <a:rPr lang="en-US" b="0" i="0" u="none" strike="noStrike" dirty="0">
-                <a:solidFill>
-                  <a:srgbClr val="0B0080"/>
-                </a:solidFill>
-                <a:effectLst/>
-                <a:latin typeface="Vazir"/>
-                <a:hlinkClick r:id="rId12" tooltip="Merge (revision control)"/>
-              </a:rPr>
-              <a:t>merging</a:t>
-            </a:r>
-            <a:r>
-              <a:rPr lang="en-US" b="0" i="0" dirty="0">
-                <a:solidFill>
-                  <a:srgbClr val="202122"/>
-                </a:solidFill>
-                <a:effectLst/>
-                <a:latin typeface="Vazir"/>
-              </a:rPr>
-              <a:t> with multiple "current" and identical versions.</a:t>
-            </a:r>
-          </a:p>
-          <a:p>
-            <a:pPr algn="l">
-              <a:buFont typeface="Arial" panose="020B0604020202020204" pitchFamily="34" charset="0"/>
-              <a:buChar char="•"/>
-            </a:pPr>
-            <a:endParaRPr lang="en-US" b="0" i="0" dirty="0">
-              <a:solidFill>
-                <a:srgbClr val="202122"/>
-              </a:solidFill>
-              <a:effectLst/>
-              <a:latin typeface="Vazir"/>
-            </a:endParaRPr>
-          </a:p>
-          <a:p>
-            <a:pPr algn="l">
-              <a:buFont typeface="Arial" panose="020B0604020202020204" pitchFamily="34" charset="0"/>
-              <a:buNone/>
-            </a:pPr>
-            <a:endParaRPr lang="en-US" b="0" i="0" dirty="0">
-              <a:solidFill>
-                <a:srgbClr val="202122"/>
-              </a:solidFill>
-              <a:effectLst/>
-              <a:latin typeface="Vazir"/>
-            </a:endParaRPr>
-          </a:p>
-          <a:p>
-            <a:pPr algn="l"/>
-            <a:r>
-              <a:rPr lang="en-US" b="1" i="0" dirty="0">
-                <a:solidFill>
-                  <a:srgbClr val="000000"/>
-                </a:solidFill>
-                <a:effectLst/>
-                <a:latin typeface="Vazir"/>
-              </a:rPr>
-              <a:t>Client-server model</a:t>
-            </a:r>
-          </a:p>
-          <a:p>
-            <a:pPr algn="l"/>
-            <a:r>
-              <a:rPr lang="en-US" b="0" i="0" dirty="0">
-                <a:solidFill>
-                  <a:srgbClr val="202122"/>
-                </a:solidFill>
-                <a:effectLst/>
-                <a:latin typeface="Vazir"/>
-              </a:rPr>
-              <a:t>In the client-server model, developers use a shared single repository.</a:t>
-            </a:r>
-          </a:p>
-          <a:p>
-            <a:pPr algn="l"/>
-            <a:r>
-              <a:rPr lang="en-US" b="1" i="0" dirty="0">
-                <a:solidFill>
-                  <a:srgbClr val="000000"/>
-                </a:solidFill>
-                <a:effectLst/>
-                <a:latin typeface="Vazir"/>
-              </a:rPr>
-              <a:t>Open source</a:t>
-            </a:r>
-            <a:r>
-              <a:rPr lang="en-US" b="0" i="0" dirty="0">
-                <a:solidFill>
-                  <a:srgbClr val="54595D"/>
-                </a:solidFill>
-                <a:effectLst/>
-                <a:latin typeface="var(--font)"/>
-              </a:rPr>
-              <a:t>[</a:t>
-            </a:r>
-            <a:r>
-              <a:rPr lang="en-US" b="0" i="0" u="none" strike="noStrike" dirty="0">
-                <a:solidFill>
-                  <a:srgbClr val="0B0080"/>
-                </a:solidFill>
-                <a:effectLst/>
-                <a:latin typeface="var(--font)"/>
-                <a:hlinkClick r:id="rId13" tooltip="Edit section: Open source"/>
-              </a:rPr>
-              <a:t>edit</a:t>
-            </a:r>
-            <a:r>
-              <a:rPr lang="en-US" b="0" i="0" dirty="0">
-                <a:solidFill>
-                  <a:srgbClr val="54595D"/>
-                </a:solidFill>
-                <a:effectLst/>
-                <a:latin typeface="var(--font)"/>
-              </a:rPr>
-              <a:t>]</a:t>
-            </a:r>
-            <a:endParaRPr lang="en-US" b="1" i="0" dirty="0">
-              <a:solidFill>
-                <a:srgbClr val="000000"/>
-              </a:solidFill>
-              <a:effectLst/>
-              <a:latin typeface="Vazir"/>
-            </a:endParaRPr>
-          </a:p>
-          <a:p>
-            <a:pPr algn="l">
-              <a:buFont typeface="Arial" panose="020B0604020202020204" pitchFamily="34" charset="0"/>
-              <a:buChar char="•"/>
-            </a:pPr>
-            <a:r>
-              <a:rPr lang="en-US" b="0" i="0" u="none" strike="noStrike" dirty="0">
-                <a:solidFill>
-                  <a:srgbClr val="0B0080"/>
-                </a:solidFill>
-                <a:effectLst/>
-                <a:latin typeface="Vazir"/>
-                <a:hlinkClick r:id="rId14" tooltip="Concurrent Versions System"/>
-              </a:rPr>
-              <a:t>Concurrent Versions System</a:t>
-            </a:r>
-            <a:r>
-              <a:rPr lang="en-US" b="0" i="0" dirty="0">
-                <a:solidFill>
-                  <a:srgbClr val="202122"/>
-                </a:solidFill>
-                <a:effectLst/>
-                <a:latin typeface="Vazir"/>
-              </a:rPr>
-              <a:t> (CVS) – originally built on RCS, licensed under the </a:t>
-            </a:r>
-            <a:r>
-              <a:rPr lang="en-US" b="0" i="0" u="none" strike="noStrike" dirty="0">
-                <a:solidFill>
-                  <a:srgbClr val="0B0080"/>
-                </a:solidFill>
-                <a:effectLst/>
-                <a:latin typeface="Vazir"/>
-                <a:hlinkClick r:id="rId15" tooltip="GPL"/>
-              </a:rPr>
-              <a:t>GPL</a:t>
-            </a:r>
-            <a:r>
-              <a:rPr lang="en-US" b="0" i="0" dirty="0">
-                <a:solidFill>
-                  <a:srgbClr val="202122"/>
-                </a:solidFill>
-                <a:effectLst/>
-                <a:latin typeface="Vazir"/>
-              </a:rPr>
-              <a:t>.</a:t>
-            </a:r>
-          </a:p>
-          <a:p>
-            <a:pPr marL="742950" lvl="1" indent="-285750" algn="l">
-              <a:buFont typeface="Arial" panose="020B0604020202020204" pitchFamily="34" charset="0"/>
-              <a:buChar char="•"/>
-            </a:pPr>
-            <a:r>
-              <a:rPr lang="en-US" b="0" i="0" u="none" strike="noStrike" dirty="0">
-                <a:solidFill>
-                  <a:srgbClr val="0B0080"/>
-                </a:solidFill>
-                <a:effectLst/>
-                <a:latin typeface="Vazir"/>
-                <a:hlinkClick r:id="rId16" tooltip="CVSNT"/>
-              </a:rPr>
-              <a:t>CVSNT</a:t>
-            </a:r>
-            <a:r>
-              <a:rPr lang="en-US" b="0" i="0" dirty="0">
-                <a:solidFill>
-                  <a:srgbClr val="202122"/>
-                </a:solidFill>
-                <a:effectLst/>
-                <a:latin typeface="Vazir"/>
-              </a:rPr>
-              <a:t> – cross-platform port of CVS that allows case insensitive file names among other changes</a:t>
-            </a:r>
-          </a:p>
-          <a:p>
-            <a:pPr marL="742950" lvl="1" indent="-285750" algn="l">
-              <a:buFont typeface="Arial" panose="020B0604020202020204" pitchFamily="34" charset="0"/>
-              <a:buChar char="•"/>
-            </a:pPr>
-            <a:r>
-              <a:rPr lang="en-US" b="0" i="0" u="none" strike="noStrike" dirty="0" err="1">
-                <a:solidFill>
-                  <a:srgbClr val="0B0080"/>
-                </a:solidFill>
-                <a:effectLst/>
-                <a:latin typeface="Vazir"/>
-                <a:hlinkClick r:id="rId17" tooltip="OpenCVS"/>
-              </a:rPr>
-              <a:t>OpenCVS</a:t>
-            </a:r>
-            <a:r>
-              <a:rPr lang="en-US" b="0" i="0" dirty="0">
-                <a:solidFill>
-                  <a:srgbClr val="202122"/>
-                </a:solidFill>
-                <a:effectLst/>
-                <a:latin typeface="Vazir"/>
-              </a:rPr>
-              <a:t> – CVS clone under the </a:t>
-            </a:r>
-            <a:r>
-              <a:rPr lang="en-US" b="0" i="0" u="none" strike="noStrike" dirty="0">
-                <a:solidFill>
-                  <a:srgbClr val="0B0080"/>
-                </a:solidFill>
-                <a:effectLst/>
-                <a:latin typeface="Vazir"/>
-                <a:hlinkClick r:id="rId18" tooltip="BSD license"/>
-              </a:rPr>
-              <a:t>BSD license</a:t>
-            </a:r>
-            <a:r>
-              <a:rPr lang="en-US" b="0" i="0" dirty="0">
-                <a:solidFill>
-                  <a:srgbClr val="202122"/>
-                </a:solidFill>
-                <a:effectLst/>
-                <a:latin typeface="Vazir"/>
-              </a:rPr>
-              <a:t>, with emphasis put on security and source code correctness</a:t>
-            </a:r>
-          </a:p>
-          <a:p>
-            <a:pPr algn="l">
-              <a:buFont typeface="Arial" panose="020B0604020202020204" pitchFamily="34" charset="0"/>
-              <a:buChar char="•"/>
-            </a:pPr>
-            <a:r>
-              <a:rPr lang="en-US" b="0" i="0" u="none" strike="noStrike" dirty="0">
-                <a:solidFill>
-                  <a:srgbClr val="0B0080"/>
-                </a:solidFill>
-                <a:effectLst/>
-                <a:latin typeface="Vazir"/>
-                <a:hlinkClick r:id="rId19" tooltip="Subversion (software)"/>
-              </a:rPr>
-              <a:t>Subversion</a:t>
-            </a:r>
-            <a:r>
-              <a:rPr lang="en-US" b="0" i="0" dirty="0">
-                <a:solidFill>
-                  <a:srgbClr val="202122"/>
-                </a:solidFill>
-                <a:effectLst/>
-                <a:latin typeface="Vazir"/>
-              </a:rPr>
-              <a:t> (SVN) – versioning control system inspired by CVS</a:t>
-            </a:r>
-            <a:r>
-              <a:rPr lang="en-US" b="0" i="0" u="none" strike="noStrike" baseline="30000" dirty="0">
-                <a:solidFill>
-                  <a:srgbClr val="0B0080"/>
-                </a:solidFill>
-                <a:effectLst/>
-                <a:latin typeface="Vazir"/>
-                <a:hlinkClick r:id="rId20"/>
-              </a:rPr>
-              <a:t>[4]</a:t>
-            </a:r>
-            <a:endParaRPr lang="en-US" b="0" i="0" dirty="0">
-              <a:solidFill>
-                <a:srgbClr val="202122"/>
-              </a:solidFill>
-              <a:effectLst/>
-              <a:latin typeface="Vazir"/>
-            </a:endParaRPr>
-          </a:p>
-          <a:p>
-            <a:pPr algn="l">
-              <a:buFont typeface="Arial" panose="020B0604020202020204" pitchFamily="34" charset="0"/>
-              <a:buChar char="•"/>
-            </a:pPr>
-            <a:r>
-              <a:rPr lang="en-US" b="0" i="0" u="none" strike="noStrike" dirty="0">
-                <a:solidFill>
-                  <a:srgbClr val="0B0080"/>
-                </a:solidFill>
-                <a:effectLst/>
-                <a:latin typeface="Vazir"/>
-                <a:hlinkClick r:id="rId21" tooltip="Vesta (Software configuration management)"/>
-              </a:rPr>
-              <a:t>Vesta</a:t>
-            </a:r>
-            <a:r>
-              <a:rPr lang="en-US" b="0" i="0" dirty="0">
-                <a:solidFill>
-                  <a:srgbClr val="202122"/>
-                </a:solidFill>
-                <a:effectLst/>
-                <a:latin typeface="Vazir"/>
-              </a:rPr>
-              <a:t> – build system with a versioning file system and support for distributed repositories</a:t>
-            </a:r>
-          </a:p>
-          <a:p>
-            <a:pPr algn="l"/>
-            <a:r>
-              <a:rPr lang="en-US" b="1" i="0" dirty="0">
-                <a:solidFill>
-                  <a:srgbClr val="000000"/>
-                </a:solidFill>
-                <a:effectLst/>
-                <a:latin typeface="Vazir"/>
-              </a:rPr>
-              <a:t>Proprietary</a:t>
-            </a:r>
-            <a:r>
-              <a:rPr lang="en-US" b="0" i="0" dirty="0">
-                <a:solidFill>
-                  <a:srgbClr val="54595D"/>
-                </a:solidFill>
-                <a:effectLst/>
-                <a:latin typeface="var(--font)"/>
-              </a:rPr>
-              <a:t>[</a:t>
-            </a:r>
-            <a:r>
-              <a:rPr lang="en-US" b="0" i="0" u="none" strike="noStrike" dirty="0">
-                <a:solidFill>
-                  <a:srgbClr val="0B0080"/>
-                </a:solidFill>
-                <a:effectLst/>
-                <a:latin typeface="var(--font)"/>
-                <a:hlinkClick r:id="rId22" tooltip="Edit section: Proprietary"/>
-              </a:rPr>
-              <a:t>edit</a:t>
-            </a:r>
-            <a:r>
-              <a:rPr lang="en-US" b="0" i="0" dirty="0">
-                <a:solidFill>
-                  <a:srgbClr val="54595D"/>
-                </a:solidFill>
-                <a:effectLst/>
-                <a:latin typeface="var(--font)"/>
-              </a:rPr>
-              <a:t>]</a:t>
-            </a:r>
-            <a:endParaRPr lang="en-US" b="1" i="0" dirty="0">
-              <a:solidFill>
-                <a:srgbClr val="000000"/>
-              </a:solidFill>
-              <a:effectLst/>
-              <a:latin typeface="Vazir"/>
-            </a:endParaRPr>
-          </a:p>
-          <a:p>
-            <a:pPr algn="l">
-              <a:buFont typeface="Arial" panose="020B0604020202020204" pitchFamily="34" charset="0"/>
-              <a:buChar char="•"/>
-            </a:pPr>
-            <a:r>
-              <a:rPr lang="en-US" b="0" i="0" u="none" strike="noStrike" dirty="0" err="1">
-                <a:solidFill>
-                  <a:srgbClr val="0B0080"/>
-                </a:solidFill>
-                <a:effectLst/>
-                <a:latin typeface="Vazir"/>
-                <a:hlinkClick r:id="rId23" tooltip="AccuRev SCM"/>
-              </a:rPr>
-              <a:t>AccuRev</a:t>
-            </a:r>
-            <a:r>
-              <a:rPr lang="en-US" b="0" i="0" dirty="0">
-                <a:solidFill>
-                  <a:srgbClr val="202122"/>
-                </a:solidFill>
-                <a:effectLst/>
-                <a:latin typeface="Vazir"/>
-              </a:rPr>
-              <a:t> – source configuration management tool with integrated issue tracking based on "Streams" that efficiently manages parallel and global development; replication server is also available. Now owned by </a:t>
-            </a:r>
-            <a:r>
-              <a:rPr lang="en-US" b="0" i="0" u="none" strike="noStrike" dirty="0">
-                <a:solidFill>
-                  <a:srgbClr val="0B0080"/>
-                </a:solidFill>
-                <a:effectLst/>
-                <a:latin typeface="Vazir"/>
-                <a:hlinkClick r:id="rId24" tooltip="Micro Focus"/>
-              </a:rPr>
-              <a:t>Micro Focus</a:t>
-            </a:r>
-            <a:r>
-              <a:rPr lang="en-US" b="0" i="0" dirty="0">
-                <a:solidFill>
-                  <a:srgbClr val="202122"/>
-                </a:solidFill>
-                <a:effectLst/>
-                <a:latin typeface="Vazir"/>
-              </a:rPr>
-              <a:t>.</a:t>
-            </a:r>
-          </a:p>
-          <a:p>
-            <a:pPr algn="l">
-              <a:buFont typeface="Arial" panose="020B0604020202020204" pitchFamily="34" charset="0"/>
-              <a:buChar char="•"/>
-            </a:pPr>
-            <a:r>
-              <a:rPr lang="en-US" b="0" i="0" u="none" strike="noStrike" dirty="0">
-                <a:solidFill>
-                  <a:srgbClr val="0B0080"/>
-                </a:solidFill>
-                <a:effectLst/>
-                <a:latin typeface="Vazir"/>
-                <a:hlinkClick r:id="rId25" tooltip="Autodesk Vault"/>
-              </a:rPr>
-              <a:t>Autodesk Vault</a:t>
-            </a:r>
-            <a:r>
-              <a:rPr lang="en-US" b="0" i="0" dirty="0">
-                <a:solidFill>
-                  <a:srgbClr val="202122"/>
-                </a:solidFill>
-                <a:effectLst/>
-                <a:latin typeface="Vazir"/>
-              </a:rPr>
-              <a:t> – Version control tool specifically designed for </a:t>
-            </a:r>
-            <a:r>
-              <a:rPr lang="en-US" b="0" i="0" u="none" strike="noStrike" dirty="0">
-                <a:solidFill>
-                  <a:srgbClr val="0B0080"/>
-                </a:solidFill>
-                <a:effectLst/>
-                <a:latin typeface="Vazir"/>
-                <a:hlinkClick r:id="rId26" tooltip="Autodesk"/>
-              </a:rPr>
-              <a:t>Autodesk</a:t>
-            </a:r>
-            <a:r>
-              <a:rPr lang="en-US" b="0" i="0" dirty="0">
-                <a:solidFill>
-                  <a:srgbClr val="202122"/>
-                </a:solidFill>
-                <a:effectLst/>
-                <a:latin typeface="Vazir"/>
-              </a:rPr>
-              <a:t> applications managing the complex relationships between design files such as </a:t>
-            </a:r>
-            <a:r>
-              <a:rPr lang="en-US" b="0" i="0" u="none" strike="noStrike" dirty="0">
-                <a:solidFill>
-                  <a:srgbClr val="0B0080"/>
-                </a:solidFill>
-                <a:effectLst/>
-                <a:latin typeface="Vazir"/>
-                <a:hlinkClick r:id="rId27" tooltip="AutoCAD"/>
-              </a:rPr>
-              <a:t>AutoCAD</a:t>
-            </a:r>
-            <a:r>
-              <a:rPr lang="en-US" b="0" i="0" dirty="0">
-                <a:solidFill>
-                  <a:srgbClr val="202122"/>
-                </a:solidFill>
-                <a:effectLst/>
-                <a:latin typeface="Vazir"/>
-              </a:rPr>
-              <a:t> and </a:t>
-            </a:r>
-            <a:r>
-              <a:rPr lang="en-US" b="0" i="0" u="none" strike="noStrike" dirty="0">
-                <a:solidFill>
-                  <a:srgbClr val="0B0080"/>
-                </a:solidFill>
-                <a:effectLst/>
-                <a:latin typeface="Vazir"/>
-                <a:hlinkClick r:id="rId28" tooltip="Autodesk Inventor"/>
-              </a:rPr>
-              <a:t>Autodesk Inventor</a:t>
-            </a:r>
-            <a:r>
-              <a:rPr lang="en-US" b="0" i="0" dirty="0">
-                <a:solidFill>
-                  <a:srgbClr val="202122"/>
-                </a:solidFill>
-                <a:effectLst/>
-                <a:latin typeface="Vazir"/>
-              </a:rPr>
-              <a:t>.</a:t>
-            </a:r>
-          </a:p>
-          <a:p>
-            <a:pPr algn="l">
-              <a:buFont typeface="Arial" panose="020B0604020202020204" pitchFamily="34" charset="0"/>
-              <a:buChar char="•"/>
-            </a:pPr>
-            <a:r>
-              <a:rPr lang="en-US" b="0" i="0" u="none" strike="noStrike" dirty="0">
-                <a:solidFill>
-                  <a:srgbClr val="0B0080"/>
-                </a:solidFill>
-                <a:effectLst/>
-                <a:latin typeface="Vazir"/>
-                <a:hlinkClick r:id="rId29" tooltip="CADES"/>
-              </a:rPr>
-              <a:t>CADES</a:t>
-            </a:r>
-            <a:r>
-              <a:rPr lang="en-US" b="0" i="0" dirty="0">
-                <a:solidFill>
-                  <a:srgbClr val="202122"/>
-                </a:solidFill>
-                <a:effectLst/>
-                <a:latin typeface="Vazir"/>
-              </a:rPr>
-              <a:t> - Designer productivity and version control system by </a:t>
-            </a:r>
-            <a:r>
-              <a:rPr lang="en-US" b="0" i="0" u="none" strike="noStrike" dirty="0">
-                <a:solidFill>
-                  <a:srgbClr val="0B0080"/>
-                </a:solidFill>
-                <a:effectLst/>
-                <a:latin typeface="Vazir"/>
-                <a:hlinkClick r:id="rId30" tooltip="International Computers Limited"/>
-              </a:rPr>
-              <a:t>International Computers Limited</a:t>
-            </a:r>
-            <a:r>
-              <a:rPr lang="en-US" b="0" i="0" dirty="0">
-                <a:solidFill>
-                  <a:srgbClr val="202122"/>
-                </a:solidFill>
-                <a:effectLst/>
-                <a:latin typeface="Vazir"/>
-              </a:rPr>
-              <a:t>.</a:t>
-            </a:r>
-          </a:p>
-          <a:p>
-            <a:pPr algn="l">
-              <a:buFont typeface="Arial" panose="020B0604020202020204" pitchFamily="34" charset="0"/>
-              <a:buChar char="•"/>
-            </a:pPr>
-            <a:r>
-              <a:rPr lang="en-US" b="0" i="0" u="none" strike="noStrike" dirty="0">
-                <a:solidFill>
-                  <a:srgbClr val="0B0080"/>
-                </a:solidFill>
-                <a:effectLst/>
-                <a:latin typeface="Vazir"/>
-                <a:hlinkClick r:id="rId31" tooltip="Dimensions CM"/>
-              </a:rPr>
-              <a:t>Dimensions CM</a:t>
-            </a:r>
-            <a:r>
-              <a:rPr lang="en-US" b="0" i="0" dirty="0">
-                <a:solidFill>
-                  <a:srgbClr val="202122"/>
-                </a:solidFill>
-                <a:effectLst/>
-                <a:latin typeface="Vazir"/>
-              </a:rPr>
-              <a:t> - </a:t>
-            </a:r>
-            <a:r>
-              <a:rPr lang="en-US" b="0" i="0" u="none" strike="noStrike" dirty="0">
-                <a:solidFill>
-                  <a:srgbClr val="0B0080"/>
-                </a:solidFill>
-                <a:effectLst/>
-                <a:latin typeface="Vazir"/>
-                <a:hlinkClick r:id="rId32" tooltip="Software configuration management"/>
-              </a:rPr>
-              <a:t>software change and configuration management</a:t>
-            </a:r>
-            <a:r>
-              <a:rPr lang="en-US" b="0" i="0" dirty="0">
-                <a:solidFill>
-                  <a:srgbClr val="202122"/>
-                </a:solidFill>
-                <a:effectLst/>
-                <a:latin typeface="Vazir"/>
-              </a:rPr>
-              <a:t> system developed by </a:t>
-            </a:r>
-            <a:r>
-              <a:rPr lang="en-US" b="0" i="0" u="none" strike="noStrike" dirty="0">
-                <a:solidFill>
-                  <a:srgbClr val="0B0080"/>
-                </a:solidFill>
-                <a:effectLst/>
-                <a:latin typeface="Vazir"/>
-                <a:hlinkClick r:id="rId33" tooltip="Micro Focus International"/>
-              </a:rPr>
-              <a:t>Micro Focus</a:t>
-            </a:r>
-            <a:r>
-              <a:rPr lang="en-US" b="0" i="0" dirty="0">
-                <a:solidFill>
-                  <a:srgbClr val="202122"/>
-                </a:solidFill>
-                <a:effectLst/>
-                <a:latin typeface="Vazir"/>
-              </a:rPr>
-              <a:t>, formerly </a:t>
-            </a:r>
-            <a:r>
-              <a:rPr lang="en-US" b="0" i="0" u="none" strike="noStrike" dirty="0">
-                <a:solidFill>
-                  <a:srgbClr val="0B0080"/>
-                </a:solidFill>
-                <a:effectLst/>
-                <a:latin typeface="Vazir"/>
-                <a:hlinkClick r:id="rId34" tooltip="Serena Software"/>
-              </a:rPr>
-              <a:t>Serena Software</a:t>
-            </a:r>
-            <a:r>
-              <a:rPr lang="en-US" b="0" i="0" dirty="0">
-                <a:solidFill>
-                  <a:srgbClr val="202122"/>
-                </a:solidFill>
-                <a:effectLst/>
-                <a:latin typeface="Vazir"/>
-              </a:rPr>
-              <a:t>, that includes </a:t>
-            </a:r>
-            <a:r>
-              <a:rPr lang="en-US" b="0" i="0" u="none" strike="noStrike" dirty="0">
-                <a:solidFill>
-                  <a:srgbClr val="0B0080"/>
-                </a:solidFill>
-                <a:effectLst/>
-                <a:latin typeface="Vazir"/>
-                <a:hlinkClick r:id="rId35" tooltip="Revision control"/>
-              </a:rPr>
-              <a:t>revision control</a:t>
-            </a:r>
-            <a:r>
-              <a:rPr lang="en-US" b="0" i="0" dirty="0">
-                <a:solidFill>
-                  <a:srgbClr val="202122"/>
-                </a:solidFill>
-                <a:effectLst/>
-                <a:latin typeface="Vazir"/>
-              </a:rPr>
-              <a:t>.</a:t>
-            </a:r>
-          </a:p>
-          <a:p>
-            <a:pPr algn="l">
-              <a:buFont typeface="Arial" panose="020B0604020202020204" pitchFamily="34" charset="0"/>
-              <a:buChar char="•"/>
-            </a:pPr>
-            <a:r>
-              <a:rPr lang="en-US" b="0" i="0" u="none" strike="noStrike" dirty="0">
-                <a:solidFill>
-                  <a:srgbClr val="0B0080"/>
-                </a:solidFill>
-                <a:effectLst/>
-                <a:latin typeface="Vazir"/>
-                <a:hlinkClick r:id="rId36" tooltip="Perforce Software"/>
-              </a:rPr>
-              <a:t>Helix Core</a:t>
-            </a:r>
-            <a:r>
-              <a:rPr lang="en-US" b="0" i="0" dirty="0">
-                <a:solidFill>
-                  <a:srgbClr val="202122"/>
-                </a:solidFill>
-                <a:effectLst/>
-                <a:latin typeface="Vazir"/>
-              </a:rPr>
-              <a:t>, formerly Perforce Helix - for large scale development environments</a:t>
-            </a:r>
-          </a:p>
-          <a:p>
-            <a:pPr algn="l">
-              <a:buFont typeface="Arial" panose="020B0604020202020204" pitchFamily="34" charset="0"/>
-              <a:buChar char="•"/>
-            </a:pPr>
-            <a:r>
-              <a:rPr lang="en-US" b="0" i="0" u="none" strike="noStrike" dirty="0">
-                <a:solidFill>
-                  <a:srgbClr val="0B0080"/>
-                </a:solidFill>
-                <a:effectLst/>
-                <a:latin typeface="Vazir"/>
-                <a:hlinkClick r:id="rId37" tooltip="IBM Configuration Management Version Control (CMVC)"/>
-              </a:rPr>
-              <a:t>IBM Configuration Management Version Control (CMVC)</a:t>
-            </a:r>
-            <a:r>
-              <a:rPr lang="en-US" b="0" i="0" dirty="0">
-                <a:solidFill>
-                  <a:srgbClr val="202122"/>
-                </a:solidFill>
-                <a:effectLst/>
-                <a:latin typeface="Vazir"/>
-              </a:rPr>
-              <a:t> – version control system, no longer available.</a:t>
-            </a:r>
-          </a:p>
-          <a:p>
-            <a:pPr algn="l">
-              <a:buFont typeface="Arial" panose="020B0604020202020204" pitchFamily="34" charset="0"/>
-              <a:buChar char="•"/>
-            </a:pPr>
-            <a:r>
-              <a:rPr lang="en-US" b="0" i="0" u="none" strike="noStrike" dirty="0">
-                <a:solidFill>
-                  <a:srgbClr val="0B0080"/>
-                </a:solidFill>
-                <a:effectLst/>
-                <a:latin typeface="Vazir"/>
-                <a:hlinkClick r:id="rId38" tooltip="IBM Rational ClearCase"/>
-              </a:rPr>
-              <a:t>IBM Rational ClearCase</a:t>
-            </a:r>
-            <a:r>
-              <a:rPr lang="en-US" b="0" i="0" dirty="0">
-                <a:solidFill>
-                  <a:srgbClr val="202122"/>
-                </a:solidFill>
-                <a:effectLst/>
-                <a:latin typeface="Vazir"/>
-              </a:rPr>
-              <a:t> – </a:t>
-            </a:r>
-            <a:r>
-              <a:rPr lang="en-US" b="0" i="0" u="none" strike="noStrike" dirty="0">
-                <a:solidFill>
-                  <a:srgbClr val="0B0080"/>
-                </a:solidFill>
-                <a:effectLst/>
-                <a:latin typeface="Vazir"/>
-                <a:hlinkClick r:id="rId39" tooltip="SCC compliant"/>
-              </a:rPr>
-              <a:t>SCC compliant</a:t>
-            </a:r>
-            <a:r>
-              <a:rPr lang="en-US" b="0" i="0" dirty="0">
-                <a:solidFill>
-                  <a:srgbClr val="202122"/>
-                </a:solidFill>
-                <a:effectLst/>
-                <a:latin typeface="Vazir"/>
-              </a:rPr>
-              <a:t> configuration management system by </a:t>
-            </a:r>
-            <a:r>
-              <a:rPr lang="en-US" b="0" i="0" u="none" strike="noStrike" dirty="0">
-                <a:solidFill>
-                  <a:srgbClr val="0B0080"/>
-                </a:solidFill>
-                <a:effectLst/>
-                <a:latin typeface="Vazir"/>
-                <a:hlinkClick r:id="rId40" tooltip="IBM"/>
-              </a:rPr>
-              <a:t>IBM</a:t>
-            </a:r>
-            <a:r>
-              <a:rPr lang="en-US" b="0" i="0" dirty="0">
-                <a:solidFill>
-                  <a:srgbClr val="202122"/>
-                </a:solidFill>
-                <a:effectLst/>
-                <a:latin typeface="Vazir"/>
-              </a:rPr>
-              <a:t> </a:t>
-            </a:r>
-            <a:r>
-              <a:rPr lang="en-US" b="0" i="0" u="none" strike="noStrike" dirty="0">
-                <a:solidFill>
-                  <a:srgbClr val="0B0080"/>
-                </a:solidFill>
-                <a:effectLst/>
-                <a:latin typeface="Vazir"/>
-                <a:hlinkClick r:id="rId41" tooltip="Rational Software"/>
-              </a:rPr>
-              <a:t>Rational Software</a:t>
-            </a:r>
-            <a:endParaRPr lang="en-US" b="0" i="0" dirty="0">
-              <a:solidFill>
-                <a:srgbClr val="202122"/>
-              </a:solidFill>
-              <a:effectLst/>
-              <a:latin typeface="Vazir"/>
-            </a:endParaRPr>
-          </a:p>
-          <a:p>
-            <a:pPr algn="l">
-              <a:buFont typeface="Arial" panose="020B0604020202020204" pitchFamily="34" charset="0"/>
-              <a:buChar char="•"/>
-            </a:pPr>
-            <a:r>
-              <a:rPr lang="en-US" b="0" i="0" u="none" strike="noStrike" dirty="0">
-                <a:solidFill>
-                  <a:srgbClr val="0B0080"/>
-                </a:solidFill>
-                <a:effectLst/>
-                <a:latin typeface="Vazir"/>
-                <a:hlinkClick r:id="rId42" tooltip="Telelogic Synergy"/>
-              </a:rPr>
-              <a:t>IBM Rational Synergy</a:t>
-            </a:r>
-            <a:r>
-              <a:rPr lang="en-US" b="0" i="0" dirty="0">
-                <a:solidFill>
-                  <a:srgbClr val="202122"/>
-                </a:solidFill>
-                <a:effectLst/>
-                <a:latin typeface="Vazir"/>
-              </a:rPr>
-              <a:t> – SCC compliant integrated change management and task-based configuration management system, proprietary of IBM.</a:t>
-            </a:r>
-          </a:p>
-          <a:p>
-            <a:pPr algn="l">
-              <a:buFont typeface="Arial" panose="020B0604020202020204" pitchFamily="34" charset="0"/>
-              <a:buChar char="•"/>
-            </a:pPr>
-            <a:r>
-              <a:rPr lang="en-US" b="0" i="0" u="none" strike="noStrike" dirty="0">
-                <a:solidFill>
-                  <a:srgbClr val="0B0080"/>
-                </a:solidFill>
-                <a:effectLst/>
-                <a:latin typeface="Vazir"/>
-                <a:hlinkClick r:id="rId43" tooltip="IBM Rational Team Concert"/>
-              </a:rPr>
-              <a:t>IBM Rational Team Concert</a:t>
-            </a:r>
-            <a:r>
-              <a:rPr lang="en-US" b="0" i="0" dirty="0">
-                <a:solidFill>
-                  <a:srgbClr val="202122"/>
-                </a:solidFill>
-                <a:effectLst/>
-                <a:latin typeface="Vazir"/>
-              </a:rPr>
-              <a:t> – Collaboration and application lifecycle management platform by </a:t>
-            </a:r>
-            <a:r>
-              <a:rPr lang="en-US" b="0" i="0" u="none" strike="noStrike" dirty="0">
-                <a:solidFill>
-                  <a:srgbClr val="0B0080"/>
-                </a:solidFill>
-                <a:effectLst/>
-                <a:latin typeface="Vazir"/>
-                <a:hlinkClick r:id="rId40" tooltip="IBM"/>
-              </a:rPr>
-              <a:t>IBM</a:t>
-            </a:r>
-            <a:r>
-              <a:rPr lang="en-US" b="0" i="0" dirty="0">
-                <a:solidFill>
-                  <a:srgbClr val="202122"/>
-                </a:solidFill>
-                <a:effectLst/>
-                <a:latin typeface="Vazir"/>
-              </a:rPr>
-              <a:t> </a:t>
-            </a:r>
-            <a:r>
-              <a:rPr lang="en-US" b="0" i="0" u="none" strike="noStrike" dirty="0">
-                <a:solidFill>
-                  <a:srgbClr val="0B0080"/>
-                </a:solidFill>
-                <a:effectLst/>
-                <a:latin typeface="Vazir"/>
-                <a:hlinkClick r:id="rId41" tooltip="Rational Software"/>
-              </a:rPr>
-              <a:t>Rational Software</a:t>
-            </a:r>
-            <a:endParaRPr lang="en-US" b="0" i="0" dirty="0">
-              <a:solidFill>
-                <a:srgbClr val="202122"/>
-              </a:solidFill>
-              <a:effectLst/>
-              <a:latin typeface="Vazir"/>
-            </a:endParaRPr>
-          </a:p>
-          <a:p>
-            <a:pPr algn="l">
-              <a:buFont typeface="Arial" panose="020B0604020202020204" pitchFamily="34" charset="0"/>
-              <a:buChar char="•"/>
-            </a:pPr>
-            <a:r>
-              <a:rPr lang="en-US" b="0" i="0" u="none" strike="noStrike" dirty="0">
-                <a:solidFill>
-                  <a:srgbClr val="0B0080"/>
-                </a:solidFill>
-                <a:effectLst/>
-                <a:latin typeface="Vazir"/>
-                <a:hlinkClick r:id="rId44" tooltip="IC Manage"/>
-              </a:rPr>
-              <a:t>IC Manage</a:t>
-            </a:r>
-            <a:r>
-              <a:rPr lang="en-US" b="0" i="0" dirty="0">
-                <a:solidFill>
-                  <a:srgbClr val="202122"/>
-                </a:solidFill>
-                <a:effectLst/>
-                <a:latin typeface="Vazir"/>
-              </a:rPr>
-              <a:t> Global Design Platform (GDP) – design data management for IC design and </a:t>
-            </a:r>
-            <a:r>
-              <a:rPr lang="en-US" b="0" i="0" u="none" strike="noStrike" dirty="0">
-                <a:solidFill>
-                  <a:srgbClr val="0B0080"/>
-                </a:solidFill>
-                <a:effectLst/>
-                <a:latin typeface="Vazir"/>
-                <a:hlinkClick r:id="rId45" tooltip="Perforce"/>
-              </a:rPr>
-              <a:t>Perforce</a:t>
-            </a:r>
-            <a:r>
-              <a:rPr lang="en-US" b="0" i="0" dirty="0">
-                <a:solidFill>
-                  <a:srgbClr val="202122"/>
-                </a:solidFill>
-                <a:effectLst/>
-                <a:latin typeface="Vazir"/>
-              </a:rPr>
-              <a:t> infrastructure support.</a:t>
-            </a:r>
-          </a:p>
-          <a:p>
-            <a:pPr algn="l">
-              <a:buFont typeface="Arial" panose="020B0604020202020204" pitchFamily="34" charset="0"/>
-              <a:buChar char="•"/>
-            </a:pPr>
-            <a:r>
-              <a:rPr lang="en-US" b="0" i="0" u="none" strike="noStrike" dirty="0" err="1">
-                <a:solidFill>
-                  <a:srgbClr val="0B0080"/>
-                </a:solidFill>
-                <a:effectLst/>
-                <a:latin typeface="Vazir"/>
-                <a:hlinkClick r:id="rId46" tooltip="Panvalet"/>
-              </a:rPr>
-              <a:t>Panvalet</a:t>
-            </a:r>
-            <a:r>
-              <a:rPr lang="en-US" b="0" i="0" dirty="0">
-                <a:solidFill>
-                  <a:srgbClr val="202122"/>
-                </a:solidFill>
-                <a:effectLst/>
-                <a:latin typeface="Vazir"/>
-              </a:rPr>
-              <a:t> - Around since the 1970s, source and object control for IBM mainframe computers.</a:t>
-            </a:r>
-          </a:p>
-          <a:p>
-            <a:pPr algn="l">
-              <a:buFont typeface="Arial" panose="020B0604020202020204" pitchFamily="34" charset="0"/>
-              <a:buChar char="•"/>
-            </a:pPr>
-            <a:r>
-              <a:rPr lang="en-US" b="0" i="0" u="none" strike="noStrike" dirty="0">
-                <a:solidFill>
-                  <a:srgbClr val="0B0080"/>
-                </a:solidFill>
-                <a:effectLst/>
-                <a:latin typeface="Vazir"/>
-                <a:hlinkClick r:id="rId47" tooltip="PTC Integrity"/>
-              </a:rPr>
-              <a:t>PTC Integrity</a:t>
-            </a:r>
-            <a:r>
-              <a:rPr lang="en-US" b="0" i="0" dirty="0">
-                <a:solidFill>
-                  <a:srgbClr val="202122"/>
-                </a:solidFill>
-                <a:effectLst/>
-                <a:latin typeface="Vazir"/>
-              </a:rPr>
-              <a:t> (Formerly MKS Integrity).</a:t>
-            </a:r>
-          </a:p>
-          <a:p>
-            <a:pPr algn="l">
-              <a:buFont typeface="Arial" panose="020B0604020202020204" pitchFamily="34" charset="0"/>
-              <a:buChar char="•"/>
-            </a:pPr>
-            <a:r>
-              <a:rPr lang="en-US" b="0" i="0" u="none" strike="noStrike" dirty="0">
-                <a:solidFill>
-                  <a:srgbClr val="0B0080"/>
-                </a:solidFill>
-                <a:effectLst/>
-                <a:latin typeface="Vazir"/>
-                <a:hlinkClick r:id="rId48" tooltip="PVCS"/>
-              </a:rPr>
-              <a:t>PVCS</a:t>
-            </a:r>
-            <a:r>
-              <a:rPr lang="en-US" b="0" i="0" dirty="0">
-                <a:solidFill>
-                  <a:srgbClr val="202122"/>
-                </a:solidFill>
-                <a:effectLst/>
-                <a:latin typeface="Vazir"/>
-              </a:rPr>
-              <a:t> – originally Polytron Version Control System, developed by Don Kinzer at </a:t>
-            </a:r>
-            <a:r>
-              <a:rPr lang="en-US" b="0" i="0" u="none" strike="noStrike" dirty="0">
-                <a:solidFill>
-                  <a:srgbClr val="0B0080"/>
-                </a:solidFill>
-                <a:effectLst/>
-                <a:latin typeface="Vazir"/>
-                <a:hlinkClick r:id="rId49" tooltip="Polytron (software)"/>
-              </a:rPr>
-              <a:t>Polytron</a:t>
-            </a:r>
-            <a:r>
-              <a:rPr lang="en-US" b="0" i="0" dirty="0">
-                <a:solidFill>
-                  <a:srgbClr val="202122"/>
-                </a:solidFill>
-                <a:effectLst/>
-                <a:latin typeface="Vazir"/>
-              </a:rPr>
-              <a:t>, first released in 1985. Now owned by </a:t>
-            </a:r>
-            <a:r>
-              <a:rPr lang="en-US" b="0" i="0" u="none" strike="noStrike" dirty="0">
-                <a:solidFill>
-                  <a:srgbClr val="0B0080"/>
-                </a:solidFill>
-                <a:effectLst/>
-                <a:latin typeface="Vazir"/>
-                <a:hlinkClick r:id="rId24" tooltip="Micro Focus"/>
-              </a:rPr>
-              <a:t>Micro Focus</a:t>
-            </a:r>
-            <a:r>
-              <a:rPr lang="en-US" b="0" i="0" dirty="0">
-                <a:solidFill>
-                  <a:srgbClr val="202122"/>
-                </a:solidFill>
-                <a:effectLst/>
-                <a:latin typeface="Vazir"/>
-              </a:rPr>
-              <a:t>.</a:t>
-            </a:r>
-          </a:p>
-          <a:p>
-            <a:pPr algn="l">
-              <a:buFont typeface="Arial" panose="020B0604020202020204" pitchFamily="34" charset="0"/>
-              <a:buChar char="•"/>
-            </a:pPr>
-            <a:r>
-              <a:rPr lang="en-US" b="0" i="0" u="none" strike="noStrike" dirty="0" err="1">
-                <a:solidFill>
-                  <a:srgbClr val="0B0080"/>
-                </a:solidFill>
-                <a:effectLst/>
-                <a:latin typeface="Vazir"/>
-                <a:hlinkClick r:id="rId50" tooltip="QVCS"/>
-              </a:rPr>
-              <a:t>Quma</a:t>
-            </a:r>
-            <a:r>
-              <a:rPr lang="en-US" b="0" i="0" u="none" strike="noStrike" dirty="0">
-                <a:solidFill>
-                  <a:srgbClr val="0B0080"/>
-                </a:solidFill>
-                <a:effectLst/>
-                <a:latin typeface="Vazir"/>
-                <a:hlinkClick r:id="rId50" tooltip="QVCS"/>
-              </a:rPr>
-              <a:t> Version Control System</a:t>
-            </a:r>
-            <a:endParaRPr lang="en-US" b="0" i="0" dirty="0">
-              <a:solidFill>
-                <a:srgbClr val="202122"/>
-              </a:solidFill>
-              <a:effectLst/>
-              <a:latin typeface="Vazir"/>
-            </a:endParaRPr>
-          </a:p>
-          <a:p>
-            <a:pPr algn="l">
-              <a:buFont typeface="Arial" panose="020B0604020202020204" pitchFamily="34" charset="0"/>
-              <a:buChar char="•"/>
-            </a:pPr>
-            <a:r>
-              <a:rPr lang="en-US" b="0" i="0" u="none" strike="noStrike" dirty="0">
-                <a:solidFill>
-                  <a:srgbClr val="0B0080"/>
-                </a:solidFill>
-                <a:effectLst/>
-                <a:latin typeface="Vazir"/>
-                <a:hlinkClick r:id="rId51" tooltip="Razor (configuration management)"/>
-              </a:rPr>
-              <a:t>Razor (configuration management)</a:t>
-            </a:r>
-            <a:r>
-              <a:rPr lang="en-US" b="0" i="0" dirty="0">
-                <a:solidFill>
-                  <a:srgbClr val="202122"/>
-                </a:solidFill>
-                <a:effectLst/>
-                <a:latin typeface="Vazir"/>
-              </a:rPr>
-              <a:t>, integrated suite from Visible Systems</a:t>
-            </a:r>
-          </a:p>
-          <a:p>
-            <a:pPr algn="l">
-              <a:buFont typeface="Arial" panose="020B0604020202020204" pitchFamily="34" charset="0"/>
-              <a:buChar char="•"/>
-            </a:pPr>
-            <a:r>
-              <a:rPr lang="en-US" b="0" i="0" u="none" strike="noStrike" dirty="0">
-                <a:solidFill>
-                  <a:srgbClr val="0B0080"/>
-                </a:solidFill>
-                <a:effectLst/>
-                <a:latin typeface="Vazir"/>
-                <a:hlinkClick r:id="rId52" tooltip="StarTeam"/>
-              </a:rPr>
-              <a:t>StarTeam</a:t>
-            </a:r>
-            <a:r>
-              <a:rPr lang="en-US" b="0" i="0" dirty="0">
-                <a:solidFill>
-                  <a:srgbClr val="202122"/>
-                </a:solidFill>
-                <a:effectLst/>
-                <a:latin typeface="Vazir"/>
-              </a:rPr>
-              <a:t> – coordinates and manages software delivery process by </a:t>
-            </a:r>
-            <a:r>
-              <a:rPr lang="en-US" b="0" i="0" u="none" strike="noStrike" dirty="0">
-                <a:solidFill>
-                  <a:srgbClr val="0B0080"/>
-                </a:solidFill>
-                <a:effectLst/>
-                <a:latin typeface="Vazir"/>
-                <a:hlinkClick r:id="rId24" tooltip="Micro Focus"/>
-              </a:rPr>
-              <a:t>Micro Focus</a:t>
-            </a:r>
-            <a:r>
-              <a:rPr lang="en-US" b="0" i="0" dirty="0">
-                <a:solidFill>
-                  <a:srgbClr val="202122"/>
-                </a:solidFill>
-                <a:effectLst/>
-                <a:latin typeface="Vazir"/>
-              </a:rPr>
-              <a:t>, formerly </a:t>
-            </a:r>
-            <a:r>
-              <a:rPr lang="en-US" b="0" i="0" u="none" strike="noStrike" dirty="0">
-                <a:solidFill>
-                  <a:srgbClr val="0B0080"/>
-                </a:solidFill>
-                <a:effectLst/>
-                <a:latin typeface="Vazir"/>
-                <a:hlinkClick r:id="rId53" tooltip="Borland"/>
-              </a:rPr>
-              <a:t>Borland</a:t>
-            </a:r>
-            <a:r>
-              <a:rPr lang="en-US" b="0" i="0" dirty="0">
-                <a:solidFill>
-                  <a:srgbClr val="202122"/>
-                </a:solidFill>
-                <a:effectLst/>
-                <a:latin typeface="Vazir"/>
-              </a:rPr>
-              <a:t>; centralized control of digital assets and activities</a:t>
-            </a:r>
-          </a:p>
-          <a:p>
-            <a:pPr algn="l">
-              <a:buFont typeface="Arial" panose="020B0604020202020204" pitchFamily="34" charset="0"/>
-              <a:buChar char="•"/>
-            </a:pPr>
-            <a:r>
-              <a:rPr lang="en-US" b="0" i="0" u="none" strike="noStrike" dirty="0">
-                <a:solidFill>
-                  <a:srgbClr val="0B0080"/>
-                </a:solidFill>
-                <a:effectLst/>
-                <a:latin typeface="Vazir"/>
-                <a:hlinkClick r:id="rId54" tooltip="Surround SCM"/>
-              </a:rPr>
-              <a:t>Surround SCM</a:t>
-            </a:r>
-            <a:r>
-              <a:rPr lang="en-US" b="0" i="0" dirty="0">
-                <a:solidFill>
-                  <a:srgbClr val="202122"/>
-                </a:solidFill>
-                <a:effectLst/>
-                <a:latin typeface="Vazir"/>
-              </a:rPr>
-              <a:t> – version control tool by </a:t>
-            </a:r>
-            <a:r>
-              <a:rPr lang="en-US" b="0" i="0" u="none" strike="noStrike" dirty="0" err="1">
-                <a:solidFill>
-                  <a:srgbClr val="0B0080"/>
-                </a:solidFill>
-                <a:effectLst/>
-                <a:latin typeface="Vazir"/>
-                <a:hlinkClick r:id="rId55" tooltip="Seapine Software"/>
-              </a:rPr>
-              <a:t>Seapine</a:t>
-            </a:r>
-            <a:r>
-              <a:rPr lang="en-US" b="0" i="0" u="none" strike="noStrike" dirty="0">
-                <a:solidFill>
-                  <a:srgbClr val="0B0080"/>
-                </a:solidFill>
-                <a:effectLst/>
-                <a:latin typeface="Vazir"/>
-                <a:hlinkClick r:id="rId55" tooltip="Seapine Software"/>
-              </a:rPr>
-              <a:t> Software</a:t>
-            </a:r>
-            <a:r>
-              <a:rPr lang="en-US" b="0" i="0" dirty="0">
-                <a:solidFill>
-                  <a:srgbClr val="202122"/>
-                </a:solidFill>
-                <a:effectLst/>
-                <a:latin typeface="Vazir"/>
-              </a:rPr>
-              <a:t>.</a:t>
-            </a:r>
-          </a:p>
-          <a:p>
-            <a:pPr algn="l">
-              <a:buFont typeface="Arial" panose="020B0604020202020204" pitchFamily="34" charset="0"/>
-              <a:buChar char="•"/>
-            </a:pPr>
-            <a:r>
-              <a:rPr lang="en-US" b="0" i="0" u="none" strike="noStrike" dirty="0">
-                <a:solidFill>
-                  <a:srgbClr val="0B0080"/>
-                </a:solidFill>
-                <a:effectLst/>
-                <a:latin typeface="Vazir"/>
-                <a:hlinkClick r:id="rId56" tooltip="TeamCity"/>
-              </a:rPr>
-              <a:t>TeamCity</a:t>
-            </a:r>
-            <a:r>
-              <a:rPr lang="en-US" b="0" i="0" dirty="0">
-                <a:solidFill>
-                  <a:srgbClr val="202122"/>
-                </a:solidFill>
-                <a:effectLst/>
-                <a:latin typeface="Vazir"/>
-              </a:rPr>
-              <a:t> - Java-based build management and continuous integration server from </a:t>
-            </a:r>
-            <a:r>
-              <a:rPr lang="en-US" b="0" i="0" u="none" strike="noStrike" dirty="0">
-                <a:solidFill>
-                  <a:srgbClr val="0B0080"/>
-                </a:solidFill>
-                <a:effectLst/>
-                <a:latin typeface="Vazir"/>
-                <a:hlinkClick r:id="rId57" tooltip="JetBrains"/>
-              </a:rPr>
-              <a:t>JetBrains</a:t>
-            </a:r>
-            <a:endParaRPr lang="en-US" b="0" i="0" dirty="0">
-              <a:solidFill>
-                <a:srgbClr val="202122"/>
-              </a:solidFill>
-              <a:effectLst/>
-              <a:latin typeface="Vazir"/>
-            </a:endParaRPr>
-          </a:p>
-          <a:p>
-            <a:pPr algn="l">
-              <a:buFont typeface="Arial" panose="020B0604020202020204" pitchFamily="34" charset="0"/>
-              <a:buChar char="•"/>
-            </a:pPr>
-            <a:r>
-              <a:rPr lang="en-US" b="0" i="0" u="none" strike="noStrike" dirty="0">
-                <a:solidFill>
-                  <a:srgbClr val="0B0080"/>
-                </a:solidFill>
-                <a:effectLst/>
-                <a:latin typeface="Vazir"/>
-                <a:hlinkClick r:id="rId58" tooltip="Vault (revision control system)"/>
-              </a:rPr>
-              <a:t>Vault</a:t>
-            </a:r>
-            <a:r>
-              <a:rPr lang="en-US" b="0" i="0" dirty="0">
-                <a:solidFill>
-                  <a:srgbClr val="202122"/>
-                </a:solidFill>
-                <a:effectLst/>
-                <a:latin typeface="Vazir"/>
-              </a:rPr>
-              <a:t> – version control tool by </a:t>
-            </a:r>
-            <a:r>
-              <a:rPr lang="en-US" b="0" i="0" dirty="0" err="1">
-                <a:solidFill>
-                  <a:srgbClr val="202122"/>
-                </a:solidFill>
-                <a:effectLst/>
-                <a:latin typeface="Vazir"/>
-              </a:rPr>
-              <a:t>SourceGear</a:t>
-            </a:r>
-            <a:r>
-              <a:rPr lang="en-US" b="0" i="0" dirty="0">
-                <a:solidFill>
-                  <a:srgbClr val="202122"/>
-                </a:solidFill>
-                <a:effectLst/>
-                <a:latin typeface="Vazir"/>
-              </a:rPr>
-              <a:t> (First installation can be used for free)</a:t>
-            </a:r>
-          </a:p>
-          <a:p>
-            <a:pPr algn="l">
-              <a:buFont typeface="Arial" panose="020B0604020202020204" pitchFamily="34" charset="0"/>
-              <a:buChar char="•"/>
-            </a:pPr>
-            <a:r>
-              <a:rPr lang="en-US" b="0" i="0" u="none" strike="noStrike" dirty="0">
-                <a:solidFill>
-                  <a:srgbClr val="0B0080"/>
-                </a:solidFill>
-                <a:effectLst/>
-                <a:latin typeface="Vazir"/>
-                <a:hlinkClick r:id="rId59" tooltip="Visual SourceSafe"/>
-              </a:rPr>
-              <a:t>Visual SourceSafe</a:t>
-            </a:r>
-            <a:r>
-              <a:rPr lang="en-US" b="0" i="0" dirty="0">
-                <a:solidFill>
-                  <a:srgbClr val="202122"/>
-                </a:solidFill>
-                <a:effectLst/>
-                <a:latin typeface="Vazir"/>
-              </a:rPr>
-              <a:t> – version control tool by </a:t>
-            </a:r>
-            <a:r>
-              <a:rPr lang="en-US" b="0" i="0" u="none" strike="noStrike" dirty="0">
-                <a:solidFill>
-                  <a:srgbClr val="0B0080"/>
-                </a:solidFill>
-                <a:effectLst/>
-                <a:latin typeface="Vazir"/>
-                <a:hlinkClick r:id="rId60" tooltip="Microsoft"/>
-              </a:rPr>
-              <a:t>Microsoft</a:t>
-            </a:r>
-            <a:r>
-              <a:rPr lang="en-US" b="0" i="0" dirty="0">
-                <a:solidFill>
-                  <a:srgbClr val="202122"/>
-                </a:solidFill>
-                <a:effectLst/>
-                <a:latin typeface="Vazir"/>
-              </a:rPr>
-              <a:t>; oriented toward small teams</a:t>
-            </a:r>
-          </a:p>
-          <a:p>
-            <a:pPr algn="l">
-              <a:buFont typeface="Arial" panose="020B0604020202020204" pitchFamily="34" charset="0"/>
-              <a:buNone/>
-            </a:pPr>
-            <a:endParaRPr lang="en-US" b="0" i="0" dirty="0">
-              <a:solidFill>
-                <a:srgbClr val="202122"/>
-              </a:solidFill>
-              <a:effectLst/>
-              <a:latin typeface="Vazir"/>
-            </a:endParaRPr>
-          </a:p>
-          <a:p>
-            <a:endParaRPr lang="fa-IR" dirty="0"/>
-          </a:p>
-        </p:txBody>
-      </p:sp>
-      <p:sp>
-        <p:nvSpPr>
-          <p:cNvPr id="4" name="Slide Number Placeholder 3"/>
-          <p:cNvSpPr>
-            <a:spLocks noGrp="1"/>
-          </p:cNvSpPr>
-          <p:nvPr>
-            <p:ph type="sldNum" sz="quarter" idx="5"/>
-          </p:nvPr>
-        </p:nvSpPr>
-        <p:spPr/>
-        <p:txBody>
-          <a:bodyPr/>
-          <a:lstStyle/>
-          <a:p>
-            <a:fld id="{D0E944BF-F28C-48F8-90D3-273132DB8999}" type="slidenum">
-              <a:rPr lang="fa-IR" smtClean="0"/>
-              <a:t>8</a:t>
-            </a:fld>
-            <a:endParaRPr lang="fa-IR"/>
-          </a:p>
-        </p:txBody>
-      </p:sp>
-    </p:spTree>
-    <p:extLst>
-      <p:ext uri="{BB962C8B-B14F-4D97-AF65-F5344CB8AC3E}">
-        <p14:creationId xmlns:p14="http://schemas.microsoft.com/office/powerpoint/2010/main" val="2613515655"/>
-      </p:ext>
-    </p:extLst>
-  </p:cSld>
-  <p:clrMapOvr>
-    <a:masterClrMapping/>
-  </p:clrMapOvr>
-</p:notes>
-</file>
-
-<file path=ppt/notesSlides/notesSlide2.xml><?xml version="1.0" encoding="utf-8"?>
-<p:notes xmlns:a="http://schemas.openxmlformats.org/drawingml/2006/main" xmlns:r="http://schemas.openxmlformats.org/officeDocument/2006/relationships" xmlns:p="http://schemas.openxmlformats.org/presentationml/2006/main">
-  <p:cSld>
-    <p:spTree>
-      <p:nvGrpSpPr>
-        <p:cNvPr id="1" name=""/>
-        <p:cNvGrpSpPr/>
-        <p:nvPr/>
-      </p:nvGrpSpPr>
-      <p:grpSpPr>
-        <a:xfrm>
-          <a:off x="0" y="0"/>
-          <a:ext cx="0" cy="0"/>
-          <a:chOff x="0" y="0"/>
-          <a:chExt cx="0" cy="0"/>
-        </a:xfrm>
-      </p:grpSpPr>
-      <p:sp>
-        <p:nvSpPr>
-          <p:cNvPr id="2" name="Slide Image Placeholder 1"/>
-          <p:cNvSpPr>
-            <a:spLocks noGrp="1" noRot="1" noChangeAspect="1"/>
-          </p:cNvSpPr>
-          <p:nvPr>
-            <p:ph type="sldImg"/>
-          </p:nvPr>
-        </p:nvSpPr>
-        <p:spPr/>
-      </p:sp>
-      <p:sp>
-        <p:nvSpPr>
-          <p:cNvPr id="3" name="Notes Placeholder 2"/>
-          <p:cNvSpPr>
-            <a:spLocks noGrp="1"/>
-          </p:cNvSpPr>
-          <p:nvPr>
-            <p:ph type="body" idx="1"/>
-          </p:nvPr>
-        </p:nvSpPr>
-        <p:spPr/>
-        <p:txBody>
-          <a:bodyPr/>
-          <a:lstStyle/>
-          <a:p>
-            <a:pPr algn="l"/>
-            <a:r>
-              <a:rPr lang="en-US" sz="1400" b="1" i="0" dirty="0">
-                <a:solidFill>
-                  <a:srgbClr val="000000"/>
-                </a:solidFill>
-                <a:effectLst/>
-                <a:latin typeface="Vazir"/>
-              </a:rPr>
-              <a:t>Distributed model</a:t>
-            </a:r>
-          </a:p>
-          <a:p>
-            <a:pPr algn="l"/>
-            <a:r>
-              <a:rPr lang="en-US" b="0" i="0" dirty="0">
-                <a:solidFill>
-                  <a:srgbClr val="202122"/>
-                </a:solidFill>
-                <a:effectLst/>
-                <a:latin typeface="Vazir"/>
-              </a:rPr>
-              <a:t>In the </a:t>
-            </a:r>
-            <a:r>
-              <a:rPr lang="en-US" b="0" i="0" u="none" strike="noStrike" dirty="0">
-                <a:solidFill>
-                  <a:srgbClr val="0B0080"/>
-                </a:solidFill>
-                <a:effectLst/>
-                <a:latin typeface="Vazir"/>
-                <a:hlinkClick r:id="rId3" tooltip="Distributed revision control"/>
-              </a:rPr>
-              <a:t>distributed approach</a:t>
-            </a:r>
-            <a:r>
-              <a:rPr lang="en-US" b="0" i="0" dirty="0">
-                <a:solidFill>
-                  <a:srgbClr val="202122"/>
-                </a:solidFill>
-                <a:effectLst/>
-                <a:latin typeface="Vazir"/>
-              </a:rPr>
-              <a:t>, each developer works directly with their own local repository, and changes are shared between repositories as a separate step.</a:t>
-            </a:r>
-          </a:p>
-          <a:p>
-            <a:pPr algn="l"/>
-            <a:r>
-              <a:rPr lang="en-US" b="1" i="0" dirty="0">
-                <a:solidFill>
-                  <a:srgbClr val="000000"/>
-                </a:solidFill>
-                <a:effectLst/>
-                <a:latin typeface="Vazir"/>
-              </a:rPr>
-              <a:t>Open source</a:t>
-            </a:r>
-            <a:r>
-              <a:rPr lang="en-US" b="0" i="0" dirty="0">
-                <a:solidFill>
-                  <a:srgbClr val="54595D"/>
-                </a:solidFill>
-                <a:effectLst/>
-                <a:latin typeface="var(--font)"/>
-              </a:rPr>
-              <a:t>[</a:t>
-            </a:r>
-            <a:r>
-              <a:rPr lang="en-US" b="0" i="0" u="none" strike="noStrike" dirty="0">
-                <a:solidFill>
-                  <a:srgbClr val="0B0080"/>
-                </a:solidFill>
-                <a:effectLst/>
-                <a:latin typeface="var(--font)"/>
-                <a:hlinkClick r:id="rId4" tooltip="Edit section: Open source"/>
-              </a:rPr>
-              <a:t>edit</a:t>
-            </a:r>
-            <a:r>
-              <a:rPr lang="en-US" b="0" i="0" dirty="0">
-                <a:solidFill>
-                  <a:srgbClr val="54595D"/>
-                </a:solidFill>
-                <a:effectLst/>
-                <a:latin typeface="var(--font)"/>
-              </a:rPr>
-              <a:t>]</a:t>
-            </a:r>
-            <a:endParaRPr lang="en-US" b="1" i="0" dirty="0">
-              <a:solidFill>
-                <a:srgbClr val="000000"/>
-              </a:solidFill>
-              <a:effectLst/>
-              <a:latin typeface="Vazir"/>
-            </a:endParaRPr>
-          </a:p>
-          <a:p>
-            <a:pPr algn="l">
-              <a:buFont typeface="Arial" panose="020B0604020202020204" pitchFamily="34" charset="0"/>
-              <a:buChar char="•"/>
-            </a:pPr>
-            <a:r>
-              <a:rPr lang="en-US" b="0" i="0" u="none" strike="noStrike" dirty="0" err="1">
-                <a:solidFill>
-                  <a:srgbClr val="0B0080"/>
-                </a:solidFill>
-                <a:effectLst/>
-                <a:latin typeface="Vazir"/>
-                <a:hlinkClick r:id="rId5" tooltip="ArX (revision control)"/>
-              </a:rPr>
-              <a:t>ArX</a:t>
-            </a:r>
-            <a:r>
-              <a:rPr lang="en-US" b="0" i="0" dirty="0">
-                <a:solidFill>
-                  <a:srgbClr val="202122"/>
-                </a:solidFill>
-                <a:effectLst/>
-                <a:latin typeface="Vazir"/>
-              </a:rPr>
-              <a:t> – written by Walter Landry, started as a fork of GNU arch, but has been completely rewritten</a:t>
-            </a:r>
-          </a:p>
-          <a:p>
-            <a:pPr algn="l">
-              <a:buFont typeface="Arial" panose="020B0604020202020204" pitchFamily="34" charset="0"/>
-              <a:buChar char="•"/>
-            </a:pPr>
-            <a:r>
-              <a:rPr lang="en-US" b="0" i="0" u="none" strike="noStrike" dirty="0">
-                <a:solidFill>
-                  <a:srgbClr val="0B0080"/>
-                </a:solidFill>
-                <a:effectLst/>
-                <a:latin typeface="Vazir"/>
-                <a:hlinkClick r:id="rId6" tooltip="Bazaar (software)"/>
-              </a:rPr>
-              <a:t>Bazaar</a:t>
-            </a:r>
-            <a:r>
-              <a:rPr lang="en-US" b="0" i="0" dirty="0">
-                <a:solidFill>
-                  <a:srgbClr val="202122"/>
-                </a:solidFill>
-                <a:effectLst/>
-                <a:latin typeface="Vazir"/>
-              </a:rPr>
-              <a:t> – written in </a:t>
-            </a:r>
-            <a:r>
-              <a:rPr lang="en-US" b="0" i="0" u="none" strike="noStrike" dirty="0">
-                <a:solidFill>
-                  <a:srgbClr val="0B0080"/>
-                </a:solidFill>
-                <a:effectLst/>
-                <a:latin typeface="Vazir"/>
-                <a:hlinkClick r:id="rId7" tooltip="Python (programming language)"/>
-              </a:rPr>
-              <a:t>Python</a:t>
-            </a:r>
-            <a:r>
-              <a:rPr lang="en-US" b="0" i="0" dirty="0">
-                <a:solidFill>
-                  <a:srgbClr val="202122"/>
-                </a:solidFill>
-                <a:effectLst/>
-                <a:latin typeface="Vazir"/>
-              </a:rPr>
-              <a:t>, originally by Martin Pool and sponsored by </a:t>
-            </a:r>
-            <a:r>
-              <a:rPr lang="en-US" b="0" i="0" u="none" strike="noStrike" dirty="0">
-                <a:solidFill>
-                  <a:srgbClr val="0B0080"/>
-                </a:solidFill>
-                <a:effectLst/>
-                <a:latin typeface="Vazir"/>
-                <a:hlinkClick r:id="rId8" tooltip="Canonical Ltd."/>
-              </a:rPr>
-              <a:t>Canonical</a:t>
-            </a:r>
-            <a:r>
-              <a:rPr lang="en-US" b="0" i="0" dirty="0">
-                <a:solidFill>
-                  <a:srgbClr val="202122"/>
-                </a:solidFill>
-                <a:effectLst/>
-                <a:latin typeface="Vazir"/>
-              </a:rPr>
-              <a:t>; </a:t>
-            </a:r>
-            <a:r>
-              <a:rPr lang="en-US" b="0" i="0" dirty="0" err="1">
-                <a:solidFill>
-                  <a:srgbClr val="202122"/>
-                </a:solidFill>
-                <a:effectLst/>
-                <a:latin typeface="Vazir"/>
-              </a:rPr>
-              <a:t>decentralised</a:t>
-            </a:r>
-            <a:r>
-              <a:rPr lang="en-US" b="0" i="0" dirty="0">
-                <a:solidFill>
-                  <a:srgbClr val="202122"/>
-                </a:solidFill>
-                <a:effectLst/>
-                <a:latin typeface="Vazir"/>
-              </a:rPr>
-              <a:t>, and aims to be fast and easy to use; can </a:t>
-            </a:r>
-            <a:r>
-              <a:rPr lang="en-US" b="0" i="0" dirty="0" err="1">
-                <a:solidFill>
-                  <a:srgbClr val="202122"/>
-                </a:solidFill>
-                <a:effectLst/>
-                <a:latin typeface="Vazir"/>
-              </a:rPr>
-              <a:t>losslessly</a:t>
-            </a:r>
-            <a:r>
-              <a:rPr lang="en-US" b="0" i="0" dirty="0">
-                <a:solidFill>
-                  <a:srgbClr val="202122"/>
-                </a:solidFill>
-                <a:effectLst/>
-                <a:latin typeface="Vazir"/>
-              </a:rPr>
-              <a:t> import Arch archives</a:t>
-            </a:r>
-          </a:p>
-          <a:p>
-            <a:pPr algn="l">
-              <a:buFont typeface="Arial" panose="020B0604020202020204" pitchFamily="34" charset="0"/>
-              <a:buChar char="•"/>
-            </a:pPr>
-            <a:r>
-              <a:rPr lang="en-US" b="0" i="0" u="none" strike="noStrike" dirty="0" err="1">
-                <a:solidFill>
-                  <a:srgbClr val="0B0080"/>
-                </a:solidFill>
-                <a:effectLst/>
-                <a:latin typeface="Vazir"/>
-                <a:hlinkClick r:id="rId9" tooltip="BitKeeper"/>
-              </a:rPr>
-              <a:t>BitKeeper</a:t>
-            </a:r>
-            <a:r>
-              <a:rPr lang="en-US" b="0" i="0" dirty="0">
-                <a:solidFill>
-                  <a:srgbClr val="202122"/>
-                </a:solidFill>
-                <a:effectLst/>
-                <a:latin typeface="Vazir"/>
-              </a:rPr>
-              <a:t> – was used in </a:t>
-            </a:r>
-            <a:r>
-              <a:rPr lang="en-US" b="0" i="0" u="none" strike="noStrike" dirty="0">
-                <a:solidFill>
-                  <a:srgbClr val="0B0080"/>
-                </a:solidFill>
-                <a:effectLst/>
-                <a:latin typeface="Vazir"/>
-                <a:hlinkClick r:id="rId10" tooltip="Linux kernel"/>
-              </a:rPr>
-              <a:t>Linux kernel</a:t>
-            </a:r>
-            <a:r>
-              <a:rPr lang="en-US" b="0" i="0" dirty="0">
-                <a:solidFill>
-                  <a:srgbClr val="202122"/>
-                </a:solidFill>
-                <a:effectLst/>
-                <a:latin typeface="Vazir"/>
-              </a:rPr>
-              <a:t> development (2002 – April 2005) until its license was revoked for breach of contract. It was open-sourced in 2016 in an attempt to broaden its appeal again.</a:t>
-            </a:r>
-          </a:p>
-          <a:p>
-            <a:pPr algn="l">
-              <a:buFont typeface="Arial" panose="020B0604020202020204" pitchFamily="34" charset="0"/>
-              <a:buChar char="•"/>
-            </a:pPr>
-            <a:r>
-              <a:rPr lang="en-US" b="0" i="0" u="none" strike="noStrike" dirty="0" err="1">
-                <a:solidFill>
-                  <a:srgbClr val="0B0080"/>
-                </a:solidFill>
-                <a:effectLst/>
-                <a:latin typeface="Vazir"/>
-                <a:hlinkClick r:id="rId11" tooltip="Codeville"/>
-              </a:rPr>
-              <a:t>Codeville</a:t>
-            </a:r>
-            <a:r>
-              <a:rPr lang="en-US" b="0" i="0" dirty="0">
-                <a:solidFill>
-                  <a:srgbClr val="202122"/>
-                </a:solidFill>
-                <a:effectLst/>
-                <a:latin typeface="Vazir"/>
-              </a:rPr>
-              <a:t> – written in </a:t>
-            </a:r>
-            <a:r>
-              <a:rPr lang="en-US" b="0" i="0" u="none" strike="noStrike" dirty="0">
-                <a:solidFill>
-                  <a:srgbClr val="0B0080"/>
-                </a:solidFill>
-                <a:effectLst/>
-                <a:latin typeface="Vazir"/>
-                <a:hlinkClick r:id="rId7" tooltip="Python (programming language)"/>
-              </a:rPr>
-              <a:t>Python</a:t>
-            </a:r>
-            <a:r>
-              <a:rPr lang="en-US" b="0" i="0" dirty="0">
-                <a:solidFill>
-                  <a:srgbClr val="202122"/>
-                </a:solidFill>
-                <a:effectLst/>
-                <a:latin typeface="Vazir"/>
-              </a:rPr>
-              <a:t> originally by Ross Cohen; uses an innovative merging algorithm</a:t>
-            </a:r>
-          </a:p>
-          <a:p>
-            <a:pPr algn="l">
-              <a:buFont typeface="Arial" panose="020B0604020202020204" pitchFamily="34" charset="0"/>
-              <a:buChar char="•"/>
-            </a:pPr>
-            <a:r>
-              <a:rPr lang="en-US" b="0" i="0" u="none" strike="noStrike" dirty="0" err="1">
-                <a:solidFill>
-                  <a:srgbClr val="0B0080"/>
-                </a:solidFill>
-                <a:effectLst/>
-                <a:latin typeface="Vazir"/>
-                <a:hlinkClick r:id="rId12" tooltip="Darcs"/>
-              </a:rPr>
-              <a:t>Darcs</a:t>
-            </a:r>
-            <a:r>
-              <a:rPr lang="en-US" b="0" i="0" dirty="0">
-                <a:solidFill>
-                  <a:srgbClr val="202122"/>
-                </a:solidFill>
-                <a:effectLst/>
-                <a:latin typeface="Vazir"/>
-              </a:rPr>
-              <a:t> – written in </a:t>
-            </a:r>
-            <a:r>
-              <a:rPr lang="en-US" b="0" i="0" u="none" strike="noStrike" dirty="0">
-                <a:solidFill>
-                  <a:srgbClr val="0B0080"/>
-                </a:solidFill>
-                <a:effectLst/>
-                <a:latin typeface="Vazir"/>
-                <a:hlinkClick r:id="rId13" tooltip="Haskell (programming language)"/>
-              </a:rPr>
-              <a:t>Haskell</a:t>
-            </a:r>
-            <a:r>
-              <a:rPr lang="en-US" b="0" i="0" dirty="0">
-                <a:solidFill>
-                  <a:srgbClr val="202122"/>
-                </a:solidFill>
-                <a:effectLst/>
-                <a:latin typeface="Vazir"/>
-              </a:rPr>
-              <a:t> and originally developed by David Roundy; can keep track of inter-patch dependencies and automatically rearrange and "cherry-pick" them using a "theory of patches"</a:t>
-            </a:r>
-          </a:p>
-          <a:p>
-            <a:pPr algn="l">
-              <a:buFont typeface="Arial" panose="020B0604020202020204" pitchFamily="34" charset="0"/>
-              <a:buChar char="•"/>
-            </a:pPr>
-            <a:r>
-              <a:rPr lang="en-US" b="0" i="0" u="none" strike="noStrike" dirty="0">
-                <a:solidFill>
-                  <a:srgbClr val="0B0080"/>
-                </a:solidFill>
-                <a:effectLst/>
-                <a:latin typeface="Vazir"/>
-                <a:hlinkClick r:id="rId14" tooltip="Distributed Concurrent Versions System"/>
-              </a:rPr>
-              <a:t>DCVS</a:t>
-            </a:r>
-            <a:r>
-              <a:rPr lang="en-US" b="0" i="0" dirty="0">
-                <a:solidFill>
-                  <a:srgbClr val="202122"/>
-                </a:solidFill>
-                <a:effectLst/>
-                <a:latin typeface="Vazir"/>
-              </a:rPr>
-              <a:t> – decentralized and CVS-based</a:t>
-            </a:r>
-          </a:p>
-          <a:p>
-            <a:pPr algn="l">
-              <a:buFont typeface="Arial" panose="020B0604020202020204" pitchFamily="34" charset="0"/>
-              <a:buChar char="•"/>
-            </a:pPr>
-            <a:r>
-              <a:rPr lang="en-US" b="0" i="0" u="none" strike="noStrike" dirty="0">
-                <a:solidFill>
-                  <a:srgbClr val="0B0080"/>
-                </a:solidFill>
-                <a:effectLst/>
-                <a:latin typeface="Vazir"/>
-                <a:hlinkClick r:id="rId15" tooltip="Fossil (software)"/>
-              </a:rPr>
-              <a:t>Fossil</a:t>
-            </a:r>
-            <a:r>
-              <a:rPr lang="en-US" b="0" i="0" dirty="0">
-                <a:solidFill>
-                  <a:srgbClr val="202122"/>
-                </a:solidFill>
-                <a:effectLst/>
-                <a:latin typeface="Vazir"/>
-              </a:rPr>
-              <a:t> – written by </a:t>
-            </a:r>
-            <a:r>
-              <a:rPr lang="en-US" b="0" i="0" u="none" strike="noStrike" dirty="0">
-                <a:solidFill>
-                  <a:srgbClr val="0B0080"/>
-                </a:solidFill>
-                <a:effectLst/>
-                <a:latin typeface="Vazir"/>
-                <a:hlinkClick r:id="rId16" tooltip="D. Richard Hipp"/>
-              </a:rPr>
-              <a:t>D. Richard </a:t>
-            </a:r>
-            <a:r>
-              <a:rPr lang="en-US" b="0" i="0" u="none" strike="noStrike" dirty="0" err="1">
-                <a:solidFill>
-                  <a:srgbClr val="0B0080"/>
-                </a:solidFill>
-                <a:effectLst/>
-                <a:latin typeface="Vazir"/>
-                <a:hlinkClick r:id="rId16" tooltip="D. Richard Hipp"/>
-              </a:rPr>
-              <a:t>Hipp</a:t>
-            </a:r>
-            <a:r>
-              <a:rPr lang="en-US" b="0" i="0" dirty="0">
-                <a:solidFill>
-                  <a:srgbClr val="202122"/>
-                </a:solidFill>
-                <a:effectLst/>
-                <a:latin typeface="Vazir"/>
-              </a:rPr>
-              <a:t> for </a:t>
-            </a:r>
-            <a:r>
-              <a:rPr lang="en-US" b="0" i="0" u="none" strike="noStrike" dirty="0">
-                <a:solidFill>
-                  <a:srgbClr val="0B0080"/>
-                </a:solidFill>
-                <a:effectLst/>
-                <a:latin typeface="Vazir"/>
-                <a:hlinkClick r:id="rId17" tooltip="SQLite"/>
-              </a:rPr>
-              <a:t>SQLite</a:t>
-            </a:r>
-            <a:r>
-              <a:rPr lang="en-US" b="0" i="0" dirty="0">
-                <a:solidFill>
-                  <a:srgbClr val="202122"/>
-                </a:solidFill>
-                <a:effectLst/>
-                <a:latin typeface="Vazir"/>
-              </a:rPr>
-              <a:t>; distributed revision control, wiki, bug-tracking, and forum (all-in-one solution) with console and web interfaces. Single portable executable and single repository file.</a:t>
-            </a:r>
-          </a:p>
-          <a:p>
-            <a:pPr algn="l">
-              <a:buFont typeface="Arial" panose="020B0604020202020204" pitchFamily="34" charset="0"/>
-              <a:buChar char="•"/>
-            </a:pPr>
-            <a:r>
-              <a:rPr lang="en-US" b="0" i="0" u="none" strike="noStrike" dirty="0">
-                <a:solidFill>
-                  <a:srgbClr val="0B0080"/>
-                </a:solidFill>
-                <a:effectLst/>
-                <a:latin typeface="Vazir"/>
-                <a:hlinkClick r:id="rId18" tooltip="Git"/>
-              </a:rPr>
-              <a:t>Git</a:t>
-            </a:r>
-            <a:r>
-              <a:rPr lang="en-US" b="0" i="0" dirty="0">
-                <a:solidFill>
-                  <a:srgbClr val="202122"/>
-                </a:solidFill>
-                <a:effectLst/>
-                <a:latin typeface="Vazir"/>
-              </a:rPr>
-              <a:t> – written in a collection of Perl, C, and various shell scripts, designed by </a:t>
-            </a:r>
-            <a:r>
-              <a:rPr lang="en-US" b="0" i="0" u="none" strike="noStrike" dirty="0">
-                <a:solidFill>
-                  <a:srgbClr val="0B0080"/>
-                </a:solidFill>
-                <a:effectLst/>
-                <a:latin typeface="Vazir"/>
-                <a:hlinkClick r:id="rId19" tooltip="Linus Torvalds"/>
-              </a:rPr>
-              <a:t>Linus Torvalds</a:t>
-            </a:r>
-            <a:r>
-              <a:rPr lang="en-US" b="0" i="0" dirty="0">
-                <a:solidFill>
-                  <a:srgbClr val="202122"/>
-                </a:solidFill>
-                <a:effectLst/>
-                <a:latin typeface="Vazir"/>
-              </a:rPr>
-              <a:t> based on the needs of the </a:t>
-            </a:r>
-            <a:r>
-              <a:rPr lang="en-US" b="0" i="0" u="none" strike="noStrike" dirty="0">
-                <a:solidFill>
-                  <a:srgbClr val="0B0080"/>
-                </a:solidFill>
-                <a:effectLst/>
-                <a:latin typeface="Vazir"/>
-                <a:hlinkClick r:id="rId10" tooltip="Linux kernel"/>
-              </a:rPr>
-              <a:t>Linux kernel</a:t>
-            </a:r>
-            <a:r>
-              <a:rPr lang="en-US" b="0" i="0" dirty="0">
-                <a:solidFill>
-                  <a:srgbClr val="202122"/>
-                </a:solidFill>
-                <a:effectLst/>
-                <a:latin typeface="Vazir"/>
-              </a:rPr>
-              <a:t> project; decentralized, and aims to be fast, flexible, and robust</a:t>
-            </a:r>
-          </a:p>
-          <a:p>
-            <a:pPr algn="l">
-              <a:buFont typeface="Arial" panose="020B0604020202020204" pitchFamily="34" charset="0"/>
-              <a:buChar char="•"/>
-            </a:pPr>
-            <a:r>
-              <a:rPr lang="en-US" b="0" i="0" u="none" strike="noStrike" dirty="0">
-                <a:solidFill>
-                  <a:srgbClr val="0B0080"/>
-                </a:solidFill>
-                <a:effectLst/>
-                <a:latin typeface="Vazir"/>
-                <a:hlinkClick r:id="rId20" tooltip="GNU arch"/>
-              </a:rPr>
-              <a:t>GNU arch</a:t>
-            </a:r>
-            <a:endParaRPr lang="en-US" b="0" i="0" dirty="0">
-              <a:solidFill>
-                <a:srgbClr val="202122"/>
-              </a:solidFill>
-              <a:effectLst/>
-              <a:latin typeface="Vazir"/>
-            </a:endParaRPr>
-          </a:p>
-          <a:p>
-            <a:pPr algn="l">
-              <a:buFont typeface="Arial" panose="020B0604020202020204" pitchFamily="34" charset="0"/>
-              <a:buChar char="•"/>
-            </a:pPr>
-            <a:r>
-              <a:rPr lang="en-US" b="0" i="0" u="none" strike="noStrike" dirty="0">
-                <a:solidFill>
-                  <a:srgbClr val="0B0080"/>
-                </a:solidFill>
-                <a:effectLst/>
-                <a:latin typeface="Vazir"/>
-                <a:hlinkClick r:id="rId21" tooltip="Mercurial (software)"/>
-              </a:rPr>
-              <a:t>Mercurial</a:t>
-            </a:r>
-            <a:r>
-              <a:rPr lang="en-US" b="0" i="0" dirty="0">
-                <a:solidFill>
-                  <a:srgbClr val="202122"/>
-                </a:solidFill>
-                <a:effectLst/>
-                <a:latin typeface="Vazir"/>
-              </a:rPr>
-              <a:t> – written in </a:t>
-            </a:r>
-            <a:r>
-              <a:rPr lang="en-US" b="0" i="0" u="none" strike="noStrike" dirty="0">
-                <a:solidFill>
-                  <a:srgbClr val="0B0080"/>
-                </a:solidFill>
-                <a:effectLst/>
-                <a:latin typeface="Vazir"/>
-                <a:hlinkClick r:id="rId7" tooltip="Python (programming language)"/>
-              </a:rPr>
-              <a:t>Python</a:t>
-            </a:r>
-            <a:r>
-              <a:rPr lang="en-US" b="0" i="0" dirty="0">
-                <a:solidFill>
-                  <a:srgbClr val="202122"/>
-                </a:solidFill>
-                <a:effectLst/>
-                <a:latin typeface="Vazir"/>
-              </a:rPr>
-              <a:t> as an Open Source replacement to </a:t>
-            </a:r>
-            <a:r>
-              <a:rPr lang="en-US" b="0" i="0" u="none" strike="noStrike" dirty="0" err="1">
-                <a:solidFill>
-                  <a:srgbClr val="0B0080"/>
-                </a:solidFill>
-                <a:effectLst/>
-                <a:latin typeface="Vazir"/>
-                <a:hlinkClick r:id="rId9" tooltip="BitKeeper"/>
-              </a:rPr>
-              <a:t>BitKeeper</a:t>
-            </a:r>
-            <a:r>
-              <a:rPr lang="en-US" b="0" i="0" dirty="0">
-                <a:solidFill>
-                  <a:srgbClr val="202122"/>
-                </a:solidFill>
-                <a:effectLst/>
-                <a:latin typeface="Vazir"/>
-              </a:rPr>
-              <a:t>; decentralized and aims to be fast, lightweight, portable, and easy to use</a:t>
-            </a:r>
-          </a:p>
-          <a:p>
-            <a:pPr algn="l">
-              <a:buFont typeface="Arial" panose="020B0604020202020204" pitchFamily="34" charset="0"/>
-              <a:buChar char="•"/>
-            </a:pPr>
-            <a:r>
-              <a:rPr lang="en-US" b="0" i="0" u="none" strike="noStrike" dirty="0">
-                <a:solidFill>
-                  <a:srgbClr val="0B0080"/>
-                </a:solidFill>
-                <a:effectLst/>
-                <a:latin typeface="Vazir"/>
-                <a:hlinkClick r:id="rId22" tooltip="Monotone (software)"/>
-              </a:rPr>
-              <a:t>Monotone</a:t>
-            </a:r>
-            <a:r>
-              <a:rPr lang="en-US" b="0" i="0" dirty="0">
-                <a:solidFill>
-                  <a:srgbClr val="202122"/>
-                </a:solidFill>
-                <a:effectLst/>
-                <a:latin typeface="Vazir"/>
-              </a:rPr>
-              <a:t> – developed by the Monotone Team; decentralized in a </a:t>
-            </a:r>
-            <a:r>
-              <a:rPr lang="en-US" b="0" i="0" u="none" strike="noStrike" dirty="0">
-                <a:solidFill>
-                  <a:srgbClr val="0B0080"/>
-                </a:solidFill>
-                <a:effectLst/>
-                <a:latin typeface="Vazir"/>
-                <a:hlinkClick r:id="rId23" tooltip="Peer-to-peer"/>
-              </a:rPr>
-              <a:t>peer-to-peer</a:t>
-            </a:r>
-            <a:r>
-              <a:rPr lang="en-US" b="0" i="0" dirty="0">
-                <a:solidFill>
-                  <a:srgbClr val="202122"/>
-                </a:solidFill>
-                <a:effectLst/>
-                <a:latin typeface="Vazir"/>
-              </a:rPr>
-              <a:t> way</a:t>
-            </a:r>
-          </a:p>
-          <a:p>
-            <a:pPr algn="l"/>
-            <a:r>
-              <a:rPr lang="en-US" b="1" i="0" dirty="0">
-                <a:solidFill>
-                  <a:srgbClr val="000000"/>
-                </a:solidFill>
-                <a:effectLst/>
-                <a:latin typeface="Vazir"/>
-              </a:rPr>
-              <a:t>Proprietary</a:t>
-            </a:r>
-            <a:r>
-              <a:rPr lang="en-US" b="0" i="0" dirty="0">
-                <a:solidFill>
-                  <a:srgbClr val="54595D"/>
-                </a:solidFill>
-                <a:effectLst/>
-                <a:latin typeface="var(--font)"/>
-              </a:rPr>
-              <a:t>[</a:t>
-            </a:r>
-            <a:r>
-              <a:rPr lang="en-US" b="0" i="0" u="none" strike="noStrike" dirty="0">
-                <a:solidFill>
-                  <a:srgbClr val="0B0080"/>
-                </a:solidFill>
-                <a:effectLst/>
-                <a:latin typeface="var(--font)"/>
-                <a:hlinkClick r:id="rId24" tooltip="Edit section: Proprietary"/>
-              </a:rPr>
-              <a:t>edit</a:t>
-            </a:r>
-            <a:r>
-              <a:rPr lang="en-US" b="0" i="0" dirty="0">
-                <a:solidFill>
-                  <a:srgbClr val="54595D"/>
-                </a:solidFill>
-                <a:effectLst/>
-                <a:latin typeface="var(--font)"/>
-              </a:rPr>
-              <a:t>]</a:t>
-            </a:r>
-            <a:endParaRPr lang="en-US" b="1" i="0" dirty="0">
-              <a:solidFill>
-                <a:srgbClr val="000000"/>
-              </a:solidFill>
-              <a:effectLst/>
-              <a:latin typeface="Vazir"/>
-            </a:endParaRPr>
-          </a:p>
-          <a:p>
-            <a:pPr algn="l">
-              <a:buFont typeface="Arial" panose="020B0604020202020204" pitchFamily="34" charset="0"/>
-              <a:buChar char="•"/>
-            </a:pPr>
-            <a:r>
-              <a:rPr lang="en-US" b="0" i="0" u="none" strike="noStrike" dirty="0">
-                <a:solidFill>
-                  <a:srgbClr val="0B0080"/>
-                </a:solidFill>
-                <a:effectLst/>
-                <a:latin typeface="Vazir"/>
-                <a:hlinkClick r:id="rId25" tooltip="Code Co-op"/>
-              </a:rPr>
-              <a:t>Code Co-op</a:t>
-            </a:r>
-            <a:r>
-              <a:rPr lang="en-US" b="0" i="0" dirty="0">
-                <a:solidFill>
-                  <a:srgbClr val="202122"/>
-                </a:solidFill>
-                <a:effectLst/>
-                <a:latin typeface="Vazir"/>
-              </a:rPr>
-              <a:t> – peer-to-peer version control system (can use e-mail for synchronization)</a:t>
-            </a:r>
-          </a:p>
-          <a:p>
-            <a:pPr algn="l">
-              <a:buFont typeface="Arial" panose="020B0604020202020204" pitchFamily="34" charset="0"/>
-              <a:buChar char="•"/>
-            </a:pPr>
-            <a:r>
-              <a:rPr lang="en-US" b="0" i="0" u="none" strike="noStrike" dirty="0">
-                <a:solidFill>
-                  <a:srgbClr val="0B0080"/>
-                </a:solidFill>
-                <a:effectLst/>
-                <a:latin typeface="Vazir"/>
-                <a:hlinkClick r:id="rId26" tooltip="Sun WorkShop TeamWare"/>
-              </a:rPr>
-              <a:t>Sun </a:t>
-            </a:r>
-            <a:r>
-              <a:rPr lang="en-US" b="0" i="0" u="none" strike="noStrike" dirty="0" err="1">
-                <a:solidFill>
-                  <a:srgbClr val="0B0080"/>
-                </a:solidFill>
-                <a:effectLst/>
-                <a:latin typeface="Vazir"/>
-                <a:hlinkClick r:id="rId26" tooltip="Sun WorkShop TeamWare"/>
-              </a:rPr>
-              <a:t>WorkShop</a:t>
-            </a:r>
-            <a:r>
-              <a:rPr lang="en-US" b="0" i="0" u="none" strike="noStrike" dirty="0">
-                <a:solidFill>
-                  <a:srgbClr val="0B0080"/>
-                </a:solidFill>
-                <a:effectLst/>
-                <a:latin typeface="Vazir"/>
-                <a:hlinkClick r:id="rId26" tooltip="Sun WorkShop TeamWare"/>
-              </a:rPr>
-              <a:t> </a:t>
-            </a:r>
-            <a:r>
-              <a:rPr lang="en-US" b="0" i="0" u="none" strike="noStrike" dirty="0" err="1">
-                <a:solidFill>
-                  <a:srgbClr val="0B0080"/>
-                </a:solidFill>
-                <a:effectLst/>
-                <a:latin typeface="Vazir"/>
-                <a:hlinkClick r:id="rId26" tooltip="Sun WorkShop TeamWare"/>
-              </a:rPr>
-              <a:t>TeamWare</a:t>
-            </a:r>
-            <a:r>
-              <a:rPr lang="en-US" b="0" i="0" dirty="0">
-                <a:solidFill>
-                  <a:srgbClr val="202122"/>
-                </a:solidFill>
-                <a:effectLst/>
-                <a:latin typeface="Vazir"/>
-              </a:rPr>
-              <a:t> – designed</a:t>
-            </a:r>
-            <a:r>
-              <a:rPr lang="en-US" b="0" i="0" baseline="30000" dirty="0">
-                <a:solidFill>
-                  <a:srgbClr val="202122"/>
-                </a:solidFill>
-                <a:effectLst/>
-                <a:latin typeface="var(--font)"/>
-              </a:rPr>
-              <a:t>[</a:t>
-            </a:r>
-            <a:r>
-              <a:rPr lang="en-US" b="0" i="1" u="none" strike="noStrike" baseline="30000" dirty="0">
-                <a:solidFill>
-                  <a:srgbClr val="0B0080"/>
-                </a:solidFill>
-                <a:effectLst/>
-                <a:latin typeface="var(--font)"/>
-                <a:hlinkClick r:id="rId27" tooltip="Wikipedia:Citation needed"/>
-              </a:rPr>
-              <a:t>citation needed</a:t>
-            </a:r>
-            <a:r>
-              <a:rPr lang="en-US" b="0" i="0" baseline="30000" dirty="0">
-                <a:solidFill>
-                  <a:srgbClr val="202122"/>
-                </a:solidFill>
-                <a:effectLst/>
-                <a:latin typeface="var(--font)"/>
-              </a:rPr>
-              <a:t>]</a:t>
-            </a:r>
-            <a:r>
-              <a:rPr lang="en-US" b="0" i="0" dirty="0">
-                <a:solidFill>
-                  <a:srgbClr val="202122"/>
-                </a:solidFill>
-                <a:effectLst/>
-                <a:latin typeface="Vazir"/>
-              </a:rPr>
-              <a:t> by </a:t>
-            </a:r>
-            <a:r>
-              <a:rPr lang="en-US" b="0" i="0" u="none" strike="noStrike" dirty="0">
-                <a:solidFill>
-                  <a:srgbClr val="0B0080"/>
-                </a:solidFill>
-                <a:effectLst/>
-                <a:latin typeface="Vazir"/>
-                <a:hlinkClick r:id="rId28" tooltip="Larry McVoy"/>
-              </a:rPr>
-              <a:t>Larry </a:t>
-            </a:r>
-            <a:r>
-              <a:rPr lang="en-US" b="0" i="0" u="none" strike="noStrike" dirty="0" err="1">
-                <a:solidFill>
-                  <a:srgbClr val="0B0080"/>
-                </a:solidFill>
-                <a:effectLst/>
-                <a:latin typeface="Vazir"/>
-                <a:hlinkClick r:id="rId28" tooltip="Larry McVoy"/>
-              </a:rPr>
-              <a:t>McVoy</a:t>
-            </a:r>
-            <a:r>
-              <a:rPr lang="en-US" b="0" i="0" dirty="0">
-                <a:solidFill>
-                  <a:srgbClr val="202122"/>
-                </a:solidFill>
-                <a:effectLst/>
-                <a:latin typeface="Vazir"/>
-              </a:rPr>
-              <a:t>, creator of </a:t>
-            </a:r>
-            <a:r>
-              <a:rPr lang="en-US" b="0" i="0" dirty="0" err="1">
-                <a:solidFill>
-                  <a:srgbClr val="202122"/>
-                </a:solidFill>
-                <a:effectLst/>
-                <a:latin typeface="Vazir"/>
-              </a:rPr>
-              <a:t>BitKeeper</a:t>
-            </a:r>
-            <a:endParaRPr lang="en-US" b="0" i="0" dirty="0">
-              <a:solidFill>
-                <a:srgbClr val="202122"/>
-              </a:solidFill>
-              <a:effectLst/>
-              <a:latin typeface="Vazir"/>
-            </a:endParaRPr>
-          </a:p>
-          <a:p>
-            <a:pPr algn="l">
-              <a:buFont typeface="Arial" panose="020B0604020202020204" pitchFamily="34" charset="0"/>
-              <a:buChar char="•"/>
-            </a:pPr>
-            <a:r>
-              <a:rPr lang="en-US" b="0" i="0" u="none" strike="noStrike" dirty="0">
-                <a:solidFill>
-                  <a:srgbClr val="0B0080"/>
-                </a:solidFill>
-                <a:effectLst/>
-                <a:latin typeface="Vazir"/>
-                <a:hlinkClick r:id="rId29" tooltip="Plastic SCM"/>
-              </a:rPr>
-              <a:t>Plastic SCM</a:t>
-            </a:r>
-            <a:r>
-              <a:rPr lang="en-US" b="0" i="0" dirty="0">
-                <a:solidFill>
-                  <a:srgbClr val="202122"/>
-                </a:solidFill>
-                <a:effectLst/>
-                <a:latin typeface="Vazir"/>
-              </a:rPr>
-              <a:t> – by </a:t>
-            </a:r>
-            <a:r>
-              <a:rPr lang="en-US" b="0" i="0" dirty="0" err="1">
-                <a:solidFill>
-                  <a:srgbClr val="202122"/>
-                </a:solidFill>
-                <a:effectLst/>
-                <a:latin typeface="Vazir"/>
-              </a:rPr>
-              <a:t>Codice</a:t>
-            </a:r>
-            <a:r>
-              <a:rPr lang="en-US" b="0" i="0" dirty="0">
-                <a:solidFill>
-                  <a:srgbClr val="202122"/>
-                </a:solidFill>
-                <a:effectLst/>
-                <a:latin typeface="Vazir"/>
-              </a:rPr>
-              <a:t> Software, Inc</a:t>
-            </a:r>
-          </a:p>
-          <a:p>
-            <a:pPr algn="l">
-              <a:buFont typeface="Arial" panose="020B0604020202020204" pitchFamily="34" charset="0"/>
-              <a:buChar char="•"/>
-            </a:pPr>
-            <a:r>
-              <a:rPr lang="en-US" b="0" i="0" u="none" strike="noStrike" dirty="0">
-                <a:solidFill>
-                  <a:srgbClr val="0B0080"/>
-                </a:solidFill>
-                <a:effectLst/>
-                <a:latin typeface="Vazir"/>
-                <a:hlinkClick r:id="rId30" tooltip="Visual Studio Team Services"/>
-              </a:rPr>
-              <a:t>Visual Studio Team Services</a:t>
-            </a:r>
-            <a:r>
-              <a:rPr lang="en-US" b="0" i="0" dirty="0">
-                <a:solidFill>
-                  <a:srgbClr val="202122"/>
-                </a:solidFill>
-                <a:effectLst/>
-                <a:latin typeface="Vazir"/>
-              </a:rPr>
-              <a:t> - Services for teams to share code, track work, and ship software for any language by </a:t>
-            </a:r>
-            <a:r>
-              <a:rPr lang="en-US" b="0" i="0" u="none" strike="noStrike" dirty="0">
-                <a:solidFill>
-                  <a:srgbClr val="0B0080"/>
-                </a:solidFill>
-                <a:effectLst/>
-                <a:latin typeface="Vazir"/>
-                <a:hlinkClick r:id="rId31" tooltip="Microsoft"/>
-              </a:rPr>
-              <a:t>Microsoft</a:t>
-            </a:r>
-            <a:endParaRPr lang="en-US" b="0" i="0" dirty="0">
-              <a:solidFill>
-                <a:srgbClr val="202122"/>
-              </a:solidFill>
-              <a:effectLst/>
-              <a:latin typeface="Vazir"/>
-            </a:endParaRPr>
-          </a:p>
-          <a:p>
-            <a:endParaRPr lang="fa-IR" dirty="0"/>
-          </a:p>
-        </p:txBody>
-      </p:sp>
-      <p:sp>
-        <p:nvSpPr>
-          <p:cNvPr id="4" name="Slide Number Placeholder 3"/>
-          <p:cNvSpPr>
-            <a:spLocks noGrp="1"/>
-          </p:cNvSpPr>
-          <p:nvPr>
-            <p:ph type="sldNum" sz="quarter" idx="5"/>
-          </p:nvPr>
-        </p:nvSpPr>
-        <p:spPr/>
-        <p:txBody>
-          <a:bodyPr/>
-          <a:lstStyle/>
-          <a:p>
-            <a:fld id="{D0E944BF-F28C-48F8-90D3-273132DB8999}" type="slidenum">
-              <a:rPr lang="fa-IR" smtClean="0"/>
-              <a:t>9</a:t>
-            </a:fld>
-            <a:endParaRPr lang="fa-IR"/>
-          </a:p>
-        </p:txBody>
-      </p:sp>
-    </p:spTree>
-    <p:extLst>
-      <p:ext uri="{BB962C8B-B14F-4D97-AF65-F5344CB8AC3E}">
-        <p14:creationId xmlns:p14="http://schemas.microsoft.com/office/powerpoint/2010/main" val="3440500667"/>
-      </p:ext>
-    </p:extLst>
-  </p:cSld>
-  <p:clrMapOvr>
-    <a:masterClrMapping/>
-  </p:clrMapOvr>
-</p:notes>
-</file>
-
-<file path=ppt/notesSlides/notesSlide3.xml><?xml version="1.0" encoding="utf-8"?>
-<p:notes xmlns:a="http://schemas.openxmlformats.org/drawingml/2006/main" xmlns:r="http://schemas.openxmlformats.org/officeDocument/2006/relationships" xmlns:p="http://schemas.openxmlformats.org/presentationml/2006/main">
-  <p:cSld>
-    <p:spTree>
-      <p:nvGrpSpPr>
-        <p:cNvPr id="1" name=""/>
-        <p:cNvGrpSpPr/>
-        <p:nvPr/>
-      </p:nvGrpSpPr>
-      <p:grpSpPr>
-        <a:xfrm>
-          <a:off x="0" y="0"/>
-          <a:ext cx="0" cy="0"/>
-          <a:chOff x="0" y="0"/>
-          <a:chExt cx="0" cy="0"/>
-        </a:xfrm>
-      </p:grpSpPr>
-      <p:sp>
-        <p:nvSpPr>
-          <p:cNvPr id="2" name="Slide Image Placeholder 1"/>
-          <p:cNvSpPr>
-            <a:spLocks noGrp="1" noRot="1" noChangeAspect="1"/>
-          </p:cNvSpPr>
-          <p:nvPr>
-            <p:ph type="sldImg"/>
-          </p:nvPr>
-        </p:nvSpPr>
-        <p:spPr/>
-      </p:sp>
-      <p:sp>
-        <p:nvSpPr>
-          <p:cNvPr id="3" name="Notes Placeholder 2"/>
-          <p:cNvSpPr>
-            <a:spLocks noGrp="1"/>
-          </p:cNvSpPr>
-          <p:nvPr>
-            <p:ph type="body" idx="1"/>
-          </p:nvPr>
-        </p:nvSpPr>
-        <p:spPr/>
-        <p:txBody>
-          <a:bodyPr/>
-          <a:lstStyle/>
-          <a:p>
-            <a:r>
-              <a:rPr lang="en-US" dirty="0"/>
-              <a:t>Complete guide: </a:t>
-            </a:r>
-            <a:r>
-              <a:rPr lang="en-US" dirty="0">
-                <a:hlinkClick r:id="rId3"/>
-              </a:rPr>
-              <a:t>https://arkit.co.in/sccs-source-code-control-system-installation/</a:t>
-            </a:r>
-            <a:endParaRPr lang="fa-IR" dirty="0"/>
-          </a:p>
-        </p:txBody>
-      </p:sp>
-      <p:sp>
-        <p:nvSpPr>
-          <p:cNvPr id="4" name="Slide Number Placeholder 3"/>
-          <p:cNvSpPr>
-            <a:spLocks noGrp="1"/>
-          </p:cNvSpPr>
-          <p:nvPr>
-            <p:ph type="sldNum" sz="quarter" idx="5"/>
-          </p:nvPr>
-        </p:nvSpPr>
-        <p:spPr/>
-        <p:txBody>
-          <a:bodyPr/>
-          <a:lstStyle/>
-          <a:p>
-            <a:fld id="{D0E944BF-F28C-48F8-90D3-273132DB8999}" type="slidenum">
-              <a:rPr lang="fa-IR" smtClean="0"/>
-              <a:t>10</a:t>
-            </a:fld>
-            <a:endParaRPr lang="fa-IR"/>
-          </a:p>
-        </p:txBody>
-      </p:sp>
-    </p:spTree>
-    <p:extLst>
-      <p:ext uri="{BB962C8B-B14F-4D97-AF65-F5344CB8AC3E}">
-        <p14:creationId xmlns:p14="http://schemas.microsoft.com/office/powerpoint/2010/main" val="49355932"/>
-      </p:ext>
-    </p:extLst>
-  </p:cSld>
-  <p:clrMapOvr>
-    <a:masterClrMapping/>
-  </p:clrMapOvr>
-</p:notes>
-</file>
-
-<file path=ppt/notesSlides/notesSlide4.xml><?xml version="1.0" encoding="utf-8"?>
-<p:notes xmlns:a="http://schemas.openxmlformats.org/drawingml/2006/main" xmlns:r="http://schemas.openxmlformats.org/officeDocument/2006/relationships" xmlns:p="http://schemas.openxmlformats.org/presentationml/2006/main">
-  <p:cSld>
-    <p:spTree>
-      <p:nvGrpSpPr>
-        <p:cNvPr id="1" name=""/>
-        <p:cNvGrpSpPr/>
-        <p:nvPr/>
-      </p:nvGrpSpPr>
-      <p:grpSpPr>
-        <a:xfrm>
-          <a:off x="0" y="0"/>
-          <a:ext cx="0" cy="0"/>
-          <a:chOff x="0" y="0"/>
-          <a:chExt cx="0" cy="0"/>
-        </a:xfrm>
-      </p:grpSpPr>
-      <p:sp>
-        <p:nvSpPr>
-          <p:cNvPr id="2" name="Slide Image Placeholder 1"/>
-          <p:cNvSpPr>
-            <a:spLocks noGrp="1" noRot="1" noChangeAspect="1"/>
-          </p:cNvSpPr>
-          <p:nvPr>
-            <p:ph type="sldImg"/>
-          </p:nvPr>
-        </p:nvSpPr>
-        <p:spPr/>
-      </p:sp>
-      <p:sp>
-        <p:nvSpPr>
-          <p:cNvPr id="3" name="Notes Placeholder 2"/>
-          <p:cNvSpPr>
-            <a:spLocks noGrp="1"/>
-          </p:cNvSpPr>
-          <p:nvPr>
-            <p:ph type="body" idx="1"/>
-          </p:nvPr>
-        </p:nvSpPr>
-        <p:spPr/>
-        <p:txBody>
-          <a:bodyPr/>
-          <a:lstStyle/>
-          <a:p>
-            <a:r>
-              <a:rPr lang="en-US" dirty="0">
-                <a:hlinkClick r:id="rId3"/>
-              </a:rPr>
-              <a:t>http://www.linuxfromscratch.org/blfs/edguide/chapter03.html</a:t>
-            </a:r>
-            <a:endParaRPr lang="fa-IR" dirty="0"/>
-          </a:p>
-        </p:txBody>
-      </p:sp>
-      <p:sp>
-        <p:nvSpPr>
-          <p:cNvPr id="4" name="Slide Number Placeholder 3"/>
-          <p:cNvSpPr>
-            <a:spLocks noGrp="1"/>
-          </p:cNvSpPr>
-          <p:nvPr>
-            <p:ph type="sldNum" sz="quarter" idx="5"/>
-          </p:nvPr>
-        </p:nvSpPr>
-        <p:spPr/>
-        <p:txBody>
-          <a:bodyPr/>
-          <a:lstStyle/>
-          <a:p>
-            <a:fld id="{D0E944BF-F28C-48F8-90D3-273132DB8999}" type="slidenum">
-              <a:rPr lang="fa-IR" smtClean="0"/>
-              <a:t>11</a:t>
-            </a:fld>
-            <a:endParaRPr lang="fa-IR"/>
-          </a:p>
-        </p:txBody>
-      </p:sp>
-    </p:spTree>
-    <p:extLst>
-      <p:ext uri="{BB962C8B-B14F-4D97-AF65-F5344CB8AC3E}">
-        <p14:creationId xmlns:p14="http://schemas.microsoft.com/office/powerpoint/2010/main" val="695302919"/>
-      </p:ext>
-    </p:extLst>
-  </p:cSld>
-  <p:clrMapOvr>
-    <a:masterClrMapping/>
-  </p:clrMapOvr>
-</p:notes>
-</file>
-
-<file path=ppt/notesSlides/notesSlide5.xml><?xml version="1.0" encoding="utf-8"?>
-<p:notes xmlns:a="http://schemas.openxmlformats.org/drawingml/2006/main" xmlns:r="http://schemas.openxmlformats.org/officeDocument/2006/relationships" xmlns:p="http://schemas.openxmlformats.org/presentationml/2006/main">
-  <p:cSld>
-    <p:spTree>
-      <p:nvGrpSpPr>
-        <p:cNvPr id="1" name=""/>
-        <p:cNvGrpSpPr/>
-        <p:nvPr/>
-      </p:nvGrpSpPr>
-      <p:grpSpPr>
-        <a:xfrm>
-          <a:off x="0" y="0"/>
-          <a:ext cx="0" cy="0"/>
-          <a:chOff x="0" y="0"/>
-          <a:chExt cx="0" cy="0"/>
-        </a:xfrm>
-      </p:grpSpPr>
-      <p:sp>
-        <p:nvSpPr>
-          <p:cNvPr id="2" name="Slide Image Placeholder 1"/>
-          <p:cNvSpPr>
-            <a:spLocks noGrp="1" noRot="1" noChangeAspect="1"/>
-          </p:cNvSpPr>
-          <p:nvPr>
-            <p:ph type="sldImg"/>
-          </p:nvPr>
-        </p:nvSpPr>
-        <p:spPr/>
-      </p:sp>
-      <p:sp>
-        <p:nvSpPr>
-          <p:cNvPr id="3" name="Notes Placeholder 2"/>
-          <p:cNvSpPr>
-            <a:spLocks noGrp="1"/>
-          </p:cNvSpPr>
-          <p:nvPr>
-            <p:ph type="body" idx="1"/>
-          </p:nvPr>
-        </p:nvSpPr>
-        <p:spPr/>
-        <p:txBody>
-          <a:bodyPr/>
-          <a:lstStyle/>
-          <a:p>
-            <a:r>
-              <a:rPr lang="en-US" dirty="0"/>
-              <a:t>Complete guide about most useful commands: </a:t>
-            </a:r>
-            <a:r>
-              <a:rPr lang="en-US" dirty="0">
-                <a:hlinkClick r:id="rId3"/>
-              </a:rPr>
-              <a:t>https://dzone.com/articles/top-20-git-commands-with-examples</a:t>
-            </a:r>
-            <a:endParaRPr lang="fa-IR" dirty="0"/>
-          </a:p>
-        </p:txBody>
-      </p:sp>
-      <p:sp>
-        <p:nvSpPr>
-          <p:cNvPr id="4" name="Slide Number Placeholder 3"/>
-          <p:cNvSpPr>
-            <a:spLocks noGrp="1"/>
-          </p:cNvSpPr>
-          <p:nvPr>
-            <p:ph type="sldNum" sz="quarter" idx="5"/>
-          </p:nvPr>
-        </p:nvSpPr>
-        <p:spPr/>
-        <p:txBody>
-          <a:bodyPr/>
-          <a:lstStyle/>
-          <a:p>
-            <a:fld id="{D0E944BF-F28C-48F8-90D3-273132DB8999}" type="slidenum">
-              <a:rPr lang="fa-IR" smtClean="0"/>
-              <a:t>12</a:t>
-            </a:fld>
-            <a:endParaRPr lang="fa-IR"/>
-          </a:p>
-        </p:txBody>
-      </p:sp>
-    </p:spTree>
-    <p:extLst>
-      <p:ext uri="{BB962C8B-B14F-4D97-AF65-F5344CB8AC3E}">
-        <p14:creationId xmlns:p14="http://schemas.microsoft.com/office/powerpoint/2010/main" val="4293819"/>
-      </p:ext>
-    </p:extLst>
-  </p:cSld>
-  <p:clrMapOvr>
-    <a:masterClrMapping/>
-  </p:clrMapOvr>
-</p:notes>
 </file>
 
 <file path=ppt/slideLayouts/slideLayout1.xml><?xml version="1.0" encoding="utf-8"?>
@@ -7749,935 +4616,6 @@
 </p:sld>
 </file>
 
-<file path=ppt/slides/slide10.xml><?xml version="1.0" encoding="utf-8"?>
-<p:sld xmlns:a="http://schemas.openxmlformats.org/drawingml/2006/main" xmlns:r="http://schemas.openxmlformats.org/officeDocument/2006/relationships" xmlns:p="http://schemas.openxmlformats.org/presentationml/2006/main">
-  <p:cSld>
-    <p:spTree>
-      <p:nvGrpSpPr>
-        <p:cNvPr id="1" name=""/>
-        <p:cNvGrpSpPr/>
-        <p:nvPr/>
-      </p:nvGrpSpPr>
-      <p:grpSpPr>
-        <a:xfrm>
-          <a:off x="0" y="0"/>
-          <a:ext cx="0" cy="0"/>
-          <a:chOff x="0" y="0"/>
-          <a:chExt cx="0" cy="0"/>
-        </a:xfrm>
-      </p:grpSpPr>
-      <p:sp>
-        <p:nvSpPr>
-          <p:cNvPr id="2" name="Title 1">
-            <a:extLst>
-              <a:ext uri="{FF2B5EF4-FFF2-40B4-BE49-F238E27FC236}">
-                <a16:creationId xmlns:a16="http://schemas.microsoft.com/office/drawing/2014/main" id="{52BC6BAA-E3E7-499A-AA64-08CBA60C6A6B}"/>
-              </a:ext>
-            </a:extLst>
-          </p:cNvPr>
-          <p:cNvSpPr>
-            <a:spLocks noGrp="1"/>
-          </p:cNvSpPr>
-          <p:nvPr>
-            <p:ph type="title"/>
-          </p:nvPr>
-        </p:nvSpPr>
-        <p:spPr/>
-        <p:txBody>
-          <a:bodyPr/>
-          <a:lstStyle/>
-          <a:p>
-            <a:r>
-              <a:rPr lang="en-US" dirty="0"/>
-              <a:t>Practice, No1, </a:t>
-            </a:r>
-            <a:r>
-              <a:rPr lang="en-US" dirty="0" err="1"/>
-              <a:t>sccs</a:t>
-            </a:r>
-            <a:endParaRPr lang="fa-IR" dirty="0"/>
-          </a:p>
-        </p:txBody>
-      </p:sp>
-      <p:sp>
-        <p:nvSpPr>
-          <p:cNvPr id="3" name="Content Placeholder 2">
-            <a:extLst>
-              <a:ext uri="{FF2B5EF4-FFF2-40B4-BE49-F238E27FC236}">
-                <a16:creationId xmlns:a16="http://schemas.microsoft.com/office/drawing/2014/main" id="{FF1B2785-A0F7-4E6C-9C23-C7DCB35C4964}"/>
-              </a:ext>
-            </a:extLst>
-          </p:cNvPr>
-          <p:cNvSpPr>
-            <a:spLocks noGrp="1"/>
-          </p:cNvSpPr>
-          <p:nvPr>
-            <p:ph idx="1"/>
-          </p:nvPr>
-        </p:nvSpPr>
-        <p:spPr>
-          <a:xfrm>
-            <a:off x="800100" y="2112356"/>
-            <a:ext cx="7543800" cy="3849624"/>
-          </a:xfrm>
-        </p:spPr>
-        <p:txBody>
-          <a:bodyPr/>
-          <a:lstStyle/>
-          <a:p>
-            <a:r>
-              <a:rPr lang="en-US" dirty="0"/>
-              <a:t>Installing </a:t>
-            </a:r>
-            <a:r>
-              <a:rPr lang="en-US" dirty="0" err="1"/>
-              <a:t>sccs</a:t>
-            </a:r>
-            <a:r>
-              <a:rPr lang="en-US" dirty="0"/>
-              <a:t>:</a:t>
-            </a:r>
-          </a:p>
-          <a:p>
-            <a:pPr lvl="1"/>
-            <a:r>
-              <a:rPr lang="en-US" dirty="0"/>
-              <a:t>Step1: Download the software. </a:t>
-            </a:r>
-            <a:r>
-              <a:rPr lang="en-US" dirty="0" err="1">
-                <a:hlinkClick r:id="rId3"/>
-              </a:rPr>
-              <a:t>Sourceforge</a:t>
-            </a:r>
-            <a:endParaRPr lang="en-US" dirty="0"/>
-          </a:p>
-          <a:p>
-            <a:pPr lvl="1"/>
-            <a:r>
-              <a:rPr lang="en-US" dirty="0"/>
-              <a:t>Step2: Extract the archive.</a:t>
-            </a:r>
-          </a:p>
-          <a:p>
-            <a:pPr lvl="2"/>
-            <a:r>
-              <a:rPr lang="en-US" dirty="0">
-                <a:latin typeface="Consolas" panose="020B0609020204030204" pitchFamily="49" charset="0"/>
-              </a:rPr>
-              <a:t>&gt; tar </a:t>
-            </a:r>
-            <a:r>
-              <a:rPr lang="en-US" dirty="0" err="1">
-                <a:latin typeface="Consolas" panose="020B0609020204030204" pitchFamily="49" charset="0"/>
-              </a:rPr>
-              <a:t>jxvf</a:t>
-            </a:r>
-            <a:r>
-              <a:rPr lang="en-US" dirty="0">
-                <a:latin typeface="Consolas" panose="020B0609020204030204" pitchFamily="49" charset="0"/>
-              </a:rPr>
-              <a:t> sccs-5.08.tar.bz2</a:t>
-            </a:r>
-          </a:p>
-          <a:p>
-            <a:pPr lvl="1"/>
-            <a:r>
-              <a:rPr lang="en-US" dirty="0"/>
-              <a:t>Step3: Compile the code</a:t>
-            </a:r>
-          </a:p>
-          <a:p>
-            <a:pPr lvl="2"/>
-            <a:r>
-              <a:rPr lang="en-US" dirty="0">
-                <a:latin typeface="Consolas" panose="020B0609020204030204" pitchFamily="49" charset="0"/>
-              </a:rPr>
-              <a:t>&gt; make INS_BASE=/</a:t>
-            </a:r>
-            <a:r>
-              <a:rPr lang="en-US" dirty="0" err="1">
-                <a:latin typeface="Consolas" panose="020B0609020204030204" pitchFamily="49" charset="0"/>
-              </a:rPr>
-              <a:t>usr</a:t>
-            </a:r>
-            <a:r>
-              <a:rPr lang="en-US" dirty="0">
-                <a:latin typeface="Consolas" panose="020B0609020204030204" pitchFamily="49" charset="0"/>
-              </a:rPr>
-              <a:t>/</a:t>
-            </a:r>
-            <a:r>
-              <a:rPr lang="en-US" dirty="0" err="1">
-                <a:latin typeface="Consolas" panose="020B0609020204030204" pitchFamily="49" charset="0"/>
-              </a:rPr>
-              <a:t>sccs</a:t>
-            </a:r>
-            <a:endParaRPr lang="en-US" dirty="0">
-              <a:latin typeface="Consolas" panose="020B0609020204030204" pitchFamily="49" charset="0"/>
-            </a:endParaRPr>
-          </a:p>
-          <a:p>
-            <a:pPr lvl="1"/>
-            <a:r>
-              <a:rPr lang="en-US" dirty="0"/>
-              <a:t>Step4: Install the software</a:t>
-            </a:r>
-          </a:p>
-          <a:p>
-            <a:pPr lvl="2"/>
-            <a:r>
-              <a:rPr lang="en-US" dirty="0">
-                <a:latin typeface="Consolas" panose="020B0609020204030204" pitchFamily="49" charset="0"/>
-              </a:rPr>
-              <a:t>&gt; make INS_BASE=/</a:t>
-            </a:r>
-            <a:r>
-              <a:rPr lang="en-US" dirty="0" err="1">
-                <a:latin typeface="Consolas" panose="020B0609020204030204" pitchFamily="49" charset="0"/>
-              </a:rPr>
-              <a:t>usr</a:t>
-            </a:r>
-            <a:r>
-              <a:rPr lang="en-US" dirty="0">
-                <a:latin typeface="Consolas" panose="020B0609020204030204" pitchFamily="49" charset="0"/>
-              </a:rPr>
-              <a:t>/</a:t>
-            </a:r>
-            <a:r>
-              <a:rPr lang="en-US" dirty="0" err="1">
-                <a:latin typeface="Consolas" panose="020B0609020204030204" pitchFamily="49" charset="0"/>
-              </a:rPr>
-              <a:t>sccs</a:t>
-            </a:r>
-            <a:r>
-              <a:rPr lang="en-US" dirty="0">
-                <a:latin typeface="Consolas" panose="020B0609020204030204" pitchFamily="49" charset="0"/>
-              </a:rPr>
-              <a:t> install</a:t>
-            </a:r>
-          </a:p>
-          <a:p>
-            <a:pPr lvl="1"/>
-            <a:r>
-              <a:rPr lang="en-US" dirty="0"/>
-              <a:t>Step5: Add the path /</a:t>
-            </a:r>
-            <a:r>
-              <a:rPr lang="en-US" dirty="0" err="1"/>
-              <a:t>usr</a:t>
-            </a:r>
-            <a:r>
-              <a:rPr lang="en-US" dirty="0"/>
-              <a:t>/</a:t>
-            </a:r>
-            <a:r>
-              <a:rPr lang="en-US" dirty="0" err="1"/>
-              <a:t>sccs</a:t>
-            </a:r>
-            <a:r>
-              <a:rPr lang="en-US" dirty="0"/>
-              <a:t> to the PATH variable.</a:t>
-            </a:r>
-          </a:p>
-          <a:p>
-            <a:pPr lvl="2"/>
-            <a:r>
-              <a:rPr lang="en-US" dirty="0">
-                <a:latin typeface="Consolas" panose="020B0609020204030204" pitchFamily="49" charset="0"/>
-              </a:rPr>
-              <a:t>&gt; export PATH=$PATH:/</a:t>
-            </a:r>
-            <a:r>
-              <a:rPr lang="en-US" dirty="0" err="1">
-                <a:latin typeface="Consolas" panose="020B0609020204030204" pitchFamily="49" charset="0"/>
-              </a:rPr>
-              <a:t>usr</a:t>
-            </a:r>
-            <a:r>
-              <a:rPr lang="en-US" dirty="0">
-                <a:latin typeface="Consolas" panose="020B0609020204030204" pitchFamily="49" charset="0"/>
-              </a:rPr>
-              <a:t>/</a:t>
-            </a:r>
-            <a:r>
-              <a:rPr lang="en-US" dirty="0" err="1">
-                <a:latin typeface="Consolas" panose="020B0609020204030204" pitchFamily="49" charset="0"/>
-              </a:rPr>
-              <a:t>sccs</a:t>
-            </a:r>
-            <a:r>
-              <a:rPr lang="en-US" dirty="0">
-                <a:latin typeface="Consolas" panose="020B0609020204030204" pitchFamily="49" charset="0"/>
-              </a:rPr>
-              <a:t>/bin</a:t>
-            </a:r>
-          </a:p>
-          <a:p>
-            <a:pPr lvl="1"/>
-            <a:endParaRPr lang="en-US" dirty="0"/>
-          </a:p>
-          <a:p>
-            <a:pPr lvl="1"/>
-            <a:endParaRPr lang="en-US" dirty="0"/>
-          </a:p>
-        </p:txBody>
-      </p:sp>
-    </p:spTree>
-    <p:extLst>
-      <p:ext uri="{BB962C8B-B14F-4D97-AF65-F5344CB8AC3E}">
-        <p14:creationId xmlns:p14="http://schemas.microsoft.com/office/powerpoint/2010/main" val="4217643575"/>
-      </p:ext>
-    </p:extLst>
-  </p:cSld>
-  <p:clrMapOvr>
-    <a:masterClrMapping/>
-  </p:clrMapOvr>
-</p:sld>
-</file>
-
-<file path=ppt/slides/slide11.xml><?xml version="1.0" encoding="utf-8"?>
-<p:sld xmlns:a="http://schemas.openxmlformats.org/drawingml/2006/main" xmlns:r="http://schemas.openxmlformats.org/officeDocument/2006/relationships" xmlns:p="http://schemas.openxmlformats.org/presentationml/2006/main">
-  <p:cSld>
-    <p:spTree>
-      <p:nvGrpSpPr>
-        <p:cNvPr id="1" name=""/>
-        <p:cNvGrpSpPr/>
-        <p:nvPr/>
-      </p:nvGrpSpPr>
-      <p:grpSpPr>
-        <a:xfrm>
-          <a:off x="0" y="0"/>
-          <a:ext cx="0" cy="0"/>
-          <a:chOff x="0" y="0"/>
-          <a:chExt cx="0" cy="0"/>
-        </a:xfrm>
-      </p:grpSpPr>
-      <p:sp>
-        <p:nvSpPr>
-          <p:cNvPr id="2" name="Title 1">
-            <a:extLst>
-              <a:ext uri="{FF2B5EF4-FFF2-40B4-BE49-F238E27FC236}">
-                <a16:creationId xmlns:a16="http://schemas.microsoft.com/office/drawing/2014/main" id="{DAABEFCE-24CB-460C-A290-447A3BE773CD}"/>
-              </a:ext>
-            </a:extLst>
-          </p:cNvPr>
-          <p:cNvSpPr>
-            <a:spLocks noGrp="1"/>
-          </p:cNvSpPr>
-          <p:nvPr>
-            <p:ph type="title"/>
-          </p:nvPr>
-        </p:nvSpPr>
-        <p:spPr/>
-        <p:txBody>
-          <a:bodyPr/>
-          <a:lstStyle/>
-          <a:p>
-            <a:r>
-              <a:rPr lang="en-US" dirty="0"/>
-              <a:t>Practice, No2, </a:t>
-            </a:r>
-            <a:r>
-              <a:rPr lang="en-US" dirty="0" err="1"/>
-              <a:t>svn</a:t>
-            </a:r>
-            <a:endParaRPr lang="fa-IR" dirty="0"/>
-          </a:p>
-        </p:txBody>
-      </p:sp>
-      <p:sp>
-        <p:nvSpPr>
-          <p:cNvPr id="3" name="Content Placeholder 2">
-            <a:extLst>
-              <a:ext uri="{FF2B5EF4-FFF2-40B4-BE49-F238E27FC236}">
-                <a16:creationId xmlns:a16="http://schemas.microsoft.com/office/drawing/2014/main" id="{55B9D254-3FD5-4D5B-8AC5-81F2E1F18C22}"/>
-              </a:ext>
-            </a:extLst>
-          </p:cNvPr>
-          <p:cNvSpPr>
-            <a:spLocks noGrp="1"/>
-          </p:cNvSpPr>
-          <p:nvPr>
-            <p:ph idx="1"/>
-          </p:nvPr>
-        </p:nvSpPr>
-        <p:spPr/>
-        <p:txBody>
-          <a:bodyPr/>
-          <a:lstStyle/>
-          <a:p>
-            <a:r>
-              <a:rPr lang="en-US" dirty="0"/>
-              <a:t>Installation is simple, just google it.</a:t>
-            </a:r>
-          </a:p>
-          <a:p>
-            <a:r>
-              <a:rPr lang="en-US" dirty="0"/>
-              <a:t>Basic commands:</a:t>
-            </a:r>
-          </a:p>
-          <a:p>
-            <a:pPr lvl="1"/>
-            <a:r>
-              <a:rPr lang="en-US" dirty="0">
-                <a:latin typeface="Consolas" panose="020B0609020204030204" pitchFamily="49" charset="0"/>
-              </a:rPr>
-              <a:t>&gt; </a:t>
-            </a:r>
-            <a:r>
-              <a:rPr lang="en-US" dirty="0" err="1">
-                <a:latin typeface="Consolas" panose="020B0609020204030204" pitchFamily="49" charset="0"/>
-              </a:rPr>
-              <a:t>svn</a:t>
-            </a:r>
-            <a:r>
-              <a:rPr lang="en-US" dirty="0">
-                <a:latin typeface="Consolas" panose="020B0609020204030204" pitchFamily="49" charset="0"/>
-              </a:rPr>
-              <a:t> checkout or </a:t>
-            </a:r>
-            <a:r>
-              <a:rPr lang="en-US" dirty="0" err="1">
-                <a:latin typeface="Consolas" panose="020B0609020204030204" pitchFamily="49" charset="0"/>
-              </a:rPr>
-              <a:t>svn</a:t>
-            </a:r>
-            <a:r>
-              <a:rPr lang="en-US" dirty="0">
-                <a:latin typeface="Consolas" panose="020B0609020204030204" pitchFamily="49" charset="0"/>
-              </a:rPr>
-              <a:t> co</a:t>
-            </a:r>
-          </a:p>
-          <a:p>
-            <a:pPr lvl="1"/>
-            <a:r>
-              <a:rPr lang="en-US" dirty="0">
-                <a:latin typeface="Consolas" panose="020B0609020204030204" pitchFamily="49" charset="0"/>
-              </a:rPr>
-              <a:t>&gt; </a:t>
-            </a:r>
-            <a:r>
-              <a:rPr lang="en-US" dirty="0" err="1">
-                <a:latin typeface="Consolas" panose="020B0609020204030204" pitchFamily="49" charset="0"/>
-              </a:rPr>
-              <a:t>svn</a:t>
-            </a:r>
-            <a:r>
-              <a:rPr lang="en-US" dirty="0">
-                <a:latin typeface="Consolas" panose="020B0609020204030204" pitchFamily="49" charset="0"/>
-              </a:rPr>
-              <a:t> add</a:t>
-            </a:r>
-          </a:p>
-          <a:p>
-            <a:pPr lvl="1"/>
-            <a:r>
-              <a:rPr lang="en-US" dirty="0">
-                <a:latin typeface="Consolas" panose="020B0609020204030204" pitchFamily="49" charset="0"/>
-              </a:rPr>
-              <a:t>&gt; </a:t>
-            </a:r>
-            <a:r>
-              <a:rPr lang="en-US" dirty="0" err="1">
-                <a:latin typeface="Consolas" panose="020B0609020204030204" pitchFamily="49" charset="0"/>
-              </a:rPr>
-              <a:t>svn</a:t>
-            </a:r>
-            <a:r>
-              <a:rPr lang="en-US" dirty="0">
-                <a:latin typeface="Consolas" panose="020B0609020204030204" pitchFamily="49" charset="0"/>
-              </a:rPr>
-              <a:t> </a:t>
-            </a:r>
-            <a:r>
-              <a:rPr lang="en-US" dirty="0" err="1">
-                <a:latin typeface="Consolas" panose="020B0609020204030204" pitchFamily="49" charset="0"/>
-              </a:rPr>
-              <a:t>propset</a:t>
-            </a:r>
-            <a:endParaRPr lang="en-US" dirty="0">
-              <a:latin typeface="Consolas" panose="020B0609020204030204" pitchFamily="49" charset="0"/>
-            </a:endParaRPr>
-          </a:p>
-          <a:p>
-            <a:pPr lvl="1"/>
-            <a:r>
-              <a:rPr lang="en-US" dirty="0">
-                <a:latin typeface="Consolas" panose="020B0609020204030204" pitchFamily="49" charset="0"/>
-              </a:rPr>
-              <a:t>&gt; </a:t>
-            </a:r>
-            <a:r>
-              <a:rPr lang="en-US" dirty="0" err="1">
-                <a:latin typeface="Consolas" panose="020B0609020204030204" pitchFamily="49" charset="0"/>
-              </a:rPr>
-              <a:t>svn</a:t>
-            </a:r>
-            <a:r>
-              <a:rPr lang="en-US" dirty="0">
-                <a:latin typeface="Consolas" panose="020B0609020204030204" pitchFamily="49" charset="0"/>
-              </a:rPr>
-              <a:t> delete</a:t>
-            </a:r>
-          </a:p>
-          <a:p>
-            <a:pPr lvl="1"/>
-            <a:r>
-              <a:rPr lang="en-US" dirty="0">
-                <a:latin typeface="Consolas" panose="020B0609020204030204" pitchFamily="49" charset="0"/>
-              </a:rPr>
-              <a:t>&gt; </a:t>
-            </a:r>
-            <a:r>
-              <a:rPr lang="en-US" dirty="0" err="1">
-                <a:latin typeface="Consolas" panose="020B0609020204030204" pitchFamily="49" charset="0"/>
-              </a:rPr>
-              <a:t>svn</a:t>
-            </a:r>
-            <a:r>
-              <a:rPr lang="en-US" dirty="0">
-                <a:latin typeface="Consolas" panose="020B0609020204030204" pitchFamily="49" charset="0"/>
-              </a:rPr>
-              <a:t> status</a:t>
-            </a:r>
-          </a:p>
-          <a:p>
-            <a:pPr lvl="1"/>
-            <a:r>
-              <a:rPr lang="en-US" dirty="0">
-                <a:latin typeface="Consolas" panose="020B0609020204030204" pitchFamily="49" charset="0"/>
-              </a:rPr>
-              <a:t>&gt; </a:t>
-            </a:r>
-            <a:r>
-              <a:rPr lang="en-US" dirty="0" err="1">
-                <a:latin typeface="Consolas" panose="020B0609020204030204" pitchFamily="49" charset="0"/>
-              </a:rPr>
-              <a:t>svn</a:t>
-            </a:r>
-            <a:r>
-              <a:rPr lang="en-US" dirty="0">
-                <a:latin typeface="Consolas" panose="020B0609020204030204" pitchFamily="49" charset="0"/>
-              </a:rPr>
-              <a:t> update or </a:t>
-            </a:r>
-            <a:r>
-              <a:rPr lang="en-US" dirty="0" err="1">
-                <a:latin typeface="Consolas" panose="020B0609020204030204" pitchFamily="49" charset="0"/>
-              </a:rPr>
-              <a:t>svn</a:t>
-            </a:r>
-            <a:r>
-              <a:rPr lang="en-US" dirty="0">
-                <a:latin typeface="Consolas" panose="020B0609020204030204" pitchFamily="49" charset="0"/>
-              </a:rPr>
-              <a:t> up</a:t>
-            </a:r>
-          </a:p>
-          <a:p>
-            <a:pPr lvl="1"/>
-            <a:r>
-              <a:rPr lang="en-US" dirty="0">
-                <a:latin typeface="Consolas" panose="020B0609020204030204" pitchFamily="49" charset="0"/>
-              </a:rPr>
-              <a:t>&gt; </a:t>
-            </a:r>
-            <a:r>
-              <a:rPr lang="en-US" dirty="0" err="1">
-                <a:latin typeface="Consolas" panose="020B0609020204030204" pitchFamily="49" charset="0"/>
-              </a:rPr>
-              <a:t>svn</a:t>
-            </a:r>
-            <a:r>
-              <a:rPr lang="en-US" dirty="0">
-                <a:latin typeface="Consolas" panose="020B0609020204030204" pitchFamily="49" charset="0"/>
-              </a:rPr>
-              <a:t> commit or </a:t>
-            </a:r>
-            <a:r>
-              <a:rPr lang="en-US" dirty="0" err="1">
-                <a:latin typeface="Consolas" panose="020B0609020204030204" pitchFamily="49" charset="0"/>
-              </a:rPr>
-              <a:t>svn</a:t>
-            </a:r>
-            <a:r>
-              <a:rPr lang="en-US" dirty="0">
-                <a:latin typeface="Consolas" panose="020B0609020204030204" pitchFamily="49" charset="0"/>
-              </a:rPr>
-              <a:t> ci</a:t>
-            </a:r>
-          </a:p>
-          <a:p>
-            <a:pPr lvl="1"/>
-            <a:r>
-              <a:rPr lang="en-US" dirty="0">
-                <a:latin typeface="Consolas" panose="020B0609020204030204" pitchFamily="49" charset="0"/>
-              </a:rPr>
-              <a:t>&gt; </a:t>
-            </a:r>
-            <a:r>
-              <a:rPr lang="en-US" dirty="0" err="1">
-                <a:latin typeface="Consolas" panose="020B0609020204030204" pitchFamily="49" charset="0"/>
-              </a:rPr>
-              <a:t>svn</a:t>
-            </a:r>
-            <a:r>
-              <a:rPr lang="en-US" dirty="0">
-                <a:latin typeface="Consolas" panose="020B0609020204030204" pitchFamily="49" charset="0"/>
-              </a:rPr>
-              <a:t> move</a:t>
-            </a:r>
-          </a:p>
-          <a:p>
-            <a:pPr lvl="1"/>
-            <a:r>
-              <a:rPr lang="en-US" dirty="0">
-                <a:latin typeface="Consolas" panose="020B0609020204030204" pitchFamily="49" charset="0"/>
-              </a:rPr>
-              <a:t>&gt; </a:t>
-            </a:r>
-            <a:r>
-              <a:rPr lang="en-US" dirty="0" err="1">
-                <a:latin typeface="Consolas" panose="020B0609020204030204" pitchFamily="49" charset="0"/>
-              </a:rPr>
-              <a:t>svn</a:t>
-            </a:r>
-            <a:r>
-              <a:rPr lang="en-US" dirty="0">
-                <a:latin typeface="Consolas" panose="020B0609020204030204" pitchFamily="49" charset="0"/>
-              </a:rPr>
-              <a:t> diff</a:t>
-            </a:r>
-            <a:endParaRPr lang="fa-IR" dirty="0">
-              <a:latin typeface="Consolas" panose="020B0609020204030204" pitchFamily="49" charset="0"/>
-            </a:endParaRPr>
-          </a:p>
-        </p:txBody>
-      </p:sp>
-    </p:spTree>
-    <p:extLst>
-      <p:ext uri="{BB962C8B-B14F-4D97-AF65-F5344CB8AC3E}">
-        <p14:creationId xmlns:p14="http://schemas.microsoft.com/office/powerpoint/2010/main" val="1666363368"/>
-      </p:ext>
-    </p:extLst>
-  </p:cSld>
-  <p:clrMapOvr>
-    <a:masterClrMapping/>
-  </p:clrMapOvr>
-</p:sld>
-</file>
-
-<file path=ppt/slides/slide12.xml><?xml version="1.0" encoding="utf-8"?>
-<p:sld xmlns:a="http://schemas.openxmlformats.org/drawingml/2006/main" xmlns:r="http://schemas.openxmlformats.org/officeDocument/2006/relationships" xmlns:p="http://schemas.openxmlformats.org/presentationml/2006/main">
-  <p:cSld>
-    <p:spTree>
-      <p:nvGrpSpPr>
-        <p:cNvPr id="1" name=""/>
-        <p:cNvGrpSpPr/>
-        <p:nvPr/>
-      </p:nvGrpSpPr>
-      <p:grpSpPr>
-        <a:xfrm>
-          <a:off x="0" y="0"/>
-          <a:ext cx="0" cy="0"/>
-          <a:chOff x="0" y="0"/>
-          <a:chExt cx="0" cy="0"/>
-        </a:xfrm>
-      </p:grpSpPr>
-      <p:sp>
-        <p:nvSpPr>
-          <p:cNvPr id="2" name="Title 1">
-            <a:extLst>
-              <a:ext uri="{FF2B5EF4-FFF2-40B4-BE49-F238E27FC236}">
-                <a16:creationId xmlns:a16="http://schemas.microsoft.com/office/drawing/2014/main" id="{11444183-69C6-45B4-B8F6-0F66D7880797}"/>
-              </a:ext>
-            </a:extLst>
-          </p:cNvPr>
-          <p:cNvSpPr>
-            <a:spLocks noGrp="1"/>
-          </p:cNvSpPr>
-          <p:nvPr>
-            <p:ph type="title"/>
-          </p:nvPr>
-        </p:nvSpPr>
-        <p:spPr/>
-        <p:txBody>
-          <a:bodyPr/>
-          <a:lstStyle/>
-          <a:p>
-            <a:r>
-              <a:rPr lang="en-US" dirty="0"/>
-              <a:t>Practice, No3, git</a:t>
-            </a:r>
-            <a:endParaRPr lang="fa-IR" dirty="0"/>
-          </a:p>
-        </p:txBody>
-      </p:sp>
-      <p:sp>
-        <p:nvSpPr>
-          <p:cNvPr id="3" name="Content Placeholder 2">
-            <a:extLst>
-              <a:ext uri="{FF2B5EF4-FFF2-40B4-BE49-F238E27FC236}">
-                <a16:creationId xmlns:a16="http://schemas.microsoft.com/office/drawing/2014/main" id="{6704986B-86BB-4952-9C86-98100D69893E}"/>
-              </a:ext>
-            </a:extLst>
-          </p:cNvPr>
-          <p:cNvSpPr>
-            <a:spLocks noGrp="1"/>
-          </p:cNvSpPr>
-          <p:nvPr>
-            <p:ph idx="1"/>
-          </p:nvPr>
-        </p:nvSpPr>
-        <p:spPr/>
-        <p:txBody>
-          <a:bodyPr/>
-          <a:lstStyle/>
-          <a:p>
-            <a:r>
-              <a:rPr lang="en-US" dirty="0"/>
-              <a:t>Installation is very simple. Just google it.</a:t>
-            </a:r>
-          </a:p>
-          <a:p>
-            <a:r>
-              <a:rPr lang="en-US" dirty="0"/>
-              <a:t>Basic commands:</a:t>
-            </a:r>
-          </a:p>
-          <a:p>
-            <a:pPr lvl="1"/>
-            <a:r>
-              <a:rPr lang="en-US" dirty="0">
-                <a:latin typeface="Consolas" panose="020B0609020204030204" pitchFamily="49" charset="0"/>
-              </a:rPr>
-              <a:t>&gt; git config</a:t>
-            </a:r>
-          </a:p>
-          <a:p>
-            <a:pPr lvl="1"/>
-            <a:r>
-              <a:rPr lang="en-US" dirty="0">
-                <a:latin typeface="Consolas" panose="020B0609020204030204" pitchFamily="49" charset="0"/>
-              </a:rPr>
-              <a:t>&gt; git </a:t>
-            </a:r>
-            <a:r>
-              <a:rPr lang="en-US" dirty="0" err="1">
-                <a:latin typeface="Consolas" panose="020B0609020204030204" pitchFamily="49" charset="0"/>
-              </a:rPr>
-              <a:t>init</a:t>
-            </a:r>
-            <a:endParaRPr lang="en-US" dirty="0">
-              <a:latin typeface="Consolas" panose="020B0609020204030204" pitchFamily="49" charset="0"/>
-            </a:endParaRPr>
-          </a:p>
-          <a:p>
-            <a:pPr lvl="1"/>
-            <a:r>
-              <a:rPr lang="en-US" dirty="0">
-                <a:latin typeface="Consolas" panose="020B0609020204030204" pitchFamily="49" charset="0"/>
-              </a:rPr>
-              <a:t>&gt; git clone</a:t>
-            </a:r>
-          </a:p>
-          <a:p>
-            <a:pPr lvl="1"/>
-            <a:r>
-              <a:rPr lang="en-US" dirty="0">
-                <a:latin typeface="Consolas" panose="020B0609020204030204" pitchFamily="49" charset="0"/>
-              </a:rPr>
-              <a:t>&gt; git add</a:t>
-            </a:r>
-          </a:p>
-          <a:p>
-            <a:pPr lvl="1"/>
-            <a:r>
-              <a:rPr lang="en-US" dirty="0">
-                <a:latin typeface="Consolas" panose="020B0609020204030204" pitchFamily="49" charset="0"/>
-              </a:rPr>
-              <a:t>&gt; git commit</a:t>
-            </a:r>
-          </a:p>
-          <a:p>
-            <a:pPr lvl="1"/>
-            <a:r>
-              <a:rPr lang="en-US" dirty="0">
-                <a:latin typeface="Consolas" panose="020B0609020204030204" pitchFamily="49" charset="0"/>
-              </a:rPr>
-              <a:t>&gt; git push</a:t>
-            </a:r>
-          </a:p>
-          <a:p>
-            <a:pPr lvl="1"/>
-            <a:r>
-              <a:rPr lang="en-US" dirty="0">
-                <a:latin typeface="Consolas" panose="020B0609020204030204" pitchFamily="49" charset="0"/>
-              </a:rPr>
-              <a:t>&gt; git pull</a:t>
-            </a:r>
-          </a:p>
-          <a:p>
-            <a:pPr lvl="1"/>
-            <a:r>
-              <a:rPr lang="en-US" dirty="0">
-                <a:latin typeface="Consolas" panose="020B0609020204030204" pitchFamily="49" charset="0"/>
-              </a:rPr>
-              <a:t>&gt; git diff</a:t>
-            </a:r>
-          </a:p>
-          <a:p>
-            <a:pPr lvl="1"/>
-            <a:r>
-              <a:rPr lang="en-US" dirty="0">
-                <a:latin typeface="Consolas" panose="020B0609020204030204" pitchFamily="49" charset="0"/>
-              </a:rPr>
-              <a:t>&gt; git log</a:t>
-            </a:r>
-          </a:p>
-        </p:txBody>
-      </p:sp>
-    </p:spTree>
-    <p:extLst>
-      <p:ext uri="{BB962C8B-B14F-4D97-AF65-F5344CB8AC3E}">
-        <p14:creationId xmlns:p14="http://schemas.microsoft.com/office/powerpoint/2010/main" val="2379940748"/>
-      </p:ext>
-    </p:extLst>
-  </p:cSld>
-  <p:clrMapOvr>
-    <a:masterClrMapping/>
-  </p:clrMapOvr>
-</p:sld>
-</file>
-
-<file path=ppt/slides/slide13.xml><?xml version="1.0" encoding="utf-8"?>
-<p:sld xmlns:a="http://schemas.openxmlformats.org/drawingml/2006/main" xmlns:r="http://schemas.openxmlformats.org/officeDocument/2006/relationships" xmlns:p="http://schemas.openxmlformats.org/presentationml/2006/main">
-  <p:cSld>
-    <p:spTree>
-      <p:nvGrpSpPr>
-        <p:cNvPr id="1" name=""/>
-        <p:cNvGrpSpPr/>
-        <p:nvPr/>
-      </p:nvGrpSpPr>
-      <p:grpSpPr>
-        <a:xfrm>
-          <a:off x="0" y="0"/>
-          <a:ext cx="0" cy="0"/>
-          <a:chOff x="0" y="0"/>
-          <a:chExt cx="0" cy="0"/>
-        </a:xfrm>
-      </p:grpSpPr>
-      <p:sp>
-        <p:nvSpPr>
-          <p:cNvPr id="2" name="Title 1">
-            <a:extLst>
-              <a:ext uri="{FF2B5EF4-FFF2-40B4-BE49-F238E27FC236}">
-                <a16:creationId xmlns:a16="http://schemas.microsoft.com/office/drawing/2014/main" id="{DEE2111E-A6A3-42EB-92F9-09537B65EADA}"/>
-              </a:ext>
-            </a:extLst>
-          </p:cNvPr>
-          <p:cNvSpPr>
-            <a:spLocks noGrp="1"/>
-          </p:cNvSpPr>
-          <p:nvPr>
-            <p:ph type="title"/>
-          </p:nvPr>
-        </p:nvSpPr>
-        <p:spPr/>
-        <p:txBody>
-          <a:bodyPr/>
-          <a:lstStyle/>
-          <a:p>
-            <a:r>
-              <a:rPr lang="en-US" dirty="0" err="1"/>
-              <a:t>Homeworks</a:t>
-            </a:r>
-            <a:endParaRPr lang="fa-IR" dirty="0"/>
-          </a:p>
-        </p:txBody>
-      </p:sp>
-      <p:sp>
-        <p:nvSpPr>
-          <p:cNvPr id="3" name="Content Placeholder 2">
-            <a:extLst>
-              <a:ext uri="{FF2B5EF4-FFF2-40B4-BE49-F238E27FC236}">
-                <a16:creationId xmlns:a16="http://schemas.microsoft.com/office/drawing/2014/main" id="{4E932DFE-E338-4240-8627-7D2296DB5282}"/>
-              </a:ext>
-            </a:extLst>
-          </p:cNvPr>
-          <p:cNvSpPr>
-            <a:spLocks noGrp="1"/>
-          </p:cNvSpPr>
-          <p:nvPr>
-            <p:ph idx="1"/>
-          </p:nvPr>
-        </p:nvSpPr>
-        <p:spPr/>
-        <p:txBody>
-          <a:bodyPr/>
-          <a:lstStyle/>
-          <a:p>
-            <a:r>
-              <a:rPr lang="en-US" dirty="0"/>
-              <a:t>Create a simple git project in </a:t>
-            </a:r>
-            <a:r>
-              <a:rPr lang="en-US" dirty="0" err="1"/>
-              <a:t>github</a:t>
-            </a:r>
-            <a:r>
-              <a:rPr lang="en-US" dirty="0"/>
-              <a:t> and then practice all the git commands in it. You can simply name it </a:t>
-            </a:r>
-            <a:r>
-              <a:rPr lang="en-US" dirty="0" err="1"/>
-              <a:t>helloWorldGit</a:t>
-            </a:r>
-            <a:r>
-              <a:rPr lang="en-US" dirty="0"/>
-              <a:t> project.</a:t>
-            </a:r>
-          </a:p>
-          <a:p>
-            <a:r>
-              <a:rPr lang="en-US" dirty="0"/>
-              <a:t>Take a look at </a:t>
-            </a:r>
-            <a:r>
-              <a:rPr lang="en-US" dirty="0" err="1"/>
-              <a:t>linux</a:t>
-            </a:r>
-            <a:r>
-              <a:rPr lang="en-US" dirty="0"/>
-              <a:t> file systems and their folder structure.</a:t>
-            </a:r>
-          </a:p>
-          <a:p>
-            <a:pPr lvl="1"/>
-            <a:r>
-              <a:rPr lang="en-US" dirty="0"/>
-              <a:t>We need to know it for later.</a:t>
-            </a:r>
-            <a:endParaRPr lang="fa-IR" dirty="0"/>
-          </a:p>
-        </p:txBody>
-      </p:sp>
-    </p:spTree>
-    <p:extLst>
-      <p:ext uri="{BB962C8B-B14F-4D97-AF65-F5344CB8AC3E}">
-        <p14:creationId xmlns:p14="http://schemas.microsoft.com/office/powerpoint/2010/main" val="63040579"/>
-      </p:ext>
-    </p:extLst>
-  </p:cSld>
-  <p:clrMapOvr>
-    <a:masterClrMapping/>
-  </p:clrMapOvr>
-</p:sld>
-</file>
-
 <file path=ppt/slides/slide2.xml><?xml version="1.0" encoding="utf-8"?>
 <p:sld xmlns:a="http://schemas.openxmlformats.org/drawingml/2006/main" xmlns:r="http://schemas.openxmlformats.org/officeDocument/2006/relationships" xmlns:p="http://schemas.openxmlformats.org/presentationml/2006/main">
   <p:cSld>
@@ -8834,7 +4772,7 @@
           <p:cNvPr id="2" name="Title 1">
             <a:extLst>
               <a:ext uri="{FF2B5EF4-FFF2-40B4-BE49-F238E27FC236}">
-                <a16:creationId xmlns:a16="http://schemas.microsoft.com/office/drawing/2014/main" id="{8408F5B4-DA93-41A7-9871-ED4AB25A9A68}"/>
+                <a16:creationId xmlns:a16="http://schemas.microsoft.com/office/drawing/2014/main" id="{DEE2111E-A6A3-42EB-92F9-09537B65EADA}"/>
               </a:ext>
             </a:extLst>
           </p:cNvPr>
@@ -8852,7 +4790,15 @@
           <a:p>
             <a:r>
               <a:rPr lang="en-US" dirty="0"/>
-              <a:t>Definition</a:t>
+              <a:t>What about last </a:t>
+            </a:r>
+            <a:r>
+              <a:rPr lang="en-US" dirty="0" err="1"/>
+              <a:t>Homeworks</a:t>
+            </a:r>
+            <a:r>
+              <a:rPr lang="en-US" dirty="0"/>
+              <a:t>?</a:t>
             </a:r>
             <a:endParaRPr lang="fa-IR" dirty="0"/>
           </a:p>
@@ -8863,7 +4809,7 @@
           <p:cNvPr id="3" name="Content Placeholder 2">
             <a:extLst>
               <a:ext uri="{FF2B5EF4-FFF2-40B4-BE49-F238E27FC236}">
-                <a16:creationId xmlns:a16="http://schemas.microsoft.com/office/drawing/2014/main" id="{A4FEBB7D-60D4-4370-9849-A29F0672AF6A}"/>
+                <a16:creationId xmlns:a16="http://schemas.microsoft.com/office/drawing/2014/main" id="{4E932DFE-E338-4240-8627-7D2296DB5282}"/>
               </a:ext>
             </a:extLst>
           </p:cNvPr>
@@ -8881,864 +4827,53 @@
           <a:p>
             <a:r>
               <a:rPr lang="en-US" dirty="0"/>
-              <a:t>Also Known as:</a:t>
+              <a:t>Create a simple git project in </a:t>
+            </a:r>
+            <a:r>
+              <a:rPr lang="en-US" dirty="0" err="1"/>
+              <a:t>github</a:t>
+            </a:r>
+            <a:r>
+              <a:rPr lang="en-US" dirty="0"/>
+              <a:t> and then practice all the git commands in it. You can simply name it </a:t>
+            </a:r>
+            <a:r>
+              <a:rPr lang="en-US" dirty="0" err="1"/>
+              <a:t>helloWorldGit</a:t>
+            </a:r>
+            <a:r>
+              <a:rPr lang="en-US" dirty="0"/>
+              <a:t> project.</a:t>
+            </a:r>
+          </a:p>
+          <a:p>
+            <a:r>
+              <a:rPr lang="en-US" dirty="0"/>
+              <a:t>Take a look at </a:t>
+            </a:r>
+            <a:r>
+              <a:rPr lang="en-US" dirty="0" err="1"/>
+              <a:t>linux</a:t>
+            </a:r>
+            <a:r>
+              <a:rPr lang="en-US" dirty="0"/>
+              <a:t> file systems and their folder structure.</a:t>
             </a:r>
           </a:p>
           <a:p>
             <a:pPr lvl="1"/>
             <a:r>
               <a:rPr lang="en-US" dirty="0"/>
-              <a:t>Version Control</a:t>
-            </a:r>
-          </a:p>
-          <a:p>
-            <a:pPr lvl="1"/>
-            <a:r>
-              <a:rPr lang="en-US" dirty="0"/>
-              <a:t>Revision Control</a:t>
-            </a:r>
-          </a:p>
-          <a:p>
-            <a:pPr lvl="1"/>
-            <a:r>
-              <a:rPr lang="en-US" dirty="0"/>
-              <a:t>Source Code Management</a:t>
-            </a:r>
-          </a:p>
-          <a:p>
-            <a:r>
-              <a:rPr lang="en-US" dirty="0"/>
-              <a:t>Systems responsible for the management of changes to documents, computer programs, and other collection of information.</a:t>
-            </a:r>
-          </a:p>
-          <a:p>
-            <a:r>
-              <a:rPr lang="en-US" dirty="0"/>
-              <a:t>Changes are usually identified as a number or letter code, like “revision number”, “revision level”,  or simply “revision”.</a:t>
-            </a:r>
-          </a:p>
-          <a:p>
-            <a:r>
-              <a:rPr lang="en-US" dirty="0"/>
-              <a:t>For example:</a:t>
-            </a:r>
-          </a:p>
-          <a:p>
-            <a:pPr lvl="1"/>
-            <a:r>
-              <a:rPr lang="en-US" dirty="0"/>
-              <a:t>The revision 1, for an initial release.</a:t>
-            </a:r>
-          </a:p>
-          <a:p>
-            <a:pPr lvl="1"/>
-            <a:r>
-              <a:rPr lang="en-US" dirty="0"/>
-              <a:t>The revision 2, when the first change is made.</a:t>
-            </a:r>
-          </a:p>
-          <a:p>
-            <a:r>
-              <a:rPr lang="en-US" dirty="0"/>
-              <a:t>Each revision is associated with a timestamp and the person making the change.</a:t>
-            </a:r>
+              <a:t>We need to know it for later.</a:t>
+            </a:r>
+            <a:endParaRPr lang="fa-IR" dirty="0"/>
           </a:p>
         </p:txBody>
       </p:sp>
     </p:spTree>
     <p:extLst>
       <p:ext uri="{BB962C8B-B14F-4D97-AF65-F5344CB8AC3E}">
-        <p14:creationId xmlns:p14="http://schemas.microsoft.com/office/powerpoint/2010/main" val="2660432216"/>
-      </p:ext>
-    </p:extLst>
-  </p:cSld>
-  <p:clrMapOvr>
-    <a:masterClrMapping/>
-  </p:clrMapOvr>
-</p:sld>
-</file>
-
-<file path=ppt/slides/slide4.xml><?xml version="1.0" encoding="utf-8"?>
-<p:sld xmlns:a="http://schemas.openxmlformats.org/drawingml/2006/main" xmlns:r="http://schemas.openxmlformats.org/officeDocument/2006/relationships" xmlns:p="http://schemas.openxmlformats.org/presentationml/2006/main">
-  <p:cSld>
-    <p:spTree>
-      <p:nvGrpSpPr>
-        <p:cNvPr id="1" name=""/>
-        <p:cNvGrpSpPr/>
-        <p:nvPr/>
-      </p:nvGrpSpPr>
-      <p:grpSpPr>
-        <a:xfrm>
-          <a:off x="0" y="0"/>
-          <a:ext cx="0" cy="0"/>
-          <a:chOff x="0" y="0"/>
-          <a:chExt cx="0" cy="0"/>
-        </a:xfrm>
-      </p:grpSpPr>
-      <p:sp>
-        <p:nvSpPr>
-          <p:cNvPr id="2" name="Title 1">
-            <a:extLst>
-              <a:ext uri="{FF2B5EF4-FFF2-40B4-BE49-F238E27FC236}">
-                <a16:creationId xmlns:a16="http://schemas.microsoft.com/office/drawing/2014/main" id="{8408F5B4-DA93-41A7-9871-ED4AB25A9A68}"/>
-              </a:ext>
-            </a:extLst>
-          </p:cNvPr>
-          <p:cNvSpPr>
-            <a:spLocks noGrp="1"/>
-          </p:cNvSpPr>
-          <p:nvPr>
-            <p:ph type="title"/>
-          </p:nvPr>
-        </p:nvSpPr>
-        <p:spPr/>
-        <p:txBody>
-          <a:bodyPr/>
-          <a:lstStyle/>
-          <a:p>
-            <a:r>
-              <a:rPr lang="en-US" dirty="0"/>
-              <a:t>Definition, History</a:t>
-            </a:r>
-            <a:endParaRPr lang="fa-IR" dirty="0"/>
-          </a:p>
-        </p:txBody>
-      </p:sp>
-      <p:sp>
-        <p:nvSpPr>
-          <p:cNvPr id="3" name="Content Placeholder 2">
-            <a:extLst>
-              <a:ext uri="{FF2B5EF4-FFF2-40B4-BE49-F238E27FC236}">
-                <a16:creationId xmlns:a16="http://schemas.microsoft.com/office/drawing/2014/main" id="{A4FEBB7D-60D4-4370-9849-A29F0672AF6A}"/>
-              </a:ext>
-            </a:extLst>
-          </p:cNvPr>
-          <p:cNvSpPr>
-            <a:spLocks noGrp="1"/>
-          </p:cNvSpPr>
-          <p:nvPr>
-            <p:ph idx="1"/>
-          </p:nvPr>
-        </p:nvSpPr>
-        <p:spPr/>
-        <p:txBody>
-          <a:bodyPr/>
-          <a:lstStyle/>
-          <a:p>
-            <a:r>
-              <a:rPr lang="en-US" dirty="0"/>
-              <a:t>Revisions can be compared, restored, and sometimes merged.</a:t>
-            </a:r>
-          </a:p>
-          <a:p>
-            <a:r>
-              <a:rPr lang="en-US" dirty="0"/>
-              <a:t>Some example:</a:t>
-            </a:r>
-          </a:p>
-          <a:p>
-            <a:pPr lvl="1"/>
-            <a:r>
-              <a:rPr lang="en-US" dirty="0"/>
-              <a:t>Book editions, that date back to the print-only era.</a:t>
-            </a:r>
-          </a:p>
-          <a:p>
-            <a:pPr lvl="1"/>
-            <a:r>
-              <a:rPr lang="en-US" dirty="0"/>
-              <a:t>Software development, as an example of modern era.</a:t>
-            </a:r>
-          </a:p>
-          <a:p>
-            <a:pPr lvl="1"/>
-            <a:r>
-              <a:rPr lang="en-US" dirty="0"/>
-              <a:t>Wikipedia’s page history. Nice example of reverting a document to a pervious revision.</a:t>
-            </a:r>
-          </a:p>
-          <a:p>
-            <a:r>
-              <a:rPr lang="en-US" dirty="0"/>
-              <a:t>In software development, it is vitally important to have Version Control System (VCS).</a:t>
-            </a:r>
-          </a:p>
-          <a:p>
-            <a:pPr lvl="1"/>
-            <a:r>
-              <a:rPr lang="en-US" dirty="0"/>
-              <a:t>Sometimes, we work on bugs</a:t>
-            </a:r>
-          </a:p>
-          <a:p>
-            <a:pPr lvl="1"/>
-            <a:r>
-              <a:rPr lang="en-US" dirty="0"/>
-              <a:t>Simultaneously, we work  on new features.</a:t>
-            </a:r>
-          </a:p>
-          <a:p>
-            <a:endParaRPr lang="en-US" dirty="0"/>
-          </a:p>
-          <a:p>
-            <a:endParaRPr lang="en-US" dirty="0"/>
-          </a:p>
-        </p:txBody>
-      </p:sp>
-    </p:spTree>
-    <p:extLst>
-      <p:ext uri="{BB962C8B-B14F-4D97-AF65-F5344CB8AC3E}">
-        <p14:creationId xmlns:p14="http://schemas.microsoft.com/office/powerpoint/2010/main" val="731846879"/>
-      </p:ext>
-    </p:extLst>
-  </p:cSld>
-  <p:clrMapOvr>
-    <a:masterClrMapping/>
-  </p:clrMapOvr>
-</p:sld>
-</file>
-
-<file path=ppt/slides/slide5.xml><?xml version="1.0" encoding="utf-8"?>
-<p:sld xmlns:a="http://schemas.openxmlformats.org/drawingml/2006/main" xmlns:r="http://schemas.openxmlformats.org/officeDocument/2006/relationships" xmlns:p="http://schemas.openxmlformats.org/presentationml/2006/main">
-  <p:cSld>
-    <p:spTree>
-      <p:nvGrpSpPr>
-        <p:cNvPr id="1" name=""/>
-        <p:cNvGrpSpPr/>
-        <p:nvPr/>
-      </p:nvGrpSpPr>
-      <p:grpSpPr>
-        <a:xfrm>
-          <a:off x="0" y="0"/>
-          <a:ext cx="0" cy="0"/>
-          <a:chOff x="0" y="0"/>
-          <a:chExt cx="0" cy="0"/>
-        </a:xfrm>
-      </p:grpSpPr>
-      <p:sp>
-        <p:nvSpPr>
-          <p:cNvPr id="2" name="Title 1">
-            <a:extLst>
-              <a:ext uri="{FF2B5EF4-FFF2-40B4-BE49-F238E27FC236}">
-                <a16:creationId xmlns:a16="http://schemas.microsoft.com/office/drawing/2014/main" id="{6C5D7726-56E5-4026-84D7-8181196530FE}"/>
-              </a:ext>
-            </a:extLst>
-          </p:cNvPr>
-          <p:cNvSpPr>
-            <a:spLocks noGrp="1"/>
-          </p:cNvSpPr>
-          <p:nvPr>
-            <p:ph type="title"/>
-          </p:nvPr>
-        </p:nvSpPr>
-        <p:spPr/>
-        <p:txBody>
-          <a:bodyPr/>
-          <a:lstStyle/>
-          <a:p>
-            <a:r>
-              <a:rPr lang="en-US" dirty="0"/>
-              <a:t>At a glance</a:t>
-            </a:r>
-            <a:endParaRPr lang="fa-IR" dirty="0"/>
-          </a:p>
-        </p:txBody>
-      </p:sp>
-      <p:pic>
-        <p:nvPicPr>
-          <p:cNvPr id="5" name="Content Placeholder 4">
-            <a:extLst>
-              <a:ext uri="{FF2B5EF4-FFF2-40B4-BE49-F238E27FC236}">
-                <a16:creationId xmlns:a16="http://schemas.microsoft.com/office/drawing/2014/main" id="{2345DE9A-A2D5-40AA-B5C5-F9A19B27C751}"/>
-              </a:ext>
-            </a:extLst>
-          </p:cNvPr>
-          <p:cNvPicPr>
-            <a:picLocks noGrp="1" noChangeAspect="1"/>
-          </p:cNvPicPr>
-          <p:nvPr>
-            <p:ph idx="1"/>
-          </p:nvPr>
-        </p:nvPicPr>
-        <p:blipFill>
-          <a:blip r:embed="rId2"/>
-          <a:stretch>
-            <a:fillRect/>
-          </a:stretch>
-        </p:blipFill>
-        <p:spPr>
-          <a:xfrm>
-            <a:off x="800100" y="2130454"/>
-            <a:ext cx="7543800" cy="3795655"/>
-          </a:xfrm>
-        </p:spPr>
-      </p:pic>
-    </p:spTree>
-    <p:extLst>
-      <p:ext uri="{BB962C8B-B14F-4D97-AF65-F5344CB8AC3E}">
-        <p14:creationId xmlns:p14="http://schemas.microsoft.com/office/powerpoint/2010/main" val="1638568972"/>
-      </p:ext>
-    </p:extLst>
-  </p:cSld>
-  <p:clrMapOvr>
-    <a:masterClrMapping/>
-  </p:clrMapOvr>
-</p:sld>
-</file>
-
-<file path=ppt/slides/slide6.xml><?xml version="1.0" encoding="utf-8"?>
-<p:sld xmlns:a="http://schemas.openxmlformats.org/drawingml/2006/main" xmlns:r="http://schemas.openxmlformats.org/officeDocument/2006/relationships" xmlns:p="http://schemas.openxmlformats.org/presentationml/2006/main">
-  <p:cSld>
-    <p:spTree>
-      <p:nvGrpSpPr>
-        <p:cNvPr id="1" name=""/>
-        <p:cNvGrpSpPr/>
-        <p:nvPr/>
-      </p:nvGrpSpPr>
-      <p:grpSpPr>
-        <a:xfrm>
-          <a:off x="0" y="0"/>
-          <a:ext cx="0" cy="0"/>
-          <a:chOff x="0" y="0"/>
-          <a:chExt cx="0" cy="0"/>
-        </a:xfrm>
-      </p:grpSpPr>
-      <p:sp>
-        <p:nvSpPr>
-          <p:cNvPr id="2" name="Title 1">
-            <a:extLst>
-              <a:ext uri="{FF2B5EF4-FFF2-40B4-BE49-F238E27FC236}">
-                <a16:creationId xmlns:a16="http://schemas.microsoft.com/office/drawing/2014/main" id="{DE8128AE-5703-4264-BD37-A25C3A748C03}"/>
-              </a:ext>
-            </a:extLst>
-          </p:cNvPr>
-          <p:cNvSpPr>
-            <a:spLocks noGrp="1"/>
-          </p:cNvSpPr>
-          <p:nvPr>
-            <p:ph type="title"/>
-          </p:nvPr>
-        </p:nvSpPr>
-        <p:spPr/>
-        <p:txBody>
-          <a:bodyPr/>
-          <a:lstStyle/>
-          <a:p>
-            <a:r>
-              <a:rPr lang="en-US" dirty="0"/>
-              <a:t>Version Control, Terms</a:t>
-            </a:r>
-            <a:endParaRPr lang="fa-IR" dirty="0"/>
-          </a:p>
-        </p:txBody>
-      </p:sp>
-      <p:pic>
-        <p:nvPicPr>
-          <p:cNvPr id="5" name="Content Placeholder 4">
-            <a:extLst>
-              <a:ext uri="{FF2B5EF4-FFF2-40B4-BE49-F238E27FC236}">
-                <a16:creationId xmlns:a16="http://schemas.microsoft.com/office/drawing/2014/main" id="{43AC6C39-ED7D-40B5-97B6-493D99254514}"/>
-              </a:ext>
-            </a:extLst>
-          </p:cNvPr>
-          <p:cNvPicPr>
-            <a:picLocks noGrp="1" noChangeAspect="1"/>
-          </p:cNvPicPr>
-          <p:nvPr>
-            <p:ph idx="1"/>
-          </p:nvPr>
-        </p:nvPicPr>
-        <p:blipFill>
-          <a:blip r:embed="rId2"/>
-          <a:stretch>
-            <a:fillRect/>
-          </a:stretch>
-        </p:blipFill>
-        <p:spPr>
-          <a:xfrm>
-            <a:off x="800100" y="3112615"/>
-            <a:ext cx="7543800" cy="2502452"/>
-          </a:xfrm>
-        </p:spPr>
-      </p:pic>
-      <p:pic>
-        <p:nvPicPr>
-          <p:cNvPr id="7" name="Picture 6">
-            <a:extLst>
-              <a:ext uri="{FF2B5EF4-FFF2-40B4-BE49-F238E27FC236}">
-                <a16:creationId xmlns:a16="http://schemas.microsoft.com/office/drawing/2014/main" id="{2C5E3123-0E80-4F2D-8849-281F1C199B7E}"/>
-              </a:ext>
-            </a:extLst>
-          </p:cNvPr>
-          <p:cNvPicPr>
-            <a:picLocks noChangeAspect="1"/>
-          </p:cNvPicPr>
-          <p:nvPr/>
-        </p:nvPicPr>
-        <p:blipFill>
-          <a:blip r:embed="rId3"/>
-          <a:stretch>
-            <a:fillRect/>
-          </a:stretch>
-        </p:blipFill>
-        <p:spPr>
-          <a:xfrm>
-            <a:off x="800100" y="2110194"/>
-            <a:ext cx="5068007" cy="1057423"/>
-          </a:xfrm>
-          <a:prstGeom prst="rect">
-            <a:avLst/>
-          </a:prstGeom>
-        </p:spPr>
-      </p:pic>
-    </p:spTree>
-    <p:extLst>
-      <p:ext uri="{BB962C8B-B14F-4D97-AF65-F5344CB8AC3E}">
-        <p14:creationId xmlns:p14="http://schemas.microsoft.com/office/powerpoint/2010/main" val="1802508093"/>
-      </p:ext>
-    </p:extLst>
-  </p:cSld>
-  <p:clrMapOvr>
-    <a:masterClrMapping/>
-  </p:clrMapOvr>
-</p:sld>
-</file>
-
-<file path=ppt/slides/slide7.xml><?xml version="1.0" encoding="utf-8"?>
-<p:sld xmlns:a="http://schemas.openxmlformats.org/drawingml/2006/main" xmlns:r="http://schemas.openxmlformats.org/officeDocument/2006/relationships" xmlns:p="http://schemas.openxmlformats.org/presentationml/2006/main">
-  <p:cSld>
-    <p:spTree>
-      <p:nvGrpSpPr>
-        <p:cNvPr id="1" name=""/>
-        <p:cNvGrpSpPr/>
-        <p:nvPr/>
-      </p:nvGrpSpPr>
-      <p:grpSpPr>
-        <a:xfrm>
-          <a:off x="0" y="0"/>
-          <a:ext cx="0" cy="0"/>
-          <a:chOff x="0" y="0"/>
-          <a:chExt cx="0" cy="0"/>
-        </a:xfrm>
-      </p:grpSpPr>
-      <p:sp>
-        <p:nvSpPr>
-          <p:cNvPr id="2" name="Title 1">
-            <a:extLst>
-              <a:ext uri="{FF2B5EF4-FFF2-40B4-BE49-F238E27FC236}">
-                <a16:creationId xmlns:a16="http://schemas.microsoft.com/office/drawing/2014/main" id="{89E705AD-7863-4339-B484-A278D2D583A7}"/>
-              </a:ext>
-            </a:extLst>
-          </p:cNvPr>
-          <p:cNvSpPr>
-            <a:spLocks noGrp="1"/>
-          </p:cNvSpPr>
-          <p:nvPr>
-            <p:ph type="title"/>
-          </p:nvPr>
-        </p:nvSpPr>
-        <p:spPr/>
-        <p:txBody>
-          <a:bodyPr/>
-          <a:lstStyle/>
-          <a:p>
-            <a:r>
-              <a:rPr lang="en-US" dirty="0"/>
-              <a:t>Version Control, Terms</a:t>
-            </a:r>
-            <a:endParaRPr lang="fa-IR" dirty="0"/>
-          </a:p>
-        </p:txBody>
-      </p:sp>
-      <p:pic>
-        <p:nvPicPr>
-          <p:cNvPr id="5" name="Content Placeholder 4">
-            <a:extLst>
-              <a:ext uri="{FF2B5EF4-FFF2-40B4-BE49-F238E27FC236}">
-                <a16:creationId xmlns:a16="http://schemas.microsoft.com/office/drawing/2014/main" id="{336E08E3-A1AD-4EA4-B8ED-3E3D432FE03F}"/>
-              </a:ext>
-            </a:extLst>
-          </p:cNvPr>
-          <p:cNvPicPr>
-            <a:picLocks noGrp="1" noChangeAspect="1"/>
-          </p:cNvPicPr>
-          <p:nvPr>
-            <p:ph idx="1"/>
-          </p:nvPr>
-        </p:nvPicPr>
-        <p:blipFill>
-          <a:blip r:embed="rId2"/>
-          <a:stretch>
-            <a:fillRect/>
-          </a:stretch>
-        </p:blipFill>
-        <p:spPr>
-          <a:xfrm>
-            <a:off x="800100" y="3058497"/>
-            <a:ext cx="7543800" cy="1939568"/>
-          </a:xfrm>
-        </p:spPr>
-      </p:pic>
-    </p:spTree>
-    <p:extLst>
-      <p:ext uri="{BB962C8B-B14F-4D97-AF65-F5344CB8AC3E}">
-        <p14:creationId xmlns:p14="http://schemas.microsoft.com/office/powerpoint/2010/main" val="66919970"/>
-      </p:ext>
-    </p:extLst>
-  </p:cSld>
-  <p:clrMapOvr>
-    <a:masterClrMapping/>
-  </p:clrMapOvr>
-</p:sld>
-</file>
-
-<file path=ppt/slides/slide8.xml><?xml version="1.0" encoding="utf-8"?>
-<p:sld xmlns:a="http://schemas.openxmlformats.org/drawingml/2006/main" xmlns:r="http://schemas.openxmlformats.org/officeDocument/2006/relationships" xmlns:p="http://schemas.openxmlformats.org/presentationml/2006/main">
-  <p:cSld>
-    <p:spTree>
-      <p:nvGrpSpPr>
-        <p:cNvPr id="1" name=""/>
-        <p:cNvGrpSpPr/>
-        <p:nvPr/>
-      </p:nvGrpSpPr>
-      <p:grpSpPr>
-        <a:xfrm>
-          <a:off x="0" y="0"/>
-          <a:ext cx="0" cy="0"/>
-          <a:chOff x="0" y="0"/>
-          <a:chExt cx="0" cy="0"/>
-        </a:xfrm>
-      </p:grpSpPr>
-      <p:sp>
-        <p:nvSpPr>
-          <p:cNvPr id="2" name="Title 1">
-            <a:extLst>
-              <a:ext uri="{FF2B5EF4-FFF2-40B4-BE49-F238E27FC236}">
-                <a16:creationId xmlns:a16="http://schemas.microsoft.com/office/drawing/2014/main" id="{AFA17F85-23A5-49A2-BFC8-9BFA48C4BAFF}"/>
-              </a:ext>
-            </a:extLst>
-          </p:cNvPr>
-          <p:cNvSpPr>
-            <a:spLocks noGrp="1"/>
-          </p:cNvSpPr>
-          <p:nvPr>
-            <p:ph type="title"/>
-          </p:nvPr>
-        </p:nvSpPr>
-        <p:spPr/>
-        <p:txBody>
-          <a:bodyPr/>
-          <a:lstStyle/>
-          <a:p>
-            <a:r>
-              <a:rPr lang="en-US" dirty="0"/>
-              <a:t>Version Control Models</a:t>
-            </a:r>
-            <a:endParaRPr lang="fa-IR" dirty="0"/>
-          </a:p>
-        </p:txBody>
-      </p:sp>
-      <p:sp>
-        <p:nvSpPr>
-          <p:cNvPr id="3" name="Content Placeholder 2">
-            <a:extLst>
-              <a:ext uri="{FF2B5EF4-FFF2-40B4-BE49-F238E27FC236}">
-                <a16:creationId xmlns:a16="http://schemas.microsoft.com/office/drawing/2014/main" id="{C6DCD1D9-1C1E-40BC-89ED-0B449517B99E}"/>
-              </a:ext>
-            </a:extLst>
-          </p:cNvPr>
-          <p:cNvSpPr>
-            <a:spLocks noGrp="1"/>
-          </p:cNvSpPr>
-          <p:nvPr>
-            <p:ph idx="1"/>
-          </p:nvPr>
-        </p:nvSpPr>
-        <p:spPr/>
-        <p:txBody>
-          <a:bodyPr/>
-          <a:lstStyle/>
-          <a:p>
-            <a:r>
-              <a:rPr lang="en-US" dirty="0"/>
-              <a:t>Local data model</a:t>
-            </a:r>
-          </a:p>
-          <a:p>
-            <a:pPr lvl="1"/>
-            <a:r>
-              <a:rPr lang="en-US" dirty="0"/>
-              <a:t>All developers must use the same file system.</a:t>
-            </a:r>
-          </a:p>
-          <a:p>
-            <a:pPr lvl="2"/>
-            <a:r>
-              <a:rPr lang="en-US" dirty="0"/>
-              <a:t>Revision Control System (RCS)</a:t>
-            </a:r>
-          </a:p>
-          <a:p>
-            <a:pPr lvl="2"/>
-            <a:r>
-              <a:rPr lang="en-US" dirty="0"/>
-              <a:t>Source Code Control System (SCCS)</a:t>
-            </a:r>
-          </a:p>
-          <a:p>
-            <a:r>
-              <a:rPr lang="en-US" dirty="0"/>
-              <a:t>Client-Server Model</a:t>
-            </a:r>
-          </a:p>
-          <a:p>
-            <a:pPr lvl="1"/>
-            <a:r>
-              <a:rPr lang="en-US" dirty="0"/>
-              <a:t>Developers use a shared single repository</a:t>
-            </a:r>
-          </a:p>
-          <a:p>
-            <a:pPr lvl="2"/>
-            <a:r>
-              <a:rPr lang="en-US" dirty="0"/>
-              <a:t>Subversion (SVN)</a:t>
-            </a:r>
-          </a:p>
-          <a:p>
-            <a:pPr lvl="2"/>
-            <a:r>
-              <a:rPr lang="en-US" dirty="0"/>
-              <a:t>Concurrent Versions System (CVS)</a:t>
-            </a:r>
-          </a:p>
-          <a:p>
-            <a:pPr lvl="3"/>
-            <a:r>
-              <a:rPr lang="en-US" dirty="0"/>
-              <a:t>CVSNT</a:t>
-            </a:r>
-          </a:p>
-          <a:p>
-            <a:pPr lvl="3"/>
-            <a:r>
-              <a:rPr lang="en-US" dirty="0" err="1"/>
-              <a:t>OpenCVS</a:t>
-            </a:r>
-            <a:endParaRPr lang="en-US" dirty="0"/>
-          </a:p>
-          <a:p>
-            <a:pPr lvl="2"/>
-            <a:r>
-              <a:rPr lang="en-US" dirty="0" err="1"/>
-              <a:t>AccuRev</a:t>
-            </a:r>
-            <a:endParaRPr lang="en-US" dirty="0"/>
-          </a:p>
-          <a:p>
-            <a:pPr lvl="2"/>
-            <a:r>
-              <a:rPr lang="en-US" dirty="0"/>
-              <a:t>CADES</a:t>
-            </a:r>
-          </a:p>
-          <a:p>
-            <a:pPr lvl="2"/>
-            <a:r>
-              <a:rPr lang="en-US" dirty="0"/>
-              <a:t>Helix Core</a:t>
-            </a:r>
-          </a:p>
-          <a:p>
-            <a:pPr lvl="2"/>
-            <a:r>
-              <a:rPr lang="en-US" dirty="0"/>
-              <a:t>IC Manage, …</a:t>
-            </a:r>
-            <a:endParaRPr lang="fa-IR" dirty="0"/>
-          </a:p>
-        </p:txBody>
-      </p:sp>
-    </p:spTree>
-    <p:extLst>
-      <p:ext uri="{BB962C8B-B14F-4D97-AF65-F5344CB8AC3E}">
-        <p14:creationId xmlns:p14="http://schemas.microsoft.com/office/powerpoint/2010/main" val="3832021975"/>
-      </p:ext>
-    </p:extLst>
-  </p:cSld>
-  <p:clrMapOvr>
-    <a:masterClrMapping/>
-  </p:clrMapOvr>
-</p:sld>
-</file>
-
-<file path=ppt/slides/slide9.xml><?xml version="1.0" encoding="utf-8"?>
-<p:sld xmlns:a="http://schemas.openxmlformats.org/drawingml/2006/main" xmlns:r="http://schemas.openxmlformats.org/officeDocument/2006/relationships" xmlns:p="http://schemas.openxmlformats.org/presentationml/2006/main">
-  <p:cSld>
-    <p:spTree>
-      <p:nvGrpSpPr>
-        <p:cNvPr id="1" name=""/>
-        <p:cNvGrpSpPr/>
-        <p:nvPr/>
-      </p:nvGrpSpPr>
-      <p:grpSpPr>
-        <a:xfrm>
-          <a:off x="0" y="0"/>
-          <a:ext cx="0" cy="0"/>
-          <a:chOff x="0" y="0"/>
-          <a:chExt cx="0" cy="0"/>
-        </a:xfrm>
-      </p:grpSpPr>
-      <p:sp>
-        <p:nvSpPr>
-          <p:cNvPr id="2" name="Title 1">
-            <a:extLst>
-              <a:ext uri="{FF2B5EF4-FFF2-40B4-BE49-F238E27FC236}">
-                <a16:creationId xmlns:a16="http://schemas.microsoft.com/office/drawing/2014/main" id="{AFA17F85-23A5-49A2-BFC8-9BFA48C4BAFF}"/>
-              </a:ext>
-            </a:extLst>
-          </p:cNvPr>
-          <p:cNvSpPr>
-            <a:spLocks noGrp="1"/>
-          </p:cNvSpPr>
-          <p:nvPr>
-            <p:ph type="title"/>
-          </p:nvPr>
-        </p:nvSpPr>
-        <p:spPr/>
-        <p:txBody>
-          <a:bodyPr/>
-          <a:lstStyle/>
-          <a:p>
-            <a:r>
-              <a:rPr lang="en-US" dirty="0"/>
-              <a:t>Version Control Models</a:t>
-            </a:r>
-            <a:endParaRPr lang="fa-IR" dirty="0"/>
-          </a:p>
-        </p:txBody>
-      </p:sp>
-      <p:sp>
-        <p:nvSpPr>
-          <p:cNvPr id="3" name="Content Placeholder 2">
-            <a:extLst>
-              <a:ext uri="{FF2B5EF4-FFF2-40B4-BE49-F238E27FC236}">
-                <a16:creationId xmlns:a16="http://schemas.microsoft.com/office/drawing/2014/main" id="{C6DCD1D9-1C1E-40BC-89ED-0B449517B99E}"/>
-              </a:ext>
-            </a:extLst>
-          </p:cNvPr>
-          <p:cNvSpPr>
-            <a:spLocks noGrp="1"/>
-          </p:cNvSpPr>
-          <p:nvPr>
-            <p:ph idx="1"/>
-          </p:nvPr>
-        </p:nvSpPr>
-        <p:spPr/>
-        <p:txBody>
-          <a:bodyPr/>
-          <a:lstStyle/>
-          <a:p>
-            <a:r>
-              <a:rPr lang="en-US" dirty="0"/>
-              <a:t>Distributed model</a:t>
-            </a:r>
-          </a:p>
-          <a:p>
-            <a:pPr lvl="1"/>
-            <a:r>
-              <a:rPr lang="en-US" dirty="0"/>
-              <a:t>Each developer works directly with their own local repository, and changes are shared between repositories as a separate step.</a:t>
-            </a:r>
-          </a:p>
-          <a:p>
-            <a:pPr lvl="2"/>
-            <a:r>
-              <a:rPr lang="en-US" dirty="0" err="1"/>
-              <a:t>ArX</a:t>
-            </a:r>
-            <a:endParaRPr lang="en-US" dirty="0"/>
-          </a:p>
-          <a:p>
-            <a:pPr lvl="2"/>
-            <a:r>
-              <a:rPr lang="en-US" dirty="0" err="1"/>
-              <a:t>BitKeeper</a:t>
-            </a:r>
-            <a:endParaRPr lang="en-US" dirty="0"/>
-          </a:p>
-          <a:p>
-            <a:pPr lvl="2"/>
-            <a:r>
-              <a:rPr lang="en-US" dirty="0"/>
-              <a:t>Bazaar</a:t>
-            </a:r>
-          </a:p>
-          <a:p>
-            <a:pPr lvl="2"/>
-            <a:r>
-              <a:rPr lang="en-US" dirty="0" err="1"/>
-              <a:t>Codeville</a:t>
-            </a:r>
-            <a:endParaRPr lang="en-US" dirty="0"/>
-          </a:p>
-          <a:p>
-            <a:pPr lvl="2"/>
-            <a:r>
-              <a:rPr lang="en-US" dirty="0" err="1"/>
-              <a:t>Darcs</a:t>
-            </a:r>
-            <a:endParaRPr lang="en-US" dirty="0"/>
-          </a:p>
-          <a:p>
-            <a:pPr lvl="2"/>
-            <a:r>
-              <a:rPr lang="en-US" dirty="0"/>
-              <a:t>DCVS</a:t>
-            </a:r>
-          </a:p>
-          <a:p>
-            <a:pPr lvl="2"/>
-            <a:r>
-              <a:rPr lang="en-US" dirty="0"/>
-              <a:t>Fossil</a:t>
-            </a:r>
-          </a:p>
-          <a:p>
-            <a:pPr lvl="2"/>
-            <a:r>
-              <a:rPr lang="en-US" dirty="0"/>
-              <a:t>Git</a:t>
-            </a:r>
-          </a:p>
-          <a:p>
-            <a:pPr lvl="2"/>
-            <a:r>
-              <a:rPr lang="en-US" dirty="0"/>
-              <a:t>Code Co-op</a:t>
-            </a:r>
-          </a:p>
-          <a:p>
-            <a:pPr lvl="2"/>
-            <a:r>
-              <a:rPr lang="en-US" dirty="0"/>
-              <a:t>Plastic SCM</a:t>
-            </a:r>
-          </a:p>
-          <a:p>
-            <a:pPr lvl="2"/>
-            <a:r>
-              <a:rPr lang="en-US" dirty="0"/>
-              <a:t>Visual Studio Team Services</a:t>
-            </a:r>
-            <a:endParaRPr lang="fa-IR" dirty="0"/>
-          </a:p>
-        </p:txBody>
-      </p:sp>
-    </p:spTree>
-    <p:extLst>
-      <p:ext uri="{BB962C8B-B14F-4D97-AF65-F5344CB8AC3E}">
-        <p14:creationId xmlns:p14="http://schemas.microsoft.com/office/powerpoint/2010/main" val="1235943111"/>
+        <p14:creationId xmlns:p14="http://schemas.microsoft.com/office/powerpoint/2010/main" val="63040579"/>
       </p:ext>
     </p:extLst>
   </p:cSld>

--- a/02 - Linux 1.pptx
+++ b/02 - Linux 1.pptx
@@ -5,12 +5,23 @@
     <p:sldMasterId id="2147483673" r:id="rId4"/>
   </p:sldMasterIdLst>
   <p:notesMasterIdLst>
-    <p:notesMasterId r:id="rId8"/>
+    <p:notesMasterId r:id="rId19"/>
   </p:notesMasterIdLst>
   <p:sldIdLst>
     <p:sldId id="257" r:id="rId5"/>
     <p:sldId id="269" r:id="rId6"/>
     <p:sldId id="265" r:id="rId7"/>
+    <p:sldId id="270" r:id="rId8"/>
+    <p:sldId id="273" r:id="rId9"/>
+    <p:sldId id="274" r:id="rId10"/>
+    <p:sldId id="275" r:id="rId11"/>
+    <p:sldId id="276" r:id="rId12"/>
+    <p:sldId id="272" r:id="rId13"/>
+    <p:sldId id="271" r:id="rId14"/>
+    <p:sldId id="277" r:id="rId15"/>
+    <p:sldId id="278" r:id="rId16"/>
+    <p:sldId id="280" r:id="rId17"/>
+    <p:sldId id="279" r:id="rId18"/>
   </p:sldIdLst>
   <p:sldSz cx="9144000" cy="6858000" type="screen4x3"/>
   <p:notesSz cx="6858000" cy="9144000"/>
@@ -465,6 +476,4863 @@
     </a:lvl9pPr>
   </p:notesStyle>
 </p:notesMaster>
+</file>
+
+<file path=ppt/notesSlides/notesSlide1.xml><?xml version="1.0" encoding="utf-8"?>
+<p:notes xmlns:a="http://schemas.openxmlformats.org/drawingml/2006/main" xmlns:r="http://schemas.openxmlformats.org/officeDocument/2006/relationships" xmlns:p="http://schemas.openxmlformats.org/presentationml/2006/main">
+  <p:cSld>
+    <p:spTree>
+      <p:nvGrpSpPr>
+        <p:cNvPr id="1" name=""/>
+        <p:cNvGrpSpPr/>
+        <p:nvPr/>
+      </p:nvGrpSpPr>
+      <p:grpSpPr>
+        <a:xfrm>
+          <a:off x="0" y="0"/>
+          <a:ext cx="0" cy="0"/>
+          <a:chOff x="0" y="0"/>
+          <a:chExt cx="0" cy="0"/>
+        </a:xfrm>
+      </p:grpSpPr>
+      <p:sp>
+        <p:nvSpPr>
+          <p:cNvPr id="2" name="Slide Image Placeholder 1"/>
+          <p:cNvSpPr>
+            <a:spLocks noGrp="1" noRot="1" noChangeAspect="1"/>
+          </p:cNvSpPr>
+          <p:nvPr>
+            <p:ph type="sldImg"/>
+          </p:nvPr>
+        </p:nvSpPr>
+        <p:spPr/>
+      </p:sp>
+      <p:sp>
+        <p:nvSpPr>
+          <p:cNvPr id="3" name="Notes Placeholder 2"/>
+          <p:cNvSpPr>
+            <a:spLocks noGrp="1"/>
+          </p:cNvSpPr>
+          <p:nvPr>
+            <p:ph type="body" idx="1"/>
+          </p:nvPr>
+        </p:nvSpPr>
+        <p:spPr/>
+        <p:txBody>
+          <a:bodyPr/>
+          <a:lstStyle/>
+          <a:p>
+            <a:pPr algn="l">
+              <a:buFont typeface="Arial" panose="020B0604020202020204" pitchFamily="34" charset="0"/>
+              <a:buChar char="•"/>
+            </a:pPr>
+            <a:r>
+              <a:rPr lang="en-US" b="0" i="1" dirty="0">
+                <a:solidFill>
+                  <a:srgbClr val="202122"/>
+                </a:solidFill>
+                <a:effectLst/>
+                <a:latin typeface="Vazir"/>
+              </a:rPr>
+              <a:t>Kernel</a:t>
+            </a:r>
+            <a:r>
+              <a:rPr lang="en-US" b="0" i="0" dirty="0">
+                <a:solidFill>
+                  <a:srgbClr val="202122"/>
+                </a:solidFill>
+                <a:effectLst/>
+                <a:latin typeface="Vazir"/>
+              </a:rPr>
+              <a:t> – source code in /</a:t>
+            </a:r>
+            <a:r>
+              <a:rPr lang="en-US" b="0" i="0" dirty="0" err="1">
+                <a:solidFill>
+                  <a:srgbClr val="202122"/>
+                </a:solidFill>
+                <a:effectLst/>
+                <a:latin typeface="Vazir"/>
+              </a:rPr>
+              <a:t>usr</a:t>
+            </a:r>
+            <a:r>
+              <a:rPr lang="en-US" b="0" i="0" dirty="0">
+                <a:solidFill>
+                  <a:srgbClr val="202122"/>
+                </a:solidFill>
+                <a:effectLst/>
+                <a:latin typeface="Vazir"/>
+              </a:rPr>
+              <a:t>/sys, composed of several sub-components:</a:t>
+            </a:r>
+          </a:p>
+          <a:p>
+            <a:pPr marL="742950" lvl="1" indent="-285750" algn="l">
+              <a:buFont typeface="Arial" panose="020B0604020202020204" pitchFamily="34" charset="0"/>
+              <a:buChar char="•"/>
+            </a:pPr>
+            <a:r>
+              <a:rPr lang="en-US" b="0" i="1" dirty="0">
+                <a:solidFill>
+                  <a:srgbClr val="202122"/>
+                </a:solidFill>
+                <a:effectLst/>
+                <a:latin typeface="Vazir"/>
+              </a:rPr>
+              <a:t>conf</a:t>
+            </a:r>
+            <a:r>
+              <a:rPr lang="en-US" b="0" i="0" dirty="0">
+                <a:solidFill>
+                  <a:srgbClr val="202122"/>
+                </a:solidFill>
+                <a:effectLst/>
+                <a:latin typeface="Vazir"/>
+              </a:rPr>
+              <a:t> – configuration and machine-dependent parts, including boot code</a:t>
+            </a:r>
+          </a:p>
+          <a:p>
+            <a:pPr marL="742950" lvl="1" indent="-285750" algn="l">
+              <a:buFont typeface="Arial" panose="020B0604020202020204" pitchFamily="34" charset="0"/>
+              <a:buChar char="•"/>
+            </a:pPr>
+            <a:r>
+              <a:rPr lang="en-US" b="0" i="1" dirty="0">
+                <a:solidFill>
+                  <a:srgbClr val="202122"/>
+                </a:solidFill>
+                <a:effectLst/>
+                <a:latin typeface="Vazir"/>
+              </a:rPr>
+              <a:t>dev</a:t>
+            </a:r>
+            <a:r>
+              <a:rPr lang="en-US" b="0" i="0" dirty="0">
+                <a:solidFill>
+                  <a:srgbClr val="202122"/>
+                </a:solidFill>
+                <a:effectLst/>
+                <a:latin typeface="Vazir"/>
+              </a:rPr>
+              <a:t> – device drivers for control of hardware (and some pseudo-hardware)</a:t>
+            </a:r>
+          </a:p>
+          <a:p>
+            <a:pPr marL="742950" lvl="1" indent="-285750" algn="l">
+              <a:buFont typeface="Arial" panose="020B0604020202020204" pitchFamily="34" charset="0"/>
+              <a:buChar char="•"/>
+            </a:pPr>
+            <a:r>
+              <a:rPr lang="en-US" b="0" i="1" dirty="0">
+                <a:solidFill>
+                  <a:srgbClr val="202122"/>
+                </a:solidFill>
+                <a:effectLst/>
+                <a:latin typeface="Vazir"/>
+              </a:rPr>
+              <a:t>sys</a:t>
+            </a:r>
+            <a:r>
+              <a:rPr lang="en-US" b="0" i="0" dirty="0">
+                <a:solidFill>
+                  <a:srgbClr val="202122"/>
+                </a:solidFill>
+                <a:effectLst/>
+                <a:latin typeface="Vazir"/>
+              </a:rPr>
+              <a:t> – operating system "kernel", handling memory management, process scheduling, system calls, etc.</a:t>
+            </a:r>
+          </a:p>
+          <a:p>
+            <a:pPr marL="742950" lvl="1" indent="-285750" algn="l">
+              <a:buFont typeface="Arial" panose="020B0604020202020204" pitchFamily="34" charset="0"/>
+              <a:buChar char="•"/>
+            </a:pPr>
+            <a:r>
+              <a:rPr lang="en-US" b="0" i="1" dirty="0">
+                <a:solidFill>
+                  <a:srgbClr val="202122"/>
+                </a:solidFill>
+                <a:effectLst/>
+                <a:latin typeface="Vazir"/>
+              </a:rPr>
+              <a:t>h</a:t>
+            </a:r>
+            <a:r>
+              <a:rPr lang="en-US" b="0" i="0" dirty="0">
+                <a:solidFill>
+                  <a:srgbClr val="202122"/>
+                </a:solidFill>
+                <a:effectLst/>
+                <a:latin typeface="Vazir"/>
+              </a:rPr>
+              <a:t> – header files, defining key structures within the system and important system-specific invariables</a:t>
+            </a:r>
+          </a:p>
+          <a:p>
+            <a:pPr algn="l">
+              <a:buFont typeface="Arial" panose="020B0604020202020204" pitchFamily="34" charset="0"/>
+              <a:buChar char="•"/>
+            </a:pPr>
+            <a:r>
+              <a:rPr lang="en-US" b="0" i="1" dirty="0">
+                <a:solidFill>
+                  <a:srgbClr val="202122"/>
+                </a:solidFill>
+                <a:effectLst/>
+                <a:latin typeface="Vazir"/>
+              </a:rPr>
+              <a:t>Development environment</a:t>
+            </a:r>
+            <a:r>
+              <a:rPr lang="en-US" b="0" i="0" dirty="0">
+                <a:solidFill>
+                  <a:srgbClr val="202122"/>
+                </a:solidFill>
+                <a:effectLst/>
+                <a:latin typeface="Vazir"/>
+              </a:rPr>
+              <a:t> – early versions of Unix contained a development environment sufficient to recreate the entire system from source code:</a:t>
+            </a:r>
+          </a:p>
+          <a:p>
+            <a:pPr marL="742950" lvl="1" indent="-285750" algn="l">
+              <a:buFont typeface="Arial" panose="020B0604020202020204" pitchFamily="34" charset="0"/>
+              <a:buChar char="•"/>
+            </a:pPr>
+            <a:r>
+              <a:rPr lang="en-US" b="0" i="1" dirty="0">
+                <a:solidFill>
+                  <a:srgbClr val="202122"/>
+                </a:solidFill>
+                <a:effectLst/>
+                <a:latin typeface="Vazir"/>
+              </a:rPr>
+              <a:t>cc</a:t>
+            </a:r>
+            <a:r>
+              <a:rPr lang="en-US" b="0" i="0" dirty="0">
+                <a:solidFill>
+                  <a:srgbClr val="202122"/>
+                </a:solidFill>
+                <a:effectLst/>
+                <a:latin typeface="Vazir"/>
+              </a:rPr>
+              <a:t> – </a:t>
+            </a:r>
+            <a:r>
+              <a:rPr lang="en-US" b="0" i="0" u="none" strike="noStrike" dirty="0">
+                <a:solidFill>
+                  <a:srgbClr val="0B0080"/>
+                </a:solidFill>
+                <a:effectLst/>
+                <a:latin typeface="Vazir"/>
+                <a:hlinkClick r:id="rId3" tooltip="C (programming language)"/>
+              </a:rPr>
+              <a:t>C language</a:t>
+            </a:r>
+            <a:r>
+              <a:rPr lang="en-US" b="0" i="0" dirty="0">
+                <a:solidFill>
+                  <a:srgbClr val="202122"/>
+                </a:solidFill>
+                <a:effectLst/>
+                <a:latin typeface="Vazir"/>
+              </a:rPr>
+              <a:t> compiler (first appeared in V3 Unix)</a:t>
+            </a:r>
+          </a:p>
+          <a:p>
+            <a:pPr marL="742950" lvl="1" indent="-285750" algn="l">
+              <a:buFont typeface="Arial" panose="020B0604020202020204" pitchFamily="34" charset="0"/>
+              <a:buChar char="•"/>
+            </a:pPr>
+            <a:r>
+              <a:rPr lang="en-US" b="0" i="1" dirty="0">
+                <a:solidFill>
+                  <a:srgbClr val="202122"/>
+                </a:solidFill>
+                <a:effectLst/>
+                <a:latin typeface="Vazir"/>
+              </a:rPr>
+              <a:t>as</a:t>
+            </a:r>
+            <a:r>
+              <a:rPr lang="en-US" b="0" i="0" dirty="0">
+                <a:solidFill>
+                  <a:srgbClr val="202122"/>
+                </a:solidFill>
+                <a:effectLst/>
+                <a:latin typeface="Vazir"/>
+              </a:rPr>
+              <a:t> – machine-language assembler for the machine</a:t>
+            </a:r>
+          </a:p>
+          <a:p>
+            <a:pPr marL="742950" lvl="1" indent="-285750" algn="l">
+              <a:buFont typeface="Arial" panose="020B0604020202020204" pitchFamily="34" charset="0"/>
+              <a:buChar char="•"/>
+            </a:pPr>
+            <a:r>
+              <a:rPr lang="en-US" b="0" i="1" dirty="0" err="1">
+                <a:solidFill>
+                  <a:srgbClr val="202122"/>
+                </a:solidFill>
+                <a:effectLst/>
+                <a:latin typeface="Vazir"/>
+              </a:rPr>
+              <a:t>ld</a:t>
+            </a:r>
+            <a:r>
+              <a:rPr lang="en-US" b="0" i="0" dirty="0">
+                <a:solidFill>
+                  <a:srgbClr val="202122"/>
+                </a:solidFill>
+                <a:effectLst/>
+                <a:latin typeface="Vazir"/>
+              </a:rPr>
+              <a:t> – linker, for combining object files</a:t>
+            </a:r>
+          </a:p>
+          <a:p>
+            <a:pPr marL="742950" lvl="1" indent="-285750" algn="l">
+              <a:buFont typeface="Arial" panose="020B0604020202020204" pitchFamily="34" charset="0"/>
+              <a:buChar char="•"/>
+            </a:pPr>
+            <a:r>
+              <a:rPr lang="en-US" b="0" i="1" dirty="0">
+                <a:solidFill>
+                  <a:srgbClr val="202122"/>
+                </a:solidFill>
+                <a:effectLst/>
+                <a:latin typeface="Vazir"/>
+              </a:rPr>
+              <a:t>lib</a:t>
+            </a:r>
+            <a:r>
+              <a:rPr lang="en-US" b="0" i="0" dirty="0">
+                <a:solidFill>
+                  <a:srgbClr val="202122"/>
+                </a:solidFill>
+                <a:effectLst/>
+                <a:latin typeface="Vazir"/>
+              </a:rPr>
+              <a:t> – object-code libraries (installed in /lib or /</a:t>
+            </a:r>
+            <a:r>
+              <a:rPr lang="en-US" b="0" i="0" dirty="0" err="1">
+                <a:solidFill>
+                  <a:srgbClr val="202122"/>
+                </a:solidFill>
+                <a:effectLst/>
+                <a:latin typeface="Vazir"/>
+              </a:rPr>
+              <a:t>usr</a:t>
+            </a:r>
+            <a:r>
+              <a:rPr lang="en-US" b="0" i="0" dirty="0">
+                <a:solidFill>
+                  <a:srgbClr val="202122"/>
+                </a:solidFill>
+                <a:effectLst/>
+                <a:latin typeface="Vazir"/>
+              </a:rPr>
+              <a:t>/lib). </a:t>
+            </a:r>
+            <a:r>
+              <a:rPr lang="en-US" b="0" i="1" u="none" strike="noStrike" dirty="0" err="1">
+                <a:solidFill>
+                  <a:srgbClr val="0B0080"/>
+                </a:solidFill>
+                <a:effectLst/>
+                <a:latin typeface="Vazir"/>
+                <a:hlinkClick r:id="rId4" tooltip="Libc"/>
+              </a:rPr>
+              <a:t>libc</a:t>
+            </a:r>
+            <a:r>
+              <a:rPr lang="en-US" b="0" i="0" dirty="0">
+                <a:solidFill>
+                  <a:srgbClr val="202122"/>
+                </a:solidFill>
+                <a:effectLst/>
+                <a:latin typeface="Vazir"/>
+              </a:rPr>
+              <a:t>, the system library with C run-time support, was the primary library, but there have always been additional libraries for things such as mathematical functions (</a:t>
+            </a:r>
+            <a:r>
+              <a:rPr lang="en-US" b="0" i="1" u="none" strike="noStrike" dirty="0" err="1">
+                <a:solidFill>
+                  <a:srgbClr val="0B0080"/>
+                </a:solidFill>
+                <a:effectLst/>
+                <a:latin typeface="Vazir"/>
+                <a:hlinkClick r:id="rId5" tooltip="Libm"/>
+              </a:rPr>
+              <a:t>libm</a:t>
+            </a:r>
+            <a:r>
+              <a:rPr lang="en-US" b="0" i="0" dirty="0">
+                <a:solidFill>
+                  <a:srgbClr val="202122"/>
+                </a:solidFill>
+                <a:effectLst/>
+                <a:latin typeface="Vazir"/>
+              </a:rPr>
+              <a:t>) or database access. V7 Unix introduced the first version of the modern "Standard I/O" library </a:t>
+            </a:r>
+            <a:r>
+              <a:rPr lang="en-US" b="0" i="1" dirty="0" err="1">
+                <a:solidFill>
+                  <a:srgbClr val="202122"/>
+                </a:solidFill>
+                <a:effectLst/>
+                <a:latin typeface="Vazir"/>
+              </a:rPr>
+              <a:t>stdio</a:t>
+            </a:r>
+            <a:r>
+              <a:rPr lang="en-US" b="0" i="0" dirty="0">
+                <a:solidFill>
+                  <a:srgbClr val="202122"/>
+                </a:solidFill>
+                <a:effectLst/>
+                <a:latin typeface="Vazir"/>
+              </a:rPr>
+              <a:t> as part of the system library. Later implementations increased the number of libraries significantly.</a:t>
+            </a:r>
+          </a:p>
+          <a:p>
+            <a:pPr marL="742950" lvl="1" indent="-285750" algn="l">
+              <a:buFont typeface="Arial" panose="020B0604020202020204" pitchFamily="34" charset="0"/>
+              <a:buChar char="•"/>
+            </a:pPr>
+            <a:r>
+              <a:rPr lang="en-US" b="0" i="1" u="none" strike="noStrike" dirty="0">
+                <a:solidFill>
+                  <a:srgbClr val="0B0080"/>
+                </a:solidFill>
+                <a:effectLst/>
+                <a:latin typeface="Vazir"/>
+                <a:hlinkClick r:id="rId6" tooltip="Make (software)"/>
+              </a:rPr>
+              <a:t>make</a:t>
+            </a:r>
+            <a:r>
+              <a:rPr lang="en-US" b="0" i="0" dirty="0">
+                <a:solidFill>
+                  <a:srgbClr val="202122"/>
+                </a:solidFill>
+                <a:effectLst/>
+                <a:latin typeface="Vazir"/>
+              </a:rPr>
+              <a:t> – build manager (introduced in </a:t>
+            </a:r>
+            <a:r>
+              <a:rPr lang="en-US" b="0" i="0" u="none" strike="noStrike" dirty="0">
+                <a:solidFill>
+                  <a:srgbClr val="0B0080"/>
+                </a:solidFill>
+                <a:effectLst/>
+                <a:latin typeface="Vazir"/>
+                <a:hlinkClick r:id="rId7" tooltip="PWB/UNIX"/>
+              </a:rPr>
+              <a:t>PWB/UNIX</a:t>
+            </a:r>
+            <a:r>
+              <a:rPr lang="en-US" b="0" i="0" dirty="0">
+                <a:solidFill>
+                  <a:srgbClr val="202122"/>
+                </a:solidFill>
+                <a:effectLst/>
+                <a:latin typeface="Vazir"/>
+              </a:rPr>
+              <a:t>), for effectively automating the build process</a:t>
+            </a:r>
+          </a:p>
+          <a:p>
+            <a:pPr marL="742950" lvl="1" indent="-285750" algn="l">
+              <a:buFont typeface="Arial" panose="020B0604020202020204" pitchFamily="34" charset="0"/>
+              <a:buChar char="•"/>
+            </a:pPr>
+            <a:r>
+              <a:rPr lang="en-US" b="0" i="1" dirty="0">
+                <a:solidFill>
+                  <a:srgbClr val="202122"/>
+                </a:solidFill>
+                <a:effectLst/>
+                <a:latin typeface="Vazir"/>
+              </a:rPr>
+              <a:t>include</a:t>
+            </a:r>
+            <a:r>
+              <a:rPr lang="en-US" b="0" i="0" dirty="0">
+                <a:solidFill>
+                  <a:srgbClr val="202122"/>
+                </a:solidFill>
+                <a:effectLst/>
+                <a:latin typeface="Vazir"/>
+              </a:rPr>
+              <a:t> – header files for software development, defining standard interfaces and system invariants</a:t>
+            </a:r>
+          </a:p>
+          <a:p>
+            <a:pPr marL="742950" lvl="1" indent="-285750" algn="l">
+              <a:buFont typeface="Arial" panose="020B0604020202020204" pitchFamily="34" charset="0"/>
+              <a:buChar char="•"/>
+            </a:pPr>
+            <a:r>
+              <a:rPr lang="en-US" b="0" i="1" dirty="0">
+                <a:solidFill>
+                  <a:srgbClr val="202122"/>
+                </a:solidFill>
+                <a:effectLst/>
+                <a:latin typeface="Vazir"/>
+              </a:rPr>
+              <a:t>Other languages</a:t>
+            </a:r>
+            <a:r>
+              <a:rPr lang="en-US" b="0" i="0" dirty="0">
+                <a:solidFill>
+                  <a:srgbClr val="202122"/>
+                </a:solidFill>
+                <a:effectLst/>
+                <a:latin typeface="Vazir"/>
+              </a:rPr>
+              <a:t> – V7 Unix contained a Fortran-77 compiler, a programmable arbitrary-precision calculator (</a:t>
+            </a:r>
+            <a:r>
+              <a:rPr lang="en-US" b="0" i="1" dirty="0" err="1">
+                <a:solidFill>
+                  <a:srgbClr val="202122"/>
+                </a:solidFill>
+                <a:effectLst/>
+                <a:latin typeface="Vazir"/>
+              </a:rPr>
+              <a:t>bc</a:t>
+            </a:r>
+            <a:r>
+              <a:rPr lang="en-US" b="0" i="0" dirty="0">
+                <a:solidFill>
+                  <a:srgbClr val="202122"/>
+                </a:solidFill>
+                <a:effectLst/>
+                <a:latin typeface="Vazir"/>
+              </a:rPr>
+              <a:t>, </a:t>
+            </a:r>
+            <a:r>
+              <a:rPr lang="en-US" b="0" i="1" dirty="0">
+                <a:solidFill>
+                  <a:srgbClr val="202122"/>
+                </a:solidFill>
+                <a:effectLst/>
+                <a:latin typeface="Vazir"/>
+              </a:rPr>
+              <a:t>dc</a:t>
+            </a:r>
+            <a:r>
+              <a:rPr lang="en-US" b="0" i="0" dirty="0">
+                <a:solidFill>
+                  <a:srgbClr val="202122"/>
+                </a:solidFill>
+                <a:effectLst/>
+                <a:latin typeface="Vazir"/>
+              </a:rPr>
+              <a:t>), and the </a:t>
+            </a:r>
+            <a:r>
+              <a:rPr lang="en-US" b="0" i="0" u="none" strike="noStrike" dirty="0">
+                <a:solidFill>
+                  <a:srgbClr val="0B0080"/>
+                </a:solidFill>
+                <a:effectLst/>
+                <a:latin typeface="Vazir"/>
+                <a:hlinkClick r:id="rId8" tooltip="Awk"/>
+              </a:rPr>
+              <a:t>awk</a:t>
+            </a:r>
+            <a:r>
+              <a:rPr lang="en-US" b="0" i="0" dirty="0">
+                <a:solidFill>
+                  <a:srgbClr val="202122"/>
+                </a:solidFill>
+                <a:effectLst/>
+                <a:latin typeface="Vazir"/>
+              </a:rPr>
+              <a:t> scripting language; later versions and implementations contain many other language compilers and toolsets. Early BSD releases included </a:t>
+            </a:r>
+            <a:r>
+              <a:rPr lang="en-US" b="0" i="0" u="none" strike="noStrike" dirty="0">
+                <a:solidFill>
+                  <a:srgbClr val="0B0080"/>
+                </a:solidFill>
+                <a:effectLst/>
+                <a:latin typeface="Vazir"/>
+                <a:hlinkClick r:id="rId9" tooltip="Pascal (programming language)"/>
+              </a:rPr>
+              <a:t>Pascal</a:t>
+            </a:r>
+            <a:r>
+              <a:rPr lang="en-US" b="0" i="0" dirty="0">
+                <a:solidFill>
+                  <a:srgbClr val="202122"/>
+                </a:solidFill>
+                <a:effectLst/>
+                <a:latin typeface="Vazir"/>
+              </a:rPr>
+              <a:t> tools, and many modern Unix systems also include the </a:t>
+            </a:r>
+            <a:r>
+              <a:rPr lang="en-US" b="0" i="0" u="none" strike="noStrike" dirty="0">
+                <a:solidFill>
+                  <a:srgbClr val="0B0080"/>
+                </a:solidFill>
+                <a:effectLst/>
+                <a:latin typeface="Vazir"/>
+                <a:hlinkClick r:id="rId10" tooltip="GNU Compiler Collection"/>
+              </a:rPr>
+              <a:t>GNU Compiler Collection</a:t>
+            </a:r>
+            <a:r>
+              <a:rPr lang="en-US" b="0" i="0" dirty="0">
+                <a:solidFill>
+                  <a:srgbClr val="202122"/>
+                </a:solidFill>
+                <a:effectLst/>
+                <a:latin typeface="Vazir"/>
+              </a:rPr>
+              <a:t> as well as or instead of a proprietary compiler system.</a:t>
+            </a:r>
+          </a:p>
+          <a:p>
+            <a:pPr marL="742950" lvl="1" indent="-285750" algn="l">
+              <a:buFont typeface="Arial" panose="020B0604020202020204" pitchFamily="34" charset="0"/>
+              <a:buChar char="•"/>
+            </a:pPr>
+            <a:r>
+              <a:rPr lang="en-US" b="0" i="1" dirty="0">
+                <a:solidFill>
+                  <a:srgbClr val="202122"/>
+                </a:solidFill>
+                <a:effectLst/>
+                <a:latin typeface="Vazir"/>
+              </a:rPr>
+              <a:t>Other tools</a:t>
+            </a:r>
+            <a:r>
+              <a:rPr lang="en-US" b="0" i="0" dirty="0">
+                <a:solidFill>
+                  <a:srgbClr val="202122"/>
+                </a:solidFill>
+                <a:effectLst/>
+                <a:latin typeface="Vazir"/>
+              </a:rPr>
+              <a:t> – including an object-code archive manager (</a:t>
+            </a:r>
+            <a:r>
+              <a:rPr lang="en-US" b="0" i="1" dirty="0" err="1">
+                <a:solidFill>
+                  <a:srgbClr val="202122"/>
+                </a:solidFill>
+                <a:effectLst/>
+                <a:latin typeface="Vazir"/>
+              </a:rPr>
+              <a:t>ar</a:t>
+            </a:r>
+            <a:r>
+              <a:rPr lang="en-US" b="0" i="0" dirty="0">
+                <a:solidFill>
+                  <a:srgbClr val="202122"/>
+                </a:solidFill>
+                <a:effectLst/>
+                <a:latin typeface="Vazir"/>
+              </a:rPr>
+              <a:t>), symbol-table lister (</a:t>
+            </a:r>
+            <a:r>
+              <a:rPr lang="en-US" b="0" i="1" dirty="0">
+                <a:solidFill>
+                  <a:srgbClr val="202122"/>
+                </a:solidFill>
+                <a:effectLst/>
+                <a:latin typeface="Vazir"/>
+              </a:rPr>
+              <a:t>nm</a:t>
+            </a:r>
+            <a:r>
+              <a:rPr lang="en-US" b="0" i="0" dirty="0">
+                <a:solidFill>
+                  <a:srgbClr val="202122"/>
+                </a:solidFill>
+                <a:effectLst/>
+                <a:latin typeface="Vazir"/>
+              </a:rPr>
+              <a:t>), compiler-development tools (e.g. </a:t>
+            </a:r>
+            <a:r>
+              <a:rPr lang="en-US" b="0" i="1" u="none" strike="noStrike" dirty="0" err="1">
+                <a:solidFill>
+                  <a:srgbClr val="0B0080"/>
+                </a:solidFill>
+                <a:effectLst/>
+                <a:latin typeface="Vazir"/>
+                <a:hlinkClick r:id="rId11" tooltip="Lex (software)"/>
+              </a:rPr>
+              <a:t>lex</a:t>
+            </a:r>
+            <a:r>
+              <a:rPr lang="en-US" b="0" i="0" dirty="0">
+                <a:solidFill>
+                  <a:srgbClr val="202122"/>
+                </a:solidFill>
+                <a:effectLst/>
+                <a:latin typeface="Vazir"/>
+              </a:rPr>
+              <a:t> &amp; </a:t>
+            </a:r>
+            <a:r>
+              <a:rPr lang="en-US" b="0" i="1" u="none" strike="noStrike" dirty="0" err="1">
+                <a:solidFill>
+                  <a:srgbClr val="0B0080"/>
+                </a:solidFill>
+                <a:effectLst/>
+                <a:latin typeface="Vazir"/>
+                <a:hlinkClick r:id="rId12" tooltip="Yacc"/>
+              </a:rPr>
+              <a:t>yacc</a:t>
+            </a:r>
+            <a:r>
+              <a:rPr lang="en-US" b="0" i="0" dirty="0">
+                <a:solidFill>
+                  <a:srgbClr val="202122"/>
+                </a:solidFill>
+                <a:effectLst/>
+                <a:latin typeface="Vazir"/>
+              </a:rPr>
+              <a:t>), and debugging tools.</a:t>
+            </a:r>
+          </a:p>
+          <a:p>
+            <a:pPr algn="l">
+              <a:buFont typeface="Arial" panose="020B0604020202020204" pitchFamily="34" charset="0"/>
+              <a:buChar char="•"/>
+            </a:pPr>
+            <a:r>
+              <a:rPr lang="en-US" b="0" i="1" dirty="0">
+                <a:solidFill>
+                  <a:srgbClr val="202122"/>
+                </a:solidFill>
+                <a:effectLst/>
+                <a:latin typeface="Vazir"/>
+              </a:rPr>
+              <a:t>Commands</a:t>
+            </a:r>
+            <a:r>
+              <a:rPr lang="en-US" b="0" i="0" dirty="0">
+                <a:solidFill>
+                  <a:srgbClr val="202122"/>
+                </a:solidFill>
+                <a:effectLst/>
+                <a:latin typeface="Vazir"/>
+              </a:rPr>
+              <a:t> – Unix makes little distinction between commands (user-level programs) for system operation and maintenance (e.g. </a:t>
+            </a:r>
+            <a:r>
+              <a:rPr lang="en-US" b="0" i="1" u="none" strike="noStrike" dirty="0" err="1">
+                <a:solidFill>
+                  <a:srgbClr val="0B0080"/>
+                </a:solidFill>
+                <a:effectLst/>
+                <a:latin typeface="Vazir"/>
+                <a:hlinkClick r:id="rId13" tooltip="Cron"/>
+              </a:rPr>
+              <a:t>cron</a:t>
+            </a:r>
+            <a:r>
+              <a:rPr lang="en-US" b="0" i="0" dirty="0">
+                <a:solidFill>
+                  <a:srgbClr val="202122"/>
+                </a:solidFill>
+                <a:effectLst/>
+                <a:latin typeface="Vazir"/>
+              </a:rPr>
+              <a:t>), commands of general utility (e.g. </a:t>
+            </a:r>
+            <a:r>
+              <a:rPr lang="en-US" b="0" i="1" u="none" strike="noStrike" dirty="0">
+                <a:solidFill>
+                  <a:srgbClr val="0B0080"/>
+                </a:solidFill>
+                <a:effectLst/>
+                <a:latin typeface="Vazir"/>
+                <a:hlinkClick r:id="rId14" tooltip="Grep"/>
+              </a:rPr>
+              <a:t>grep</a:t>
+            </a:r>
+            <a:r>
+              <a:rPr lang="en-US" b="0" i="0" dirty="0">
+                <a:solidFill>
+                  <a:srgbClr val="202122"/>
+                </a:solidFill>
+                <a:effectLst/>
+                <a:latin typeface="Vazir"/>
+              </a:rPr>
+              <a:t>), and more general-purpose applications such as the text formatting and typesetting package. Nonetheless, some major categories are:</a:t>
+            </a:r>
+          </a:p>
+          <a:p>
+            <a:pPr marL="742950" lvl="1" indent="-285750" algn="l">
+              <a:buFont typeface="Arial" panose="020B0604020202020204" pitchFamily="34" charset="0"/>
+              <a:buChar char="•"/>
+            </a:pPr>
+            <a:r>
+              <a:rPr lang="en-US" b="0" i="1" u="none" strike="noStrike" dirty="0" err="1">
+                <a:solidFill>
+                  <a:srgbClr val="0B0080"/>
+                </a:solidFill>
+                <a:effectLst/>
+                <a:latin typeface="Vazir"/>
+                <a:hlinkClick r:id="rId15" tooltip="Bourne shell"/>
+              </a:rPr>
+              <a:t>sh</a:t>
+            </a:r>
+            <a:r>
+              <a:rPr lang="en-US" b="0" i="0" dirty="0">
+                <a:solidFill>
+                  <a:srgbClr val="202122"/>
+                </a:solidFill>
+                <a:effectLst/>
+                <a:latin typeface="Vazir"/>
+              </a:rPr>
+              <a:t> – the "shell" programmable </a:t>
+            </a:r>
+            <a:r>
+              <a:rPr lang="en-US" b="0" i="0" u="none" strike="noStrike" dirty="0">
+                <a:solidFill>
+                  <a:srgbClr val="0B0080"/>
+                </a:solidFill>
+                <a:effectLst/>
+                <a:latin typeface="Vazir"/>
+                <a:hlinkClick r:id="rId16" tooltip="Command-line interpreter"/>
+              </a:rPr>
+              <a:t>command-line interpreter</a:t>
+            </a:r>
+            <a:r>
+              <a:rPr lang="en-US" b="0" i="0" dirty="0">
+                <a:solidFill>
+                  <a:srgbClr val="202122"/>
+                </a:solidFill>
+                <a:effectLst/>
+                <a:latin typeface="Vazir"/>
+              </a:rPr>
+              <a:t>, the primary user interface on Unix before window systems appeared, and even afterward (within a "command window").</a:t>
+            </a:r>
+          </a:p>
+          <a:p>
+            <a:pPr marL="742950" lvl="1" indent="-285750" algn="l">
+              <a:buFont typeface="Arial" panose="020B0604020202020204" pitchFamily="34" charset="0"/>
+              <a:buChar char="•"/>
+            </a:pPr>
+            <a:r>
+              <a:rPr lang="en-US" b="0" i="1" dirty="0">
+                <a:solidFill>
+                  <a:srgbClr val="202122"/>
+                </a:solidFill>
+                <a:effectLst/>
+                <a:latin typeface="Vazir"/>
+              </a:rPr>
+              <a:t>Utilities</a:t>
+            </a:r>
+            <a:r>
+              <a:rPr lang="en-US" b="0" i="0" dirty="0">
+                <a:solidFill>
+                  <a:srgbClr val="202122"/>
+                </a:solidFill>
+                <a:effectLst/>
+                <a:latin typeface="Vazir"/>
+              </a:rPr>
+              <a:t> – the core toolkit of the Unix command set, including </a:t>
+            </a:r>
+            <a:r>
+              <a:rPr lang="en-US" b="0" i="1" u="none" strike="noStrike" dirty="0">
+                <a:solidFill>
+                  <a:srgbClr val="0B0080"/>
+                </a:solidFill>
+                <a:effectLst/>
+                <a:latin typeface="Vazir"/>
+                <a:hlinkClick r:id="rId17" tooltip="Cp (Unix)"/>
+              </a:rPr>
+              <a:t>cp</a:t>
+            </a:r>
+            <a:r>
+              <a:rPr lang="en-US" b="0" i="0" dirty="0">
+                <a:solidFill>
+                  <a:srgbClr val="202122"/>
+                </a:solidFill>
+                <a:effectLst/>
+                <a:latin typeface="Vazir"/>
+              </a:rPr>
+              <a:t>, </a:t>
+            </a:r>
+            <a:r>
+              <a:rPr lang="en-US" b="0" i="1" u="none" strike="noStrike" dirty="0">
+                <a:solidFill>
+                  <a:srgbClr val="0B0080"/>
+                </a:solidFill>
+                <a:effectLst/>
+                <a:latin typeface="Vazir"/>
+                <a:hlinkClick r:id="rId18" tooltip="Ls"/>
+              </a:rPr>
+              <a:t>ls</a:t>
+            </a:r>
+            <a:r>
+              <a:rPr lang="en-US" b="0" i="0" dirty="0">
+                <a:solidFill>
+                  <a:srgbClr val="202122"/>
+                </a:solidFill>
+                <a:effectLst/>
+                <a:latin typeface="Vazir"/>
+              </a:rPr>
+              <a:t>, </a:t>
+            </a:r>
+            <a:r>
+              <a:rPr lang="en-US" b="0" i="1" u="none" strike="noStrike" dirty="0">
+                <a:solidFill>
+                  <a:srgbClr val="0B0080"/>
+                </a:solidFill>
+                <a:effectLst/>
+                <a:latin typeface="Vazir"/>
+                <a:hlinkClick r:id="rId14" tooltip="Grep"/>
+              </a:rPr>
+              <a:t>grep</a:t>
+            </a:r>
+            <a:r>
+              <a:rPr lang="en-US" b="0" i="0" dirty="0">
+                <a:solidFill>
+                  <a:srgbClr val="202122"/>
+                </a:solidFill>
+                <a:effectLst/>
+                <a:latin typeface="Vazir"/>
+              </a:rPr>
+              <a:t>, </a:t>
+            </a:r>
+            <a:r>
+              <a:rPr lang="en-US" b="0" i="1" u="none" strike="noStrike" dirty="0">
+                <a:solidFill>
+                  <a:srgbClr val="0B0080"/>
+                </a:solidFill>
+                <a:effectLst/>
+                <a:latin typeface="Vazir"/>
+                <a:hlinkClick r:id="rId19" tooltip="Find (Unix)"/>
+              </a:rPr>
+              <a:t>find</a:t>
+            </a:r>
+            <a:r>
+              <a:rPr lang="en-US" b="0" i="0" dirty="0">
+                <a:solidFill>
+                  <a:srgbClr val="202122"/>
+                </a:solidFill>
+                <a:effectLst/>
+                <a:latin typeface="Vazir"/>
+              </a:rPr>
+              <a:t> and many others. Subcategories include:</a:t>
+            </a:r>
+          </a:p>
+          <a:p>
+            <a:pPr marL="1143000" lvl="2" indent="-228600" algn="l">
+              <a:buFont typeface="Arial" panose="020B0604020202020204" pitchFamily="34" charset="0"/>
+              <a:buChar char="•"/>
+            </a:pPr>
+            <a:r>
+              <a:rPr lang="en-US" b="0" i="1" dirty="0">
+                <a:solidFill>
+                  <a:srgbClr val="202122"/>
+                </a:solidFill>
+                <a:effectLst/>
+                <a:latin typeface="Vazir"/>
+              </a:rPr>
+              <a:t>System utilities</a:t>
+            </a:r>
+            <a:r>
+              <a:rPr lang="en-US" b="0" i="0" dirty="0">
+                <a:solidFill>
+                  <a:srgbClr val="202122"/>
+                </a:solidFill>
+                <a:effectLst/>
+                <a:latin typeface="Vazir"/>
+              </a:rPr>
+              <a:t> – administrative tools such as </a:t>
+            </a:r>
+            <a:r>
+              <a:rPr lang="en-US" b="0" i="1" u="none" strike="noStrike" dirty="0" err="1">
+                <a:solidFill>
+                  <a:srgbClr val="0B0080"/>
+                </a:solidFill>
+                <a:effectLst/>
+                <a:latin typeface="Vazir"/>
+                <a:hlinkClick r:id="rId20" tooltip="Mkfs"/>
+              </a:rPr>
+              <a:t>mkfs</a:t>
+            </a:r>
+            <a:r>
+              <a:rPr lang="en-US" b="0" i="0" dirty="0">
+                <a:solidFill>
+                  <a:srgbClr val="202122"/>
+                </a:solidFill>
+                <a:effectLst/>
+                <a:latin typeface="Vazir"/>
+              </a:rPr>
+              <a:t>, </a:t>
+            </a:r>
+            <a:r>
+              <a:rPr lang="en-US" b="0" i="1" u="none" strike="noStrike" dirty="0" err="1">
+                <a:solidFill>
+                  <a:srgbClr val="0B0080"/>
+                </a:solidFill>
+                <a:effectLst/>
+                <a:latin typeface="Vazir"/>
+                <a:hlinkClick r:id="rId21" tooltip="Fsck"/>
+              </a:rPr>
+              <a:t>fsck</a:t>
+            </a:r>
+            <a:r>
+              <a:rPr lang="en-US" b="0" i="0" dirty="0">
+                <a:solidFill>
+                  <a:srgbClr val="202122"/>
+                </a:solidFill>
+                <a:effectLst/>
+                <a:latin typeface="Vazir"/>
+              </a:rPr>
+              <a:t>, and many others.</a:t>
+            </a:r>
+          </a:p>
+          <a:p>
+            <a:pPr marL="1143000" lvl="2" indent="-228600" algn="l">
+              <a:buFont typeface="Arial" panose="020B0604020202020204" pitchFamily="34" charset="0"/>
+              <a:buChar char="•"/>
+            </a:pPr>
+            <a:r>
+              <a:rPr lang="en-US" b="0" i="1" dirty="0">
+                <a:solidFill>
+                  <a:srgbClr val="202122"/>
+                </a:solidFill>
+                <a:effectLst/>
+                <a:latin typeface="Vazir"/>
+              </a:rPr>
+              <a:t>User utilities</a:t>
+            </a:r>
+            <a:r>
+              <a:rPr lang="en-US" b="0" i="0" dirty="0">
+                <a:solidFill>
+                  <a:srgbClr val="202122"/>
+                </a:solidFill>
+                <a:effectLst/>
+                <a:latin typeface="Vazir"/>
+              </a:rPr>
+              <a:t> – environment management tools such as </a:t>
+            </a:r>
+            <a:r>
+              <a:rPr lang="en-US" b="0" i="1" dirty="0">
+                <a:solidFill>
+                  <a:srgbClr val="202122"/>
+                </a:solidFill>
+                <a:effectLst/>
+                <a:latin typeface="Vazir"/>
+              </a:rPr>
+              <a:t>passwd</a:t>
+            </a:r>
+            <a:r>
+              <a:rPr lang="en-US" b="0" i="0" dirty="0">
+                <a:solidFill>
+                  <a:srgbClr val="202122"/>
+                </a:solidFill>
+                <a:effectLst/>
+                <a:latin typeface="Vazir"/>
+              </a:rPr>
+              <a:t>, </a:t>
+            </a:r>
+            <a:r>
+              <a:rPr lang="en-US" b="0" i="1" dirty="0">
+                <a:solidFill>
+                  <a:srgbClr val="202122"/>
+                </a:solidFill>
+                <a:effectLst/>
+                <a:latin typeface="Vazir"/>
+              </a:rPr>
+              <a:t>kill</a:t>
+            </a:r>
+            <a:r>
+              <a:rPr lang="en-US" b="0" i="0" dirty="0">
+                <a:solidFill>
+                  <a:srgbClr val="202122"/>
+                </a:solidFill>
+                <a:effectLst/>
+                <a:latin typeface="Vazir"/>
+              </a:rPr>
+              <a:t>, and others.</a:t>
+            </a:r>
+          </a:p>
+          <a:p>
+            <a:pPr marL="742950" lvl="1" indent="-285750" algn="l">
+              <a:buFont typeface="Arial" panose="020B0604020202020204" pitchFamily="34" charset="0"/>
+              <a:buChar char="•"/>
+            </a:pPr>
+            <a:r>
+              <a:rPr lang="en-US" b="0" i="1" dirty="0">
+                <a:solidFill>
+                  <a:srgbClr val="202122"/>
+                </a:solidFill>
+                <a:effectLst/>
+                <a:latin typeface="Vazir"/>
+              </a:rPr>
+              <a:t>Document formatting</a:t>
+            </a:r>
+            <a:r>
+              <a:rPr lang="en-US" b="0" i="0" dirty="0">
+                <a:solidFill>
+                  <a:srgbClr val="202122"/>
+                </a:solidFill>
+                <a:effectLst/>
+                <a:latin typeface="Vazir"/>
+              </a:rPr>
+              <a:t> – Unix systems were used from the outset for document preparation and typesetting systems, and included many related programs such as </a:t>
+            </a:r>
+            <a:r>
+              <a:rPr lang="en-US" b="0" i="1" u="none" strike="noStrike" dirty="0" err="1">
+                <a:solidFill>
+                  <a:srgbClr val="0B0080"/>
+                </a:solidFill>
+                <a:effectLst/>
+                <a:latin typeface="Vazir"/>
+                <a:hlinkClick r:id="rId22" tooltip="Nroff"/>
+              </a:rPr>
+              <a:t>nroff</a:t>
+            </a:r>
+            <a:r>
+              <a:rPr lang="en-US" b="0" i="0" dirty="0">
+                <a:solidFill>
+                  <a:srgbClr val="202122"/>
+                </a:solidFill>
+                <a:effectLst/>
+                <a:latin typeface="Vazir"/>
+              </a:rPr>
+              <a:t>, </a:t>
+            </a:r>
+            <a:r>
+              <a:rPr lang="en-US" b="0" i="1" u="none" strike="noStrike" dirty="0" err="1">
+                <a:solidFill>
+                  <a:srgbClr val="0B0080"/>
+                </a:solidFill>
+                <a:effectLst/>
+                <a:latin typeface="Vazir"/>
+                <a:hlinkClick r:id="rId23" tooltip="Troff"/>
+              </a:rPr>
+              <a:t>troff</a:t>
+            </a:r>
+            <a:r>
+              <a:rPr lang="en-US" b="0" i="0" dirty="0">
+                <a:solidFill>
+                  <a:srgbClr val="202122"/>
+                </a:solidFill>
+                <a:effectLst/>
+                <a:latin typeface="Vazir"/>
+              </a:rPr>
+              <a:t>, </a:t>
+            </a:r>
+            <a:r>
+              <a:rPr lang="en-US" b="0" i="1" u="none" strike="noStrike" dirty="0" err="1">
+                <a:solidFill>
+                  <a:srgbClr val="0B0080"/>
+                </a:solidFill>
+                <a:effectLst/>
+                <a:latin typeface="Vazir"/>
+                <a:hlinkClick r:id="rId24" tooltip="Tbl"/>
+              </a:rPr>
+              <a:t>tbl</a:t>
+            </a:r>
+            <a:r>
+              <a:rPr lang="en-US" b="0" i="0" dirty="0">
+                <a:solidFill>
+                  <a:srgbClr val="202122"/>
+                </a:solidFill>
+                <a:effectLst/>
+                <a:latin typeface="Vazir"/>
+              </a:rPr>
+              <a:t>, </a:t>
+            </a:r>
+            <a:r>
+              <a:rPr lang="en-US" b="0" i="1" u="none" strike="noStrike" dirty="0" err="1">
+                <a:solidFill>
+                  <a:srgbClr val="0B0080"/>
+                </a:solidFill>
+                <a:effectLst/>
+                <a:latin typeface="Vazir"/>
+                <a:hlinkClick r:id="rId25" tooltip="Eqn (software)"/>
+              </a:rPr>
+              <a:t>eqn</a:t>
+            </a:r>
+            <a:r>
+              <a:rPr lang="en-US" b="0" i="0" dirty="0">
+                <a:solidFill>
+                  <a:srgbClr val="202122"/>
+                </a:solidFill>
+                <a:effectLst/>
+                <a:latin typeface="Vazir"/>
+              </a:rPr>
+              <a:t>, </a:t>
+            </a:r>
+            <a:r>
+              <a:rPr lang="en-US" b="0" i="1" u="none" strike="noStrike" dirty="0">
+                <a:solidFill>
+                  <a:srgbClr val="0B0080"/>
+                </a:solidFill>
+                <a:effectLst/>
+                <a:latin typeface="Vazir"/>
+                <a:hlinkClick r:id="rId26" tooltip="Refer (software)"/>
+              </a:rPr>
+              <a:t>refer</a:t>
+            </a:r>
+            <a:r>
+              <a:rPr lang="en-US" b="0" i="0" dirty="0">
+                <a:solidFill>
+                  <a:srgbClr val="202122"/>
+                </a:solidFill>
+                <a:effectLst/>
+                <a:latin typeface="Vazir"/>
+              </a:rPr>
+              <a:t>, and </a:t>
+            </a:r>
+            <a:r>
+              <a:rPr lang="en-US" b="0" i="1" u="none" strike="noStrike" dirty="0">
+                <a:solidFill>
+                  <a:srgbClr val="0B0080"/>
+                </a:solidFill>
+                <a:effectLst/>
+                <a:latin typeface="Vazir"/>
+                <a:hlinkClick r:id="rId27" tooltip="Pic language"/>
+              </a:rPr>
+              <a:t>pic</a:t>
+            </a:r>
+            <a:r>
+              <a:rPr lang="en-US" b="0" i="0" dirty="0">
+                <a:solidFill>
+                  <a:srgbClr val="202122"/>
+                </a:solidFill>
+                <a:effectLst/>
+                <a:latin typeface="Vazir"/>
+              </a:rPr>
+              <a:t>. Some modern Unix systems also include packages such as </a:t>
+            </a:r>
+            <a:r>
+              <a:rPr lang="en-US" b="0" i="0" u="none" strike="noStrike" dirty="0" err="1">
+                <a:solidFill>
+                  <a:srgbClr val="0B0080"/>
+                </a:solidFill>
+                <a:effectLst/>
+                <a:latin typeface="Vazir"/>
+                <a:hlinkClick r:id="rId28" tooltip="TeX"/>
+              </a:rPr>
+              <a:t>TeX</a:t>
+            </a:r>
+            <a:r>
+              <a:rPr lang="en-US" b="0" i="0" dirty="0">
+                <a:solidFill>
+                  <a:srgbClr val="202122"/>
+                </a:solidFill>
+                <a:effectLst/>
+                <a:latin typeface="Vazir"/>
+              </a:rPr>
+              <a:t> and </a:t>
+            </a:r>
+            <a:r>
+              <a:rPr lang="en-US" b="0" i="0" u="none" strike="noStrike" dirty="0" err="1">
+                <a:solidFill>
+                  <a:srgbClr val="0B0080"/>
+                </a:solidFill>
+                <a:effectLst/>
+                <a:latin typeface="Vazir"/>
+                <a:hlinkClick r:id="rId29" tooltip="Ghostscript"/>
+              </a:rPr>
+              <a:t>Ghostscript</a:t>
+            </a:r>
+            <a:r>
+              <a:rPr lang="en-US" b="0" i="0" dirty="0">
+                <a:solidFill>
+                  <a:srgbClr val="202122"/>
+                </a:solidFill>
+                <a:effectLst/>
+                <a:latin typeface="Vazir"/>
+              </a:rPr>
+              <a:t>.</a:t>
+            </a:r>
+          </a:p>
+          <a:p>
+            <a:pPr marL="742950" lvl="1" indent="-285750" algn="l">
+              <a:buFont typeface="Arial" panose="020B0604020202020204" pitchFamily="34" charset="0"/>
+              <a:buChar char="•"/>
+            </a:pPr>
+            <a:r>
+              <a:rPr lang="en-US" b="0" i="1" dirty="0">
+                <a:solidFill>
+                  <a:srgbClr val="202122"/>
+                </a:solidFill>
+                <a:effectLst/>
+                <a:latin typeface="Vazir"/>
+              </a:rPr>
+              <a:t>Graphics</a:t>
+            </a:r>
+            <a:r>
+              <a:rPr lang="en-US" b="0" i="0" dirty="0">
+                <a:solidFill>
+                  <a:srgbClr val="202122"/>
+                </a:solidFill>
+                <a:effectLst/>
+                <a:latin typeface="Vazir"/>
+              </a:rPr>
+              <a:t> – the </a:t>
+            </a:r>
+            <a:r>
+              <a:rPr lang="en-US" b="0" i="1" dirty="0">
+                <a:solidFill>
+                  <a:srgbClr val="202122"/>
+                </a:solidFill>
+                <a:effectLst/>
+                <a:latin typeface="Vazir"/>
+              </a:rPr>
+              <a:t>plot</a:t>
+            </a:r>
+            <a:r>
+              <a:rPr lang="en-US" b="0" i="0" dirty="0">
+                <a:solidFill>
+                  <a:srgbClr val="202122"/>
+                </a:solidFill>
+                <a:effectLst/>
+                <a:latin typeface="Vazir"/>
+              </a:rPr>
+              <a:t> subsystem provided facilities for producing simple vector plots in a device-independent format, with device-specific interpreters to display such files. Modern Unix systems also generally include </a:t>
+            </a:r>
+            <a:r>
+              <a:rPr lang="en-US" b="0" i="0" u="none" strike="noStrike" dirty="0">
+                <a:solidFill>
+                  <a:srgbClr val="0B0080"/>
+                </a:solidFill>
+                <a:effectLst/>
+                <a:latin typeface="Vazir"/>
+                <a:hlinkClick r:id="rId30" tooltip="X11"/>
+              </a:rPr>
+              <a:t>X11</a:t>
+            </a:r>
+            <a:r>
+              <a:rPr lang="en-US" b="0" i="0" dirty="0">
+                <a:solidFill>
+                  <a:srgbClr val="202122"/>
+                </a:solidFill>
+                <a:effectLst/>
+                <a:latin typeface="Vazir"/>
+              </a:rPr>
+              <a:t> as a standard windowing system and </a:t>
+            </a:r>
+            <a:r>
+              <a:rPr lang="en-US" b="0" i="0" u="none" strike="noStrike" dirty="0">
+                <a:solidFill>
+                  <a:srgbClr val="0B0080"/>
+                </a:solidFill>
+                <a:effectLst/>
+                <a:latin typeface="Vazir"/>
+                <a:hlinkClick r:id="rId31" tooltip="GUI"/>
+              </a:rPr>
+              <a:t>GUI</a:t>
+            </a:r>
+            <a:r>
+              <a:rPr lang="en-US" b="0" i="0" dirty="0">
+                <a:solidFill>
+                  <a:srgbClr val="202122"/>
+                </a:solidFill>
+                <a:effectLst/>
+                <a:latin typeface="Vazir"/>
+              </a:rPr>
+              <a:t>, and many support </a:t>
+            </a:r>
+            <a:r>
+              <a:rPr lang="en-US" b="0" i="0" u="none" strike="noStrike" dirty="0">
+                <a:solidFill>
+                  <a:srgbClr val="0B0080"/>
+                </a:solidFill>
+                <a:effectLst/>
+                <a:latin typeface="Vazir"/>
+                <a:hlinkClick r:id="rId32" tooltip="OpenGL"/>
+              </a:rPr>
+              <a:t>OpenGL</a:t>
+            </a:r>
+            <a:r>
+              <a:rPr lang="en-US" b="0" i="0" dirty="0">
+                <a:solidFill>
+                  <a:srgbClr val="202122"/>
+                </a:solidFill>
+                <a:effectLst/>
+                <a:latin typeface="Vazir"/>
+              </a:rPr>
+              <a:t>.</a:t>
+            </a:r>
+          </a:p>
+          <a:p>
+            <a:pPr marL="742950" lvl="1" indent="-285750" algn="l">
+              <a:buFont typeface="Arial" panose="020B0604020202020204" pitchFamily="34" charset="0"/>
+              <a:buChar char="•"/>
+            </a:pPr>
+            <a:r>
+              <a:rPr lang="en-US" b="0" i="1" dirty="0">
+                <a:solidFill>
+                  <a:srgbClr val="202122"/>
+                </a:solidFill>
+                <a:effectLst/>
+                <a:latin typeface="Vazir"/>
+              </a:rPr>
+              <a:t>Communications</a:t>
+            </a:r>
+            <a:r>
+              <a:rPr lang="en-US" b="0" i="0" dirty="0">
+                <a:solidFill>
+                  <a:srgbClr val="202122"/>
+                </a:solidFill>
+                <a:effectLst/>
+                <a:latin typeface="Vazir"/>
+              </a:rPr>
+              <a:t> – early Unix systems contained no inter-system communication, but did include the inter-user communication programs </a:t>
+            </a:r>
+            <a:r>
+              <a:rPr lang="en-US" b="0" i="1" dirty="0">
+                <a:solidFill>
+                  <a:srgbClr val="202122"/>
+                </a:solidFill>
+                <a:effectLst/>
+                <a:latin typeface="Vazir"/>
+              </a:rPr>
+              <a:t>mail</a:t>
+            </a:r>
+            <a:r>
+              <a:rPr lang="en-US" b="0" i="0" dirty="0">
+                <a:solidFill>
+                  <a:srgbClr val="202122"/>
+                </a:solidFill>
+                <a:effectLst/>
+                <a:latin typeface="Vazir"/>
+              </a:rPr>
+              <a:t> and </a:t>
+            </a:r>
+            <a:r>
+              <a:rPr lang="en-US" b="0" i="1" dirty="0">
+                <a:solidFill>
+                  <a:srgbClr val="202122"/>
+                </a:solidFill>
+                <a:effectLst/>
+                <a:latin typeface="Vazir"/>
+              </a:rPr>
+              <a:t>write</a:t>
+            </a:r>
+            <a:r>
+              <a:rPr lang="en-US" b="0" i="0" dirty="0">
+                <a:solidFill>
+                  <a:srgbClr val="202122"/>
+                </a:solidFill>
+                <a:effectLst/>
+                <a:latin typeface="Vazir"/>
+              </a:rPr>
+              <a:t>. V7 introduced the early inter-system communication system </a:t>
+            </a:r>
+            <a:r>
+              <a:rPr lang="en-US" b="0" i="0" u="none" strike="noStrike" dirty="0">
+                <a:solidFill>
+                  <a:srgbClr val="0B0080"/>
+                </a:solidFill>
+                <a:effectLst/>
+                <a:latin typeface="Vazir"/>
+                <a:hlinkClick r:id="rId33" tooltip="UUCP"/>
+              </a:rPr>
+              <a:t>UUCP</a:t>
+            </a:r>
+            <a:r>
+              <a:rPr lang="en-US" b="0" i="0" dirty="0">
+                <a:solidFill>
+                  <a:srgbClr val="202122"/>
+                </a:solidFill>
+                <a:effectLst/>
+                <a:latin typeface="Vazir"/>
+              </a:rPr>
+              <a:t>, and systems beginning with BSD release 4.1c included </a:t>
+            </a:r>
+            <a:r>
+              <a:rPr lang="en-US" b="0" i="0" u="none" strike="noStrike" dirty="0">
+                <a:solidFill>
+                  <a:srgbClr val="0B0080"/>
+                </a:solidFill>
+                <a:effectLst/>
+                <a:latin typeface="Vazir"/>
+                <a:hlinkClick r:id="rId34" tooltip="TCP/IP"/>
+              </a:rPr>
+              <a:t>TCP/IP</a:t>
+            </a:r>
+            <a:r>
+              <a:rPr lang="en-US" b="0" i="0" dirty="0">
+                <a:solidFill>
+                  <a:srgbClr val="202122"/>
+                </a:solidFill>
+                <a:effectLst/>
+                <a:latin typeface="Vazir"/>
+              </a:rPr>
+              <a:t> utilities.</a:t>
+            </a:r>
+          </a:p>
+          <a:p>
+            <a:pPr algn="l">
+              <a:buFont typeface="Arial" panose="020B0604020202020204" pitchFamily="34" charset="0"/>
+              <a:buChar char="•"/>
+            </a:pPr>
+            <a:r>
+              <a:rPr lang="en-US" b="0" i="1" dirty="0">
+                <a:solidFill>
+                  <a:srgbClr val="202122"/>
+                </a:solidFill>
+                <a:effectLst/>
+                <a:latin typeface="Vazir"/>
+              </a:rPr>
+              <a:t>Documentation</a:t>
+            </a:r>
+            <a:r>
+              <a:rPr lang="en-US" b="0" i="0" dirty="0">
+                <a:solidFill>
+                  <a:srgbClr val="202122"/>
+                </a:solidFill>
+                <a:effectLst/>
+                <a:latin typeface="Vazir"/>
+              </a:rPr>
+              <a:t> – Unix was the first</a:t>
+            </a:r>
+            <a:r>
+              <a:rPr lang="en-US" b="0" i="0" baseline="30000" dirty="0">
+                <a:solidFill>
+                  <a:srgbClr val="202122"/>
+                </a:solidFill>
+                <a:effectLst/>
+                <a:latin typeface="var(--font)"/>
+              </a:rPr>
+              <a:t>[</a:t>
+            </a:r>
+            <a:r>
+              <a:rPr lang="en-US" b="0" i="1" u="none" strike="noStrike" baseline="30000" dirty="0">
+                <a:solidFill>
+                  <a:srgbClr val="0B0080"/>
+                </a:solidFill>
+                <a:effectLst/>
+                <a:latin typeface="var(--font)"/>
+                <a:hlinkClick r:id="rId35" tooltip="Wikipedia:Citation needed"/>
+              </a:rPr>
+              <a:t>citation needed</a:t>
+            </a:r>
+            <a:r>
+              <a:rPr lang="en-US" b="0" i="0" baseline="30000" dirty="0">
+                <a:solidFill>
+                  <a:srgbClr val="202122"/>
+                </a:solidFill>
+                <a:effectLst/>
+                <a:latin typeface="var(--font)"/>
+              </a:rPr>
+              <a:t>]</a:t>
+            </a:r>
+            <a:r>
+              <a:rPr lang="en-US" b="0" i="0" dirty="0">
+                <a:solidFill>
+                  <a:srgbClr val="202122"/>
+                </a:solidFill>
+                <a:effectLst/>
+                <a:latin typeface="Vazir"/>
+              </a:rPr>
+              <a:t> operating system to include all of its documentation online in machine-readable form. The documentation included:</a:t>
+            </a:r>
+          </a:p>
+          <a:p>
+            <a:pPr marL="742950" lvl="1" indent="-285750" algn="l">
+              <a:buFont typeface="Arial" panose="020B0604020202020204" pitchFamily="34" charset="0"/>
+              <a:buChar char="•"/>
+            </a:pPr>
+            <a:r>
+              <a:rPr lang="en-US" b="0" i="1" u="none" strike="noStrike" dirty="0">
+                <a:solidFill>
+                  <a:srgbClr val="0B0080"/>
+                </a:solidFill>
+                <a:effectLst/>
+                <a:latin typeface="Vazir"/>
+                <a:hlinkClick r:id="rId36" tooltip="Man page"/>
+              </a:rPr>
+              <a:t>man</a:t>
+            </a:r>
+            <a:r>
+              <a:rPr lang="en-US" b="0" i="0" dirty="0">
+                <a:solidFill>
+                  <a:srgbClr val="202122"/>
+                </a:solidFill>
+                <a:effectLst/>
+                <a:latin typeface="Vazir"/>
+              </a:rPr>
+              <a:t> – manual pages for each command, library component, </a:t>
+            </a:r>
+            <a:r>
+              <a:rPr lang="en-US" b="0" i="0" u="none" strike="noStrike" dirty="0">
+                <a:solidFill>
+                  <a:srgbClr val="0B0080"/>
+                </a:solidFill>
+                <a:effectLst/>
+                <a:latin typeface="Vazir"/>
+                <a:hlinkClick r:id="rId37" tooltip="System call"/>
+              </a:rPr>
+              <a:t>system call</a:t>
+            </a:r>
+            <a:r>
+              <a:rPr lang="en-US" b="0" i="0" dirty="0">
+                <a:solidFill>
+                  <a:srgbClr val="202122"/>
+                </a:solidFill>
+                <a:effectLst/>
+                <a:latin typeface="Vazir"/>
+              </a:rPr>
+              <a:t>, header file, etc.</a:t>
+            </a:r>
+          </a:p>
+          <a:p>
+            <a:pPr marL="742950" lvl="1" indent="-285750" algn="l">
+              <a:buFont typeface="Arial" panose="020B0604020202020204" pitchFamily="34" charset="0"/>
+              <a:buChar char="•"/>
+            </a:pPr>
+            <a:r>
+              <a:rPr lang="en-US" b="0" i="1" dirty="0">
+                <a:solidFill>
+                  <a:srgbClr val="202122"/>
+                </a:solidFill>
+                <a:effectLst/>
+                <a:latin typeface="Vazir"/>
+              </a:rPr>
+              <a:t>doc</a:t>
+            </a:r>
+            <a:r>
+              <a:rPr lang="en-US" b="0" i="0" dirty="0">
+                <a:solidFill>
+                  <a:srgbClr val="202122"/>
+                </a:solidFill>
+                <a:effectLst/>
+                <a:latin typeface="Vazir"/>
+              </a:rPr>
+              <a:t> – longer documents detailing major subsystems, such as the C language and </a:t>
+            </a:r>
+            <a:r>
+              <a:rPr lang="en-US" b="0" i="0" dirty="0" err="1">
+                <a:solidFill>
+                  <a:srgbClr val="202122"/>
+                </a:solidFill>
+                <a:effectLst/>
+                <a:latin typeface="Vazir"/>
+              </a:rPr>
+              <a:t>troff</a:t>
+            </a:r>
+            <a:endParaRPr lang="en-US" b="0" i="0" dirty="0">
+              <a:solidFill>
+                <a:srgbClr val="202122"/>
+              </a:solidFill>
+              <a:effectLst/>
+              <a:latin typeface="Vazir"/>
+            </a:endParaRPr>
+          </a:p>
+          <a:p>
+            <a:endParaRPr lang="fa-IR" dirty="0"/>
+          </a:p>
+        </p:txBody>
+      </p:sp>
+      <p:sp>
+        <p:nvSpPr>
+          <p:cNvPr id="4" name="Slide Number Placeholder 3"/>
+          <p:cNvSpPr>
+            <a:spLocks noGrp="1"/>
+          </p:cNvSpPr>
+          <p:nvPr>
+            <p:ph type="sldNum" sz="quarter" idx="5"/>
+          </p:nvPr>
+        </p:nvSpPr>
+        <p:spPr/>
+        <p:txBody>
+          <a:bodyPr/>
+          <a:lstStyle/>
+          <a:p>
+            <a:fld id="{D0E944BF-F28C-48F8-90D3-273132DB8999}" type="slidenum">
+              <a:rPr lang="fa-IR" smtClean="0"/>
+              <a:t>4</a:t>
+            </a:fld>
+            <a:endParaRPr lang="fa-IR"/>
+          </a:p>
+        </p:txBody>
+      </p:sp>
+    </p:spTree>
+    <p:extLst>
+      <p:ext uri="{BB962C8B-B14F-4D97-AF65-F5344CB8AC3E}">
+        <p14:creationId xmlns:p14="http://schemas.microsoft.com/office/powerpoint/2010/main" val="2156418361"/>
+      </p:ext>
+    </p:extLst>
+  </p:cSld>
+  <p:clrMapOvr>
+    <a:masterClrMapping/>
+  </p:clrMapOvr>
+</p:notes>
+</file>
+
+<file path=ppt/notesSlides/notesSlide10.xml><?xml version="1.0" encoding="utf-8"?>
+<p:notes xmlns:a="http://schemas.openxmlformats.org/drawingml/2006/main" xmlns:r="http://schemas.openxmlformats.org/officeDocument/2006/relationships" xmlns:p="http://schemas.openxmlformats.org/presentationml/2006/main">
+  <p:cSld>
+    <p:spTree>
+      <p:nvGrpSpPr>
+        <p:cNvPr id="1" name=""/>
+        <p:cNvGrpSpPr/>
+        <p:nvPr/>
+      </p:nvGrpSpPr>
+      <p:grpSpPr>
+        <a:xfrm>
+          <a:off x="0" y="0"/>
+          <a:ext cx="0" cy="0"/>
+          <a:chOff x="0" y="0"/>
+          <a:chExt cx="0" cy="0"/>
+        </a:xfrm>
+      </p:grpSpPr>
+      <p:sp>
+        <p:nvSpPr>
+          <p:cNvPr id="2" name="Slide Image Placeholder 1"/>
+          <p:cNvSpPr>
+            <a:spLocks noGrp="1" noRot="1" noChangeAspect="1"/>
+          </p:cNvSpPr>
+          <p:nvPr>
+            <p:ph type="sldImg"/>
+          </p:nvPr>
+        </p:nvSpPr>
+        <p:spPr/>
+      </p:sp>
+      <p:sp>
+        <p:nvSpPr>
+          <p:cNvPr id="3" name="Notes Placeholder 2"/>
+          <p:cNvSpPr>
+            <a:spLocks noGrp="1"/>
+          </p:cNvSpPr>
+          <p:nvPr>
+            <p:ph type="body" idx="1"/>
+          </p:nvPr>
+        </p:nvSpPr>
+        <p:spPr/>
+        <p:txBody>
+          <a:bodyPr/>
+          <a:lstStyle/>
+          <a:p>
+            <a:endParaRPr lang="fa-IR" dirty="0"/>
+          </a:p>
+        </p:txBody>
+      </p:sp>
+      <p:sp>
+        <p:nvSpPr>
+          <p:cNvPr id="4" name="Slide Number Placeholder 3"/>
+          <p:cNvSpPr>
+            <a:spLocks noGrp="1"/>
+          </p:cNvSpPr>
+          <p:nvPr>
+            <p:ph type="sldNum" sz="quarter" idx="5"/>
+          </p:nvPr>
+        </p:nvSpPr>
+        <p:spPr/>
+        <p:txBody>
+          <a:bodyPr/>
+          <a:lstStyle/>
+          <a:p>
+            <a:fld id="{D0E944BF-F28C-48F8-90D3-273132DB8999}" type="slidenum">
+              <a:rPr lang="fa-IR" smtClean="0"/>
+              <a:t>14</a:t>
+            </a:fld>
+            <a:endParaRPr lang="fa-IR"/>
+          </a:p>
+        </p:txBody>
+      </p:sp>
+    </p:spTree>
+    <p:extLst>
+      <p:ext uri="{BB962C8B-B14F-4D97-AF65-F5344CB8AC3E}">
+        <p14:creationId xmlns:p14="http://schemas.microsoft.com/office/powerpoint/2010/main" val="2232622433"/>
+      </p:ext>
+    </p:extLst>
+  </p:cSld>
+  <p:clrMapOvr>
+    <a:masterClrMapping/>
+  </p:clrMapOvr>
+</p:notes>
+</file>
+
+<file path=ppt/notesSlides/notesSlide2.xml><?xml version="1.0" encoding="utf-8"?>
+<p:notes xmlns:a="http://schemas.openxmlformats.org/drawingml/2006/main" xmlns:r="http://schemas.openxmlformats.org/officeDocument/2006/relationships" xmlns:p="http://schemas.openxmlformats.org/presentationml/2006/main">
+  <p:cSld>
+    <p:spTree>
+      <p:nvGrpSpPr>
+        <p:cNvPr id="1" name=""/>
+        <p:cNvGrpSpPr/>
+        <p:nvPr/>
+      </p:nvGrpSpPr>
+      <p:grpSpPr>
+        <a:xfrm>
+          <a:off x="0" y="0"/>
+          <a:ext cx="0" cy="0"/>
+          <a:chOff x="0" y="0"/>
+          <a:chExt cx="0" cy="0"/>
+        </a:xfrm>
+      </p:grpSpPr>
+      <p:sp>
+        <p:nvSpPr>
+          <p:cNvPr id="2" name="Slide Image Placeholder 1"/>
+          <p:cNvSpPr>
+            <a:spLocks noGrp="1" noRot="1" noChangeAspect="1"/>
+          </p:cNvSpPr>
+          <p:nvPr>
+            <p:ph type="sldImg"/>
+          </p:nvPr>
+        </p:nvSpPr>
+        <p:spPr/>
+      </p:sp>
+      <p:sp>
+        <p:nvSpPr>
+          <p:cNvPr id="3" name="Notes Placeholder 2"/>
+          <p:cNvSpPr>
+            <a:spLocks noGrp="1"/>
+          </p:cNvSpPr>
+          <p:nvPr>
+            <p:ph type="body" idx="1"/>
+          </p:nvPr>
+        </p:nvSpPr>
+        <p:spPr/>
+        <p:txBody>
+          <a:bodyPr/>
+          <a:lstStyle/>
+          <a:p>
+            <a:r>
+              <a:rPr lang="en-US" dirty="0"/>
+              <a:t>https://youtu.be/tc4ROCJYbm0?t=319</a:t>
+            </a:r>
+          </a:p>
+          <a:p>
+            <a:r>
+              <a:rPr lang="en-US" dirty="0"/>
+              <a:t>More details:</a:t>
+            </a:r>
+          </a:p>
+          <a:p>
+            <a:r>
+              <a:rPr lang="en-US" dirty="0">
+                <a:hlinkClick r:id="rId3"/>
+              </a:rPr>
+              <a:t>http://www.asic-world.com/scripting/unix1.html</a:t>
+            </a:r>
+            <a:endParaRPr lang="en-US" dirty="0"/>
+          </a:p>
+          <a:p>
+            <a:endParaRPr lang="en-US" dirty="0"/>
+          </a:p>
+          <a:p>
+            <a:r>
+              <a:rPr lang="en-US" b="1" dirty="0" err="1"/>
+              <a:t>Woow</a:t>
+            </a:r>
+            <a:r>
+              <a:rPr lang="en-US" b="1" dirty="0"/>
+              <a:t>: we had different shells:</a:t>
+            </a:r>
+          </a:p>
+          <a:p>
+            <a:r>
+              <a:rPr lang="en-US" dirty="0">
+                <a:hlinkClick r:id="rId4"/>
+              </a:rPr>
+              <a:t>https://en.wikibooks.org/wiki/A_Quick_Introduction_to_Unix/Components</a:t>
+            </a:r>
+            <a:endParaRPr lang="fa-IR" dirty="0"/>
+          </a:p>
+        </p:txBody>
+      </p:sp>
+      <p:sp>
+        <p:nvSpPr>
+          <p:cNvPr id="4" name="Slide Number Placeholder 3"/>
+          <p:cNvSpPr>
+            <a:spLocks noGrp="1"/>
+          </p:cNvSpPr>
+          <p:nvPr>
+            <p:ph type="sldNum" sz="quarter" idx="5"/>
+          </p:nvPr>
+        </p:nvSpPr>
+        <p:spPr/>
+        <p:txBody>
+          <a:bodyPr/>
+          <a:lstStyle/>
+          <a:p>
+            <a:fld id="{D0E944BF-F28C-48F8-90D3-273132DB8999}" type="slidenum">
+              <a:rPr lang="fa-IR" smtClean="0"/>
+              <a:t>5</a:t>
+            </a:fld>
+            <a:endParaRPr lang="fa-IR"/>
+          </a:p>
+        </p:txBody>
+      </p:sp>
+    </p:spTree>
+    <p:extLst>
+      <p:ext uri="{BB962C8B-B14F-4D97-AF65-F5344CB8AC3E}">
+        <p14:creationId xmlns:p14="http://schemas.microsoft.com/office/powerpoint/2010/main" val="3657110427"/>
+      </p:ext>
+    </p:extLst>
+  </p:cSld>
+  <p:clrMapOvr>
+    <a:masterClrMapping/>
+  </p:clrMapOvr>
+</p:notes>
+</file>
+
+<file path=ppt/notesSlides/notesSlide3.xml><?xml version="1.0" encoding="utf-8"?>
+<p:notes xmlns:a="http://schemas.openxmlformats.org/drawingml/2006/main" xmlns:r="http://schemas.openxmlformats.org/officeDocument/2006/relationships" xmlns:p="http://schemas.openxmlformats.org/presentationml/2006/main">
+  <p:cSld>
+    <p:spTree>
+      <p:nvGrpSpPr>
+        <p:cNvPr id="1" name=""/>
+        <p:cNvGrpSpPr/>
+        <p:nvPr/>
+      </p:nvGrpSpPr>
+      <p:grpSpPr>
+        <a:xfrm>
+          <a:off x="0" y="0"/>
+          <a:ext cx="0" cy="0"/>
+          <a:chOff x="0" y="0"/>
+          <a:chExt cx="0" cy="0"/>
+        </a:xfrm>
+      </p:grpSpPr>
+      <p:sp>
+        <p:nvSpPr>
+          <p:cNvPr id="2" name="Slide Image Placeholder 1"/>
+          <p:cNvSpPr>
+            <a:spLocks noGrp="1" noRot="1" noChangeAspect="1"/>
+          </p:cNvSpPr>
+          <p:nvPr>
+            <p:ph type="sldImg"/>
+          </p:nvPr>
+        </p:nvSpPr>
+        <p:spPr/>
+      </p:sp>
+      <p:sp>
+        <p:nvSpPr>
+          <p:cNvPr id="3" name="Notes Placeholder 2"/>
+          <p:cNvSpPr>
+            <a:spLocks noGrp="1"/>
+          </p:cNvSpPr>
+          <p:nvPr>
+            <p:ph type="body" idx="1"/>
+          </p:nvPr>
+        </p:nvSpPr>
+        <p:spPr/>
+        <p:txBody>
+          <a:bodyPr/>
+          <a:lstStyle/>
+          <a:p>
+            <a:r>
+              <a:rPr lang="en-US" dirty="0">
+                <a:hlinkClick r:id="rId3"/>
+              </a:rPr>
+              <a:t>https://en.wikipedia.org/wiki/List_of_Unix_commands</a:t>
+            </a:r>
+            <a:endParaRPr lang="fa-IR" dirty="0"/>
+          </a:p>
+        </p:txBody>
+      </p:sp>
+      <p:sp>
+        <p:nvSpPr>
+          <p:cNvPr id="4" name="Slide Number Placeholder 3"/>
+          <p:cNvSpPr>
+            <a:spLocks noGrp="1"/>
+          </p:cNvSpPr>
+          <p:nvPr>
+            <p:ph type="sldNum" sz="quarter" idx="5"/>
+          </p:nvPr>
+        </p:nvSpPr>
+        <p:spPr/>
+        <p:txBody>
+          <a:bodyPr/>
+          <a:lstStyle/>
+          <a:p>
+            <a:fld id="{D0E944BF-F28C-48F8-90D3-273132DB8999}" type="slidenum">
+              <a:rPr lang="fa-IR" smtClean="0"/>
+              <a:t>7</a:t>
+            </a:fld>
+            <a:endParaRPr lang="fa-IR"/>
+          </a:p>
+        </p:txBody>
+      </p:sp>
+    </p:spTree>
+    <p:extLst>
+      <p:ext uri="{BB962C8B-B14F-4D97-AF65-F5344CB8AC3E}">
+        <p14:creationId xmlns:p14="http://schemas.microsoft.com/office/powerpoint/2010/main" val="2607464338"/>
+      </p:ext>
+    </p:extLst>
+  </p:cSld>
+  <p:clrMapOvr>
+    <a:masterClrMapping/>
+  </p:clrMapOvr>
+</p:notes>
+</file>
+
+<file path=ppt/notesSlides/notesSlide4.xml><?xml version="1.0" encoding="utf-8"?>
+<p:notes xmlns:a="http://schemas.openxmlformats.org/drawingml/2006/main" xmlns:r="http://schemas.openxmlformats.org/officeDocument/2006/relationships" xmlns:p="http://schemas.openxmlformats.org/presentationml/2006/main">
+  <p:cSld>
+    <p:spTree>
+      <p:nvGrpSpPr>
+        <p:cNvPr id="1" name=""/>
+        <p:cNvGrpSpPr/>
+        <p:nvPr/>
+      </p:nvGrpSpPr>
+      <p:grpSpPr>
+        <a:xfrm>
+          <a:off x="0" y="0"/>
+          <a:ext cx="0" cy="0"/>
+          <a:chOff x="0" y="0"/>
+          <a:chExt cx="0" cy="0"/>
+        </a:xfrm>
+      </p:grpSpPr>
+      <p:sp>
+        <p:nvSpPr>
+          <p:cNvPr id="2" name="Slide Image Placeholder 1"/>
+          <p:cNvSpPr>
+            <a:spLocks noGrp="1" noRot="1" noChangeAspect="1"/>
+          </p:cNvSpPr>
+          <p:nvPr>
+            <p:ph type="sldImg"/>
+          </p:nvPr>
+        </p:nvSpPr>
+        <p:spPr/>
+      </p:sp>
+      <p:sp>
+        <p:nvSpPr>
+          <p:cNvPr id="3" name="Notes Placeholder 2"/>
+          <p:cNvSpPr>
+            <a:spLocks noGrp="1"/>
+          </p:cNvSpPr>
+          <p:nvPr>
+            <p:ph type="body" idx="1"/>
+          </p:nvPr>
+        </p:nvSpPr>
+        <p:spPr/>
+        <p:txBody>
+          <a:bodyPr/>
+          <a:lstStyle/>
+          <a:p>
+            <a:r>
+              <a:rPr lang="en-US" dirty="0">
+                <a:hlinkClick r:id="rId3"/>
+              </a:rPr>
+              <a:t>http://web.archive.org/web/20090515201659/http://www.cs.ucr.edu/~brett/cs153_w02/syscall.html</a:t>
+            </a:r>
+            <a:endParaRPr lang="en-US" dirty="0"/>
+          </a:p>
+          <a:p>
+            <a:endParaRPr lang="en-US" dirty="0"/>
+          </a:p>
+          <a:p>
+            <a:r>
+              <a:rPr lang="en-US" dirty="0">
+                <a:hlinkClick r:id="rId4"/>
+              </a:rPr>
+              <a:t>https://github.com/lattera/glibc/blob/895ef79e04a953cac1493863bcae29ad85657ee1/sysdeps/mach/hurd/chdir.c</a:t>
+            </a:r>
+            <a:endParaRPr lang="en-US" dirty="0"/>
+          </a:p>
+        </p:txBody>
+      </p:sp>
+      <p:sp>
+        <p:nvSpPr>
+          <p:cNvPr id="4" name="Slide Number Placeholder 3"/>
+          <p:cNvSpPr>
+            <a:spLocks noGrp="1"/>
+          </p:cNvSpPr>
+          <p:nvPr>
+            <p:ph type="sldNum" sz="quarter" idx="5"/>
+          </p:nvPr>
+        </p:nvSpPr>
+        <p:spPr/>
+        <p:txBody>
+          <a:bodyPr/>
+          <a:lstStyle/>
+          <a:p>
+            <a:fld id="{D0E944BF-F28C-48F8-90D3-273132DB8999}" type="slidenum">
+              <a:rPr lang="fa-IR" smtClean="0"/>
+              <a:t>8</a:t>
+            </a:fld>
+            <a:endParaRPr lang="fa-IR"/>
+          </a:p>
+        </p:txBody>
+      </p:sp>
+    </p:spTree>
+    <p:extLst>
+      <p:ext uri="{BB962C8B-B14F-4D97-AF65-F5344CB8AC3E}">
+        <p14:creationId xmlns:p14="http://schemas.microsoft.com/office/powerpoint/2010/main" val="3494591285"/>
+      </p:ext>
+    </p:extLst>
+  </p:cSld>
+  <p:clrMapOvr>
+    <a:masterClrMapping/>
+  </p:clrMapOvr>
+</p:notes>
+</file>
+
+<file path=ppt/notesSlides/notesSlide5.xml><?xml version="1.0" encoding="utf-8"?>
+<p:notes xmlns:a="http://schemas.openxmlformats.org/drawingml/2006/main" xmlns:r="http://schemas.openxmlformats.org/officeDocument/2006/relationships" xmlns:p="http://schemas.openxmlformats.org/presentationml/2006/main">
+  <p:cSld>
+    <p:spTree>
+      <p:nvGrpSpPr>
+        <p:cNvPr id="1" name=""/>
+        <p:cNvGrpSpPr/>
+        <p:nvPr/>
+      </p:nvGrpSpPr>
+      <p:grpSpPr>
+        <a:xfrm>
+          <a:off x="0" y="0"/>
+          <a:ext cx="0" cy="0"/>
+          <a:chOff x="0" y="0"/>
+          <a:chExt cx="0" cy="0"/>
+        </a:xfrm>
+      </p:grpSpPr>
+      <p:sp>
+        <p:nvSpPr>
+          <p:cNvPr id="2" name="Slide Image Placeholder 1"/>
+          <p:cNvSpPr>
+            <a:spLocks noGrp="1" noRot="1" noChangeAspect="1"/>
+          </p:cNvSpPr>
+          <p:nvPr>
+            <p:ph type="sldImg"/>
+          </p:nvPr>
+        </p:nvSpPr>
+        <p:spPr/>
+      </p:sp>
+      <p:sp>
+        <p:nvSpPr>
+          <p:cNvPr id="3" name="Notes Placeholder 2"/>
+          <p:cNvSpPr>
+            <a:spLocks noGrp="1"/>
+          </p:cNvSpPr>
+          <p:nvPr>
+            <p:ph type="body" idx="1"/>
+          </p:nvPr>
+        </p:nvSpPr>
+        <p:spPr/>
+        <p:txBody>
+          <a:bodyPr/>
+          <a:lstStyle/>
+          <a:p>
+            <a:r>
+              <a:rPr lang="en-US" b="0" i="0" dirty="0">
+                <a:solidFill>
+                  <a:srgbClr val="202122"/>
+                </a:solidFill>
+                <a:effectLst/>
+                <a:latin typeface="Vazir"/>
+              </a:rPr>
+              <a:t>Initially intended for use inside the </a:t>
+            </a:r>
+            <a:r>
+              <a:rPr lang="en-US" b="0" i="0" u="none" strike="noStrike" dirty="0">
+                <a:solidFill>
+                  <a:srgbClr val="0B0080"/>
+                </a:solidFill>
+                <a:effectLst/>
+                <a:latin typeface="Vazir"/>
+                <a:hlinkClick r:id="rId3" tooltip="Bell System"/>
+              </a:rPr>
+              <a:t>Bell System</a:t>
+            </a:r>
+            <a:r>
+              <a:rPr lang="en-US" b="0" i="0" dirty="0">
+                <a:solidFill>
+                  <a:srgbClr val="202122"/>
+                </a:solidFill>
+                <a:effectLst/>
+                <a:latin typeface="Vazir"/>
+              </a:rPr>
+              <a:t>, AT&amp;T </a:t>
+            </a:r>
+            <a:r>
+              <a:rPr lang="en-US" b="0" i="0" u="none" strike="noStrike" dirty="0">
+                <a:solidFill>
+                  <a:srgbClr val="0B0080"/>
+                </a:solidFill>
+                <a:effectLst/>
+                <a:latin typeface="Vazir"/>
+                <a:hlinkClick r:id="rId4" tooltip="License"/>
+              </a:rPr>
+              <a:t>licensed</a:t>
+            </a:r>
+            <a:r>
+              <a:rPr lang="en-US" b="0" i="0" dirty="0">
+                <a:solidFill>
+                  <a:srgbClr val="202122"/>
+                </a:solidFill>
+                <a:effectLst/>
+                <a:latin typeface="Vazir"/>
+              </a:rPr>
+              <a:t> Unix to outside parties in the late 1970s, leading to a variety of both academic and commercial Unix variants from vendors including </a:t>
+            </a:r>
+            <a:r>
+              <a:rPr lang="en-US" b="0" i="0" u="none" strike="noStrike" dirty="0">
+                <a:solidFill>
+                  <a:srgbClr val="0B0080"/>
+                </a:solidFill>
+                <a:effectLst/>
+                <a:latin typeface="Vazir"/>
+                <a:hlinkClick r:id="rId5" tooltip="University of California, Berkeley"/>
+              </a:rPr>
+              <a:t>University of California, Berkeley</a:t>
+            </a:r>
+            <a:r>
+              <a:rPr lang="en-US" b="0" i="0" dirty="0">
+                <a:solidFill>
+                  <a:srgbClr val="202122"/>
+                </a:solidFill>
+                <a:effectLst/>
+                <a:latin typeface="Vazir"/>
+              </a:rPr>
+              <a:t> (</a:t>
+            </a:r>
+            <a:r>
+              <a:rPr lang="en-US" b="0" i="0" u="none" strike="noStrike" dirty="0">
+                <a:solidFill>
+                  <a:srgbClr val="0B0080"/>
+                </a:solidFill>
+                <a:effectLst/>
+                <a:latin typeface="Vazir"/>
+                <a:hlinkClick r:id="rId6" tooltip="Berkeley Software Distribution"/>
+              </a:rPr>
+              <a:t>BSD</a:t>
+            </a:r>
+            <a:r>
+              <a:rPr lang="en-US" b="0" i="0" dirty="0">
+                <a:solidFill>
+                  <a:srgbClr val="202122"/>
+                </a:solidFill>
+                <a:effectLst/>
+                <a:latin typeface="Vazir"/>
+              </a:rPr>
+              <a:t>), </a:t>
+            </a:r>
+            <a:r>
+              <a:rPr lang="en-US" b="0" i="0" u="none" strike="noStrike" dirty="0">
+                <a:solidFill>
+                  <a:srgbClr val="0B0080"/>
+                </a:solidFill>
+                <a:effectLst/>
+                <a:latin typeface="Vazir"/>
+                <a:hlinkClick r:id="rId7" tooltip="Microsoft"/>
+              </a:rPr>
+              <a:t>Microsoft</a:t>
+            </a:r>
+            <a:r>
+              <a:rPr lang="en-US" b="0" i="0" dirty="0">
+                <a:solidFill>
+                  <a:srgbClr val="202122"/>
+                </a:solidFill>
+                <a:effectLst/>
+                <a:latin typeface="Vazir"/>
+              </a:rPr>
+              <a:t> (</a:t>
+            </a:r>
+            <a:r>
+              <a:rPr lang="en-US" b="0" i="0" u="none" strike="noStrike" dirty="0" err="1">
+                <a:solidFill>
+                  <a:srgbClr val="0B0080"/>
+                </a:solidFill>
+                <a:effectLst/>
+                <a:latin typeface="Vazir"/>
+                <a:hlinkClick r:id="rId8" tooltip="Xenix"/>
+              </a:rPr>
+              <a:t>Xenix</a:t>
+            </a:r>
+            <a:r>
+              <a:rPr lang="en-US" b="0" i="0" dirty="0">
+                <a:solidFill>
+                  <a:srgbClr val="202122"/>
+                </a:solidFill>
+                <a:effectLst/>
+                <a:latin typeface="Vazir"/>
+              </a:rPr>
+              <a:t>), </a:t>
+            </a:r>
+            <a:r>
+              <a:rPr lang="en-US" b="0" i="0" u="none" strike="noStrike" dirty="0">
+                <a:solidFill>
+                  <a:srgbClr val="0B0080"/>
+                </a:solidFill>
+                <a:effectLst/>
+                <a:latin typeface="Vazir"/>
+                <a:hlinkClick r:id="rId9" tooltip="Sun Microsystems"/>
+              </a:rPr>
+              <a:t>Sun Microsystems</a:t>
+            </a:r>
+            <a:r>
+              <a:rPr lang="en-US" b="0" i="0" dirty="0">
+                <a:solidFill>
+                  <a:srgbClr val="202122"/>
+                </a:solidFill>
+                <a:effectLst/>
+                <a:latin typeface="Vazir"/>
+              </a:rPr>
+              <a:t> (</a:t>
+            </a:r>
+            <a:r>
+              <a:rPr lang="en-US" b="0" i="0" u="none" strike="noStrike" dirty="0">
+                <a:solidFill>
+                  <a:srgbClr val="0B0080"/>
+                </a:solidFill>
+                <a:effectLst/>
+                <a:latin typeface="Vazir"/>
+                <a:hlinkClick r:id="rId10" tooltip="SunOS"/>
+              </a:rPr>
+              <a:t>SunOS</a:t>
+            </a:r>
+            <a:r>
+              <a:rPr lang="en-US" b="0" i="0" dirty="0">
+                <a:solidFill>
+                  <a:srgbClr val="202122"/>
+                </a:solidFill>
+                <a:effectLst/>
+                <a:latin typeface="Vazir"/>
+              </a:rPr>
+              <a:t>/</a:t>
+            </a:r>
+            <a:r>
+              <a:rPr lang="en-US" b="0" i="0" u="none" strike="noStrike" dirty="0">
+                <a:solidFill>
+                  <a:srgbClr val="0B0080"/>
+                </a:solidFill>
+                <a:effectLst/>
+                <a:latin typeface="Vazir"/>
+                <a:hlinkClick r:id="rId11" tooltip="Solaris (operating system)"/>
+              </a:rPr>
+              <a:t>Solaris</a:t>
+            </a:r>
+            <a:r>
+              <a:rPr lang="en-US" b="0" i="0" dirty="0">
+                <a:solidFill>
+                  <a:srgbClr val="202122"/>
+                </a:solidFill>
+                <a:effectLst/>
+                <a:latin typeface="Vazir"/>
+              </a:rPr>
+              <a:t>), </a:t>
+            </a:r>
+            <a:r>
+              <a:rPr lang="en-US" b="0" i="0" u="none" strike="noStrike" dirty="0">
+                <a:solidFill>
+                  <a:srgbClr val="0B0080"/>
+                </a:solidFill>
+                <a:effectLst/>
+                <a:latin typeface="Vazir"/>
+                <a:hlinkClick r:id="rId12" tooltip="Hewlett-Packard"/>
+              </a:rPr>
+              <a:t>HP</a:t>
+            </a:r>
+            <a:r>
+              <a:rPr lang="en-US" b="0" i="0" dirty="0">
+                <a:solidFill>
+                  <a:srgbClr val="202122"/>
+                </a:solidFill>
+                <a:effectLst/>
+                <a:latin typeface="Vazir"/>
+              </a:rPr>
+              <a:t>/</a:t>
+            </a:r>
+            <a:r>
+              <a:rPr lang="en-US" b="0" i="0" u="none" strike="noStrike" dirty="0">
+                <a:solidFill>
+                  <a:srgbClr val="0B0080"/>
+                </a:solidFill>
+                <a:effectLst/>
+                <a:latin typeface="Vazir"/>
+                <a:hlinkClick r:id="rId13" tooltip="Hewlett Packard Enterprise"/>
+              </a:rPr>
+              <a:t>HPE</a:t>
+            </a:r>
+            <a:r>
+              <a:rPr lang="en-US" b="0" i="0" dirty="0">
+                <a:solidFill>
+                  <a:srgbClr val="202122"/>
+                </a:solidFill>
+                <a:effectLst/>
+                <a:latin typeface="Vazir"/>
+              </a:rPr>
+              <a:t> (</a:t>
+            </a:r>
+            <a:r>
+              <a:rPr lang="en-US" b="0" i="0" u="none" strike="noStrike" dirty="0">
+                <a:solidFill>
+                  <a:srgbClr val="0B0080"/>
+                </a:solidFill>
+                <a:effectLst/>
+                <a:latin typeface="Vazir"/>
+                <a:hlinkClick r:id="rId14" tooltip="HP-UX"/>
+              </a:rPr>
+              <a:t>HP-UX</a:t>
+            </a:r>
+            <a:r>
+              <a:rPr lang="en-US" b="0" i="0" dirty="0">
+                <a:solidFill>
+                  <a:srgbClr val="202122"/>
+                </a:solidFill>
+                <a:effectLst/>
+                <a:latin typeface="Vazir"/>
+              </a:rPr>
+              <a:t>), and </a:t>
+            </a:r>
+            <a:r>
+              <a:rPr lang="en-US" b="0" i="0" u="none" strike="noStrike" dirty="0">
+                <a:solidFill>
+                  <a:srgbClr val="0B0080"/>
+                </a:solidFill>
+                <a:effectLst/>
+                <a:latin typeface="Vazir"/>
+                <a:hlinkClick r:id="rId15" tooltip="IBM"/>
+              </a:rPr>
+              <a:t>IBM</a:t>
+            </a:r>
+            <a:r>
+              <a:rPr lang="en-US" b="0" i="0" dirty="0">
+                <a:solidFill>
+                  <a:srgbClr val="202122"/>
+                </a:solidFill>
+                <a:effectLst/>
+                <a:latin typeface="Vazir"/>
+              </a:rPr>
+              <a:t> (</a:t>
+            </a:r>
+            <a:r>
+              <a:rPr lang="en-US" b="0" i="0" u="none" strike="noStrike" dirty="0">
+                <a:solidFill>
+                  <a:srgbClr val="0B0080"/>
+                </a:solidFill>
+                <a:effectLst/>
+                <a:latin typeface="Vazir"/>
+                <a:hlinkClick r:id="rId16" tooltip="AIX"/>
+              </a:rPr>
+              <a:t>AIX</a:t>
+            </a:r>
+            <a:r>
+              <a:rPr lang="en-US" b="0" i="0" dirty="0">
+                <a:solidFill>
+                  <a:srgbClr val="202122"/>
+                </a:solidFill>
+                <a:effectLst/>
+                <a:latin typeface="Vazir"/>
+              </a:rPr>
+              <a:t>).</a:t>
+            </a:r>
+            <a:endParaRPr lang="fa-IR" dirty="0"/>
+          </a:p>
+        </p:txBody>
+      </p:sp>
+      <p:sp>
+        <p:nvSpPr>
+          <p:cNvPr id="4" name="Slide Number Placeholder 3"/>
+          <p:cNvSpPr>
+            <a:spLocks noGrp="1"/>
+          </p:cNvSpPr>
+          <p:nvPr>
+            <p:ph type="sldNum" sz="quarter" idx="5"/>
+          </p:nvPr>
+        </p:nvSpPr>
+        <p:spPr/>
+        <p:txBody>
+          <a:bodyPr/>
+          <a:lstStyle/>
+          <a:p>
+            <a:fld id="{D0E944BF-F28C-48F8-90D3-273132DB8999}" type="slidenum">
+              <a:rPr lang="fa-IR" smtClean="0"/>
+              <a:t>9</a:t>
+            </a:fld>
+            <a:endParaRPr lang="fa-IR"/>
+          </a:p>
+        </p:txBody>
+      </p:sp>
+    </p:spTree>
+    <p:extLst>
+      <p:ext uri="{BB962C8B-B14F-4D97-AF65-F5344CB8AC3E}">
+        <p14:creationId xmlns:p14="http://schemas.microsoft.com/office/powerpoint/2010/main" val="1020475231"/>
+      </p:ext>
+    </p:extLst>
+  </p:cSld>
+  <p:clrMapOvr>
+    <a:masterClrMapping/>
+  </p:clrMapOvr>
+</p:notes>
+</file>
+
+<file path=ppt/notesSlides/notesSlide6.xml><?xml version="1.0" encoding="utf-8"?>
+<p:notes xmlns:a="http://schemas.openxmlformats.org/drawingml/2006/main" xmlns:r="http://schemas.openxmlformats.org/officeDocument/2006/relationships" xmlns:p="http://schemas.openxmlformats.org/presentationml/2006/main">
+  <p:cSld>
+    <p:spTree>
+      <p:nvGrpSpPr>
+        <p:cNvPr id="1" name=""/>
+        <p:cNvGrpSpPr/>
+        <p:nvPr/>
+      </p:nvGrpSpPr>
+      <p:grpSpPr>
+        <a:xfrm>
+          <a:off x="0" y="0"/>
+          <a:ext cx="0" cy="0"/>
+          <a:chOff x="0" y="0"/>
+          <a:chExt cx="0" cy="0"/>
+        </a:xfrm>
+      </p:grpSpPr>
+      <p:sp>
+        <p:nvSpPr>
+          <p:cNvPr id="2" name="Slide Image Placeholder 1"/>
+          <p:cNvSpPr>
+            <a:spLocks noGrp="1" noRot="1" noChangeAspect="1"/>
+          </p:cNvSpPr>
+          <p:nvPr>
+            <p:ph type="sldImg"/>
+          </p:nvPr>
+        </p:nvSpPr>
+        <p:spPr/>
+      </p:sp>
+      <p:sp>
+        <p:nvSpPr>
+          <p:cNvPr id="3" name="Notes Placeholder 2"/>
+          <p:cNvSpPr>
+            <a:spLocks noGrp="1"/>
+          </p:cNvSpPr>
+          <p:nvPr>
+            <p:ph type="body" idx="1"/>
+          </p:nvPr>
+        </p:nvSpPr>
+        <p:spPr/>
+        <p:txBody>
+          <a:bodyPr/>
+          <a:lstStyle/>
+          <a:p>
+            <a:r>
+              <a:rPr lang="en-US" dirty="0">
+                <a:hlinkClick r:id="rId3"/>
+              </a:rPr>
+              <a:t>https://upload.wikimedia.org/wikipedia/commons/c/cd/Unix_timeline.en.svg</a:t>
+            </a:r>
+            <a:endParaRPr lang="fa-IR" dirty="0"/>
+          </a:p>
+        </p:txBody>
+      </p:sp>
+      <p:sp>
+        <p:nvSpPr>
+          <p:cNvPr id="4" name="Slide Number Placeholder 3"/>
+          <p:cNvSpPr>
+            <a:spLocks noGrp="1"/>
+          </p:cNvSpPr>
+          <p:nvPr>
+            <p:ph type="sldNum" sz="quarter" idx="5"/>
+          </p:nvPr>
+        </p:nvSpPr>
+        <p:spPr/>
+        <p:txBody>
+          <a:bodyPr/>
+          <a:lstStyle/>
+          <a:p>
+            <a:fld id="{D0E944BF-F28C-48F8-90D3-273132DB8999}" type="slidenum">
+              <a:rPr lang="fa-IR" smtClean="0"/>
+              <a:t>10</a:t>
+            </a:fld>
+            <a:endParaRPr lang="fa-IR"/>
+          </a:p>
+        </p:txBody>
+      </p:sp>
+    </p:spTree>
+    <p:extLst>
+      <p:ext uri="{BB962C8B-B14F-4D97-AF65-F5344CB8AC3E}">
+        <p14:creationId xmlns:p14="http://schemas.microsoft.com/office/powerpoint/2010/main" val="3946719410"/>
+      </p:ext>
+    </p:extLst>
+  </p:cSld>
+  <p:clrMapOvr>
+    <a:masterClrMapping/>
+  </p:clrMapOvr>
+</p:notes>
+</file>
+
+<file path=ppt/notesSlides/notesSlide7.xml><?xml version="1.0" encoding="utf-8"?>
+<p:notes xmlns:a="http://schemas.openxmlformats.org/drawingml/2006/main" xmlns:r="http://schemas.openxmlformats.org/officeDocument/2006/relationships" xmlns:p="http://schemas.openxmlformats.org/presentationml/2006/main">
+  <p:cSld>
+    <p:spTree>
+      <p:nvGrpSpPr>
+        <p:cNvPr id="1" name=""/>
+        <p:cNvGrpSpPr/>
+        <p:nvPr/>
+      </p:nvGrpSpPr>
+      <p:grpSpPr>
+        <a:xfrm>
+          <a:off x="0" y="0"/>
+          <a:ext cx="0" cy="0"/>
+          <a:chOff x="0" y="0"/>
+          <a:chExt cx="0" cy="0"/>
+        </a:xfrm>
+      </p:grpSpPr>
+      <p:sp>
+        <p:nvSpPr>
+          <p:cNvPr id="2" name="Slide Image Placeholder 1"/>
+          <p:cNvSpPr>
+            <a:spLocks noGrp="1" noRot="1" noChangeAspect="1"/>
+          </p:cNvSpPr>
+          <p:nvPr>
+            <p:ph type="sldImg"/>
+          </p:nvPr>
+        </p:nvSpPr>
+        <p:spPr/>
+      </p:sp>
+      <p:sp>
+        <p:nvSpPr>
+          <p:cNvPr id="3" name="Notes Placeholder 2"/>
+          <p:cNvSpPr>
+            <a:spLocks noGrp="1"/>
+          </p:cNvSpPr>
+          <p:nvPr>
+            <p:ph type="body" idx="1"/>
+          </p:nvPr>
+        </p:nvSpPr>
+        <p:spPr/>
+        <p:txBody>
+          <a:bodyPr/>
+          <a:lstStyle/>
+          <a:p>
+            <a:pPr algn="l"/>
+            <a:r>
+              <a:rPr lang="en-US" b="1" i="0" dirty="0">
+                <a:solidFill>
+                  <a:srgbClr val="404040"/>
+                </a:solidFill>
+                <a:effectLst/>
+                <a:latin typeface="Roboto"/>
+              </a:rPr>
+              <a:t>/ – The Root Directory</a:t>
+            </a:r>
+          </a:p>
+          <a:p>
+            <a:pPr algn="l"/>
+            <a:r>
+              <a:rPr lang="en-US" b="0" i="0" dirty="0">
+                <a:solidFill>
+                  <a:srgbClr val="404040"/>
+                </a:solidFill>
+                <a:effectLst/>
+                <a:latin typeface="Roboto"/>
+              </a:rPr>
+              <a:t>Everything on your Linux system is located under the / directory, known as the root directory. You can think of the / directory as being similar to the C:\ directory on Windows – but this isn’t strictly true, as Linux doesn’t have drive letters. While another partition would be located at D:\ on Windows, this other partition would appear in another folder under / on Linux.</a:t>
+            </a:r>
+          </a:p>
+          <a:p>
+            <a:pPr algn="l"/>
+            <a:r>
+              <a:rPr lang="en-US" b="1" i="0" dirty="0">
+                <a:solidFill>
+                  <a:srgbClr val="404040"/>
+                </a:solidFill>
+                <a:effectLst/>
+                <a:latin typeface="Roboto"/>
+              </a:rPr>
+              <a:t>/bin – Essential User Binaries</a:t>
+            </a:r>
+          </a:p>
+          <a:p>
+            <a:pPr algn="l"/>
+            <a:r>
+              <a:rPr lang="en-US" b="0" i="0" dirty="0">
+                <a:solidFill>
+                  <a:srgbClr val="404040"/>
+                </a:solidFill>
+                <a:effectLst/>
+                <a:latin typeface="Roboto"/>
+              </a:rPr>
+              <a:t>The /bin directory contains the essential user binaries (programs) that must be present when the system is mounted in single-user mode. Applications such as Firefox are stored in /</a:t>
+            </a:r>
+            <a:r>
+              <a:rPr lang="en-US" b="0" i="0" dirty="0" err="1">
+                <a:solidFill>
+                  <a:srgbClr val="404040"/>
+                </a:solidFill>
+                <a:effectLst/>
+                <a:latin typeface="Roboto"/>
+              </a:rPr>
+              <a:t>usr</a:t>
+            </a:r>
+            <a:r>
+              <a:rPr lang="en-US" b="0" i="0" dirty="0">
+                <a:solidFill>
+                  <a:srgbClr val="404040"/>
+                </a:solidFill>
+                <a:effectLst/>
+                <a:latin typeface="Roboto"/>
+              </a:rPr>
+              <a:t>/bin, while important system programs and utilities such as the bash shell are located in /bin. The /</a:t>
+            </a:r>
+            <a:r>
+              <a:rPr lang="en-US" b="0" i="0" dirty="0" err="1">
+                <a:solidFill>
+                  <a:srgbClr val="404040"/>
+                </a:solidFill>
+                <a:effectLst/>
+                <a:latin typeface="Roboto"/>
+              </a:rPr>
+              <a:t>usr</a:t>
+            </a:r>
+            <a:r>
+              <a:rPr lang="en-US" b="0" i="0" dirty="0">
+                <a:solidFill>
+                  <a:srgbClr val="404040"/>
+                </a:solidFill>
+                <a:effectLst/>
+                <a:latin typeface="Roboto"/>
+              </a:rPr>
+              <a:t> directory may be stored on another partition – placing these files in the /bin directory ensures the system will have these important utilities even if no other file systems are mounted. The /</a:t>
+            </a:r>
+            <a:r>
+              <a:rPr lang="en-US" b="0" i="0" dirty="0" err="1">
+                <a:solidFill>
+                  <a:srgbClr val="404040"/>
+                </a:solidFill>
+                <a:effectLst/>
+                <a:latin typeface="Roboto"/>
+              </a:rPr>
+              <a:t>sbin</a:t>
+            </a:r>
+            <a:r>
+              <a:rPr lang="en-US" b="0" i="0" dirty="0">
+                <a:solidFill>
+                  <a:srgbClr val="404040"/>
+                </a:solidFill>
+                <a:effectLst/>
+                <a:latin typeface="Roboto"/>
+              </a:rPr>
+              <a:t> directory is similar – it contains essential system administration binaries.</a:t>
+            </a:r>
+          </a:p>
+          <a:p>
+            <a:pPr algn="l"/>
+            <a:r>
+              <a:rPr lang="en-US" b="1" i="0" dirty="0">
+                <a:solidFill>
+                  <a:srgbClr val="404040"/>
+                </a:solidFill>
+                <a:effectLst/>
+                <a:latin typeface="Roboto"/>
+              </a:rPr>
+              <a:t>/boot – Static Boot Files</a:t>
+            </a:r>
+          </a:p>
+          <a:p>
+            <a:pPr algn="l"/>
+            <a:r>
+              <a:rPr lang="en-US" b="0" i="0" dirty="0">
+                <a:solidFill>
+                  <a:srgbClr val="404040"/>
+                </a:solidFill>
+                <a:effectLst/>
+                <a:latin typeface="Roboto"/>
+              </a:rPr>
+              <a:t>The /boot directory contains the files needed to boot the system – for example, the GRUB boot loader’s files and your Linux kernels are stored here. The boot loader’s configuration files aren’t located here, though – they’re in /</a:t>
+            </a:r>
+            <a:r>
+              <a:rPr lang="en-US" b="0" i="0" dirty="0" err="1">
+                <a:solidFill>
+                  <a:srgbClr val="404040"/>
+                </a:solidFill>
+                <a:effectLst/>
+                <a:latin typeface="Roboto"/>
+              </a:rPr>
+              <a:t>etc</a:t>
+            </a:r>
+            <a:r>
+              <a:rPr lang="en-US" b="0" i="0" dirty="0">
+                <a:solidFill>
+                  <a:srgbClr val="404040"/>
+                </a:solidFill>
+                <a:effectLst/>
+                <a:latin typeface="Roboto"/>
+              </a:rPr>
+              <a:t> with the other configuration files.</a:t>
+            </a:r>
+          </a:p>
+          <a:p>
+            <a:pPr algn="l"/>
+            <a:r>
+              <a:rPr lang="en-US" b="1" i="0" dirty="0">
+                <a:solidFill>
+                  <a:srgbClr val="404040"/>
+                </a:solidFill>
+                <a:effectLst/>
+                <a:latin typeface="Roboto"/>
+              </a:rPr>
+              <a:t>/</a:t>
+            </a:r>
+            <a:r>
+              <a:rPr lang="en-US" b="1" i="0" dirty="0" err="1">
+                <a:solidFill>
+                  <a:srgbClr val="404040"/>
+                </a:solidFill>
+                <a:effectLst/>
+                <a:latin typeface="Roboto"/>
+              </a:rPr>
+              <a:t>cdrom</a:t>
+            </a:r>
+            <a:r>
+              <a:rPr lang="en-US" b="1" i="0" dirty="0">
+                <a:solidFill>
+                  <a:srgbClr val="404040"/>
+                </a:solidFill>
+                <a:effectLst/>
+                <a:latin typeface="Roboto"/>
+              </a:rPr>
+              <a:t> – Historical Mount Point for CD-ROMs</a:t>
+            </a:r>
+          </a:p>
+          <a:p>
+            <a:pPr algn="l"/>
+            <a:r>
+              <a:rPr lang="en-US" b="0" i="0" dirty="0">
+                <a:solidFill>
+                  <a:srgbClr val="404040"/>
+                </a:solidFill>
+                <a:effectLst/>
+                <a:latin typeface="Roboto"/>
+              </a:rPr>
+              <a:t>The /</a:t>
+            </a:r>
+            <a:r>
+              <a:rPr lang="en-US" b="0" i="0" dirty="0" err="1">
+                <a:solidFill>
+                  <a:srgbClr val="404040"/>
+                </a:solidFill>
+                <a:effectLst/>
+                <a:latin typeface="Roboto"/>
+              </a:rPr>
+              <a:t>cdrom</a:t>
+            </a:r>
+            <a:r>
+              <a:rPr lang="en-US" b="0" i="0" dirty="0">
+                <a:solidFill>
+                  <a:srgbClr val="404040"/>
+                </a:solidFill>
+                <a:effectLst/>
+                <a:latin typeface="Roboto"/>
+              </a:rPr>
+              <a:t> directory isn’t part of the FHS standard, but you’ll still find it on Ubuntu and other operating systems. It’s a temporary location for CD-ROMs inserted in the system. However, the standard location for temporary media is inside the /media directory.</a:t>
+            </a:r>
+          </a:p>
+          <a:p>
+            <a:pPr algn="l"/>
+            <a:r>
+              <a:rPr lang="en-US" b="1" i="0" dirty="0">
+                <a:solidFill>
+                  <a:srgbClr val="404040"/>
+                </a:solidFill>
+                <a:effectLst/>
+                <a:latin typeface="Roboto"/>
+              </a:rPr>
+              <a:t>/dev – Device Files</a:t>
+            </a:r>
+          </a:p>
+          <a:p>
+            <a:pPr algn="l"/>
+            <a:r>
+              <a:rPr lang="en-US" b="0" i="0" dirty="0">
+                <a:solidFill>
+                  <a:srgbClr val="404040"/>
+                </a:solidFill>
+                <a:effectLst/>
+                <a:latin typeface="Roboto"/>
+              </a:rPr>
+              <a:t>Linux exposes devices as files, and the /dev directory contains a number of special files that represent devices. These are not actual files as we know them, but they appear as files – for example, /dev/</a:t>
+            </a:r>
+            <a:r>
+              <a:rPr lang="en-US" b="0" i="0" dirty="0" err="1">
+                <a:solidFill>
+                  <a:srgbClr val="404040"/>
+                </a:solidFill>
+                <a:effectLst/>
+                <a:latin typeface="Roboto"/>
+              </a:rPr>
+              <a:t>sda</a:t>
+            </a:r>
+            <a:r>
+              <a:rPr lang="en-US" b="0" i="0" dirty="0">
+                <a:solidFill>
+                  <a:srgbClr val="404040"/>
+                </a:solidFill>
+                <a:effectLst/>
+                <a:latin typeface="Roboto"/>
+              </a:rPr>
+              <a:t> represents the first SATA drive in the system. If you wanted to partition it, you could start a partition editor and tell it to edit /dev/</a:t>
+            </a:r>
+            <a:r>
+              <a:rPr lang="en-US" b="0" i="0" dirty="0" err="1">
+                <a:solidFill>
+                  <a:srgbClr val="404040"/>
+                </a:solidFill>
+                <a:effectLst/>
+                <a:latin typeface="Roboto"/>
+              </a:rPr>
+              <a:t>sda</a:t>
+            </a:r>
+            <a:r>
+              <a:rPr lang="en-US" b="0" i="0" dirty="0">
+                <a:solidFill>
+                  <a:srgbClr val="404040"/>
+                </a:solidFill>
+                <a:effectLst/>
+                <a:latin typeface="Roboto"/>
+              </a:rPr>
+              <a:t>.</a:t>
+            </a:r>
+          </a:p>
+          <a:p>
+            <a:pPr algn="l"/>
+            <a:r>
+              <a:rPr lang="en-US" b="0" i="0" dirty="0">
+                <a:solidFill>
+                  <a:srgbClr val="404040"/>
+                </a:solidFill>
+                <a:effectLst/>
+                <a:latin typeface="Roboto"/>
+              </a:rPr>
+              <a:t>This directory also contains pseudo-devices, which are virtual devices that don’t actually correspond to hardware. For example, /dev/random produces random numbers. /dev/null is a special device that produces no output and automatically discards all input – when you pipe the output of a command to /dev/null, you discard it.</a:t>
+            </a:r>
+          </a:p>
+          <a:p>
+            <a:pPr algn="l"/>
+            <a:r>
+              <a:rPr lang="en-US" b="1" i="0" dirty="0">
+                <a:solidFill>
+                  <a:srgbClr val="404040"/>
+                </a:solidFill>
+                <a:effectLst/>
+                <a:latin typeface="Roboto"/>
+              </a:rPr>
+              <a:t>/</a:t>
+            </a:r>
+            <a:r>
+              <a:rPr lang="en-US" b="1" i="0" dirty="0" err="1">
+                <a:solidFill>
+                  <a:srgbClr val="404040"/>
+                </a:solidFill>
+                <a:effectLst/>
+                <a:latin typeface="Roboto"/>
+              </a:rPr>
+              <a:t>etc</a:t>
+            </a:r>
+            <a:r>
+              <a:rPr lang="en-US" b="1" i="0" dirty="0">
+                <a:solidFill>
+                  <a:srgbClr val="404040"/>
+                </a:solidFill>
+                <a:effectLst/>
+                <a:latin typeface="Roboto"/>
+              </a:rPr>
+              <a:t> – Configuration Files</a:t>
+            </a:r>
+          </a:p>
+          <a:p>
+            <a:pPr algn="l"/>
+            <a:r>
+              <a:rPr lang="en-US" b="0" i="0" dirty="0">
+                <a:solidFill>
+                  <a:srgbClr val="404040"/>
+                </a:solidFill>
+                <a:effectLst/>
+                <a:latin typeface="Roboto"/>
+              </a:rPr>
+              <a:t>The /</a:t>
+            </a:r>
+            <a:r>
+              <a:rPr lang="en-US" b="0" i="0" dirty="0" err="1">
+                <a:solidFill>
+                  <a:srgbClr val="404040"/>
+                </a:solidFill>
+                <a:effectLst/>
+                <a:latin typeface="Roboto"/>
+              </a:rPr>
+              <a:t>etc</a:t>
+            </a:r>
+            <a:r>
+              <a:rPr lang="en-US" b="0" i="0" dirty="0">
+                <a:solidFill>
+                  <a:srgbClr val="404040"/>
+                </a:solidFill>
+                <a:effectLst/>
+                <a:latin typeface="Roboto"/>
+              </a:rPr>
+              <a:t> directory contains configuration files, which can generally be edited by hand in a text editor. Note that the /</a:t>
+            </a:r>
+            <a:r>
+              <a:rPr lang="en-US" b="0" i="0" dirty="0" err="1">
+                <a:solidFill>
+                  <a:srgbClr val="404040"/>
+                </a:solidFill>
+                <a:effectLst/>
+                <a:latin typeface="Roboto"/>
+              </a:rPr>
+              <a:t>etc</a:t>
+            </a:r>
+            <a:r>
+              <a:rPr lang="en-US" b="0" i="0" dirty="0">
+                <a:solidFill>
+                  <a:srgbClr val="404040"/>
+                </a:solidFill>
+                <a:effectLst/>
+                <a:latin typeface="Roboto"/>
+              </a:rPr>
+              <a:t>/ directory contains system-wide configuration files – user-specific configuration files are located in each user’s home directory.</a:t>
+            </a:r>
+          </a:p>
+          <a:p>
+            <a:pPr algn="l"/>
+            <a:r>
+              <a:rPr lang="en-US" b="1" i="0" dirty="0">
+                <a:solidFill>
+                  <a:srgbClr val="404040"/>
+                </a:solidFill>
+                <a:effectLst/>
+                <a:latin typeface="Roboto"/>
+              </a:rPr>
+              <a:t>/home – Home Folders</a:t>
+            </a:r>
+          </a:p>
+          <a:p>
+            <a:pPr algn="l"/>
+            <a:r>
+              <a:rPr lang="en-US" b="0" i="0" dirty="0">
+                <a:solidFill>
+                  <a:srgbClr val="404040"/>
+                </a:solidFill>
+                <a:effectLst/>
+                <a:latin typeface="Roboto"/>
+              </a:rPr>
+              <a:t>The /home directory contains a home folder for each user. For example, if your user name is bob, you have a home folder located at /home/bob. This home folder contains the user’s data files and user-specific configuration files. Each user only has write access to their own home folder and must obtain elevated permissions (become the root user) to modify other files on the system.</a:t>
+            </a:r>
+          </a:p>
+          <a:p>
+            <a:pPr algn="l"/>
+            <a:r>
+              <a:rPr lang="en-US" b="1" i="0" dirty="0">
+                <a:solidFill>
+                  <a:srgbClr val="404040"/>
+                </a:solidFill>
+                <a:effectLst/>
+                <a:latin typeface="Roboto"/>
+              </a:rPr>
+              <a:t>/lib – Essential Shared Libraries</a:t>
+            </a:r>
+          </a:p>
+          <a:p>
+            <a:pPr algn="l"/>
+            <a:r>
+              <a:rPr lang="en-US" b="0" i="0" dirty="0">
+                <a:solidFill>
+                  <a:srgbClr val="404040"/>
+                </a:solidFill>
+                <a:effectLst/>
+                <a:latin typeface="Roboto"/>
+              </a:rPr>
+              <a:t>The /lib directory contains libraries needed by the essential binaries in the /bin and /</a:t>
+            </a:r>
+            <a:r>
+              <a:rPr lang="en-US" b="0" i="0" dirty="0" err="1">
+                <a:solidFill>
+                  <a:srgbClr val="404040"/>
+                </a:solidFill>
+                <a:effectLst/>
+                <a:latin typeface="Roboto"/>
+              </a:rPr>
+              <a:t>sbin</a:t>
+            </a:r>
+            <a:r>
+              <a:rPr lang="en-US" b="0" i="0" dirty="0">
+                <a:solidFill>
+                  <a:srgbClr val="404040"/>
+                </a:solidFill>
+                <a:effectLst/>
+                <a:latin typeface="Roboto"/>
+              </a:rPr>
+              <a:t> folder. Libraries needed by the binaries in the /</a:t>
+            </a:r>
+            <a:r>
+              <a:rPr lang="en-US" b="0" i="0" dirty="0" err="1">
+                <a:solidFill>
+                  <a:srgbClr val="404040"/>
+                </a:solidFill>
+                <a:effectLst/>
+                <a:latin typeface="Roboto"/>
+              </a:rPr>
+              <a:t>usr</a:t>
+            </a:r>
+            <a:r>
+              <a:rPr lang="en-US" b="0" i="0" dirty="0">
+                <a:solidFill>
+                  <a:srgbClr val="404040"/>
+                </a:solidFill>
+                <a:effectLst/>
+                <a:latin typeface="Roboto"/>
+              </a:rPr>
+              <a:t>/bin folder are located in /</a:t>
+            </a:r>
+            <a:r>
+              <a:rPr lang="en-US" b="0" i="0" dirty="0" err="1">
+                <a:solidFill>
+                  <a:srgbClr val="404040"/>
+                </a:solidFill>
+                <a:effectLst/>
+                <a:latin typeface="Roboto"/>
+              </a:rPr>
+              <a:t>usr</a:t>
+            </a:r>
+            <a:r>
+              <a:rPr lang="en-US" b="0" i="0" dirty="0">
+                <a:solidFill>
+                  <a:srgbClr val="404040"/>
+                </a:solidFill>
+                <a:effectLst/>
+                <a:latin typeface="Roboto"/>
+              </a:rPr>
+              <a:t>/lib.</a:t>
+            </a:r>
+          </a:p>
+          <a:p>
+            <a:pPr algn="l"/>
+            <a:r>
+              <a:rPr lang="en-US" b="1" i="0" dirty="0">
+                <a:solidFill>
+                  <a:srgbClr val="404040"/>
+                </a:solidFill>
+                <a:effectLst/>
+                <a:latin typeface="Roboto"/>
+              </a:rPr>
+              <a:t>/</a:t>
+            </a:r>
+            <a:r>
+              <a:rPr lang="en-US" b="1" i="0" dirty="0" err="1">
+                <a:solidFill>
+                  <a:srgbClr val="404040"/>
+                </a:solidFill>
+                <a:effectLst/>
+                <a:latin typeface="Roboto"/>
+              </a:rPr>
+              <a:t>lost+found</a:t>
+            </a:r>
+            <a:r>
+              <a:rPr lang="en-US" b="1" i="0" dirty="0">
+                <a:solidFill>
+                  <a:srgbClr val="404040"/>
+                </a:solidFill>
+                <a:effectLst/>
+                <a:latin typeface="Roboto"/>
+              </a:rPr>
+              <a:t> – Recovered Files</a:t>
+            </a:r>
+          </a:p>
+          <a:p>
+            <a:pPr algn="l"/>
+            <a:r>
+              <a:rPr lang="en-US" b="0" i="0" dirty="0">
+                <a:solidFill>
+                  <a:srgbClr val="404040"/>
+                </a:solidFill>
+                <a:effectLst/>
+                <a:latin typeface="Roboto"/>
+              </a:rPr>
+              <a:t>Each Linux file system has a </a:t>
+            </a:r>
+            <a:r>
+              <a:rPr lang="en-US" b="0" i="0" dirty="0" err="1">
+                <a:solidFill>
+                  <a:srgbClr val="404040"/>
+                </a:solidFill>
+                <a:effectLst/>
+                <a:latin typeface="Roboto"/>
+              </a:rPr>
+              <a:t>lost+found</a:t>
+            </a:r>
+            <a:r>
+              <a:rPr lang="en-US" b="0" i="0" dirty="0">
+                <a:solidFill>
+                  <a:srgbClr val="404040"/>
+                </a:solidFill>
+                <a:effectLst/>
+                <a:latin typeface="Roboto"/>
+              </a:rPr>
+              <a:t> directory. If the file system crashes, a file system check will be performed at next boot. Any corrupted files found will be placed in the </a:t>
+            </a:r>
+            <a:r>
+              <a:rPr lang="en-US" b="0" i="0" dirty="0" err="1">
+                <a:solidFill>
+                  <a:srgbClr val="404040"/>
+                </a:solidFill>
+                <a:effectLst/>
+                <a:latin typeface="Roboto"/>
+              </a:rPr>
+              <a:t>lost+found</a:t>
+            </a:r>
+            <a:r>
+              <a:rPr lang="en-US" b="0" i="0" dirty="0">
+                <a:solidFill>
+                  <a:srgbClr val="404040"/>
+                </a:solidFill>
+                <a:effectLst/>
+                <a:latin typeface="Roboto"/>
+              </a:rPr>
+              <a:t> directory, so you can attempt to recover as much data as possible.</a:t>
+            </a:r>
+          </a:p>
+          <a:p>
+            <a:pPr algn="l"/>
+            <a:r>
+              <a:rPr lang="en-US" b="1" i="0" dirty="0">
+                <a:solidFill>
+                  <a:srgbClr val="404040"/>
+                </a:solidFill>
+                <a:effectLst/>
+                <a:latin typeface="Roboto"/>
+              </a:rPr>
+              <a:t>/media – Removable Media</a:t>
+            </a:r>
+          </a:p>
+          <a:p>
+            <a:pPr algn="l"/>
+            <a:r>
+              <a:rPr lang="en-US" b="0" i="0" dirty="0">
+                <a:solidFill>
+                  <a:srgbClr val="404040"/>
+                </a:solidFill>
+                <a:effectLst/>
+                <a:latin typeface="Roboto"/>
+              </a:rPr>
+              <a:t>The /media directory contains subdirectories where removable media devices inserted into the computer are mounted. For example, when you insert a CD into your Linux system, a directory will automatically be created inside the /media directory. You can access the contents of the CD inside this directory.</a:t>
+            </a:r>
+          </a:p>
+          <a:p>
+            <a:endParaRPr lang="fa-IR" dirty="0"/>
+          </a:p>
+        </p:txBody>
+      </p:sp>
+      <p:sp>
+        <p:nvSpPr>
+          <p:cNvPr id="4" name="Slide Number Placeholder 3"/>
+          <p:cNvSpPr>
+            <a:spLocks noGrp="1"/>
+          </p:cNvSpPr>
+          <p:nvPr>
+            <p:ph type="sldNum" sz="quarter" idx="5"/>
+          </p:nvPr>
+        </p:nvSpPr>
+        <p:spPr/>
+        <p:txBody>
+          <a:bodyPr/>
+          <a:lstStyle/>
+          <a:p>
+            <a:fld id="{D0E944BF-F28C-48F8-90D3-273132DB8999}" type="slidenum">
+              <a:rPr lang="fa-IR" smtClean="0"/>
+              <a:t>11</a:t>
+            </a:fld>
+            <a:endParaRPr lang="fa-IR"/>
+          </a:p>
+        </p:txBody>
+      </p:sp>
+    </p:spTree>
+    <p:extLst>
+      <p:ext uri="{BB962C8B-B14F-4D97-AF65-F5344CB8AC3E}">
+        <p14:creationId xmlns:p14="http://schemas.microsoft.com/office/powerpoint/2010/main" val="4290172709"/>
+      </p:ext>
+    </p:extLst>
+  </p:cSld>
+  <p:clrMapOvr>
+    <a:masterClrMapping/>
+  </p:clrMapOvr>
+</p:notes>
+</file>
+
+<file path=ppt/notesSlides/notesSlide8.xml><?xml version="1.0" encoding="utf-8"?>
+<p:notes xmlns:a="http://schemas.openxmlformats.org/drawingml/2006/main" xmlns:r="http://schemas.openxmlformats.org/officeDocument/2006/relationships" xmlns:p="http://schemas.openxmlformats.org/presentationml/2006/main">
+  <p:cSld>
+    <p:spTree>
+      <p:nvGrpSpPr>
+        <p:cNvPr id="1" name=""/>
+        <p:cNvGrpSpPr/>
+        <p:nvPr/>
+      </p:nvGrpSpPr>
+      <p:grpSpPr>
+        <a:xfrm>
+          <a:off x="0" y="0"/>
+          <a:ext cx="0" cy="0"/>
+          <a:chOff x="0" y="0"/>
+          <a:chExt cx="0" cy="0"/>
+        </a:xfrm>
+      </p:grpSpPr>
+      <p:sp>
+        <p:nvSpPr>
+          <p:cNvPr id="2" name="Slide Image Placeholder 1"/>
+          <p:cNvSpPr>
+            <a:spLocks noGrp="1" noRot="1" noChangeAspect="1"/>
+          </p:cNvSpPr>
+          <p:nvPr>
+            <p:ph type="sldImg"/>
+          </p:nvPr>
+        </p:nvSpPr>
+        <p:spPr/>
+      </p:sp>
+      <p:sp>
+        <p:nvSpPr>
+          <p:cNvPr id="3" name="Notes Placeholder 2"/>
+          <p:cNvSpPr>
+            <a:spLocks noGrp="1"/>
+          </p:cNvSpPr>
+          <p:nvPr>
+            <p:ph type="body" idx="1"/>
+          </p:nvPr>
+        </p:nvSpPr>
+        <p:spPr/>
+        <p:txBody>
+          <a:bodyPr/>
+          <a:lstStyle/>
+          <a:p>
+            <a:pPr algn="l"/>
+            <a:r>
+              <a:rPr lang="en-US" b="1" i="0" dirty="0">
+                <a:solidFill>
+                  <a:srgbClr val="404040"/>
+                </a:solidFill>
+                <a:effectLst/>
+                <a:latin typeface="Roboto"/>
+              </a:rPr>
+              <a:t>/</a:t>
+            </a:r>
+            <a:r>
+              <a:rPr lang="en-US" b="1" i="0" dirty="0" err="1">
+                <a:solidFill>
+                  <a:srgbClr val="404040"/>
+                </a:solidFill>
+                <a:effectLst/>
+                <a:latin typeface="Roboto"/>
+              </a:rPr>
+              <a:t>mnt</a:t>
+            </a:r>
+            <a:r>
+              <a:rPr lang="en-US" b="1" i="0" dirty="0">
+                <a:solidFill>
+                  <a:srgbClr val="404040"/>
+                </a:solidFill>
+                <a:effectLst/>
+                <a:latin typeface="Roboto"/>
+              </a:rPr>
+              <a:t> – Temporary Mount Points</a:t>
+            </a:r>
+          </a:p>
+          <a:p>
+            <a:pPr algn="l"/>
+            <a:r>
+              <a:rPr lang="en-US" b="0" i="0" dirty="0">
+                <a:solidFill>
+                  <a:srgbClr val="404040"/>
+                </a:solidFill>
+                <a:effectLst/>
+                <a:latin typeface="Roboto"/>
+              </a:rPr>
+              <a:t>Historically speaking, the /</a:t>
+            </a:r>
+            <a:r>
+              <a:rPr lang="en-US" b="0" i="0" dirty="0" err="1">
+                <a:solidFill>
+                  <a:srgbClr val="404040"/>
+                </a:solidFill>
+                <a:effectLst/>
+                <a:latin typeface="Roboto"/>
+              </a:rPr>
+              <a:t>mnt</a:t>
+            </a:r>
+            <a:r>
+              <a:rPr lang="en-US" b="0" i="0" dirty="0">
+                <a:solidFill>
+                  <a:srgbClr val="404040"/>
+                </a:solidFill>
+                <a:effectLst/>
+                <a:latin typeface="Roboto"/>
+              </a:rPr>
+              <a:t> directory is where system administrators mounted temporary file systems while using them. For example, if you’re mounting a Windows partition to perform some file recovery operations, you might mount it at /</a:t>
+            </a:r>
+            <a:r>
+              <a:rPr lang="en-US" b="0" i="0" dirty="0" err="1">
+                <a:solidFill>
+                  <a:srgbClr val="404040"/>
+                </a:solidFill>
+                <a:effectLst/>
+                <a:latin typeface="Roboto"/>
+              </a:rPr>
+              <a:t>mnt</a:t>
+            </a:r>
+            <a:r>
+              <a:rPr lang="en-US" b="0" i="0" dirty="0">
+                <a:solidFill>
+                  <a:srgbClr val="404040"/>
+                </a:solidFill>
+                <a:effectLst/>
+                <a:latin typeface="Roboto"/>
+              </a:rPr>
+              <a:t>/windows. However, you can mount other file systems anywhere on the system.</a:t>
+            </a:r>
+          </a:p>
+          <a:p>
+            <a:pPr algn="l"/>
+            <a:r>
+              <a:rPr lang="en-US" b="1" i="0" dirty="0">
+                <a:solidFill>
+                  <a:srgbClr val="404040"/>
+                </a:solidFill>
+                <a:effectLst/>
+                <a:latin typeface="Roboto"/>
+              </a:rPr>
+              <a:t>/opt – Optional Packages</a:t>
+            </a:r>
+          </a:p>
+          <a:p>
+            <a:pPr algn="l"/>
+            <a:r>
+              <a:rPr lang="en-US" b="0" i="0" dirty="0">
+                <a:solidFill>
+                  <a:srgbClr val="404040"/>
+                </a:solidFill>
+                <a:effectLst/>
+                <a:latin typeface="Roboto"/>
+              </a:rPr>
+              <a:t>The /opt directory contains subdirectories for optional software packages. It’s commonly used by proprietary software that doesn’t obey the standard file system hierarchy – for example, a proprietary program might dump its files in /opt/application when you install it.</a:t>
+            </a:r>
+          </a:p>
+          <a:p>
+            <a:pPr algn="l"/>
+            <a:r>
+              <a:rPr lang="en-US" b="1" i="0" dirty="0">
+                <a:solidFill>
+                  <a:srgbClr val="404040"/>
+                </a:solidFill>
+                <a:effectLst/>
+                <a:latin typeface="Roboto"/>
+              </a:rPr>
+              <a:t>/proc – Kernel &amp; Process Files</a:t>
+            </a:r>
+          </a:p>
+          <a:p>
+            <a:pPr algn="l"/>
+            <a:r>
+              <a:rPr lang="en-US" b="0" i="0" dirty="0">
+                <a:solidFill>
+                  <a:srgbClr val="404040"/>
+                </a:solidFill>
+                <a:effectLst/>
+                <a:latin typeface="Roboto"/>
+              </a:rPr>
+              <a:t>The /proc directory similar to the /dev directory because it doesn’t contain standard files. It contains special files that represent system and process information.</a:t>
+            </a:r>
+          </a:p>
+          <a:p>
+            <a:pPr algn="l"/>
+            <a:r>
+              <a:rPr lang="en-US" b="1" i="0" dirty="0">
+                <a:solidFill>
+                  <a:srgbClr val="404040"/>
+                </a:solidFill>
+                <a:effectLst/>
+                <a:latin typeface="Roboto"/>
+              </a:rPr>
+              <a:t>/root – Root Home Directory</a:t>
+            </a:r>
+          </a:p>
+          <a:p>
+            <a:pPr algn="l"/>
+            <a:r>
+              <a:rPr lang="en-US" b="0" i="0" dirty="0">
+                <a:solidFill>
+                  <a:srgbClr val="404040"/>
+                </a:solidFill>
+                <a:effectLst/>
+                <a:latin typeface="Roboto"/>
+              </a:rPr>
+              <a:t>The /root directory is the home directory of the root user. Instead of being located at /home/root, it’s located at /root. This is distinct from /, which is the system root directory.</a:t>
+            </a:r>
+          </a:p>
+          <a:p>
+            <a:pPr algn="l"/>
+            <a:r>
+              <a:rPr lang="en-US" b="1" i="0" dirty="0">
+                <a:solidFill>
+                  <a:srgbClr val="404040"/>
+                </a:solidFill>
+                <a:effectLst/>
+                <a:latin typeface="Roboto"/>
+              </a:rPr>
+              <a:t>/run – Application State Files</a:t>
+            </a:r>
+          </a:p>
+          <a:p>
+            <a:pPr algn="l"/>
+            <a:r>
+              <a:rPr lang="en-US" b="0" i="0" dirty="0">
+                <a:solidFill>
+                  <a:srgbClr val="404040"/>
+                </a:solidFill>
+                <a:effectLst/>
+                <a:latin typeface="Roboto"/>
+              </a:rPr>
+              <a:t>The /run directory is fairly new, and gives applications a standard place to store transient files they require like sockets and process IDs. These files can’t be stored in /</a:t>
+            </a:r>
+            <a:r>
+              <a:rPr lang="en-US" b="0" i="0" dirty="0" err="1">
+                <a:solidFill>
+                  <a:srgbClr val="404040"/>
+                </a:solidFill>
+                <a:effectLst/>
+                <a:latin typeface="Roboto"/>
+              </a:rPr>
+              <a:t>tmp</a:t>
+            </a:r>
+            <a:r>
+              <a:rPr lang="en-US" b="0" i="0" dirty="0">
+                <a:solidFill>
+                  <a:srgbClr val="404040"/>
+                </a:solidFill>
+                <a:effectLst/>
+                <a:latin typeface="Roboto"/>
+              </a:rPr>
+              <a:t> because files in /</a:t>
+            </a:r>
+            <a:r>
+              <a:rPr lang="en-US" b="0" i="0" dirty="0" err="1">
+                <a:solidFill>
+                  <a:srgbClr val="404040"/>
+                </a:solidFill>
+                <a:effectLst/>
+                <a:latin typeface="Roboto"/>
+              </a:rPr>
+              <a:t>tmp</a:t>
+            </a:r>
+            <a:r>
+              <a:rPr lang="en-US" b="0" i="0" dirty="0">
+                <a:solidFill>
+                  <a:srgbClr val="404040"/>
+                </a:solidFill>
+                <a:effectLst/>
+                <a:latin typeface="Roboto"/>
+              </a:rPr>
+              <a:t> may be deleted.</a:t>
+            </a:r>
+          </a:p>
+          <a:p>
+            <a:pPr algn="l"/>
+            <a:r>
+              <a:rPr lang="en-US" b="1" i="0" dirty="0">
+                <a:solidFill>
+                  <a:srgbClr val="404040"/>
+                </a:solidFill>
+                <a:effectLst/>
+                <a:latin typeface="Roboto"/>
+              </a:rPr>
+              <a:t>/</a:t>
+            </a:r>
+            <a:r>
+              <a:rPr lang="en-US" b="1" i="0" dirty="0" err="1">
+                <a:solidFill>
+                  <a:srgbClr val="404040"/>
+                </a:solidFill>
+                <a:effectLst/>
+                <a:latin typeface="Roboto"/>
+              </a:rPr>
+              <a:t>sbin</a:t>
+            </a:r>
+            <a:r>
+              <a:rPr lang="en-US" b="1" i="0" dirty="0">
+                <a:solidFill>
+                  <a:srgbClr val="404040"/>
+                </a:solidFill>
+                <a:effectLst/>
+                <a:latin typeface="Roboto"/>
+              </a:rPr>
+              <a:t> – System Administration Binaries</a:t>
+            </a:r>
+          </a:p>
+          <a:p>
+            <a:pPr algn="l"/>
+            <a:r>
+              <a:rPr lang="en-US" b="0" i="0" dirty="0">
+                <a:solidFill>
+                  <a:srgbClr val="404040"/>
+                </a:solidFill>
+                <a:effectLst/>
+                <a:latin typeface="Roboto"/>
+              </a:rPr>
+              <a:t>The /</a:t>
+            </a:r>
+            <a:r>
+              <a:rPr lang="en-US" b="0" i="0" dirty="0" err="1">
+                <a:solidFill>
+                  <a:srgbClr val="404040"/>
+                </a:solidFill>
+                <a:effectLst/>
+                <a:latin typeface="Roboto"/>
+              </a:rPr>
+              <a:t>sbin</a:t>
+            </a:r>
+            <a:r>
+              <a:rPr lang="en-US" b="0" i="0" dirty="0">
+                <a:solidFill>
+                  <a:srgbClr val="404040"/>
+                </a:solidFill>
+                <a:effectLst/>
+                <a:latin typeface="Roboto"/>
+              </a:rPr>
+              <a:t> directory is similar to the /bin directory. It contains essential binaries that are generally intended to be run by the root user for system administration.</a:t>
+            </a:r>
+          </a:p>
+          <a:p>
+            <a:pPr algn="l"/>
+            <a:r>
+              <a:rPr lang="en-US" b="1" i="0" dirty="0">
+                <a:solidFill>
+                  <a:srgbClr val="404040"/>
+                </a:solidFill>
+                <a:effectLst/>
+                <a:latin typeface="Roboto"/>
+              </a:rPr>
+              <a:t>/</a:t>
+            </a:r>
+            <a:r>
+              <a:rPr lang="en-US" b="1" i="0" dirty="0" err="1">
+                <a:solidFill>
+                  <a:srgbClr val="404040"/>
+                </a:solidFill>
+                <a:effectLst/>
+                <a:latin typeface="Roboto"/>
+              </a:rPr>
+              <a:t>selinux</a:t>
+            </a:r>
+            <a:r>
+              <a:rPr lang="en-US" b="1" i="0" dirty="0">
+                <a:solidFill>
+                  <a:srgbClr val="404040"/>
+                </a:solidFill>
+                <a:effectLst/>
+                <a:latin typeface="Roboto"/>
+              </a:rPr>
+              <a:t> – </a:t>
+            </a:r>
+            <a:r>
+              <a:rPr lang="en-US" b="1" i="0" dirty="0" err="1">
+                <a:solidFill>
+                  <a:srgbClr val="404040"/>
+                </a:solidFill>
+                <a:effectLst/>
+                <a:latin typeface="Roboto"/>
+              </a:rPr>
+              <a:t>SELinux</a:t>
+            </a:r>
+            <a:r>
+              <a:rPr lang="en-US" b="1" i="0" dirty="0">
+                <a:solidFill>
+                  <a:srgbClr val="404040"/>
+                </a:solidFill>
+                <a:effectLst/>
+                <a:latin typeface="Roboto"/>
+              </a:rPr>
+              <a:t> Virtual File System</a:t>
+            </a:r>
+          </a:p>
+          <a:p>
+            <a:pPr algn="l"/>
+            <a:r>
+              <a:rPr lang="en-US" b="0" i="0" dirty="0">
+                <a:solidFill>
+                  <a:srgbClr val="404040"/>
+                </a:solidFill>
+                <a:effectLst/>
+                <a:latin typeface="Roboto"/>
+              </a:rPr>
+              <a:t>If your Linux distribution uses </a:t>
+            </a:r>
+            <a:r>
+              <a:rPr lang="en-US" b="0" i="0" dirty="0" err="1">
+                <a:solidFill>
+                  <a:srgbClr val="404040"/>
+                </a:solidFill>
+                <a:effectLst/>
+                <a:latin typeface="Roboto"/>
+              </a:rPr>
+              <a:t>SELinux</a:t>
+            </a:r>
+            <a:r>
+              <a:rPr lang="en-US" b="0" i="0" dirty="0">
+                <a:solidFill>
+                  <a:srgbClr val="404040"/>
+                </a:solidFill>
+                <a:effectLst/>
+                <a:latin typeface="Roboto"/>
+              </a:rPr>
+              <a:t> for security (Fedora and Red Hat, for example), the /</a:t>
+            </a:r>
+            <a:r>
+              <a:rPr lang="en-US" b="0" i="0" dirty="0" err="1">
+                <a:solidFill>
+                  <a:srgbClr val="404040"/>
+                </a:solidFill>
+                <a:effectLst/>
+                <a:latin typeface="Roboto"/>
+              </a:rPr>
+              <a:t>selinux</a:t>
+            </a:r>
+            <a:r>
+              <a:rPr lang="en-US" b="0" i="0" dirty="0">
+                <a:solidFill>
+                  <a:srgbClr val="404040"/>
+                </a:solidFill>
+                <a:effectLst/>
+                <a:latin typeface="Roboto"/>
+              </a:rPr>
+              <a:t> directory contains special files used by </a:t>
+            </a:r>
+            <a:r>
+              <a:rPr lang="en-US" b="0" i="0" dirty="0" err="1">
+                <a:solidFill>
+                  <a:srgbClr val="404040"/>
+                </a:solidFill>
+                <a:effectLst/>
+                <a:latin typeface="Roboto"/>
+              </a:rPr>
+              <a:t>SELinux</a:t>
+            </a:r>
+            <a:r>
+              <a:rPr lang="en-US" b="0" i="0" dirty="0">
+                <a:solidFill>
+                  <a:srgbClr val="404040"/>
+                </a:solidFill>
+                <a:effectLst/>
+                <a:latin typeface="Roboto"/>
+              </a:rPr>
+              <a:t>. It’s similar to /proc. Ubuntu doesn’t use </a:t>
+            </a:r>
+            <a:r>
+              <a:rPr lang="en-US" b="0" i="0" dirty="0" err="1">
+                <a:solidFill>
+                  <a:srgbClr val="404040"/>
+                </a:solidFill>
+                <a:effectLst/>
+                <a:latin typeface="Roboto"/>
+              </a:rPr>
+              <a:t>SELinux</a:t>
+            </a:r>
+            <a:r>
+              <a:rPr lang="en-US" b="0" i="0" dirty="0">
+                <a:solidFill>
+                  <a:srgbClr val="404040"/>
+                </a:solidFill>
+                <a:effectLst/>
+                <a:latin typeface="Roboto"/>
+              </a:rPr>
+              <a:t>, so the presence of this folder on Ubuntu appears to be a bug.</a:t>
+            </a:r>
+          </a:p>
+          <a:p>
+            <a:pPr algn="l"/>
+            <a:r>
+              <a:rPr lang="en-US" b="1" i="0" dirty="0">
+                <a:solidFill>
+                  <a:srgbClr val="404040"/>
+                </a:solidFill>
+                <a:effectLst/>
+                <a:latin typeface="Roboto"/>
+              </a:rPr>
+              <a:t>/</a:t>
+            </a:r>
+            <a:r>
+              <a:rPr lang="en-US" b="1" i="0" dirty="0" err="1">
+                <a:solidFill>
+                  <a:srgbClr val="404040"/>
+                </a:solidFill>
+                <a:effectLst/>
+                <a:latin typeface="Roboto"/>
+              </a:rPr>
+              <a:t>srv</a:t>
+            </a:r>
+            <a:r>
+              <a:rPr lang="en-US" b="1" i="0" dirty="0">
+                <a:solidFill>
+                  <a:srgbClr val="404040"/>
+                </a:solidFill>
+                <a:effectLst/>
+                <a:latin typeface="Roboto"/>
+              </a:rPr>
+              <a:t> – Service Data</a:t>
+            </a:r>
+          </a:p>
+          <a:p>
+            <a:pPr algn="l"/>
+            <a:r>
+              <a:rPr lang="en-US" b="0" i="0" dirty="0">
+                <a:solidFill>
+                  <a:srgbClr val="404040"/>
+                </a:solidFill>
+                <a:effectLst/>
+                <a:latin typeface="Roboto"/>
+              </a:rPr>
+              <a:t>The /</a:t>
+            </a:r>
+            <a:r>
+              <a:rPr lang="en-US" b="0" i="0" dirty="0" err="1">
+                <a:solidFill>
+                  <a:srgbClr val="404040"/>
+                </a:solidFill>
+                <a:effectLst/>
+                <a:latin typeface="Roboto"/>
+              </a:rPr>
+              <a:t>srv</a:t>
+            </a:r>
+            <a:r>
+              <a:rPr lang="en-US" b="0" i="0" dirty="0">
+                <a:solidFill>
+                  <a:srgbClr val="404040"/>
+                </a:solidFill>
+                <a:effectLst/>
+                <a:latin typeface="Roboto"/>
+              </a:rPr>
+              <a:t> directory contains “data for services provided by the system.” If you were using the Apache HTTP server to serve a website, you’d likely store your website’s files in a directory inside the /</a:t>
+            </a:r>
+            <a:r>
+              <a:rPr lang="en-US" b="0" i="0" dirty="0" err="1">
+                <a:solidFill>
+                  <a:srgbClr val="404040"/>
+                </a:solidFill>
+                <a:effectLst/>
+                <a:latin typeface="Roboto"/>
+              </a:rPr>
+              <a:t>srv</a:t>
+            </a:r>
+            <a:r>
+              <a:rPr lang="en-US" b="0" i="0" dirty="0">
+                <a:solidFill>
+                  <a:srgbClr val="404040"/>
+                </a:solidFill>
+                <a:effectLst/>
+                <a:latin typeface="Roboto"/>
+              </a:rPr>
+              <a:t> directory.</a:t>
+            </a:r>
+          </a:p>
+          <a:p>
+            <a:pPr algn="l"/>
+            <a:r>
+              <a:rPr lang="en-US" b="1" i="0" dirty="0">
+                <a:solidFill>
+                  <a:srgbClr val="404040"/>
+                </a:solidFill>
+                <a:effectLst/>
+                <a:latin typeface="Roboto"/>
+              </a:rPr>
+              <a:t>/</a:t>
+            </a:r>
+            <a:r>
+              <a:rPr lang="en-US" b="1" i="0" dirty="0" err="1">
+                <a:solidFill>
+                  <a:srgbClr val="404040"/>
+                </a:solidFill>
+                <a:effectLst/>
+                <a:latin typeface="Roboto"/>
+              </a:rPr>
+              <a:t>tmp</a:t>
+            </a:r>
+            <a:r>
+              <a:rPr lang="en-US" b="1" i="0" dirty="0">
+                <a:solidFill>
+                  <a:srgbClr val="404040"/>
+                </a:solidFill>
+                <a:effectLst/>
+                <a:latin typeface="Roboto"/>
+              </a:rPr>
+              <a:t> – Temporary Files</a:t>
+            </a:r>
+          </a:p>
+          <a:p>
+            <a:pPr algn="l"/>
+            <a:r>
+              <a:rPr lang="en-US" b="0" i="0" dirty="0">
+                <a:solidFill>
+                  <a:srgbClr val="404040"/>
+                </a:solidFill>
+                <a:effectLst/>
+                <a:latin typeface="Roboto"/>
+              </a:rPr>
+              <a:t>Applications store temporary files in the /</a:t>
+            </a:r>
+            <a:r>
+              <a:rPr lang="en-US" b="0" i="0" dirty="0" err="1">
+                <a:solidFill>
+                  <a:srgbClr val="404040"/>
+                </a:solidFill>
+                <a:effectLst/>
+                <a:latin typeface="Roboto"/>
+              </a:rPr>
+              <a:t>tmp</a:t>
+            </a:r>
+            <a:r>
+              <a:rPr lang="en-US" b="0" i="0" dirty="0">
+                <a:solidFill>
+                  <a:srgbClr val="404040"/>
+                </a:solidFill>
+                <a:effectLst/>
+                <a:latin typeface="Roboto"/>
+              </a:rPr>
+              <a:t> directory. These files are generally deleted whenever your system is restarted and may be deleted at any time by utilities such as </a:t>
+            </a:r>
+            <a:r>
+              <a:rPr lang="en-US" b="0" i="0" dirty="0" err="1">
+                <a:solidFill>
+                  <a:srgbClr val="404040"/>
+                </a:solidFill>
+                <a:effectLst/>
+                <a:latin typeface="Roboto"/>
+              </a:rPr>
+              <a:t>tmpwatch</a:t>
+            </a:r>
+            <a:r>
+              <a:rPr lang="en-US" b="0" i="0" dirty="0">
+                <a:solidFill>
+                  <a:srgbClr val="404040"/>
+                </a:solidFill>
+                <a:effectLst/>
+                <a:latin typeface="Roboto"/>
+              </a:rPr>
+              <a:t>.</a:t>
+            </a:r>
+          </a:p>
+          <a:p>
+            <a:pPr algn="l"/>
+            <a:r>
+              <a:rPr lang="en-US" b="1" i="0" dirty="0">
+                <a:solidFill>
+                  <a:srgbClr val="404040"/>
+                </a:solidFill>
+                <a:effectLst/>
+                <a:latin typeface="Roboto"/>
+              </a:rPr>
+              <a:t>/</a:t>
+            </a:r>
+            <a:r>
+              <a:rPr lang="en-US" b="1" i="0" dirty="0" err="1">
+                <a:solidFill>
+                  <a:srgbClr val="404040"/>
+                </a:solidFill>
+                <a:effectLst/>
+                <a:latin typeface="Roboto"/>
+              </a:rPr>
+              <a:t>usr</a:t>
+            </a:r>
+            <a:r>
+              <a:rPr lang="en-US" b="1" i="0" dirty="0">
+                <a:solidFill>
+                  <a:srgbClr val="404040"/>
+                </a:solidFill>
+                <a:effectLst/>
+                <a:latin typeface="Roboto"/>
+              </a:rPr>
+              <a:t> – User Binaries &amp; Read-Only Data</a:t>
+            </a:r>
+          </a:p>
+          <a:p>
+            <a:pPr algn="l"/>
+            <a:r>
+              <a:rPr lang="en-US" b="0" i="0" dirty="0">
+                <a:solidFill>
+                  <a:srgbClr val="404040"/>
+                </a:solidFill>
+                <a:effectLst/>
+                <a:latin typeface="Roboto"/>
+              </a:rPr>
+              <a:t>The /</a:t>
+            </a:r>
+            <a:r>
+              <a:rPr lang="en-US" b="0" i="0" dirty="0" err="1">
+                <a:solidFill>
+                  <a:srgbClr val="404040"/>
+                </a:solidFill>
+                <a:effectLst/>
+                <a:latin typeface="Roboto"/>
+              </a:rPr>
+              <a:t>usr</a:t>
+            </a:r>
+            <a:r>
+              <a:rPr lang="en-US" b="0" i="0" dirty="0">
+                <a:solidFill>
+                  <a:srgbClr val="404040"/>
+                </a:solidFill>
+                <a:effectLst/>
+                <a:latin typeface="Roboto"/>
+              </a:rPr>
+              <a:t> directory contains applications and files used by users, as opposed to applications and files used by the system. For example, non-essential applications are located inside the /</a:t>
+            </a:r>
+            <a:r>
+              <a:rPr lang="en-US" b="0" i="0" dirty="0" err="1">
+                <a:solidFill>
+                  <a:srgbClr val="404040"/>
+                </a:solidFill>
+                <a:effectLst/>
+                <a:latin typeface="Roboto"/>
+              </a:rPr>
+              <a:t>usr</a:t>
+            </a:r>
+            <a:r>
+              <a:rPr lang="en-US" b="0" i="0" dirty="0">
+                <a:solidFill>
+                  <a:srgbClr val="404040"/>
+                </a:solidFill>
+                <a:effectLst/>
+                <a:latin typeface="Roboto"/>
+              </a:rPr>
+              <a:t>/bin directory instead of the /bin directory and non-essential system administration binaries are located in the /</a:t>
+            </a:r>
+            <a:r>
+              <a:rPr lang="en-US" b="0" i="0" dirty="0" err="1">
+                <a:solidFill>
+                  <a:srgbClr val="404040"/>
+                </a:solidFill>
+                <a:effectLst/>
+                <a:latin typeface="Roboto"/>
+              </a:rPr>
+              <a:t>usr</a:t>
+            </a:r>
+            <a:r>
+              <a:rPr lang="en-US" b="0" i="0" dirty="0">
+                <a:solidFill>
+                  <a:srgbClr val="404040"/>
+                </a:solidFill>
+                <a:effectLst/>
+                <a:latin typeface="Roboto"/>
+              </a:rPr>
+              <a:t>/</a:t>
+            </a:r>
+            <a:r>
+              <a:rPr lang="en-US" b="0" i="0" dirty="0" err="1">
+                <a:solidFill>
+                  <a:srgbClr val="404040"/>
+                </a:solidFill>
+                <a:effectLst/>
+                <a:latin typeface="Roboto"/>
+              </a:rPr>
+              <a:t>sbin</a:t>
+            </a:r>
+            <a:r>
+              <a:rPr lang="en-US" b="0" i="0" dirty="0">
+                <a:solidFill>
+                  <a:srgbClr val="404040"/>
+                </a:solidFill>
+                <a:effectLst/>
+                <a:latin typeface="Roboto"/>
+              </a:rPr>
+              <a:t> directory instead of the /</a:t>
+            </a:r>
+            <a:r>
+              <a:rPr lang="en-US" b="0" i="0" dirty="0" err="1">
+                <a:solidFill>
+                  <a:srgbClr val="404040"/>
+                </a:solidFill>
+                <a:effectLst/>
+                <a:latin typeface="Roboto"/>
+              </a:rPr>
+              <a:t>sbin</a:t>
+            </a:r>
+            <a:r>
+              <a:rPr lang="en-US" b="0" i="0" dirty="0">
+                <a:solidFill>
+                  <a:srgbClr val="404040"/>
+                </a:solidFill>
+                <a:effectLst/>
+                <a:latin typeface="Roboto"/>
+              </a:rPr>
+              <a:t> directory. Libraries for each are located inside the /</a:t>
+            </a:r>
+            <a:r>
+              <a:rPr lang="en-US" b="0" i="0" dirty="0" err="1">
+                <a:solidFill>
+                  <a:srgbClr val="404040"/>
+                </a:solidFill>
+                <a:effectLst/>
+                <a:latin typeface="Roboto"/>
+              </a:rPr>
+              <a:t>usr</a:t>
+            </a:r>
+            <a:r>
+              <a:rPr lang="en-US" b="0" i="0" dirty="0">
+                <a:solidFill>
+                  <a:srgbClr val="404040"/>
+                </a:solidFill>
+                <a:effectLst/>
+                <a:latin typeface="Roboto"/>
+              </a:rPr>
+              <a:t>/lib directory. The /</a:t>
+            </a:r>
+            <a:r>
+              <a:rPr lang="en-US" b="0" i="0" dirty="0" err="1">
+                <a:solidFill>
+                  <a:srgbClr val="404040"/>
+                </a:solidFill>
+                <a:effectLst/>
+                <a:latin typeface="Roboto"/>
+              </a:rPr>
+              <a:t>usr</a:t>
+            </a:r>
+            <a:r>
+              <a:rPr lang="en-US" b="0" i="0" dirty="0">
+                <a:solidFill>
+                  <a:srgbClr val="404040"/>
+                </a:solidFill>
+                <a:effectLst/>
+                <a:latin typeface="Roboto"/>
+              </a:rPr>
+              <a:t> directory also contains other directories – for example, architecture-independent files like graphics are located in /</a:t>
+            </a:r>
+            <a:r>
+              <a:rPr lang="en-US" b="0" i="0" dirty="0" err="1">
+                <a:solidFill>
+                  <a:srgbClr val="404040"/>
+                </a:solidFill>
+                <a:effectLst/>
+                <a:latin typeface="Roboto"/>
+              </a:rPr>
+              <a:t>usr</a:t>
+            </a:r>
+            <a:r>
+              <a:rPr lang="en-US" b="0" i="0" dirty="0">
+                <a:solidFill>
+                  <a:srgbClr val="404040"/>
+                </a:solidFill>
+                <a:effectLst/>
+                <a:latin typeface="Roboto"/>
+              </a:rPr>
+              <a:t>/share.</a:t>
+            </a:r>
+          </a:p>
+          <a:p>
+            <a:pPr algn="l"/>
+            <a:r>
+              <a:rPr lang="en-US" b="0" i="0" dirty="0">
+                <a:solidFill>
+                  <a:srgbClr val="404040"/>
+                </a:solidFill>
+                <a:effectLst/>
+                <a:latin typeface="Roboto"/>
+              </a:rPr>
+              <a:t>The /</a:t>
+            </a:r>
+            <a:r>
+              <a:rPr lang="en-US" b="0" i="0" dirty="0" err="1">
+                <a:solidFill>
+                  <a:srgbClr val="404040"/>
+                </a:solidFill>
+                <a:effectLst/>
+                <a:latin typeface="Roboto"/>
+              </a:rPr>
+              <a:t>usr</a:t>
+            </a:r>
+            <a:r>
+              <a:rPr lang="en-US" b="0" i="0" dirty="0">
+                <a:solidFill>
+                  <a:srgbClr val="404040"/>
+                </a:solidFill>
+                <a:effectLst/>
+                <a:latin typeface="Roboto"/>
+              </a:rPr>
+              <a:t>/local directory is where locally compiled applications install to by default – this prevents them from mucking up the rest of the system.</a:t>
+            </a:r>
+          </a:p>
+          <a:p>
+            <a:pPr algn="l"/>
+            <a:r>
+              <a:rPr lang="en-US" b="1" i="0" dirty="0">
+                <a:solidFill>
+                  <a:srgbClr val="404040"/>
+                </a:solidFill>
+                <a:effectLst/>
+                <a:latin typeface="Roboto"/>
+              </a:rPr>
+              <a:t>/var – Variable Data Files</a:t>
+            </a:r>
+          </a:p>
+          <a:p>
+            <a:pPr algn="l"/>
+            <a:r>
+              <a:rPr lang="en-US" b="0" i="0" dirty="0">
+                <a:solidFill>
+                  <a:srgbClr val="404040"/>
+                </a:solidFill>
+                <a:effectLst/>
+                <a:latin typeface="Roboto"/>
+              </a:rPr>
+              <a:t>The /var directory is the writable counterpart to the /</a:t>
+            </a:r>
+            <a:r>
+              <a:rPr lang="en-US" b="0" i="0" dirty="0" err="1">
+                <a:solidFill>
+                  <a:srgbClr val="404040"/>
+                </a:solidFill>
+                <a:effectLst/>
+                <a:latin typeface="Roboto"/>
+              </a:rPr>
+              <a:t>usr</a:t>
+            </a:r>
+            <a:r>
+              <a:rPr lang="en-US" b="0" i="0" dirty="0">
+                <a:solidFill>
+                  <a:srgbClr val="404040"/>
+                </a:solidFill>
+                <a:effectLst/>
+                <a:latin typeface="Roboto"/>
+              </a:rPr>
+              <a:t> directory, which must be read-only in normal operation. Log files and everything else that would normally be written to /</a:t>
+            </a:r>
+            <a:r>
+              <a:rPr lang="en-US" b="0" i="0" dirty="0" err="1">
+                <a:solidFill>
+                  <a:srgbClr val="404040"/>
+                </a:solidFill>
+                <a:effectLst/>
+                <a:latin typeface="Roboto"/>
+              </a:rPr>
+              <a:t>usr</a:t>
+            </a:r>
+            <a:r>
+              <a:rPr lang="en-US" b="0" i="0" dirty="0">
+                <a:solidFill>
+                  <a:srgbClr val="404040"/>
+                </a:solidFill>
+                <a:effectLst/>
+                <a:latin typeface="Roboto"/>
+              </a:rPr>
+              <a:t> during normal operation are written to the /var directory. For example, you’ll find log files in /var/log.</a:t>
+            </a:r>
+          </a:p>
+          <a:p>
+            <a:endParaRPr lang="fa-IR" dirty="0"/>
+          </a:p>
+        </p:txBody>
+      </p:sp>
+      <p:sp>
+        <p:nvSpPr>
+          <p:cNvPr id="4" name="Slide Number Placeholder 3"/>
+          <p:cNvSpPr>
+            <a:spLocks noGrp="1"/>
+          </p:cNvSpPr>
+          <p:nvPr>
+            <p:ph type="sldNum" sz="quarter" idx="5"/>
+          </p:nvPr>
+        </p:nvSpPr>
+        <p:spPr/>
+        <p:txBody>
+          <a:bodyPr/>
+          <a:lstStyle/>
+          <a:p>
+            <a:fld id="{D0E944BF-F28C-48F8-90D3-273132DB8999}" type="slidenum">
+              <a:rPr lang="fa-IR" smtClean="0"/>
+              <a:t>12</a:t>
+            </a:fld>
+            <a:endParaRPr lang="fa-IR"/>
+          </a:p>
+        </p:txBody>
+      </p:sp>
+    </p:spTree>
+    <p:extLst>
+      <p:ext uri="{BB962C8B-B14F-4D97-AF65-F5344CB8AC3E}">
+        <p14:creationId xmlns:p14="http://schemas.microsoft.com/office/powerpoint/2010/main" val="2552744067"/>
+      </p:ext>
+    </p:extLst>
+  </p:cSld>
+  <p:clrMapOvr>
+    <a:masterClrMapping/>
+  </p:clrMapOvr>
+</p:notes>
+</file>
+
+<file path=ppt/notesSlides/notesSlide9.xml><?xml version="1.0" encoding="utf-8"?>
+<p:notes xmlns:a="http://schemas.openxmlformats.org/drawingml/2006/main" xmlns:r="http://schemas.openxmlformats.org/officeDocument/2006/relationships" xmlns:p="http://schemas.openxmlformats.org/presentationml/2006/main">
+  <p:cSld>
+    <p:spTree>
+      <p:nvGrpSpPr>
+        <p:cNvPr id="1" name=""/>
+        <p:cNvGrpSpPr/>
+        <p:nvPr/>
+      </p:nvGrpSpPr>
+      <p:grpSpPr>
+        <a:xfrm>
+          <a:off x="0" y="0"/>
+          <a:ext cx="0" cy="0"/>
+          <a:chOff x="0" y="0"/>
+          <a:chExt cx="0" cy="0"/>
+        </a:xfrm>
+      </p:grpSpPr>
+      <p:sp>
+        <p:nvSpPr>
+          <p:cNvPr id="2" name="Slide Image Placeholder 1"/>
+          <p:cNvSpPr>
+            <a:spLocks noGrp="1" noRot="1" noChangeAspect="1"/>
+          </p:cNvSpPr>
+          <p:nvPr>
+            <p:ph type="sldImg"/>
+          </p:nvPr>
+        </p:nvSpPr>
+        <p:spPr/>
+      </p:sp>
+      <p:sp>
+        <p:nvSpPr>
+          <p:cNvPr id="3" name="Notes Placeholder 2"/>
+          <p:cNvSpPr>
+            <a:spLocks noGrp="1"/>
+          </p:cNvSpPr>
+          <p:nvPr>
+            <p:ph type="body" idx="1"/>
+          </p:nvPr>
+        </p:nvSpPr>
+        <p:spPr/>
+        <p:txBody>
+          <a:bodyPr/>
+          <a:lstStyle/>
+          <a:p>
+            <a:r>
+              <a:rPr lang="en-US" dirty="0">
+                <a:hlinkClick r:id="rId3"/>
+              </a:rPr>
+              <a:t>https://jadi.gitbooks.io/lpic1/content/1032_process_text_streams_using_filters.html</a:t>
+            </a:r>
+            <a:endParaRPr lang="en-US" dirty="0"/>
+          </a:p>
+          <a:p>
+            <a:endParaRPr lang="en-US" dirty="0"/>
+          </a:p>
+          <a:p>
+            <a:pPr algn="l"/>
+            <a:r>
+              <a:rPr lang="en-US" b="1" i="0" dirty="0">
+                <a:solidFill>
+                  <a:srgbClr val="333333"/>
+                </a:solidFill>
+                <a:effectLst/>
+                <a:latin typeface="Helvetica Neue"/>
+              </a:rPr>
+              <a:t>Piping ( | )</a:t>
+            </a:r>
+          </a:p>
+          <a:p>
+            <a:pPr algn="l"/>
+            <a:r>
+              <a:rPr lang="en-US" b="0" i="0" dirty="0">
+                <a:solidFill>
+                  <a:srgbClr val="333333"/>
+                </a:solidFill>
+                <a:effectLst/>
+                <a:latin typeface="Helvetica Neue"/>
+              </a:rPr>
+              <a:t>In </a:t>
+            </a:r>
+            <a:r>
+              <a:rPr lang="en-US" b="0" i="1" dirty="0">
+                <a:solidFill>
+                  <a:srgbClr val="333333"/>
+                </a:solidFill>
+                <a:effectLst/>
+                <a:latin typeface="Helvetica Neue"/>
+              </a:rPr>
+              <a:t>normal</a:t>
+            </a:r>
+            <a:r>
+              <a:rPr lang="en-US" b="0" i="0" dirty="0">
+                <a:solidFill>
+                  <a:srgbClr val="333333"/>
+                </a:solidFill>
+                <a:effectLst/>
+                <a:latin typeface="Helvetica Neue"/>
+              </a:rPr>
+              <a:t> cases, you give input from keyboard and output to the monitor. But in real life of a system admin, most inputs come from another commands. If you want to give the output of command1 as the input of command2, you should </a:t>
+            </a:r>
+            <a:r>
+              <a:rPr lang="en-US" b="1" i="0" dirty="0">
+                <a:solidFill>
+                  <a:srgbClr val="333333"/>
+                </a:solidFill>
+                <a:effectLst/>
+                <a:latin typeface="Helvetica Neue"/>
+              </a:rPr>
+              <a:t>PIPE</a:t>
+            </a:r>
+            <a:r>
+              <a:rPr lang="en-US" b="0" i="0" dirty="0">
+                <a:solidFill>
+                  <a:srgbClr val="333333"/>
+                </a:solidFill>
+                <a:effectLst/>
+                <a:latin typeface="Helvetica Neue"/>
+              </a:rPr>
+              <a:t> them as command1 | command2.</a:t>
+            </a:r>
+          </a:p>
+          <a:p>
+            <a:pPr algn="l"/>
+            <a:r>
+              <a:rPr lang="en-US" b="1" i="0" dirty="0">
+                <a:solidFill>
+                  <a:srgbClr val="333333"/>
+                </a:solidFill>
+                <a:effectLst/>
+                <a:latin typeface="Helvetica Neue"/>
+              </a:rPr>
+              <a:t>Redirection ( &gt; )</a:t>
+            </a:r>
+          </a:p>
+          <a:p>
+            <a:pPr algn="l"/>
+            <a:r>
+              <a:rPr lang="en-US" b="0" i="0" dirty="0">
+                <a:solidFill>
+                  <a:srgbClr val="333333"/>
+                </a:solidFill>
+                <a:effectLst/>
+                <a:latin typeface="Helvetica Neue"/>
+              </a:rPr>
+              <a:t>Another useful way of controlling the streams is &gt;. This help you to redirect your output (mostly to a file).</a:t>
+            </a:r>
+          </a:p>
+          <a:p>
+            <a:pPr algn="l"/>
+            <a:r>
+              <a:rPr lang="en-US" b="1" i="0" dirty="0">
+                <a:solidFill>
+                  <a:srgbClr val="333333"/>
+                </a:solidFill>
+                <a:effectLst/>
+                <a:latin typeface="Helvetica Neue"/>
+              </a:rPr>
+              <a:t>cat</a:t>
+            </a:r>
+          </a:p>
+          <a:p>
+            <a:pPr algn="l"/>
+            <a:r>
+              <a:rPr lang="en-US" b="0" i="0" dirty="0">
+                <a:solidFill>
+                  <a:srgbClr val="333333"/>
+                </a:solidFill>
+                <a:effectLst/>
+                <a:latin typeface="Helvetica Neue"/>
+              </a:rPr>
+              <a:t>this command simply outputs its input stream (or the filename you give it). As you saw in previous section. As most commands, if you do not give an input to it, it will read the data from the keyboard.</a:t>
+            </a:r>
+          </a:p>
+          <a:p>
+            <a:pPr algn="l"/>
+            <a:r>
+              <a:rPr lang="en-US" b="1" i="0" dirty="0">
+                <a:solidFill>
+                  <a:srgbClr val="333333"/>
+                </a:solidFill>
+                <a:effectLst/>
+                <a:latin typeface="Helvetica Neue"/>
+              </a:rPr>
+              <a:t>od</a:t>
+            </a:r>
+          </a:p>
+          <a:p>
+            <a:pPr algn="l"/>
+            <a:r>
+              <a:rPr lang="en-US" b="0" i="0" dirty="0">
+                <a:solidFill>
+                  <a:srgbClr val="333333"/>
+                </a:solidFill>
+                <a:effectLst/>
+                <a:latin typeface="Helvetica Neue"/>
+              </a:rPr>
+              <a:t>This command </a:t>
+            </a:r>
+            <a:r>
+              <a:rPr lang="en-US" b="0" i="1" dirty="0">
+                <a:solidFill>
+                  <a:srgbClr val="333333"/>
+                </a:solidFill>
+                <a:effectLst/>
+                <a:latin typeface="Helvetica Neue"/>
+              </a:rPr>
+              <a:t>dump</a:t>
+            </a:r>
+            <a:r>
+              <a:rPr lang="en-US" b="0" i="0" dirty="0">
+                <a:solidFill>
+                  <a:srgbClr val="333333"/>
+                </a:solidFill>
+                <a:effectLst/>
+                <a:latin typeface="Helvetica Neue"/>
+              </a:rPr>
+              <a:t>s files (shows files in formats other than text). Normal </a:t>
+            </a:r>
+            <a:r>
+              <a:rPr lang="en-US" b="0" i="0" dirty="0" err="1">
+                <a:solidFill>
+                  <a:srgbClr val="333333"/>
+                </a:solidFill>
+                <a:effectLst/>
+                <a:latin typeface="Helvetica Neue"/>
+              </a:rPr>
+              <a:t>behaviour</a:t>
+            </a:r>
+            <a:r>
+              <a:rPr lang="en-US" b="0" i="0" dirty="0">
+                <a:solidFill>
+                  <a:srgbClr val="333333"/>
+                </a:solidFill>
+                <a:effectLst/>
+                <a:latin typeface="Helvetica Neue"/>
+              </a:rPr>
+              <a:t> is </a:t>
+            </a:r>
+            <a:r>
+              <a:rPr lang="en-US" b="0" i="0" dirty="0" err="1">
+                <a:solidFill>
+                  <a:srgbClr val="333333"/>
+                </a:solidFill>
+                <a:effectLst/>
+                <a:latin typeface="Helvetica Neue"/>
+              </a:rPr>
+              <a:t>OctalDump</a:t>
+            </a:r>
+            <a:r>
+              <a:rPr lang="en-US" b="0" i="0" dirty="0">
+                <a:solidFill>
+                  <a:srgbClr val="333333"/>
+                </a:solidFill>
+                <a:effectLst/>
+                <a:latin typeface="Helvetica Neue"/>
+              </a:rPr>
+              <a:t> (base 8):</a:t>
+            </a:r>
+          </a:p>
+          <a:p>
+            <a:pPr algn="l"/>
+            <a:r>
+              <a:rPr lang="en-US" b="1" i="0" dirty="0">
+                <a:solidFill>
+                  <a:srgbClr val="333333"/>
+                </a:solidFill>
+                <a:effectLst/>
+                <a:latin typeface="Helvetica Neue"/>
+              </a:rPr>
+              <a:t>split</a:t>
+            </a:r>
+          </a:p>
+          <a:p>
+            <a:pPr algn="l"/>
+            <a:r>
+              <a:rPr lang="en-US" b="0" i="0" dirty="0">
+                <a:solidFill>
+                  <a:srgbClr val="333333"/>
+                </a:solidFill>
+                <a:effectLst/>
+                <a:latin typeface="Helvetica Neue"/>
+              </a:rPr>
+              <a:t>Will split files. It is very useful for transferring HUGE files on smaller media (say splitting a 3TB file to 8GB parts and moving them to another machine with a USB Disk).</a:t>
+            </a:r>
+          </a:p>
+          <a:p>
+            <a:pPr algn="l"/>
+            <a:r>
+              <a:rPr lang="en-US" b="1" i="0" dirty="0" err="1">
+                <a:solidFill>
+                  <a:srgbClr val="333333"/>
+                </a:solidFill>
+                <a:effectLst/>
+                <a:latin typeface="Helvetica Neue"/>
+              </a:rPr>
+              <a:t>wc</a:t>
+            </a:r>
+            <a:endParaRPr lang="en-US" b="1" i="0" dirty="0">
+              <a:solidFill>
+                <a:srgbClr val="333333"/>
+              </a:solidFill>
+              <a:effectLst/>
+              <a:latin typeface="Helvetica Neue"/>
+            </a:endParaRPr>
+          </a:p>
+          <a:p>
+            <a:pPr algn="l"/>
+            <a:r>
+              <a:rPr lang="en-US" b="0" i="0" dirty="0" err="1">
+                <a:solidFill>
+                  <a:srgbClr val="333333"/>
+                </a:solidFill>
+                <a:effectLst/>
+                <a:latin typeface="Helvetica Neue"/>
+              </a:rPr>
+              <a:t>wc</a:t>
+            </a:r>
+            <a:r>
+              <a:rPr lang="en-US" b="0" i="0" dirty="0">
+                <a:solidFill>
+                  <a:srgbClr val="333333"/>
+                </a:solidFill>
+                <a:effectLst/>
+                <a:latin typeface="Helvetica Neue"/>
+              </a:rPr>
+              <a:t> is </a:t>
+            </a:r>
+            <a:r>
+              <a:rPr lang="en-US" b="0" i="1" dirty="0">
+                <a:solidFill>
+                  <a:srgbClr val="333333"/>
+                </a:solidFill>
+                <a:effectLst/>
+                <a:latin typeface="Helvetica Neue"/>
+              </a:rPr>
+              <a:t>word count</a:t>
+            </a:r>
+            <a:r>
+              <a:rPr lang="en-US" b="0" i="0" dirty="0">
+                <a:solidFill>
+                  <a:srgbClr val="333333"/>
+                </a:solidFill>
+                <a:effectLst/>
+                <a:latin typeface="Helvetica Neue"/>
+              </a:rPr>
+              <a:t>. It counts the characters, lines and bytes in the input stream.</a:t>
+            </a:r>
+          </a:p>
+          <a:p>
+            <a:pPr algn="l"/>
+            <a:r>
+              <a:rPr lang="en-US" b="1" i="0" dirty="0">
+                <a:solidFill>
+                  <a:srgbClr val="333333"/>
+                </a:solidFill>
+                <a:effectLst/>
+                <a:latin typeface="Helvetica Neue"/>
+              </a:rPr>
+              <a:t>head &amp; tail</a:t>
+            </a:r>
+          </a:p>
+          <a:p>
+            <a:pPr algn="l"/>
+            <a:r>
+              <a:rPr lang="en-US" b="0" i="0" dirty="0">
+                <a:solidFill>
+                  <a:srgbClr val="333333"/>
+                </a:solidFill>
+                <a:effectLst/>
+                <a:latin typeface="Helvetica Neue"/>
+              </a:rPr>
+              <a:t>Shows the </a:t>
+            </a:r>
+            <a:r>
+              <a:rPr lang="en-US" b="0" i="1" dirty="0">
+                <a:solidFill>
+                  <a:srgbClr val="333333"/>
+                </a:solidFill>
+                <a:effectLst/>
+                <a:latin typeface="Helvetica Neue"/>
+              </a:rPr>
+              <a:t>head</a:t>
+            </a:r>
+            <a:r>
+              <a:rPr lang="en-US" b="0" i="0" dirty="0">
+                <a:solidFill>
+                  <a:srgbClr val="333333"/>
+                </a:solidFill>
+                <a:effectLst/>
+                <a:latin typeface="Helvetica Neue"/>
+              </a:rPr>
+              <a:t> (top) of a file or its </a:t>
+            </a:r>
+            <a:r>
+              <a:rPr lang="en-US" b="0" i="1" dirty="0">
+                <a:solidFill>
+                  <a:srgbClr val="333333"/>
+                </a:solidFill>
+                <a:effectLst/>
+                <a:latin typeface="Helvetica Neue"/>
+              </a:rPr>
+              <a:t>tail</a:t>
+            </a:r>
+            <a:r>
+              <a:rPr lang="en-US" b="0" i="0" dirty="0">
+                <a:solidFill>
+                  <a:srgbClr val="333333"/>
+                </a:solidFill>
+                <a:effectLst/>
+                <a:latin typeface="Helvetica Neue"/>
+              </a:rPr>
+              <a:t> (bottom). The default lines to show is 10 but you can specify with</a:t>
+            </a:r>
+          </a:p>
+          <a:p>
+            <a:pPr algn="l"/>
+            <a:r>
+              <a:rPr lang="en-US" b="1" i="0" dirty="0" err="1">
+                <a:solidFill>
+                  <a:srgbClr val="333333"/>
+                </a:solidFill>
+                <a:effectLst/>
+                <a:latin typeface="Helvetica Neue"/>
+              </a:rPr>
+              <a:t>nl</a:t>
+            </a:r>
+            <a:endParaRPr lang="en-US" b="1" i="0" dirty="0">
+              <a:solidFill>
+                <a:srgbClr val="333333"/>
+              </a:solidFill>
+              <a:effectLst/>
+              <a:latin typeface="Helvetica Neue"/>
+            </a:endParaRPr>
+          </a:p>
+          <a:p>
+            <a:pPr algn="l"/>
+            <a:r>
+              <a:rPr lang="en-US" b="0" i="0" dirty="0">
+                <a:solidFill>
+                  <a:srgbClr val="333333"/>
+                </a:solidFill>
+                <a:effectLst/>
+                <a:latin typeface="Helvetica Neue"/>
+              </a:rPr>
+              <a:t>Simply numbers lines.</a:t>
+            </a:r>
+            <a:endParaRPr lang="en-US" dirty="0"/>
+          </a:p>
+          <a:p>
+            <a:pPr algn="l"/>
+            <a:r>
+              <a:rPr lang="en-US" b="1" i="0" dirty="0" err="1">
+                <a:solidFill>
+                  <a:srgbClr val="333333"/>
+                </a:solidFill>
+                <a:effectLst/>
+                <a:latin typeface="Helvetica Neue"/>
+              </a:rPr>
+              <a:t>fmt</a:t>
+            </a:r>
+            <a:endParaRPr lang="en-US" b="1" i="0" dirty="0">
+              <a:solidFill>
+                <a:srgbClr val="333333"/>
+              </a:solidFill>
+              <a:effectLst/>
+              <a:latin typeface="Helvetica Neue"/>
+            </a:endParaRPr>
+          </a:p>
+          <a:p>
+            <a:pPr algn="l"/>
+            <a:r>
+              <a:rPr lang="en-US" b="0" i="0" dirty="0">
+                <a:solidFill>
+                  <a:srgbClr val="333333"/>
+                </a:solidFill>
+                <a:effectLst/>
+                <a:latin typeface="Helvetica Neue"/>
+              </a:rPr>
+              <a:t>Will reformat a text file within margins (say 80 columns width or 60 if you use -w60).</a:t>
+            </a:r>
+          </a:p>
+          <a:p>
+            <a:pPr algn="l"/>
+            <a:r>
+              <a:rPr lang="en-US" b="1" i="0" dirty="0">
+                <a:solidFill>
+                  <a:srgbClr val="333333"/>
+                </a:solidFill>
+                <a:effectLst/>
+                <a:latin typeface="Helvetica Neue"/>
+              </a:rPr>
+              <a:t>sort &amp; </a:t>
+            </a:r>
+            <a:r>
+              <a:rPr lang="en-US" b="1" i="0" dirty="0" err="1">
+                <a:solidFill>
+                  <a:srgbClr val="333333"/>
+                </a:solidFill>
+                <a:effectLst/>
+                <a:latin typeface="Helvetica Neue"/>
+              </a:rPr>
+              <a:t>uniq</a:t>
+            </a:r>
+            <a:endParaRPr lang="en-US" b="1" i="0" dirty="0">
+              <a:solidFill>
+                <a:srgbClr val="333333"/>
+              </a:solidFill>
+              <a:effectLst/>
+              <a:latin typeface="Helvetica Neue"/>
+            </a:endParaRPr>
+          </a:p>
+          <a:p>
+            <a:pPr algn="l"/>
+            <a:r>
+              <a:rPr lang="en-US" b="0" i="0" dirty="0">
+                <a:solidFill>
+                  <a:srgbClr val="333333"/>
+                </a:solidFill>
+                <a:effectLst/>
+                <a:latin typeface="Helvetica Neue"/>
+              </a:rPr>
+              <a:t>Will sorts its input(s).</a:t>
+            </a:r>
+          </a:p>
+          <a:p>
+            <a:endParaRPr lang="en-US" dirty="0"/>
+          </a:p>
+          <a:p>
+            <a:r>
+              <a:rPr lang="en-US" dirty="0"/>
+              <a:t>https://youtu.be/tc4ROCJYbm0?t=415</a:t>
+            </a:r>
+            <a:endParaRPr lang="fa-IR" dirty="0"/>
+          </a:p>
+        </p:txBody>
+      </p:sp>
+      <p:sp>
+        <p:nvSpPr>
+          <p:cNvPr id="4" name="Slide Number Placeholder 3"/>
+          <p:cNvSpPr>
+            <a:spLocks noGrp="1"/>
+          </p:cNvSpPr>
+          <p:nvPr>
+            <p:ph type="sldNum" sz="quarter" idx="5"/>
+          </p:nvPr>
+        </p:nvSpPr>
+        <p:spPr/>
+        <p:txBody>
+          <a:bodyPr/>
+          <a:lstStyle/>
+          <a:p>
+            <a:fld id="{D0E944BF-F28C-48F8-90D3-273132DB8999}" type="slidenum">
+              <a:rPr lang="fa-IR" smtClean="0"/>
+              <a:t>13</a:t>
+            </a:fld>
+            <a:endParaRPr lang="fa-IR"/>
+          </a:p>
+        </p:txBody>
+      </p:sp>
+    </p:spTree>
+    <p:extLst>
+      <p:ext uri="{BB962C8B-B14F-4D97-AF65-F5344CB8AC3E}">
+        <p14:creationId xmlns:p14="http://schemas.microsoft.com/office/powerpoint/2010/main" val="1382796764"/>
+      </p:ext>
+    </p:extLst>
+  </p:cSld>
+  <p:clrMapOvr>
+    <a:masterClrMapping/>
+  </p:clrMapOvr>
+</p:notes>
 </file>
 
 <file path=ppt/slideLayouts/slideLayout1.xml><?xml version="1.0" encoding="utf-8"?>
@@ -4598,7 +9466,7 @@
                   <a:schemeClr val="tx1"/>
                 </a:solidFill>
               </a:rPr>
-              <a:t>Source Control</a:t>
+              <a:t>Linux1</a:t>
             </a:r>
           </a:p>
         </p:txBody>
@@ -4612,6 +9480,1045 @@
   </p:cSld>
   <p:clrMapOvr>
     <a:overrideClrMapping bg1="dk1" tx1="lt1" bg2="dk2" tx2="lt2" accent1="accent1" accent2="accent2" accent3="accent3" accent4="accent4" accent5="accent5" accent6="accent6" hlink="hlink" folHlink="folHlink"/>
+  </p:clrMapOvr>
+</p:sld>
+</file>
+
+<file path=ppt/slides/slide10.xml><?xml version="1.0" encoding="utf-8"?>
+<p:sld xmlns:a="http://schemas.openxmlformats.org/drawingml/2006/main" xmlns:r="http://schemas.openxmlformats.org/officeDocument/2006/relationships" xmlns:p="http://schemas.openxmlformats.org/presentationml/2006/main">
+  <p:cSld>
+    <p:spTree>
+      <p:nvGrpSpPr>
+        <p:cNvPr id="1" name=""/>
+        <p:cNvGrpSpPr/>
+        <p:nvPr/>
+      </p:nvGrpSpPr>
+      <p:grpSpPr>
+        <a:xfrm>
+          <a:off x="0" y="0"/>
+          <a:ext cx="0" cy="0"/>
+          <a:chOff x="0" y="0"/>
+          <a:chExt cx="0" cy="0"/>
+        </a:xfrm>
+      </p:grpSpPr>
+      <p:sp>
+        <p:nvSpPr>
+          <p:cNvPr id="2" name="Title 1">
+            <a:extLst>
+              <a:ext uri="{FF2B5EF4-FFF2-40B4-BE49-F238E27FC236}">
+                <a16:creationId xmlns:a16="http://schemas.microsoft.com/office/drawing/2014/main" id="{D6967A67-42BE-4852-B221-2D4BD44CDAE8}"/>
+              </a:ext>
+            </a:extLst>
+          </p:cNvPr>
+          <p:cNvSpPr>
+            <a:spLocks noGrp="1"/>
+          </p:cNvSpPr>
+          <p:nvPr>
+            <p:ph type="title"/>
+          </p:nvPr>
+        </p:nvSpPr>
+        <p:spPr/>
+        <p:txBody>
+          <a:bodyPr/>
+          <a:lstStyle/>
+          <a:p>
+            <a:r>
+              <a:rPr lang="en-US" dirty="0"/>
+              <a:t>Linux</a:t>
+            </a:r>
+            <a:endParaRPr lang="fa-IR" dirty="0"/>
+          </a:p>
+        </p:txBody>
+      </p:sp>
+      <p:sp>
+        <p:nvSpPr>
+          <p:cNvPr id="3" name="Content Placeholder 2">
+            <a:extLst>
+              <a:ext uri="{FF2B5EF4-FFF2-40B4-BE49-F238E27FC236}">
+                <a16:creationId xmlns:a16="http://schemas.microsoft.com/office/drawing/2014/main" id="{BCC2687B-6A69-4326-8C2D-4A5510845E15}"/>
+              </a:ext>
+            </a:extLst>
+          </p:cNvPr>
+          <p:cNvSpPr>
+            <a:spLocks noGrp="1"/>
+          </p:cNvSpPr>
+          <p:nvPr>
+            <p:ph idx="1"/>
+          </p:nvPr>
+        </p:nvSpPr>
+        <p:spPr/>
+        <p:txBody>
+          <a:bodyPr>
+            <a:normAutofit fontScale="92500" lnSpcReduction="20000"/>
+          </a:bodyPr>
+          <a:lstStyle/>
+          <a:p>
+            <a:r>
+              <a:rPr lang="en-US" dirty="0"/>
+              <a:t>Unix-like operating system, based on Linux-kernel</a:t>
+            </a:r>
+          </a:p>
+          <a:p>
+            <a:r>
+              <a:rPr lang="en-US" dirty="0"/>
+              <a:t>First-released on 1991 by Linus Torvalds</a:t>
+            </a:r>
+          </a:p>
+          <a:p>
+            <a:pPr lvl="1" algn="just"/>
+            <a:r>
+              <a:rPr lang="en-US" dirty="0"/>
+              <a:t>I'm doing a (free) operating system (just a hobby, won't be big and professional like gnu) for 386(486) AT clones. This has been brewing since April, and is starting to get ready. I'd like any feedback on things people like/dislike in </a:t>
+            </a:r>
+            <a:r>
+              <a:rPr lang="en-US" dirty="0" err="1"/>
+              <a:t>minix</a:t>
+            </a:r>
+            <a:r>
+              <a:rPr lang="en-US" dirty="0"/>
+              <a:t>, as my OS resembles it somewhat (same physical layout of the file-system (due to practical reasons) among other things). I've currently ported bash(1.08) and </a:t>
+            </a:r>
+            <a:r>
+              <a:rPr lang="en-US" dirty="0" err="1"/>
+              <a:t>gcc</a:t>
+            </a:r>
+            <a:r>
+              <a:rPr lang="en-US" dirty="0"/>
+              <a:t>(1.40), and things seem to work. This implies that I'll get something practical within a few months [...] Yes - it's free of any </a:t>
+            </a:r>
+            <a:r>
+              <a:rPr lang="en-US" dirty="0" err="1"/>
+              <a:t>minix</a:t>
+            </a:r>
+            <a:r>
+              <a:rPr lang="en-US" dirty="0"/>
+              <a:t> code, and it has a multi-threaded fs. It is NOT portable (uses 386 task switching </a:t>
+            </a:r>
+            <a:r>
+              <a:rPr lang="en-US" dirty="0" err="1"/>
+              <a:t>etc</a:t>
+            </a:r>
+            <a:r>
+              <a:rPr lang="en-US" dirty="0"/>
+              <a:t>), and it probably never will support anything other than AT-</a:t>
+            </a:r>
+            <a:r>
+              <a:rPr lang="en-US" dirty="0" err="1"/>
+              <a:t>harddisks</a:t>
+            </a:r>
+            <a:r>
+              <a:rPr lang="en-US" dirty="0"/>
+              <a:t>, as that's all I have :-(.</a:t>
+            </a:r>
+          </a:p>
+          <a:p>
+            <a:r>
+              <a:rPr lang="en-US" dirty="0"/>
+              <a:t>Open source and free</a:t>
+            </a:r>
+          </a:p>
+          <a:p>
+            <a:pPr lvl="1"/>
+            <a:r>
+              <a:rPr lang="en-US" dirty="0">
+                <a:hlinkClick r:id="rId3"/>
+              </a:rPr>
+              <a:t>https://git.kernel.org/</a:t>
+            </a:r>
+            <a:endParaRPr lang="en-US" dirty="0"/>
+          </a:p>
+          <a:p>
+            <a:pPr lvl="1"/>
+            <a:r>
+              <a:rPr lang="en-US" dirty="0"/>
+              <a:t>UNIX was not free.</a:t>
+            </a:r>
+          </a:p>
+          <a:p>
+            <a:r>
+              <a:rPr lang="en-US" dirty="0"/>
+              <a:t>Multi-User</a:t>
+            </a:r>
+          </a:p>
+          <a:p>
+            <a:r>
+              <a:rPr lang="en-US" dirty="0"/>
+              <a:t>Multi-task</a:t>
+            </a:r>
+          </a:p>
+          <a:p>
+            <a:r>
+              <a:rPr lang="en-US" dirty="0"/>
+              <a:t>Written in C and Assembly.</a:t>
+            </a:r>
+          </a:p>
+          <a:p>
+            <a:r>
+              <a:rPr lang="en-US" dirty="0"/>
+              <a:t>Latest release: 5.7.11 (29 July 2020)</a:t>
+            </a:r>
+          </a:p>
+          <a:p>
+            <a:endParaRPr lang="fa-IR" dirty="0"/>
+          </a:p>
+        </p:txBody>
+      </p:sp>
+      <p:pic>
+        <p:nvPicPr>
+          <p:cNvPr id="5" name="Picture 4">
+            <a:extLst>
+              <a:ext uri="{FF2B5EF4-FFF2-40B4-BE49-F238E27FC236}">
+                <a16:creationId xmlns:a16="http://schemas.microsoft.com/office/drawing/2014/main" id="{3ABF2172-ADD3-48EE-ABCF-F555F5AEC462}"/>
+              </a:ext>
+            </a:extLst>
+          </p:cNvPr>
+          <p:cNvPicPr>
+            <a:picLocks noChangeAspect="1"/>
+          </p:cNvPicPr>
+          <p:nvPr/>
+        </p:nvPicPr>
+        <p:blipFill>
+          <a:blip r:embed="rId4"/>
+          <a:stretch>
+            <a:fillRect/>
+          </a:stretch>
+        </p:blipFill>
+        <p:spPr>
+          <a:xfrm>
+            <a:off x="7224567" y="4027932"/>
+            <a:ext cx="1347933" cy="1871103"/>
+          </a:xfrm>
+          <a:prstGeom prst="rect">
+            <a:avLst/>
+          </a:prstGeom>
+        </p:spPr>
+      </p:pic>
+    </p:spTree>
+    <p:extLst>
+      <p:ext uri="{BB962C8B-B14F-4D97-AF65-F5344CB8AC3E}">
+        <p14:creationId xmlns:p14="http://schemas.microsoft.com/office/powerpoint/2010/main" val="3597632541"/>
+      </p:ext>
+    </p:extLst>
+  </p:cSld>
+  <p:clrMapOvr>
+    <a:masterClrMapping/>
+  </p:clrMapOvr>
+</p:sld>
+</file>
+
+<file path=ppt/slides/slide11.xml><?xml version="1.0" encoding="utf-8"?>
+<p:sld xmlns:a="http://schemas.openxmlformats.org/drawingml/2006/main" xmlns:r="http://schemas.openxmlformats.org/officeDocument/2006/relationships" xmlns:p="http://schemas.openxmlformats.org/presentationml/2006/main">
+  <p:cSld>
+    <p:spTree>
+      <p:nvGrpSpPr>
+        <p:cNvPr id="1" name=""/>
+        <p:cNvGrpSpPr/>
+        <p:nvPr/>
+      </p:nvGrpSpPr>
+      <p:grpSpPr>
+        <a:xfrm>
+          <a:off x="0" y="0"/>
+          <a:ext cx="0" cy="0"/>
+          <a:chOff x="0" y="0"/>
+          <a:chExt cx="0" cy="0"/>
+        </a:xfrm>
+      </p:grpSpPr>
+      <p:sp>
+        <p:nvSpPr>
+          <p:cNvPr id="2" name="Title 1">
+            <a:extLst>
+              <a:ext uri="{FF2B5EF4-FFF2-40B4-BE49-F238E27FC236}">
+                <a16:creationId xmlns:a16="http://schemas.microsoft.com/office/drawing/2014/main" id="{824D5C86-8334-4FBB-BFDA-5BC5D89D92FA}"/>
+              </a:ext>
+            </a:extLst>
+          </p:cNvPr>
+          <p:cNvSpPr>
+            <a:spLocks noGrp="1"/>
+          </p:cNvSpPr>
+          <p:nvPr>
+            <p:ph type="title"/>
+          </p:nvPr>
+        </p:nvSpPr>
+        <p:spPr/>
+        <p:txBody>
+          <a:bodyPr/>
+          <a:lstStyle/>
+          <a:p>
+            <a:r>
+              <a:rPr lang="en-US" dirty="0"/>
+              <a:t>Linux Directory Structure</a:t>
+            </a:r>
+            <a:endParaRPr lang="fa-IR" dirty="0"/>
+          </a:p>
+        </p:txBody>
+      </p:sp>
+      <p:sp>
+        <p:nvSpPr>
+          <p:cNvPr id="3" name="Content Placeholder 2">
+            <a:extLst>
+              <a:ext uri="{FF2B5EF4-FFF2-40B4-BE49-F238E27FC236}">
+                <a16:creationId xmlns:a16="http://schemas.microsoft.com/office/drawing/2014/main" id="{E79FDA26-F8C8-451C-903E-BF4801963B39}"/>
+              </a:ext>
+            </a:extLst>
+          </p:cNvPr>
+          <p:cNvSpPr>
+            <a:spLocks noGrp="1"/>
+          </p:cNvSpPr>
+          <p:nvPr>
+            <p:ph idx="1"/>
+          </p:nvPr>
+        </p:nvSpPr>
+        <p:spPr/>
+        <p:txBody>
+          <a:bodyPr>
+            <a:normAutofit/>
+          </a:bodyPr>
+          <a:lstStyle/>
+          <a:p>
+            <a:r>
+              <a:rPr lang="en-US" dirty="0">
+                <a:latin typeface="Consolas" panose="020B0609020204030204" pitchFamily="49" charset="0"/>
+              </a:rPr>
+              <a:t>/ - root</a:t>
+            </a:r>
+          </a:p>
+          <a:p>
+            <a:r>
+              <a:rPr lang="en-US" dirty="0">
+                <a:latin typeface="Consolas" panose="020B0609020204030204" pitchFamily="49" charset="0"/>
+              </a:rPr>
+              <a:t>/bin – Essential User Binaries</a:t>
+            </a:r>
+          </a:p>
+          <a:p>
+            <a:r>
+              <a:rPr lang="en-US" dirty="0">
+                <a:latin typeface="Consolas" panose="020B0609020204030204" pitchFamily="49" charset="0"/>
+              </a:rPr>
+              <a:t>/boot – Static Boot Files</a:t>
+            </a:r>
+          </a:p>
+          <a:p>
+            <a:r>
+              <a:rPr lang="en-US" dirty="0">
+                <a:latin typeface="Consolas" panose="020B0609020204030204" pitchFamily="49" charset="0"/>
+              </a:rPr>
+              <a:t>/</a:t>
+            </a:r>
+            <a:r>
+              <a:rPr lang="en-US" dirty="0" err="1">
+                <a:latin typeface="Consolas" panose="020B0609020204030204" pitchFamily="49" charset="0"/>
+              </a:rPr>
+              <a:t>cdrom</a:t>
+            </a:r>
+            <a:r>
+              <a:rPr lang="en-US" dirty="0">
+                <a:latin typeface="Consolas" panose="020B0609020204030204" pitchFamily="49" charset="0"/>
+              </a:rPr>
+              <a:t> – Historical Mount Point for CD-ROMs</a:t>
+            </a:r>
+          </a:p>
+          <a:p>
+            <a:r>
+              <a:rPr lang="en-US" dirty="0">
+                <a:latin typeface="Consolas" panose="020B0609020204030204" pitchFamily="49" charset="0"/>
+              </a:rPr>
+              <a:t>/dev – Device Files</a:t>
+            </a:r>
+          </a:p>
+          <a:p>
+            <a:r>
+              <a:rPr lang="en-US" dirty="0">
+                <a:latin typeface="Consolas" panose="020B0609020204030204" pitchFamily="49" charset="0"/>
+              </a:rPr>
+              <a:t>/</a:t>
+            </a:r>
+            <a:r>
+              <a:rPr lang="en-US" dirty="0" err="1">
+                <a:latin typeface="Consolas" panose="020B0609020204030204" pitchFamily="49" charset="0"/>
+              </a:rPr>
+              <a:t>etc</a:t>
+            </a:r>
+            <a:r>
+              <a:rPr lang="en-US" dirty="0">
+                <a:latin typeface="Consolas" panose="020B0609020204030204" pitchFamily="49" charset="0"/>
+              </a:rPr>
+              <a:t> – Configuration Files</a:t>
+            </a:r>
+          </a:p>
+          <a:p>
+            <a:r>
+              <a:rPr lang="en-US" dirty="0">
+                <a:latin typeface="Consolas" panose="020B0609020204030204" pitchFamily="49" charset="0"/>
+              </a:rPr>
+              <a:t>/home – Home Folders</a:t>
+            </a:r>
+          </a:p>
+          <a:p>
+            <a:r>
+              <a:rPr lang="en-US" dirty="0">
+                <a:latin typeface="Consolas" panose="020B0609020204030204" pitchFamily="49" charset="0"/>
+              </a:rPr>
+              <a:t>/lib – Essential Shared Libraries</a:t>
+            </a:r>
+          </a:p>
+          <a:p>
+            <a:r>
+              <a:rPr lang="en-US" dirty="0">
+                <a:latin typeface="Consolas" panose="020B0609020204030204" pitchFamily="49" charset="0"/>
+              </a:rPr>
+              <a:t>/</a:t>
+            </a:r>
+            <a:r>
+              <a:rPr lang="en-US" dirty="0" err="1">
+                <a:latin typeface="Consolas" panose="020B0609020204030204" pitchFamily="49" charset="0"/>
+              </a:rPr>
+              <a:t>lost+found</a:t>
+            </a:r>
+            <a:r>
+              <a:rPr lang="en-US" dirty="0">
+                <a:latin typeface="Consolas" panose="020B0609020204030204" pitchFamily="49" charset="0"/>
+              </a:rPr>
+              <a:t> – Recovered Files</a:t>
+            </a:r>
+          </a:p>
+          <a:p>
+            <a:r>
+              <a:rPr lang="en-US" dirty="0">
+                <a:latin typeface="Consolas" panose="020B0609020204030204" pitchFamily="49" charset="0"/>
+              </a:rPr>
+              <a:t>/media – Removable Media</a:t>
+            </a:r>
+          </a:p>
+          <a:p>
+            <a:endParaRPr lang="fa-IR" dirty="0">
+              <a:latin typeface="Consolas" panose="020B0609020204030204" pitchFamily="49" charset="0"/>
+            </a:endParaRPr>
+          </a:p>
+        </p:txBody>
+      </p:sp>
+    </p:spTree>
+    <p:extLst>
+      <p:ext uri="{BB962C8B-B14F-4D97-AF65-F5344CB8AC3E}">
+        <p14:creationId xmlns:p14="http://schemas.microsoft.com/office/powerpoint/2010/main" val="3710442849"/>
+      </p:ext>
+    </p:extLst>
+  </p:cSld>
+  <p:clrMapOvr>
+    <a:masterClrMapping/>
+  </p:clrMapOvr>
+</p:sld>
+</file>
+
+<file path=ppt/slides/slide12.xml><?xml version="1.0" encoding="utf-8"?>
+<p:sld xmlns:a="http://schemas.openxmlformats.org/drawingml/2006/main" xmlns:r="http://schemas.openxmlformats.org/officeDocument/2006/relationships" xmlns:p="http://schemas.openxmlformats.org/presentationml/2006/main">
+  <p:cSld>
+    <p:spTree>
+      <p:nvGrpSpPr>
+        <p:cNvPr id="1" name=""/>
+        <p:cNvGrpSpPr/>
+        <p:nvPr/>
+      </p:nvGrpSpPr>
+      <p:grpSpPr>
+        <a:xfrm>
+          <a:off x="0" y="0"/>
+          <a:ext cx="0" cy="0"/>
+          <a:chOff x="0" y="0"/>
+          <a:chExt cx="0" cy="0"/>
+        </a:xfrm>
+      </p:grpSpPr>
+      <p:sp>
+        <p:nvSpPr>
+          <p:cNvPr id="2" name="Title 1">
+            <a:extLst>
+              <a:ext uri="{FF2B5EF4-FFF2-40B4-BE49-F238E27FC236}">
+                <a16:creationId xmlns:a16="http://schemas.microsoft.com/office/drawing/2014/main" id="{824D5C86-8334-4FBB-BFDA-5BC5D89D92FA}"/>
+              </a:ext>
+            </a:extLst>
+          </p:cNvPr>
+          <p:cNvSpPr>
+            <a:spLocks noGrp="1"/>
+          </p:cNvSpPr>
+          <p:nvPr>
+            <p:ph type="title"/>
+          </p:nvPr>
+        </p:nvSpPr>
+        <p:spPr/>
+        <p:txBody>
+          <a:bodyPr/>
+          <a:lstStyle/>
+          <a:p>
+            <a:r>
+              <a:rPr lang="en-US" dirty="0"/>
+              <a:t>Linux Directory Structure</a:t>
+            </a:r>
+            <a:endParaRPr lang="fa-IR" dirty="0"/>
+          </a:p>
+        </p:txBody>
+      </p:sp>
+      <p:sp>
+        <p:nvSpPr>
+          <p:cNvPr id="3" name="Content Placeholder 2">
+            <a:extLst>
+              <a:ext uri="{FF2B5EF4-FFF2-40B4-BE49-F238E27FC236}">
+                <a16:creationId xmlns:a16="http://schemas.microsoft.com/office/drawing/2014/main" id="{E79FDA26-F8C8-451C-903E-BF4801963B39}"/>
+              </a:ext>
+            </a:extLst>
+          </p:cNvPr>
+          <p:cNvSpPr>
+            <a:spLocks noGrp="1"/>
+          </p:cNvSpPr>
+          <p:nvPr>
+            <p:ph idx="1"/>
+          </p:nvPr>
+        </p:nvSpPr>
+        <p:spPr/>
+        <p:txBody>
+          <a:bodyPr>
+            <a:normAutofit lnSpcReduction="10000"/>
+          </a:bodyPr>
+          <a:lstStyle/>
+          <a:p>
+            <a:r>
+              <a:rPr lang="en-US" dirty="0">
+                <a:latin typeface="Consolas" panose="020B0609020204030204" pitchFamily="49" charset="0"/>
+              </a:rPr>
+              <a:t>/</a:t>
+            </a:r>
+            <a:r>
+              <a:rPr lang="en-US" dirty="0" err="1">
+                <a:latin typeface="Consolas" panose="020B0609020204030204" pitchFamily="49" charset="0"/>
+              </a:rPr>
+              <a:t>mnt</a:t>
+            </a:r>
+            <a:r>
+              <a:rPr lang="en-US" dirty="0">
+                <a:latin typeface="Consolas" panose="020B0609020204030204" pitchFamily="49" charset="0"/>
+              </a:rPr>
+              <a:t> – Temporary Mount Points</a:t>
+            </a:r>
+          </a:p>
+          <a:p>
+            <a:r>
+              <a:rPr lang="en-US" dirty="0">
+                <a:latin typeface="Consolas" panose="020B0609020204030204" pitchFamily="49" charset="0"/>
+              </a:rPr>
+              <a:t>/opt – Optional Packages</a:t>
+            </a:r>
+          </a:p>
+          <a:p>
+            <a:r>
+              <a:rPr lang="en-US" dirty="0">
+                <a:latin typeface="Consolas" panose="020B0609020204030204" pitchFamily="49" charset="0"/>
+              </a:rPr>
+              <a:t>/proc – Kernel &amp; Process Files</a:t>
+            </a:r>
+          </a:p>
+          <a:p>
+            <a:r>
+              <a:rPr lang="en-US" dirty="0">
+                <a:latin typeface="Consolas" panose="020B0609020204030204" pitchFamily="49" charset="0"/>
+              </a:rPr>
+              <a:t>/root – Root Home Directory</a:t>
+            </a:r>
+          </a:p>
+          <a:p>
+            <a:r>
+              <a:rPr lang="en-US" dirty="0">
+                <a:latin typeface="Consolas" panose="020B0609020204030204" pitchFamily="49" charset="0"/>
+              </a:rPr>
+              <a:t>/run – Application State Files</a:t>
+            </a:r>
+          </a:p>
+          <a:p>
+            <a:r>
+              <a:rPr lang="en-US" dirty="0">
+                <a:latin typeface="Consolas" panose="020B0609020204030204" pitchFamily="49" charset="0"/>
+              </a:rPr>
+              <a:t>/</a:t>
+            </a:r>
+            <a:r>
+              <a:rPr lang="en-US" dirty="0" err="1">
+                <a:latin typeface="Consolas" panose="020B0609020204030204" pitchFamily="49" charset="0"/>
+              </a:rPr>
+              <a:t>sbin</a:t>
+            </a:r>
+            <a:r>
+              <a:rPr lang="en-US" dirty="0">
+                <a:latin typeface="Consolas" panose="020B0609020204030204" pitchFamily="49" charset="0"/>
+              </a:rPr>
+              <a:t> – System Administration Binaries</a:t>
+            </a:r>
+          </a:p>
+          <a:p>
+            <a:r>
+              <a:rPr lang="en-US" dirty="0">
+                <a:latin typeface="Consolas" panose="020B0609020204030204" pitchFamily="49" charset="0"/>
+              </a:rPr>
+              <a:t>/</a:t>
+            </a:r>
+            <a:r>
+              <a:rPr lang="en-US" dirty="0" err="1">
+                <a:latin typeface="Consolas" panose="020B0609020204030204" pitchFamily="49" charset="0"/>
+              </a:rPr>
+              <a:t>selinux</a:t>
+            </a:r>
+            <a:r>
+              <a:rPr lang="en-US" dirty="0">
+                <a:latin typeface="Consolas" panose="020B0609020204030204" pitchFamily="49" charset="0"/>
+              </a:rPr>
+              <a:t> – </a:t>
+            </a:r>
+            <a:r>
+              <a:rPr lang="en-US" dirty="0" err="1">
+                <a:latin typeface="Consolas" panose="020B0609020204030204" pitchFamily="49" charset="0"/>
+              </a:rPr>
+              <a:t>SELinux</a:t>
+            </a:r>
+            <a:r>
+              <a:rPr lang="en-US" dirty="0">
+                <a:latin typeface="Consolas" panose="020B0609020204030204" pitchFamily="49" charset="0"/>
+              </a:rPr>
+              <a:t> Virtual File System</a:t>
+            </a:r>
+          </a:p>
+          <a:p>
+            <a:r>
+              <a:rPr lang="en-US" dirty="0">
+                <a:latin typeface="Consolas" panose="020B0609020204030204" pitchFamily="49" charset="0"/>
+              </a:rPr>
+              <a:t>/</a:t>
+            </a:r>
+            <a:r>
+              <a:rPr lang="en-US" dirty="0" err="1">
+                <a:latin typeface="Consolas" panose="020B0609020204030204" pitchFamily="49" charset="0"/>
+              </a:rPr>
+              <a:t>srv</a:t>
+            </a:r>
+            <a:r>
+              <a:rPr lang="en-US" dirty="0">
+                <a:latin typeface="Consolas" panose="020B0609020204030204" pitchFamily="49" charset="0"/>
+              </a:rPr>
+              <a:t> – Service Data</a:t>
+            </a:r>
+          </a:p>
+          <a:p>
+            <a:r>
+              <a:rPr lang="en-US" dirty="0">
+                <a:latin typeface="Consolas" panose="020B0609020204030204" pitchFamily="49" charset="0"/>
+              </a:rPr>
+              <a:t>/</a:t>
+            </a:r>
+            <a:r>
+              <a:rPr lang="en-US" dirty="0" err="1">
+                <a:latin typeface="Consolas" panose="020B0609020204030204" pitchFamily="49" charset="0"/>
+              </a:rPr>
+              <a:t>tmp</a:t>
+            </a:r>
+            <a:r>
+              <a:rPr lang="en-US" dirty="0">
+                <a:latin typeface="Consolas" panose="020B0609020204030204" pitchFamily="49" charset="0"/>
+              </a:rPr>
+              <a:t> – Temporary Files</a:t>
+            </a:r>
+          </a:p>
+          <a:p>
+            <a:r>
+              <a:rPr lang="en-US" dirty="0">
+                <a:latin typeface="Consolas" panose="020B0609020204030204" pitchFamily="49" charset="0"/>
+              </a:rPr>
+              <a:t>/</a:t>
+            </a:r>
+            <a:r>
+              <a:rPr lang="en-US" dirty="0" err="1">
+                <a:latin typeface="Consolas" panose="020B0609020204030204" pitchFamily="49" charset="0"/>
+              </a:rPr>
+              <a:t>usr</a:t>
+            </a:r>
+            <a:r>
+              <a:rPr lang="en-US" dirty="0">
+                <a:latin typeface="Consolas" panose="020B0609020204030204" pitchFamily="49" charset="0"/>
+              </a:rPr>
+              <a:t> – User Binaries &amp; Read-Only Data</a:t>
+            </a:r>
+          </a:p>
+          <a:p>
+            <a:r>
+              <a:rPr lang="en-US" dirty="0">
+                <a:latin typeface="Consolas" panose="020B0609020204030204" pitchFamily="49" charset="0"/>
+              </a:rPr>
+              <a:t>/var – Variable Data Files</a:t>
+            </a:r>
+          </a:p>
+          <a:p>
+            <a:endParaRPr lang="en-US" dirty="0">
+              <a:latin typeface="Consolas" panose="020B0609020204030204" pitchFamily="49" charset="0"/>
+            </a:endParaRPr>
+          </a:p>
+        </p:txBody>
+      </p:sp>
+    </p:spTree>
+    <p:extLst>
+      <p:ext uri="{BB962C8B-B14F-4D97-AF65-F5344CB8AC3E}">
+        <p14:creationId xmlns:p14="http://schemas.microsoft.com/office/powerpoint/2010/main" val="1719992828"/>
+      </p:ext>
+    </p:extLst>
+  </p:cSld>
+  <p:clrMapOvr>
+    <a:masterClrMapping/>
+  </p:clrMapOvr>
+</p:sld>
+</file>
+
+<file path=ppt/slides/slide13.xml><?xml version="1.0" encoding="utf-8"?>
+<p:sld xmlns:a="http://schemas.openxmlformats.org/drawingml/2006/main" xmlns:r="http://schemas.openxmlformats.org/officeDocument/2006/relationships" xmlns:p="http://schemas.openxmlformats.org/presentationml/2006/main">
+  <p:cSld>
+    <p:spTree>
+      <p:nvGrpSpPr>
+        <p:cNvPr id="1" name=""/>
+        <p:cNvGrpSpPr/>
+        <p:nvPr/>
+      </p:nvGrpSpPr>
+      <p:grpSpPr>
+        <a:xfrm>
+          <a:off x="0" y="0"/>
+          <a:ext cx="0" cy="0"/>
+          <a:chOff x="0" y="0"/>
+          <a:chExt cx="0" cy="0"/>
+        </a:xfrm>
+      </p:grpSpPr>
+      <p:sp>
+        <p:nvSpPr>
+          <p:cNvPr id="2" name="Title 1">
+            <a:extLst>
+              <a:ext uri="{FF2B5EF4-FFF2-40B4-BE49-F238E27FC236}">
+                <a16:creationId xmlns:a16="http://schemas.microsoft.com/office/drawing/2014/main" id="{F45D8A12-1A2D-4CC3-9469-44E9C29AB186}"/>
+              </a:ext>
+            </a:extLst>
+          </p:cNvPr>
+          <p:cNvSpPr>
+            <a:spLocks noGrp="1"/>
+          </p:cNvSpPr>
+          <p:nvPr>
+            <p:ph type="title"/>
+          </p:nvPr>
+        </p:nvSpPr>
+        <p:spPr/>
+        <p:txBody>
+          <a:bodyPr/>
+          <a:lstStyle/>
+          <a:p>
+            <a:r>
+              <a:rPr lang="en-US" dirty="0"/>
+              <a:t>Practice, Process text-streams</a:t>
+            </a:r>
+            <a:endParaRPr lang="fa-IR" dirty="0"/>
+          </a:p>
+        </p:txBody>
+      </p:sp>
+      <p:sp>
+        <p:nvSpPr>
+          <p:cNvPr id="3" name="Content Placeholder 2">
+            <a:extLst>
+              <a:ext uri="{FF2B5EF4-FFF2-40B4-BE49-F238E27FC236}">
+                <a16:creationId xmlns:a16="http://schemas.microsoft.com/office/drawing/2014/main" id="{D6EBB874-F5B6-47E7-84C6-8AB199F3D489}"/>
+              </a:ext>
+            </a:extLst>
+          </p:cNvPr>
+          <p:cNvSpPr>
+            <a:spLocks noGrp="1"/>
+          </p:cNvSpPr>
+          <p:nvPr>
+            <p:ph idx="1"/>
+          </p:nvPr>
+        </p:nvSpPr>
+        <p:spPr/>
+        <p:txBody>
+          <a:bodyPr/>
+          <a:lstStyle/>
+          <a:p>
+            <a:r>
+              <a:rPr lang="en-US" dirty="0">
+                <a:latin typeface="Consolas" panose="020B0609020204030204" pitchFamily="49" charset="0"/>
+              </a:rPr>
+              <a:t>&gt; piping ( | )</a:t>
+            </a:r>
+          </a:p>
+          <a:p>
+            <a:r>
+              <a:rPr lang="en-US" dirty="0">
+                <a:latin typeface="Consolas" panose="020B0609020204030204" pitchFamily="49" charset="0"/>
+              </a:rPr>
+              <a:t>&gt; redirection ( &gt; )</a:t>
+            </a:r>
+          </a:p>
+          <a:p>
+            <a:r>
+              <a:rPr lang="en-US" dirty="0">
+                <a:latin typeface="Consolas" panose="020B0609020204030204" pitchFamily="49" charset="0"/>
+              </a:rPr>
+              <a:t>&gt; cat</a:t>
+            </a:r>
+          </a:p>
+          <a:p>
+            <a:r>
+              <a:rPr lang="en-US" dirty="0">
+                <a:latin typeface="Consolas" panose="020B0609020204030204" pitchFamily="49" charset="0"/>
+              </a:rPr>
+              <a:t>&gt; od</a:t>
+            </a:r>
+          </a:p>
+          <a:p>
+            <a:r>
+              <a:rPr lang="en-US" dirty="0">
+                <a:latin typeface="Consolas" panose="020B0609020204030204" pitchFamily="49" charset="0"/>
+              </a:rPr>
+              <a:t>&gt; split</a:t>
+            </a:r>
+          </a:p>
+          <a:p>
+            <a:r>
+              <a:rPr lang="en-US" dirty="0">
+                <a:latin typeface="Consolas" panose="020B0609020204030204" pitchFamily="49" charset="0"/>
+              </a:rPr>
+              <a:t>&gt; </a:t>
+            </a:r>
+            <a:r>
+              <a:rPr lang="en-US" dirty="0" err="1">
+                <a:latin typeface="Consolas" panose="020B0609020204030204" pitchFamily="49" charset="0"/>
+              </a:rPr>
+              <a:t>wc</a:t>
+            </a:r>
+            <a:endParaRPr lang="en-US" dirty="0">
+              <a:latin typeface="Consolas" panose="020B0609020204030204" pitchFamily="49" charset="0"/>
+            </a:endParaRPr>
+          </a:p>
+          <a:p>
+            <a:r>
+              <a:rPr lang="en-US" dirty="0">
+                <a:latin typeface="Consolas" panose="020B0609020204030204" pitchFamily="49" charset="0"/>
+              </a:rPr>
+              <a:t>&gt; head &amp; tail</a:t>
+            </a:r>
+          </a:p>
+          <a:p>
+            <a:r>
+              <a:rPr lang="en-US" dirty="0">
+                <a:latin typeface="Consolas" panose="020B0609020204030204" pitchFamily="49" charset="0"/>
+              </a:rPr>
+              <a:t>&gt; </a:t>
+            </a:r>
+            <a:r>
+              <a:rPr lang="en-US" dirty="0" err="1">
+                <a:latin typeface="Consolas" panose="020B0609020204030204" pitchFamily="49" charset="0"/>
+              </a:rPr>
+              <a:t>nl</a:t>
+            </a:r>
+            <a:endParaRPr lang="en-US" dirty="0">
+              <a:latin typeface="Consolas" panose="020B0609020204030204" pitchFamily="49" charset="0"/>
+            </a:endParaRPr>
+          </a:p>
+          <a:p>
+            <a:r>
+              <a:rPr lang="en-US" dirty="0">
+                <a:latin typeface="Consolas" panose="020B0609020204030204" pitchFamily="49" charset="0"/>
+              </a:rPr>
+              <a:t>&gt; </a:t>
+            </a:r>
+            <a:r>
+              <a:rPr lang="en-US" dirty="0" err="1">
+                <a:latin typeface="Consolas" panose="020B0609020204030204" pitchFamily="49" charset="0"/>
+              </a:rPr>
+              <a:t>fmt</a:t>
+            </a:r>
+            <a:endParaRPr lang="en-US" dirty="0">
+              <a:latin typeface="Consolas" panose="020B0609020204030204" pitchFamily="49" charset="0"/>
+            </a:endParaRPr>
+          </a:p>
+          <a:p>
+            <a:r>
+              <a:rPr lang="en-US" dirty="0">
+                <a:latin typeface="Consolas" panose="020B0609020204030204" pitchFamily="49" charset="0"/>
+              </a:rPr>
+              <a:t>&gt; sort &amp; </a:t>
+            </a:r>
+            <a:r>
+              <a:rPr lang="en-US" dirty="0" err="1">
+                <a:latin typeface="Consolas" panose="020B0609020204030204" pitchFamily="49" charset="0"/>
+              </a:rPr>
+              <a:t>uniq</a:t>
+            </a:r>
+            <a:endParaRPr lang="en-US" dirty="0">
+              <a:latin typeface="Consolas" panose="020B0609020204030204" pitchFamily="49" charset="0"/>
+            </a:endParaRPr>
+          </a:p>
+          <a:p>
+            <a:endParaRPr lang="fa-IR" dirty="0">
+              <a:latin typeface="Consolas" panose="020B0609020204030204" pitchFamily="49" charset="0"/>
+            </a:endParaRPr>
+          </a:p>
+        </p:txBody>
+      </p:sp>
+    </p:spTree>
+    <p:extLst>
+      <p:ext uri="{BB962C8B-B14F-4D97-AF65-F5344CB8AC3E}">
+        <p14:creationId xmlns:p14="http://schemas.microsoft.com/office/powerpoint/2010/main" val="1875765086"/>
+      </p:ext>
+    </p:extLst>
+  </p:cSld>
+  <p:clrMapOvr>
+    <a:masterClrMapping/>
+  </p:clrMapOvr>
+</p:sld>
+</file>
+
+<file path=ppt/slides/slide14.xml><?xml version="1.0" encoding="utf-8"?>
+<p:sld xmlns:a="http://schemas.openxmlformats.org/drawingml/2006/main" xmlns:r="http://schemas.openxmlformats.org/officeDocument/2006/relationships" xmlns:p="http://schemas.openxmlformats.org/presentationml/2006/main">
+  <p:cSld>
+    <p:spTree>
+      <p:nvGrpSpPr>
+        <p:cNvPr id="1" name=""/>
+        <p:cNvGrpSpPr/>
+        <p:nvPr/>
+      </p:nvGrpSpPr>
+      <p:grpSpPr>
+        <a:xfrm>
+          <a:off x="0" y="0"/>
+          <a:ext cx="0" cy="0"/>
+          <a:chOff x="0" y="0"/>
+          <a:chExt cx="0" cy="0"/>
+        </a:xfrm>
+      </p:grpSpPr>
+      <p:sp>
+        <p:nvSpPr>
+          <p:cNvPr id="2" name="Title 1">
+            <a:extLst>
+              <a:ext uri="{FF2B5EF4-FFF2-40B4-BE49-F238E27FC236}">
+                <a16:creationId xmlns:a16="http://schemas.microsoft.com/office/drawing/2014/main" id="{66582A72-DABC-401B-B1D5-28062AAEAEAB}"/>
+              </a:ext>
+            </a:extLst>
+          </p:cNvPr>
+          <p:cNvSpPr>
+            <a:spLocks noGrp="1"/>
+          </p:cNvSpPr>
+          <p:nvPr>
+            <p:ph type="title"/>
+          </p:nvPr>
+        </p:nvSpPr>
+        <p:spPr/>
+        <p:txBody>
+          <a:bodyPr/>
+          <a:lstStyle/>
+          <a:p>
+            <a:r>
+              <a:rPr lang="en-US" dirty="0" err="1"/>
+              <a:t>Homeworks</a:t>
+            </a:r>
+            <a:endParaRPr lang="fa-IR" dirty="0"/>
+          </a:p>
+        </p:txBody>
+      </p:sp>
+      <p:sp>
+        <p:nvSpPr>
+          <p:cNvPr id="3" name="Content Placeholder 2">
+            <a:extLst>
+              <a:ext uri="{FF2B5EF4-FFF2-40B4-BE49-F238E27FC236}">
+                <a16:creationId xmlns:a16="http://schemas.microsoft.com/office/drawing/2014/main" id="{63AD1DEF-92D7-4905-A7B3-A6295ACE251E}"/>
+              </a:ext>
+            </a:extLst>
+          </p:cNvPr>
+          <p:cNvSpPr>
+            <a:spLocks noGrp="1"/>
+          </p:cNvSpPr>
+          <p:nvPr>
+            <p:ph idx="1"/>
+          </p:nvPr>
+        </p:nvSpPr>
+        <p:spPr/>
+        <p:txBody>
+          <a:bodyPr/>
+          <a:lstStyle/>
+          <a:p>
+            <a:r>
+              <a:rPr lang="en-US" dirty="0"/>
+              <a:t>Take a look at bash commands.</a:t>
+            </a:r>
+          </a:p>
+          <a:p>
+            <a:r>
+              <a:rPr lang="en-US" dirty="0"/>
+              <a:t>Take a look at </a:t>
+            </a:r>
+            <a:r>
+              <a:rPr lang="en-US" dirty="0" err="1"/>
+              <a:t>cron</a:t>
+            </a:r>
+            <a:r>
+              <a:rPr lang="en-US" dirty="0"/>
+              <a:t>-tab. What is it and how to use it?</a:t>
+            </a:r>
+          </a:p>
+          <a:p>
+            <a:r>
+              <a:rPr lang="en-US" dirty="0"/>
+              <a:t>Create a bash file which </a:t>
+            </a:r>
+          </a:p>
+          <a:p>
+            <a:pPr lvl="1"/>
+            <a:r>
+              <a:rPr lang="en-US" dirty="0"/>
+              <a:t>connects to a git repository, </a:t>
+            </a:r>
+          </a:p>
+          <a:p>
+            <a:pPr lvl="1"/>
+            <a:r>
+              <a:rPr lang="en-US" dirty="0"/>
+              <a:t>create a simple commit every hour </a:t>
+            </a:r>
+          </a:p>
+          <a:p>
+            <a:pPr lvl="1"/>
+            <a:r>
+              <a:rPr lang="en-US" dirty="0"/>
+              <a:t>and then push it to the </a:t>
+            </a:r>
+            <a:r>
+              <a:rPr lang="en-US" dirty="0" err="1"/>
+              <a:t>github</a:t>
+            </a:r>
+            <a:r>
+              <a:rPr lang="en-US" dirty="0"/>
+              <a:t>.</a:t>
+            </a:r>
+          </a:p>
+          <a:p>
+            <a:r>
+              <a:rPr lang="en-US" dirty="0"/>
+              <a:t>How to concatenate </a:t>
+            </a:r>
+            <a:r>
+              <a:rPr lang="en-US" dirty="0" err="1"/>
+              <a:t>splitt</a:t>
+            </a:r>
+            <a:r>
+              <a:rPr lang="en-US" dirty="0"/>
+              <a:t> ed files (split).</a:t>
+            </a:r>
+            <a:endParaRPr lang="fa-IR" dirty="0"/>
+          </a:p>
+        </p:txBody>
+      </p:sp>
+    </p:spTree>
+    <p:extLst>
+      <p:ext uri="{BB962C8B-B14F-4D97-AF65-F5344CB8AC3E}">
+        <p14:creationId xmlns:p14="http://schemas.microsoft.com/office/powerpoint/2010/main" val="954618008"/>
+      </p:ext>
+    </p:extLst>
+  </p:cSld>
+  <p:clrMapOvr>
+    <a:masterClrMapping/>
   </p:clrMapOvr>
 </p:sld>
 </file>
@@ -4874,6 +10781,1016 @@
     <p:extLst>
       <p:ext uri="{BB962C8B-B14F-4D97-AF65-F5344CB8AC3E}">
         <p14:creationId xmlns:p14="http://schemas.microsoft.com/office/powerpoint/2010/main" val="63040579"/>
+      </p:ext>
+    </p:extLst>
+  </p:cSld>
+  <p:clrMapOvr>
+    <a:masterClrMapping/>
+  </p:clrMapOvr>
+</p:sld>
+</file>
+
+<file path=ppt/slides/slide4.xml><?xml version="1.0" encoding="utf-8"?>
+<p:sld xmlns:a="http://schemas.openxmlformats.org/drawingml/2006/main" xmlns:r="http://schemas.openxmlformats.org/officeDocument/2006/relationships" xmlns:p="http://schemas.openxmlformats.org/presentationml/2006/main">
+  <p:cSld>
+    <p:spTree>
+      <p:nvGrpSpPr>
+        <p:cNvPr id="1" name=""/>
+        <p:cNvGrpSpPr/>
+        <p:nvPr/>
+      </p:nvGrpSpPr>
+      <p:grpSpPr>
+        <a:xfrm>
+          <a:off x="0" y="0"/>
+          <a:ext cx="0" cy="0"/>
+          <a:chOff x="0" y="0"/>
+          <a:chExt cx="0" cy="0"/>
+        </a:xfrm>
+      </p:grpSpPr>
+      <p:sp>
+        <p:nvSpPr>
+          <p:cNvPr id="2" name="Title 1">
+            <a:extLst>
+              <a:ext uri="{FF2B5EF4-FFF2-40B4-BE49-F238E27FC236}">
+                <a16:creationId xmlns:a16="http://schemas.microsoft.com/office/drawing/2014/main" id="{52D5B175-8CB9-40F3-9AC8-49E383C04494}"/>
+              </a:ext>
+            </a:extLst>
+          </p:cNvPr>
+          <p:cNvSpPr>
+            <a:spLocks noGrp="1"/>
+          </p:cNvSpPr>
+          <p:nvPr>
+            <p:ph type="title"/>
+          </p:nvPr>
+        </p:nvSpPr>
+        <p:spPr/>
+        <p:txBody>
+          <a:bodyPr/>
+          <a:lstStyle/>
+          <a:p>
+            <a:r>
+              <a:rPr lang="en-US" dirty="0"/>
+              <a:t>UNIX</a:t>
+            </a:r>
+            <a:endParaRPr lang="fa-IR" dirty="0"/>
+          </a:p>
+        </p:txBody>
+      </p:sp>
+      <p:sp>
+        <p:nvSpPr>
+          <p:cNvPr id="3" name="Content Placeholder 2">
+            <a:extLst>
+              <a:ext uri="{FF2B5EF4-FFF2-40B4-BE49-F238E27FC236}">
+                <a16:creationId xmlns:a16="http://schemas.microsoft.com/office/drawing/2014/main" id="{44B24221-F262-41CF-8AB9-7A9FECDB0437}"/>
+              </a:ext>
+            </a:extLst>
+          </p:cNvPr>
+          <p:cNvSpPr>
+            <a:spLocks noGrp="1"/>
+          </p:cNvSpPr>
+          <p:nvPr>
+            <p:ph idx="1"/>
+          </p:nvPr>
+        </p:nvSpPr>
+        <p:spPr/>
+        <p:txBody>
+          <a:bodyPr>
+            <a:normAutofit/>
+          </a:bodyPr>
+          <a:lstStyle/>
+          <a:p>
+            <a:r>
+              <a:rPr lang="en-US" dirty="0"/>
+              <a:t>Development started in 1970 at the Bell labs by</a:t>
+            </a:r>
+          </a:p>
+          <a:p>
+            <a:pPr lvl="1"/>
+            <a:r>
+              <a:rPr lang="en-US" dirty="0"/>
+              <a:t>Ken Thompson</a:t>
+            </a:r>
+          </a:p>
+          <a:p>
+            <a:pPr lvl="1"/>
+            <a:r>
+              <a:rPr lang="en-US" dirty="0"/>
+              <a:t>Dennis Ritchie</a:t>
+            </a:r>
+          </a:p>
+          <a:p>
+            <a:pPr lvl="1"/>
+            <a:r>
+              <a:rPr lang="en-US" dirty="0"/>
+              <a:t>And others.</a:t>
+            </a:r>
+          </a:p>
+          <a:p>
+            <a:r>
+              <a:rPr lang="en-US" dirty="0"/>
+              <a:t>Unix was originally meant to be a convenient platform for programmers developing software to be run on it and on other systems, rather than for non-programmers.</a:t>
+            </a:r>
+          </a:p>
+          <a:p>
+            <a:endParaRPr lang="fa-IR" dirty="0"/>
+          </a:p>
+        </p:txBody>
+      </p:sp>
+    </p:spTree>
+    <p:extLst>
+      <p:ext uri="{BB962C8B-B14F-4D97-AF65-F5344CB8AC3E}">
+        <p14:creationId xmlns:p14="http://schemas.microsoft.com/office/powerpoint/2010/main" val="1356046409"/>
+      </p:ext>
+    </p:extLst>
+  </p:cSld>
+  <p:clrMapOvr>
+    <a:masterClrMapping/>
+  </p:clrMapOvr>
+</p:sld>
+</file>
+
+<file path=ppt/slides/slide5.xml><?xml version="1.0" encoding="utf-8"?>
+<p:sld xmlns:a="http://schemas.openxmlformats.org/drawingml/2006/main" xmlns:r="http://schemas.openxmlformats.org/officeDocument/2006/relationships" xmlns:p="http://schemas.openxmlformats.org/presentationml/2006/main">
+  <p:cSld>
+    <p:spTree>
+      <p:nvGrpSpPr>
+        <p:cNvPr id="1" name=""/>
+        <p:cNvGrpSpPr/>
+        <p:nvPr/>
+      </p:nvGrpSpPr>
+      <p:grpSpPr>
+        <a:xfrm>
+          <a:off x="0" y="0"/>
+          <a:ext cx="0" cy="0"/>
+          <a:chOff x="0" y="0"/>
+          <a:chExt cx="0" cy="0"/>
+        </a:xfrm>
+      </p:grpSpPr>
+      <p:sp>
+        <p:nvSpPr>
+          <p:cNvPr id="2" name="Title 1">
+            <a:extLst>
+              <a:ext uri="{FF2B5EF4-FFF2-40B4-BE49-F238E27FC236}">
+                <a16:creationId xmlns:a16="http://schemas.microsoft.com/office/drawing/2014/main" id="{1FB71001-1313-45EE-9B1C-E5CBA20881A8}"/>
+              </a:ext>
+            </a:extLst>
+          </p:cNvPr>
+          <p:cNvSpPr>
+            <a:spLocks noGrp="1"/>
+          </p:cNvSpPr>
+          <p:nvPr>
+            <p:ph type="title"/>
+          </p:nvPr>
+        </p:nvSpPr>
+        <p:spPr/>
+        <p:txBody>
+          <a:bodyPr/>
+          <a:lstStyle/>
+          <a:p>
+            <a:r>
+              <a:rPr lang="en-US" dirty="0"/>
+              <a:t>Three main components</a:t>
+            </a:r>
+            <a:endParaRPr lang="fa-IR" dirty="0"/>
+          </a:p>
+        </p:txBody>
+      </p:sp>
+      <p:pic>
+        <p:nvPicPr>
+          <p:cNvPr id="5" name="Content Placeholder 4">
+            <a:extLst>
+              <a:ext uri="{FF2B5EF4-FFF2-40B4-BE49-F238E27FC236}">
+                <a16:creationId xmlns:a16="http://schemas.microsoft.com/office/drawing/2014/main" id="{392C1CDE-DD73-4423-8EA2-707CD774BA2D}"/>
+              </a:ext>
+            </a:extLst>
+          </p:cNvPr>
+          <p:cNvPicPr>
+            <a:picLocks noGrp="1" noChangeAspect="1"/>
+          </p:cNvPicPr>
+          <p:nvPr>
+            <p:ph idx="1"/>
+          </p:nvPr>
+        </p:nvPicPr>
+        <p:blipFill>
+          <a:blip r:embed="rId3"/>
+          <a:stretch>
+            <a:fillRect/>
+          </a:stretch>
+        </p:blipFill>
+        <p:spPr>
+          <a:xfrm>
+            <a:off x="2506384" y="2103438"/>
+            <a:ext cx="4131231" cy="3849687"/>
+          </a:xfrm>
+        </p:spPr>
+      </p:pic>
+    </p:spTree>
+    <p:extLst>
+      <p:ext uri="{BB962C8B-B14F-4D97-AF65-F5344CB8AC3E}">
+        <p14:creationId xmlns:p14="http://schemas.microsoft.com/office/powerpoint/2010/main" val="1446638250"/>
+      </p:ext>
+    </p:extLst>
+  </p:cSld>
+  <p:clrMapOvr>
+    <a:masterClrMapping/>
+  </p:clrMapOvr>
+</p:sld>
+</file>
+
+<file path=ppt/slides/slide6.xml><?xml version="1.0" encoding="utf-8"?>
+<p:sld xmlns:a="http://schemas.openxmlformats.org/drawingml/2006/main" xmlns:r="http://schemas.openxmlformats.org/officeDocument/2006/relationships" xmlns:p="http://schemas.openxmlformats.org/presentationml/2006/main">
+  <p:cSld>
+    <p:spTree>
+      <p:nvGrpSpPr>
+        <p:cNvPr id="1" name=""/>
+        <p:cNvGrpSpPr/>
+        <p:nvPr/>
+      </p:nvGrpSpPr>
+      <p:grpSpPr>
+        <a:xfrm>
+          <a:off x="0" y="0"/>
+          <a:ext cx="0" cy="0"/>
+          <a:chOff x="0" y="0"/>
+          <a:chExt cx="0" cy="0"/>
+        </a:xfrm>
+      </p:grpSpPr>
+      <p:sp>
+        <p:nvSpPr>
+          <p:cNvPr id="2" name="Title 1">
+            <a:extLst>
+              <a:ext uri="{FF2B5EF4-FFF2-40B4-BE49-F238E27FC236}">
+                <a16:creationId xmlns:a16="http://schemas.microsoft.com/office/drawing/2014/main" id="{31D88D56-260B-4583-9305-BFCB1881E837}"/>
+              </a:ext>
+            </a:extLst>
+          </p:cNvPr>
+          <p:cNvSpPr>
+            <a:spLocks noGrp="1"/>
+          </p:cNvSpPr>
+          <p:nvPr>
+            <p:ph type="title"/>
+          </p:nvPr>
+        </p:nvSpPr>
+        <p:spPr/>
+        <p:txBody>
+          <a:bodyPr/>
+          <a:lstStyle/>
+          <a:p>
+            <a:r>
+              <a:rPr lang="en-US" dirty="0"/>
+              <a:t>And more detailed</a:t>
+            </a:r>
+            <a:endParaRPr lang="fa-IR" dirty="0"/>
+          </a:p>
+        </p:txBody>
+      </p:sp>
+      <p:sp>
+        <p:nvSpPr>
+          <p:cNvPr id="3" name="Content Placeholder 2">
+            <a:extLst>
+              <a:ext uri="{FF2B5EF4-FFF2-40B4-BE49-F238E27FC236}">
+                <a16:creationId xmlns:a16="http://schemas.microsoft.com/office/drawing/2014/main" id="{288E31F0-C8A6-4BC1-9000-0E733938D3C9}"/>
+              </a:ext>
+            </a:extLst>
+          </p:cNvPr>
+          <p:cNvSpPr>
+            <a:spLocks noGrp="1"/>
+          </p:cNvSpPr>
+          <p:nvPr>
+            <p:ph idx="1"/>
+          </p:nvPr>
+        </p:nvSpPr>
+        <p:spPr/>
+        <p:txBody>
+          <a:bodyPr/>
+          <a:lstStyle/>
+          <a:p>
+            <a:r>
+              <a:rPr lang="en-US" dirty="0"/>
+              <a:t>UNIX Consists of:</a:t>
+            </a:r>
+          </a:p>
+          <a:p>
+            <a:pPr lvl="1"/>
+            <a:r>
+              <a:rPr lang="en-US" dirty="0"/>
+              <a:t>commands - programs and utilities that you run</a:t>
+            </a:r>
+          </a:p>
+          <a:p>
+            <a:pPr lvl="1"/>
+            <a:r>
+              <a:rPr lang="en-US" dirty="0"/>
+              <a:t>shells - command line interpreters</a:t>
+            </a:r>
+          </a:p>
+          <a:p>
+            <a:pPr lvl="1"/>
+            <a:r>
+              <a:rPr lang="en-US" dirty="0"/>
+              <a:t>file systems - data storage systems</a:t>
+            </a:r>
+          </a:p>
+          <a:p>
+            <a:pPr lvl="1"/>
+            <a:r>
+              <a:rPr lang="en-US" dirty="0"/>
+              <a:t>programming interfaces - function libraries and system calls</a:t>
+            </a:r>
+          </a:p>
+          <a:p>
+            <a:pPr lvl="1"/>
+            <a:r>
+              <a:rPr lang="en-US" dirty="0"/>
+              <a:t>kernel - the main control program that provides access to computing resources</a:t>
+            </a:r>
+          </a:p>
+          <a:p>
+            <a:pPr lvl="1"/>
+            <a:r>
+              <a:rPr lang="en-US" dirty="0"/>
+              <a:t>Documentation – Unix was an operating system that includes all of its documentation online in machine-readable form.</a:t>
+            </a:r>
+          </a:p>
+          <a:p>
+            <a:endParaRPr lang="fa-IR" dirty="0"/>
+          </a:p>
+        </p:txBody>
+      </p:sp>
+    </p:spTree>
+    <p:extLst>
+      <p:ext uri="{BB962C8B-B14F-4D97-AF65-F5344CB8AC3E}">
+        <p14:creationId xmlns:p14="http://schemas.microsoft.com/office/powerpoint/2010/main" val="2942951574"/>
+      </p:ext>
+    </p:extLst>
+  </p:cSld>
+  <p:clrMapOvr>
+    <a:masterClrMapping/>
+  </p:clrMapOvr>
+</p:sld>
+</file>
+
+<file path=ppt/slides/slide7.xml><?xml version="1.0" encoding="utf-8"?>
+<p:sld xmlns:a="http://schemas.openxmlformats.org/drawingml/2006/main" xmlns:r="http://schemas.openxmlformats.org/officeDocument/2006/relationships" xmlns:p="http://schemas.openxmlformats.org/presentationml/2006/main">
+  <p:cSld>
+    <p:spTree>
+      <p:nvGrpSpPr>
+        <p:cNvPr id="1" name=""/>
+        <p:cNvGrpSpPr/>
+        <p:nvPr/>
+      </p:nvGrpSpPr>
+      <p:grpSpPr>
+        <a:xfrm>
+          <a:off x="0" y="0"/>
+          <a:ext cx="0" cy="0"/>
+          <a:chOff x="0" y="0"/>
+          <a:chExt cx="0" cy="0"/>
+        </a:xfrm>
+      </p:grpSpPr>
+      <p:sp>
+        <p:nvSpPr>
+          <p:cNvPr id="2" name="Title 1">
+            <a:extLst>
+              <a:ext uri="{FF2B5EF4-FFF2-40B4-BE49-F238E27FC236}">
+                <a16:creationId xmlns:a16="http://schemas.microsoft.com/office/drawing/2014/main" id="{73F56988-0843-4972-A9AD-2082D65D2698}"/>
+              </a:ext>
+            </a:extLst>
+          </p:cNvPr>
+          <p:cNvSpPr>
+            <a:spLocks noGrp="1"/>
+          </p:cNvSpPr>
+          <p:nvPr>
+            <p:ph type="title"/>
+          </p:nvPr>
+        </p:nvSpPr>
+        <p:spPr/>
+        <p:txBody>
+          <a:bodyPr/>
+          <a:lstStyle/>
+          <a:p>
+            <a:r>
+              <a:rPr lang="en-US" dirty="0"/>
+              <a:t>UNIX Commands</a:t>
+            </a:r>
+            <a:endParaRPr lang="fa-IR" dirty="0"/>
+          </a:p>
+        </p:txBody>
+      </p:sp>
+      <p:sp>
+        <p:nvSpPr>
+          <p:cNvPr id="3" name="Content Placeholder 2">
+            <a:extLst>
+              <a:ext uri="{FF2B5EF4-FFF2-40B4-BE49-F238E27FC236}">
+                <a16:creationId xmlns:a16="http://schemas.microsoft.com/office/drawing/2014/main" id="{2195CBE0-9A63-49DA-8F15-2346FA837DB0}"/>
+              </a:ext>
+            </a:extLst>
+          </p:cNvPr>
+          <p:cNvSpPr>
+            <a:spLocks noGrp="1"/>
+          </p:cNvSpPr>
+          <p:nvPr>
+            <p:ph idx="1"/>
+          </p:nvPr>
+        </p:nvSpPr>
+        <p:spPr>
+          <a:xfrm>
+            <a:off x="809625" y="2103120"/>
+            <a:ext cx="7543800" cy="3849624"/>
+          </a:xfrm>
+        </p:spPr>
+        <p:txBody>
+          <a:bodyPr/>
+          <a:lstStyle/>
+          <a:p>
+            <a:r>
+              <a:rPr lang="en-US" dirty="0">
+                <a:latin typeface="Consolas" panose="020B0609020204030204" pitchFamily="49" charset="0"/>
+              </a:rPr>
+              <a:t>&gt; admin</a:t>
+            </a:r>
+          </a:p>
+          <a:p>
+            <a:pPr lvl="1"/>
+            <a:r>
+              <a:rPr lang="en-US" dirty="0"/>
+              <a:t>Ref: </a:t>
+            </a:r>
+            <a:r>
+              <a:rPr lang="en-US" dirty="0" err="1"/>
+              <a:t>sccs</a:t>
+            </a:r>
+            <a:r>
+              <a:rPr lang="en-US" dirty="0"/>
+              <a:t> in </a:t>
+            </a:r>
+            <a:r>
+              <a:rPr lang="en-US" dirty="0" err="1"/>
+              <a:t>prev</a:t>
+            </a:r>
+            <a:r>
+              <a:rPr lang="en-US" dirty="0"/>
+              <a:t> session (</a:t>
+            </a:r>
+            <a:r>
+              <a:rPr lang="en-US" dirty="0" err="1">
+                <a:latin typeface="Consolas" panose="020B0609020204030204" pitchFamily="49" charset="0"/>
+              </a:rPr>
+              <a:t>sccs</a:t>
+            </a:r>
+            <a:r>
+              <a:rPr lang="en-US" dirty="0">
+                <a:latin typeface="Consolas" panose="020B0609020204030204" pitchFamily="49" charset="0"/>
+              </a:rPr>
+              <a:t> admin &lt;filename&gt;</a:t>
+            </a:r>
+            <a:r>
+              <a:rPr lang="en-US" dirty="0"/>
+              <a:t>)</a:t>
+            </a:r>
+          </a:p>
+          <a:p>
+            <a:r>
+              <a:rPr lang="en-US" dirty="0">
+                <a:latin typeface="Consolas" panose="020B0609020204030204" pitchFamily="49" charset="0"/>
+              </a:rPr>
+              <a:t>&gt; alias</a:t>
+            </a:r>
+          </a:p>
+          <a:p>
+            <a:r>
+              <a:rPr lang="en-US" dirty="0">
+                <a:latin typeface="Consolas" panose="020B0609020204030204" pitchFamily="49" charset="0"/>
+              </a:rPr>
+              <a:t>&gt; cat</a:t>
+            </a:r>
+          </a:p>
+          <a:p>
+            <a:r>
+              <a:rPr lang="en-US" dirty="0">
+                <a:latin typeface="Consolas" panose="020B0609020204030204" pitchFamily="49" charset="0"/>
+              </a:rPr>
+              <a:t>&gt; cd</a:t>
+            </a:r>
+          </a:p>
+          <a:p>
+            <a:r>
+              <a:rPr lang="en-US" dirty="0">
+                <a:latin typeface="Consolas" panose="020B0609020204030204" pitchFamily="49" charset="0"/>
+              </a:rPr>
+              <a:t>&gt; cp</a:t>
+            </a:r>
+          </a:p>
+          <a:p>
+            <a:r>
+              <a:rPr lang="en-US" dirty="0">
+                <a:latin typeface="Consolas" panose="020B0609020204030204" pitchFamily="49" charset="0"/>
+              </a:rPr>
+              <a:t>&gt; du</a:t>
+            </a:r>
+          </a:p>
+          <a:p>
+            <a:r>
+              <a:rPr lang="en-US" dirty="0">
+                <a:latin typeface="Consolas" panose="020B0609020204030204" pitchFamily="49" charset="0"/>
+              </a:rPr>
+              <a:t>&gt; grep</a:t>
+            </a:r>
+          </a:p>
+          <a:p>
+            <a:r>
+              <a:rPr lang="en-US" dirty="0">
+                <a:latin typeface="Consolas" panose="020B0609020204030204" pitchFamily="49" charset="0"/>
+              </a:rPr>
+              <a:t>&gt; ls</a:t>
+            </a:r>
+            <a:endParaRPr lang="fa-IR" dirty="0">
+              <a:latin typeface="Consolas" panose="020B0609020204030204" pitchFamily="49" charset="0"/>
+            </a:endParaRPr>
+          </a:p>
+        </p:txBody>
+      </p:sp>
+    </p:spTree>
+    <p:extLst>
+      <p:ext uri="{BB962C8B-B14F-4D97-AF65-F5344CB8AC3E}">
+        <p14:creationId xmlns:p14="http://schemas.microsoft.com/office/powerpoint/2010/main" val="1347346284"/>
+      </p:ext>
+    </p:extLst>
+  </p:cSld>
+  <p:clrMapOvr>
+    <a:masterClrMapping/>
+  </p:clrMapOvr>
+</p:sld>
+</file>
+
+<file path=ppt/slides/slide8.xml><?xml version="1.0" encoding="utf-8"?>
+<p:sld xmlns:a="http://schemas.openxmlformats.org/drawingml/2006/main" xmlns:r="http://schemas.openxmlformats.org/officeDocument/2006/relationships" xmlns:p="http://schemas.openxmlformats.org/presentationml/2006/main">
+  <p:cSld>
+    <p:spTree>
+      <p:nvGrpSpPr>
+        <p:cNvPr id="1" name=""/>
+        <p:cNvGrpSpPr/>
+        <p:nvPr/>
+      </p:nvGrpSpPr>
+      <p:grpSpPr>
+        <a:xfrm>
+          <a:off x="0" y="0"/>
+          <a:ext cx="0" cy="0"/>
+          <a:chOff x="0" y="0"/>
+          <a:chExt cx="0" cy="0"/>
+        </a:xfrm>
+      </p:grpSpPr>
+      <p:sp>
+        <p:nvSpPr>
+          <p:cNvPr id="2" name="Title 1">
+            <a:extLst>
+              <a:ext uri="{FF2B5EF4-FFF2-40B4-BE49-F238E27FC236}">
+                <a16:creationId xmlns:a16="http://schemas.microsoft.com/office/drawing/2014/main" id="{9109845D-2347-42BC-8A86-92C7803ACE0E}"/>
+              </a:ext>
+            </a:extLst>
+          </p:cNvPr>
+          <p:cNvSpPr>
+            <a:spLocks noGrp="1"/>
+          </p:cNvSpPr>
+          <p:nvPr>
+            <p:ph type="title"/>
+          </p:nvPr>
+        </p:nvSpPr>
+        <p:spPr/>
+        <p:txBody>
+          <a:bodyPr/>
+          <a:lstStyle/>
+          <a:p>
+            <a:r>
+              <a:rPr lang="en-US" dirty="0"/>
+              <a:t>How cd command implemented?</a:t>
+            </a:r>
+            <a:endParaRPr lang="fa-IR" dirty="0"/>
+          </a:p>
+        </p:txBody>
+      </p:sp>
+      <p:sp>
+        <p:nvSpPr>
+          <p:cNvPr id="3" name="Content Placeholder 2">
+            <a:extLst>
+              <a:ext uri="{FF2B5EF4-FFF2-40B4-BE49-F238E27FC236}">
+                <a16:creationId xmlns:a16="http://schemas.microsoft.com/office/drawing/2014/main" id="{790AAC09-7DFE-4A11-9CDA-0C729F856B20}"/>
+              </a:ext>
+            </a:extLst>
+          </p:cNvPr>
+          <p:cNvSpPr>
+            <a:spLocks noGrp="1"/>
+          </p:cNvSpPr>
+          <p:nvPr>
+            <p:ph idx="1"/>
+          </p:nvPr>
+        </p:nvSpPr>
+        <p:spPr/>
+        <p:txBody>
+          <a:bodyPr>
+            <a:normAutofit fontScale="77500" lnSpcReduction="20000"/>
+          </a:bodyPr>
+          <a:lstStyle/>
+          <a:p>
+            <a:r>
+              <a:rPr lang="en-US" dirty="0"/>
+              <a:t>It is actually a system-call (interrupt).</a:t>
+            </a:r>
+          </a:p>
+          <a:p>
+            <a:r>
+              <a:rPr lang="en-US" dirty="0"/>
+              <a:t>It was an equivalent of </a:t>
+            </a:r>
+            <a:r>
+              <a:rPr lang="en-US" dirty="0" err="1">
+                <a:latin typeface="Consolas" panose="020B0609020204030204" pitchFamily="49" charset="0"/>
+              </a:rPr>
+              <a:t>chdir</a:t>
+            </a:r>
+            <a:r>
+              <a:rPr lang="en-US" dirty="0"/>
+              <a:t> command</a:t>
+            </a:r>
+          </a:p>
+          <a:p>
+            <a:pPr marL="0" indent="0">
+              <a:buNone/>
+            </a:pPr>
+            <a:endParaRPr lang="en-US" dirty="0"/>
+          </a:p>
+          <a:p>
+            <a:pPr marL="0" indent="0">
+              <a:buNone/>
+            </a:pPr>
+            <a:r>
+              <a:rPr lang="en-US" dirty="0">
+                <a:latin typeface="Consolas" panose="020B0609020204030204" pitchFamily="49" charset="0"/>
+              </a:rPr>
+              <a:t>#include &lt;</a:t>
+            </a:r>
+            <a:r>
+              <a:rPr lang="en-US" dirty="0" err="1">
+                <a:latin typeface="Consolas" panose="020B0609020204030204" pitchFamily="49" charset="0"/>
+              </a:rPr>
+              <a:t>unistd.h</a:t>
+            </a:r>
+            <a:r>
+              <a:rPr lang="en-US" dirty="0">
+                <a:latin typeface="Consolas" panose="020B0609020204030204" pitchFamily="49" charset="0"/>
+              </a:rPr>
+              <a:t>&gt;</a:t>
+            </a:r>
+          </a:p>
+          <a:p>
+            <a:pPr marL="0" indent="0">
+              <a:buNone/>
+            </a:pPr>
+            <a:r>
+              <a:rPr lang="en-US" dirty="0">
+                <a:latin typeface="Consolas" panose="020B0609020204030204" pitchFamily="49" charset="0"/>
+              </a:rPr>
+              <a:t>#include &lt;</a:t>
+            </a:r>
+            <a:r>
+              <a:rPr lang="en-US" dirty="0" err="1">
+                <a:latin typeface="Consolas" panose="020B0609020204030204" pitchFamily="49" charset="0"/>
+              </a:rPr>
+              <a:t>hurd.h</a:t>
+            </a:r>
+            <a:r>
+              <a:rPr lang="en-US" dirty="0">
+                <a:latin typeface="Consolas" panose="020B0609020204030204" pitchFamily="49" charset="0"/>
+              </a:rPr>
+              <a:t>&gt;</a:t>
+            </a:r>
+          </a:p>
+          <a:p>
+            <a:pPr marL="0" indent="0">
+              <a:buNone/>
+            </a:pPr>
+            <a:r>
+              <a:rPr lang="en-US" dirty="0">
+                <a:latin typeface="Consolas" panose="020B0609020204030204" pitchFamily="49" charset="0"/>
+              </a:rPr>
+              <a:t>#include &lt;</a:t>
+            </a:r>
+            <a:r>
+              <a:rPr lang="en-US" dirty="0" err="1">
+                <a:latin typeface="Consolas" panose="020B0609020204030204" pitchFamily="49" charset="0"/>
+              </a:rPr>
+              <a:t>fcntl.h</a:t>
+            </a:r>
+            <a:r>
+              <a:rPr lang="en-US" dirty="0">
+                <a:latin typeface="Consolas" panose="020B0609020204030204" pitchFamily="49" charset="0"/>
+              </a:rPr>
+              <a:t>&gt;</a:t>
+            </a:r>
+          </a:p>
+          <a:p>
+            <a:pPr marL="0" indent="0">
+              <a:buNone/>
+            </a:pPr>
+            <a:r>
+              <a:rPr lang="en-US" dirty="0">
+                <a:latin typeface="Consolas" panose="020B0609020204030204" pitchFamily="49" charset="0"/>
+              </a:rPr>
+              <a:t>#include &lt;</a:t>
+            </a:r>
+            <a:r>
+              <a:rPr lang="en-US" dirty="0" err="1">
+                <a:latin typeface="Consolas" panose="020B0609020204030204" pitchFamily="49" charset="0"/>
+              </a:rPr>
+              <a:t>hurd</a:t>
+            </a:r>
+            <a:r>
+              <a:rPr lang="en-US" dirty="0">
+                <a:latin typeface="Consolas" panose="020B0609020204030204" pitchFamily="49" charset="0"/>
+              </a:rPr>
+              <a:t>/</a:t>
+            </a:r>
+            <a:r>
+              <a:rPr lang="en-US" dirty="0" err="1">
+                <a:latin typeface="Consolas" panose="020B0609020204030204" pitchFamily="49" charset="0"/>
+              </a:rPr>
+              <a:t>port.h</a:t>
+            </a:r>
+            <a:r>
+              <a:rPr lang="en-US" dirty="0">
+                <a:latin typeface="Consolas" panose="020B0609020204030204" pitchFamily="49" charset="0"/>
+              </a:rPr>
+              <a:t>&gt;</a:t>
+            </a:r>
+          </a:p>
+          <a:p>
+            <a:pPr marL="0" indent="0">
+              <a:buNone/>
+            </a:pPr>
+            <a:r>
+              <a:rPr lang="en-US" dirty="0">
+                <a:latin typeface="Consolas" panose="020B0609020204030204" pitchFamily="49" charset="0"/>
+              </a:rPr>
+              <a:t>/* Change the current directory to FILE_NAME.  */</a:t>
+            </a:r>
+          </a:p>
+          <a:p>
+            <a:pPr marL="0" indent="0">
+              <a:buNone/>
+            </a:pPr>
+            <a:r>
+              <a:rPr lang="en-US" dirty="0">
+                <a:latin typeface="Consolas" panose="020B0609020204030204" pitchFamily="49" charset="0"/>
+              </a:rPr>
+              <a:t>int __</a:t>
+            </a:r>
+            <a:r>
+              <a:rPr lang="en-US" dirty="0" err="1">
+                <a:latin typeface="Consolas" panose="020B0609020204030204" pitchFamily="49" charset="0"/>
+              </a:rPr>
+              <a:t>chdir</a:t>
+            </a:r>
+            <a:r>
+              <a:rPr lang="en-US" dirty="0">
+                <a:latin typeface="Consolas" panose="020B0609020204030204" pitchFamily="49" charset="0"/>
+              </a:rPr>
+              <a:t> (const char *</a:t>
+            </a:r>
+            <a:r>
+              <a:rPr lang="en-US" dirty="0" err="1">
+                <a:latin typeface="Consolas" panose="020B0609020204030204" pitchFamily="49" charset="0"/>
+              </a:rPr>
+              <a:t>file_name</a:t>
+            </a:r>
+            <a:r>
+              <a:rPr lang="en-US" dirty="0">
+                <a:latin typeface="Consolas" panose="020B0609020204030204" pitchFamily="49" charset="0"/>
+              </a:rPr>
+              <a:t>)</a:t>
+            </a:r>
+          </a:p>
+          <a:p>
+            <a:pPr marL="0" indent="0">
+              <a:buNone/>
+            </a:pPr>
+            <a:r>
+              <a:rPr lang="en-US" dirty="0">
+                <a:latin typeface="Consolas" panose="020B0609020204030204" pitchFamily="49" charset="0"/>
+              </a:rPr>
+              <a:t>{</a:t>
+            </a:r>
+          </a:p>
+          <a:p>
+            <a:pPr marL="0" indent="0">
+              <a:buNone/>
+            </a:pPr>
+            <a:r>
+              <a:rPr lang="en-US" dirty="0">
+                <a:latin typeface="Consolas" panose="020B0609020204030204" pitchFamily="49" charset="0"/>
+              </a:rPr>
+              <a:t>  return _</a:t>
+            </a:r>
+            <a:r>
+              <a:rPr lang="en-US" dirty="0" err="1">
+                <a:latin typeface="Consolas" panose="020B0609020204030204" pitchFamily="49" charset="0"/>
+              </a:rPr>
+              <a:t>hurd_change_directory_port_from_name</a:t>
+            </a:r>
+            <a:r>
+              <a:rPr lang="en-US" dirty="0">
+                <a:latin typeface="Consolas" panose="020B0609020204030204" pitchFamily="49" charset="0"/>
+              </a:rPr>
+              <a:t> (&amp;_</a:t>
+            </a:r>
+            <a:r>
+              <a:rPr lang="en-US" dirty="0" err="1">
+                <a:latin typeface="Consolas" panose="020B0609020204030204" pitchFamily="49" charset="0"/>
+              </a:rPr>
+              <a:t>hurd_ports</a:t>
+            </a:r>
+            <a:r>
+              <a:rPr lang="en-US" dirty="0">
+                <a:latin typeface="Consolas" panose="020B0609020204030204" pitchFamily="49" charset="0"/>
+              </a:rPr>
+              <a:t>[INIT_PORT_CWDIR], </a:t>
+            </a:r>
+            <a:r>
+              <a:rPr lang="en-US" dirty="0" err="1">
+                <a:latin typeface="Consolas" panose="020B0609020204030204" pitchFamily="49" charset="0"/>
+              </a:rPr>
+              <a:t>file_name</a:t>
+            </a:r>
+            <a:r>
+              <a:rPr lang="en-US" dirty="0">
+                <a:latin typeface="Consolas" panose="020B0609020204030204" pitchFamily="49" charset="0"/>
+              </a:rPr>
+              <a:t>);</a:t>
+            </a:r>
+          </a:p>
+          <a:p>
+            <a:pPr marL="0" indent="0">
+              <a:buNone/>
+            </a:pPr>
+            <a:r>
+              <a:rPr lang="en-US" dirty="0">
+                <a:latin typeface="Consolas" panose="020B0609020204030204" pitchFamily="49" charset="0"/>
+              </a:rPr>
+              <a:t>}</a:t>
+            </a:r>
+          </a:p>
+          <a:p>
+            <a:pPr marL="0" indent="0">
+              <a:buNone/>
+            </a:pPr>
+            <a:r>
+              <a:rPr lang="en-US" dirty="0" err="1">
+                <a:latin typeface="Consolas" panose="020B0609020204030204" pitchFamily="49" charset="0"/>
+              </a:rPr>
+              <a:t>weak_alias</a:t>
+            </a:r>
+            <a:r>
+              <a:rPr lang="en-US" dirty="0">
+                <a:latin typeface="Consolas" panose="020B0609020204030204" pitchFamily="49" charset="0"/>
+              </a:rPr>
+              <a:t> (__</a:t>
+            </a:r>
+            <a:r>
+              <a:rPr lang="en-US" dirty="0" err="1">
+                <a:latin typeface="Consolas" panose="020B0609020204030204" pitchFamily="49" charset="0"/>
+              </a:rPr>
+              <a:t>chdir</a:t>
+            </a:r>
+            <a:r>
+              <a:rPr lang="en-US" dirty="0">
+                <a:latin typeface="Consolas" panose="020B0609020204030204" pitchFamily="49" charset="0"/>
+              </a:rPr>
+              <a:t>, </a:t>
+            </a:r>
+            <a:r>
+              <a:rPr lang="en-US" dirty="0" err="1">
+                <a:latin typeface="Consolas" panose="020B0609020204030204" pitchFamily="49" charset="0"/>
+              </a:rPr>
+              <a:t>chdir</a:t>
+            </a:r>
+            <a:r>
+              <a:rPr lang="en-US" dirty="0">
+                <a:latin typeface="Consolas" panose="020B0609020204030204" pitchFamily="49" charset="0"/>
+              </a:rPr>
+              <a:t>)</a:t>
+            </a:r>
+          </a:p>
+          <a:p>
+            <a:endParaRPr lang="fa-IR" dirty="0"/>
+          </a:p>
+        </p:txBody>
+      </p:sp>
+    </p:spTree>
+    <p:extLst>
+      <p:ext uri="{BB962C8B-B14F-4D97-AF65-F5344CB8AC3E}">
+        <p14:creationId xmlns:p14="http://schemas.microsoft.com/office/powerpoint/2010/main" val="3423151945"/>
+      </p:ext>
+    </p:extLst>
+  </p:cSld>
+  <p:clrMapOvr>
+    <a:masterClrMapping/>
+  </p:clrMapOvr>
+</p:sld>
+</file>
+
+<file path=ppt/slides/slide9.xml><?xml version="1.0" encoding="utf-8"?>
+<p:sld xmlns:a="http://schemas.openxmlformats.org/drawingml/2006/main" xmlns:r="http://schemas.openxmlformats.org/officeDocument/2006/relationships" xmlns:p="http://schemas.openxmlformats.org/presentationml/2006/main">
+  <p:cSld>
+    <p:spTree>
+      <p:nvGrpSpPr>
+        <p:cNvPr id="1" name=""/>
+        <p:cNvGrpSpPr/>
+        <p:nvPr/>
+      </p:nvGrpSpPr>
+      <p:grpSpPr>
+        <a:xfrm>
+          <a:off x="0" y="0"/>
+          <a:ext cx="0" cy="0"/>
+          <a:chOff x="0" y="0"/>
+          <a:chExt cx="0" cy="0"/>
+        </a:xfrm>
+      </p:grpSpPr>
+      <p:sp>
+        <p:nvSpPr>
+          <p:cNvPr id="2" name="Title 1">
+            <a:extLst>
+              <a:ext uri="{FF2B5EF4-FFF2-40B4-BE49-F238E27FC236}">
+                <a16:creationId xmlns:a16="http://schemas.microsoft.com/office/drawing/2014/main" id="{69EC0DA4-7096-40EA-8296-D63D533D0C30}"/>
+              </a:ext>
+            </a:extLst>
+          </p:cNvPr>
+          <p:cNvSpPr>
+            <a:spLocks noGrp="1"/>
+          </p:cNvSpPr>
+          <p:nvPr>
+            <p:ph type="title"/>
+          </p:nvPr>
+        </p:nvSpPr>
+        <p:spPr/>
+        <p:txBody>
+          <a:bodyPr/>
+          <a:lstStyle/>
+          <a:p>
+            <a:r>
+              <a:rPr lang="en-US" dirty="0"/>
+              <a:t>Evolution of </a:t>
+            </a:r>
+            <a:r>
+              <a:rPr lang="en-US" dirty="0" err="1"/>
+              <a:t>unix</a:t>
+            </a:r>
+            <a:endParaRPr lang="fa-IR" dirty="0"/>
+          </a:p>
+        </p:txBody>
+      </p:sp>
+      <p:sp>
+        <p:nvSpPr>
+          <p:cNvPr id="3" name="Content Placeholder 2">
+            <a:extLst>
+              <a:ext uri="{FF2B5EF4-FFF2-40B4-BE49-F238E27FC236}">
+                <a16:creationId xmlns:a16="http://schemas.microsoft.com/office/drawing/2014/main" id="{FCD3D80E-E82A-42F6-9A37-8D76B8997FFE}"/>
+              </a:ext>
+            </a:extLst>
+          </p:cNvPr>
+          <p:cNvSpPr>
+            <a:spLocks noGrp="1"/>
+          </p:cNvSpPr>
+          <p:nvPr>
+            <p:ph idx="1"/>
+          </p:nvPr>
+        </p:nvSpPr>
+        <p:spPr/>
+        <p:txBody>
+          <a:bodyPr/>
+          <a:lstStyle/>
+          <a:p>
+            <a:r>
+              <a:rPr lang="en-US" dirty="0"/>
+              <a:t>Take a look at:</a:t>
+            </a:r>
+          </a:p>
+          <a:p>
+            <a:pPr lvl="1"/>
+            <a:r>
+              <a:rPr lang="en-US" dirty="0">
+                <a:hlinkClick r:id="rId3"/>
+              </a:rPr>
+              <a:t>https://upload.wikimedia.org/wikipedia/commons/7/77/Unix_history-simple.svg</a:t>
+            </a:r>
+            <a:endParaRPr lang="fa-IR" dirty="0"/>
+          </a:p>
+          <a:p>
+            <a:pPr lvl="1"/>
+            <a:endParaRPr lang="fa-IR" dirty="0"/>
+          </a:p>
+        </p:txBody>
+      </p:sp>
+    </p:spTree>
+    <p:extLst>
+      <p:ext uri="{BB962C8B-B14F-4D97-AF65-F5344CB8AC3E}">
+        <p14:creationId xmlns:p14="http://schemas.microsoft.com/office/powerpoint/2010/main" val="1870440400"/>
       </p:ext>
     </p:extLst>
   </p:cSld>
@@ -5455,24 +12372,6 @@
 </file>
 
 <file path=customXml/item1.xml><?xml version="1.0" encoding="utf-8"?>
-<p:properties xmlns:p="http://schemas.microsoft.com/office/2006/metadata/properties" xmlns:xsi="http://www.w3.org/2001/XMLSchema-instance" xmlns:pc="http://schemas.microsoft.com/office/infopath/2007/PartnerControls">
-  <documentManagement>
-    <Status xmlns="71af3243-3dd4-4a8d-8c0d-dd76da1f02a5">Not started</Status>
-    <MediaServiceKeyPoints xmlns="71af3243-3dd4-4a8d-8c0d-dd76da1f02a5" xsi:nil="true"/>
-  </documentManagement>
-</p:properties>
-</file>
-
-<file path=customXml/item2.xml><?xml version="1.0" encoding="utf-8"?>
-<?mso-contentType ?>
-<FormTemplates xmlns="http://schemas.microsoft.com/sharepoint/v3/contenttype/forms">
-  <Display>DocumentLibraryForm</Display>
-  <Edit>DocumentLibraryForm</Edit>
-  <New>DocumentLibraryForm</New>
-</FormTemplates>
-</file>
-
-<file path=customXml/item3.xml><?xml version="1.0" encoding="utf-8"?>
 <ct:contentTypeSchema xmlns:ct="http://schemas.microsoft.com/office/2006/metadata/contentType" xmlns:ma="http://schemas.microsoft.com/office/2006/metadata/properties/metaAttributes" ct:_="" ma:_="" ma:contentTypeName="Document" ma:contentTypeID="0x01010079F111ED35F8CC479449609E8A0923A6" ma:contentTypeVersion="12" ma:contentTypeDescription="Create a new document." ma:contentTypeScope="" ma:versionID="a410dd7f93c95333ffa1b60ed6adedd1">
   <xsd:schema xmlns:xsd="http://www.w3.org/2001/XMLSchema" xmlns:xs="http://www.w3.org/2001/XMLSchema" xmlns:p="http://schemas.microsoft.com/office/2006/metadata/properties" xmlns:ns2="71af3243-3dd4-4a8d-8c0d-dd76da1f02a5" xmlns:ns3="16c05727-aa75-4e4a-9b5f-8a80a1165891" targetNamespace="http://schemas.microsoft.com/office/2006/metadata/properties" ma:root="true" ma:fieldsID="a936d9baba76aa3866493feff160faab" ns2:_="" ns3:_="">
     <xsd:import namespace="71af3243-3dd4-4a8d-8c0d-dd76da1f02a5"/>
@@ -5693,25 +12592,25 @@
 </ct:contentTypeSchema>
 </file>
 
-<file path=customXml/itemProps1.xml><?xml version="1.0" encoding="utf-8"?>
-<ds:datastoreItem xmlns:ds="http://schemas.openxmlformats.org/officeDocument/2006/customXml" ds:itemID="{E7228C0C-F774-4270-99CB-314B07EBFBE7}">
-  <ds:schemaRefs>
-    <ds:schemaRef ds:uri="http://schemas.microsoft.com/office/2006/metadata/properties"/>
-    <ds:schemaRef ds:uri="http://schemas.microsoft.com/office/infopath/2007/PartnerControls"/>
-    <ds:schemaRef ds:uri="71af3243-3dd4-4a8d-8c0d-dd76da1f02a5"/>
-  </ds:schemaRefs>
-</ds:datastoreItem>
+<file path=customXml/item2.xml><?xml version="1.0" encoding="utf-8"?>
+<?mso-contentType ?>
+<FormTemplates xmlns="http://schemas.microsoft.com/sharepoint/v3/contenttype/forms">
+  <Display>DocumentLibraryForm</Display>
+  <Edit>DocumentLibraryForm</Edit>
+  <New>DocumentLibraryForm</New>
+</FormTemplates>
 </file>
 
-<file path=customXml/itemProps2.xml><?xml version="1.0" encoding="utf-8"?>
-<ds:datastoreItem xmlns:ds="http://schemas.openxmlformats.org/officeDocument/2006/customXml" ds:itemID="{7745B92C-4D89-4324-B52D-E1F5F627B790}">
-  <ds:schemaRefs>
-    <ds:schemaRef ds:uri="http://schemas.microsoft.com/sharepoint/v3/contenttype/forms"/>
-  </ds:schemaRefs>
-</ds:datastoreItem>
+<file path=customXml/item3.xml><?xml version="1.0" encoding="utf-8"?>
+<p:properties xmlns:p="http://schemas.microsoft.com/office/2006/metadata/properties" xmlns:xsi="http://www.w3.org/2001/XMLSchema-instance" xmlns:pc="http://schemas.microsoft.com/office/infopath/2007/PartnerControls">
+  <documentManagement>
+    <Status xmlns="71af3243-3dd4-4a8d-8c0d-dd76da1f02a5">Not started</Status>
+    <MediaServiceKeyPoints xmlns="71af3243-3dd4-4a8d-8c0d-dd76da1f02a5" xsi:nil="true"/>
+  </documentManagement>
+</p:properties>
 </file>
 
-<file path=customXml/itemProps3.xml><?xml version="1.0" encoding="utf-8"?>
+<file path=customXml/itemProps1.xml><?xml version="1.0" encoding="utf-8"?>
 <ds:datastoreItem xmlns:ds="http://schemas.openxmlformats.org/officeDocument/2006/customXml" ds:itemID="{E4487CEA-7875-4327-875F-CA3B32E8009E}">
   <ds:schemaRefs>
     <ds:schemaRef ds:uri="http://schemas.microsoft.com/office/2006/metadata/contentType"/>
@@ -5728,4 +12627,22 @@
     <ds:schemaRef ds:uri="http://schemas.microsoft.com/internal/obd"/>
   </ds:schemaRefs>
 </ds:datastoreItem>
+</file>
+
+<file path=customXml/itemProps2.xml><?xml version="1.0" encoding="utf-8"?>
+<ds:datastoreItem xmlns:ds="http://schemas.openxmlformats.org/officeDocument/2006/customXml" ds:itemID="{7745B92C-4D89-4324-B52D-E1F5F627B790}">
+  <ds:schemaRefs>
+    <ds:schemaRef ds:uri="http://schemas.microsoft.com/sharepoint/v3/contenttype/forms"/>
+  </ds:schemaRefs>
+</ds:datastoreItem>
+</file>
+
+<file path=customXml/itemProps3.xml><?xml version="1.0" encoding="utf-8"?>
+<ds:datastoreItem xmlns:ds="http://schemas.openxmlformats.org/officeDocument/2006/customXml" ds:itemID="{E7228C0C-F774-4270-99CB-314B07EBFBE7}">
+  <ds:schemaRefs>
+    <ds:schemaRef ds:uri="http://schemas.microsoft.com/office/2006/metadata/properties"/>
+    <ds:schemaRef ds:uri="http://schemas.microsoft.com/office/infopath/2007/PartnerControls"/>
+    <ds:schemaRef ds:uri="71af3243-3dd4-4a8d-8c0d-dd76da1f02a5"/>
+  </ds:schemaRefs>
+</ds:datastoreItem>
 </file>